--- a/project/848_Project_Presentation_Fasburg_Thomas.pptx
+++ b/project/848_Project_Presentation_Fasburg_Thomas.pptx
@@ -119,7 +119,7 @@
   </p:defaultTextStyle>
   <p:extLst>
     <p:ext uri="{EFAFB233-063F-42B5-8137-9DF3F51BA10A}">
-      <p15:sldGuideLst xmlns="" xmlns:p15="http://schemas.microsoft.com/office/powerpoint/2012/main">
+      <p15:sldGuideLst xmlns:p15="http://schemas.microsoft.com/office/powerpoint/2012/main" xmlns="">
         <p15:guide id="1" orient="horz" pos="2160">
           <p15:clr>
             <a:srgbClr val="A4A3A4"/>
@@ -218,7 +218,7 @@
           <a:p>
             <a:fld id="{A63B8CFC-D614-4432-A7DB-A65856E85B43}" type="datetimeFigureOut">
               <a:rPr lang="en-US" smtClean="0"/>
-              <a:t>11/16/2015</a:t>
+              <a:t>11/26/2015</a:t>
             </a:fld>
             <a:endParaRPr lang="en-US" dirty="0"/>
           </a:p>
@@ -866,7 +866,20 @@
           <a:bodyPr/>
           <a:lstStyle/>
           <a:p>
-            <a:endParaRPr lang="en-US" dirty="0"/>
+            <a:r>
+              <a:rPr lang="en-US" dirty="0" smtClean="0"/>
+              <a:t>Covariance matrix “learns” relationships</a:t>
+            </a:r>
+            <a:r>
+              <a:rPr lang="en-US" baseline="0" dirty="0" smtClean="0"/>
+              <a:t> between the variables.</a:t>
+            </a:r>
+          </a:p>
+          <a:p>
+            <a:r>
+              <a:rPr lang="en-US" baseline="0" dirty="0" smtClean="0"/>
+              <a:t>Helps point mutation in the right n-dimensional direction, using these relationships.</a:t>
+            </a:r>
           </a:p>
         </p:txBody>
       </p:sp>
@@ -1228,7 +1241,17 @@
           <a:p>
             <a:r>
               <a:rPr lang="en-US" baseline="0" dirty="0" smtClean="0"/>
-              <a:t>N is power spectral density of noise-only portion of signal</a:t>
+              <a:t>N is power spectral density of noise-only portion of </a:t>
+            </a:r>
+            <a:r>
+              <a:rPr lang="en-US" baseline="0" dirty="0" smtClean="0"/>
+              <a:t>signal</a:t>
+            </a:r>
+          </a:p>
+          <a:p>
+            <a:r>
+              <a:rPr lang="en-US" baseline="0" dirty="0" smtClean="0"/>
+              <a:t>H(f) is FFT of h(t). In this case h(t) ~= 1. For real system h(t) would have to do with acoustics of the car</a:t>
             </a:r>
             <a:endParaRPr lang="en-US" dirty="0"/>
           </a:p>
@@ -1398,6 +1421,14 @@
           <a:bodyPr/>
           <a:lstStyle/>
           <a:p>
+            <a:r>
+              <a:rPr lang="en-US" dirty="0" smtClean="0"/>
+              <a:t>Weighted recombination = best individuals are given higher</a:t>
+            </a:r>
+            <a:r>
+              <a:rPr lang="en-US" baseline="0" dirty="0" smtClean="0"/>
+              <a:t> weight when computing the new distribution mean</a:t>
+            </a:r>
             <a:endParaRPr lang="en-US" dirty="0"/>
           </a:p>
         </p:txBody>
@@ -2147,7 +2178,7 @@
           <a:p>
             <a:fld id="{ADE5661A-BDAA-4579-B2F5-AA9011776D83}" type="datetimeFigureOut">
               <a:rPr lang="en-US" smtClean="0"/>
-              <a:t>11/16/2015</a:t>
+              <a:t>11/26/2015</a:t>
             </a:fld>
             <a:endParaRPr lang="en-US" dirty="0"/>
           </a:p>
@@ -2345,7 +2376,7 @@
             <a:fld id="{1D8BD707-D9CF-40AE-B4C6-C98DA3205C09}" type="datetimeFigureOut">
               <a:rPr lang="en-US" smtClean="0"/>
               <a:pPr/>
-              <a:t>11/16/2015</a:t>
+              <a:t>11/26/2015</a:t>
             </a:fld>
             <a:endParaRPr lang="en-US" dirty="0"/>
           </a:p>
@@ -2532,7 +2563,7 @@
             <a:fld id="{1D8BD707-D9CF-40AE-B4C6-C98DA3205C09}" type="datetimeFigureOut">
               <a:rPr lang="en-US" smtClean="0"/>
               <a:pPr/>
-              <a:t>11/16/2015</a:t>
+              <a:t>11/26/2015</a:t>
             </a:fld>
             <a:endParaRPr lang="en-US" dirty="0"/>
           </a:p>
@@ -2684,7 +2715,7 @@
             <a:fld id="{1D8BD707-D9CF-40AE-B4C6-C98DA3205C09}" type="datetimeFigureOut">
               <a:rPr lang="en-US" smtClean="0"/>
               <a:pPr/>
-              <a:t>11/16/2015</a:t>
+              <a:t>11/26/2015</a:t>
             </a:fld>
             <a:endParaRPr lang="en-US" dirty="0"/>
           </a:p>
@@ -2940,7 +2971,7 @@
           <a:p>
             <a:fld id="{7D698992-9F5B-4E9D-871D-4517B2EC8643}" type="datetimeFigureOut">
               <a:rPr lang="en-US" smtClean="0"/>
-              <a:t>11/16/2015</a:t>
+              <a:t>11/26/2015</a:t>
             </a:fld>
             <a:endParaRPr lang="en-US" dirty="0"/>
           </a:p>
@@ -3350,7 +3381,7 @@
             <a:fld id="{1D8BD707-D9CF-40AE-B4C6-C98DA3205C09}" type="datetimeFigureOut">
               <a:rPr lang="en-US" smtClean="0"/>
               <a:pPr/>
-              <a:t>11/16/2015</a:t>
+              <a:t>11/26/2015</a:t>
             </a:fld>
             <a:endParaRPr lang="en-US" dirty="0"/>
           </a:p>
@@ -3798,7 +3829,7 @@
             <a:fld id="{1D8BD707-D9CF-40AE-B4C6-C98DA3205C09}" type="datetimeFigureOut">
               <a:rPr lang="en-US" smtClean="0"/>
               <a:pPr/>
-              <a:t>11/16/2015</a:t>
+              <a:t>11/26/2015</a:t>
             </a:fld>
             <a:endParaRPr lang="en-US" dirty="0"/>
           </a:p>
@@ -3901,7 +3932,7 @@
             <a:fld id="{1D8BD707-D9CF-40AE-B4C6-C98DA3205C09}" type="datetimeFigureOut">
               <a:rPr lang="en-US" smtClean="0"/>
               <a:pPr/>
-              <a:t>11/16/2015</a:t>
+              <a:t>11/26/2015</a:t>
             </a:fld>
             <a:endParaRPr lang="en-US" dirty="0"/>
           </a:p>
@@ -4024,7 +4055,7 @@
             <a:fld id="{1D8BD707-D9CF-40AE-B4C6-C98DA3205C09}" type="datetimeFigureOut">
               <a:rPr lang="en-US" smtClean="0"/>
               <a:pPr/>
-              <a:t>11/16/2015</a:t>
+              <a:t>11/26/2015</a:t>
             </a:fld>
             <a:endParaRPr lang="en-US" dirty="0"/>
           </a:p>
@@ -4300,7 +4331,7 @@
             <a:fld id="{1D8BD707-D9CF-40AE-B4C6-C98DA3205C09}" type="datetimeFigureOut">
               <a:rPr lang="en-US" smtClean="0"/>
               <a:pPr/>
-              <a:t>11/16/2015</a:t>
+              <a:t>11/26/2015</a:t>
             </a:fld>
             <a:endParaRPr lang="en-US" dirty="0"/>
           </a:p>
@@ -4507,7 +4538,7 @@
             <a:fld id="{1D8BD707-D9CF-40AE-B4C6-C98DA3205C09}" type="datetimeFigureOut">
               <a:rPr lang="en-US" smtClean="0"/>
               <a:pPr/>
-              <a:t>11/16/2015</a:t>
+              <a:t>11/26/2015</a:t>
             </a:fld>
             <a:endParaRPr lang="en-US" dirty="0"/>
           </a:p>
@@ -5618,7 +5649,7 @@
             <a:fld id="{1D8BD707-D9CF-40AE-B4C6-C98DA3205C09}" type="datetimeFigureOut">
               <a:rPr lang="en-US" smtClean="0"/>
               <a:pPr/>
-              <a:t>11/16/2015</a:t>
+              <a:t>11/26/2015</a:t>
             </a:fld>
             <a:endParaRPr lang="en-US" dirty="0"/>
           </a:p>
@@ -6086,19 +6117,7 @@
             </a:r>
             <a:r>
               <a:rPr lang="en-US" sz="2000" dirty="0" smtClean="0"/>
-              <a:t>y</a:t>
-            </a:r>
-            <a:r>
-              <a:rPr lang="en-US" sz="2000" dirty="0" smtClean="0"/>
-              <a:t>: </a:t>
-            </a:r>
-            <a:r>
-              <a:rPr lang="en-US" sz="2000" dirty="0" smtClean="0"/>
-              <a:t>Vince </a:t>
-            </a:r>
-            <a:r>
-              <a:rPr lang="en-US" sz="2000" dirty="0" smtClean="0"/>
-              <a:t>Fasburg and Josh Thomas</a:t>
+              <a:t>y: Vince Fasburg and Josh Thomas</a:t>
             </a:r>
             <a:endParaRPr lang="en-US" sz="2000" dirty="0"/>
           </a:p>
@@ -6299,7 +6318,6 @@
               <a:rPr lang="en-US" dirty="0" smtClean="0"/>
               <a:t>Background</a:t>
             </a:r>
-            <a:endParaRPr lang="en-US" dirty="0" smtClean="0"/>
           </a:p>
           <a:p>
             <a:pPr lvl="1"/>
@@ -6307,7 +6325,6 @@
               <a:rPr lang="en-US" dirty="0" smtClean="0"/>
               <a:t>Weiner Filter</a:t>
             </a:r>
-            <a:endParaRPr lang="en-US" dirty="0" smtClean="0"/>
           </a:p>
           <a:p>
             <a:pPr lvl="1"/>
@@ -6315,7 +6332,6 @@
               <a:rPr lang="en-US" dirty="0" smtClean="0"/>
               <a:t>Spectral Subtraction</a:t>
             </a:r>
-            <a:endParaRPr lang="en-US" dirty="0" smtClean="0"/>
           </a:p>
           <a:p>
             <a:pPr lvl="1"/>
@@ -6329,14 +6345,12 @@
               <a:rPr lang="en-US" dirty="0" smtClean="0"/>
               <a:t>Evolutionary Strategy</a:t>
             </a:r>
-            <a:endParaRPr lang="en-US" dirty="0" smtClean="0"/>
           </a:p>
           <a:p>
             <a:r>
               <a:rPr lang="en-US" dirty="0" smtClean="0"/>
               <a:t>Results</a:t>
             </a:r>
-            <a:endParaRPr lang="en-US" dirty="0" smtClean="0"/>
           </a:p>
           <a:p>
             <a:r>
@@ -6431,11 +6445,7 @@
             </a:pPr>
             <a:r>
               <a:rPr lang="en-US" dirty="0" smtClean="0"/>
-              <a:t>Recover clean speech signal </a:t>
-            </a:r>
-            <a:r>
-              <a:rPr lang="en-US" dirty="0" smtClean="0"/>
-              <a:t>from audio corrupted by noise, such as road noise.</a:t>
+              <a:t>Recover clean speech signal from audio corrupted by noise, such as road noise.</a:t>
             </a:r>
           </a:p>
           <a:p>
@@ -6563,7 +6573,6 @@
               <a:rPr lang="en-US" dirty="0" smtClean="0"/>
               <a:t>Mutation in direction of eigenvectors of covariance matrix</a:t>
             </a:r>
-            <a:endParaRPr lang="en-US" dirty="0" smtClean="0"/>
           </a:p>
           <a:p>
             <a:endParaRPr lang="en-US" dirty="0"/>
@@ -6696,11 +6705,7 @@
           <a:p>
             <a:r>
               <a:rPr lang="en-US" dirty="0" smtClean="0"/>
-              <a:t>Subtract power spectrum of noise only from that of noisy signal</a:t>
-            </a:r>
-            <a:r>
-              <a:rPr lang="en-US" dirty="0" smtClean="0"/>
-              <a:t>                                    			X</a:t>
+              <a:t>Subtract power spectrum of noise only from that of noisy signal                                    			X</a:t>
             </a:r>
             <a:r>
               <a:rPr lang="en-US" baseline="30000" dirty="0" smtClean="0"/>
@@ -6750,16 +6755,9 @@
           <a:p>
             <a:r>
               <a:rPr lang="en-US" dirty="0" smtClean="0"/>
-              <a:t>Use X</a:t>
-            </a:r>
-            <a:r>
-              <a:rPr lang="en-US" baseline="30000" dirty="0" smtClean="0"/>
-              <a:t>2</a:t>
-            </a:r>
-            <a:r>
-              <a:rPr lang="en-US" dirty="0" smtClean="0"/>
-              <a:t> to decide if segment is speech or noise</a:t>
-            </a:r>
+              <a:t>Speech/Noise decision with hold times</a:t>
+            </a:r>
+            <a:endParaRPr lang="en-US" dirty="0" smtClean="0"/>
           </a:p>
           <a:p>
             <a:r>
@@ -6857,15 +6855,23 @@
             </a:r>
             <a:r>
               <a:rPr lang="en-US" dirty="0"/>
-              <a:t>SNR = Y</a:t>
-            </a:r>
-            <a:r>
-              <a:rPr lang="en-US" baseline="30000" dirty="0"/>
+              <a:t>SNR = </a:t>
+            </a:r>
+            <a:r>
+              <a:rPr lang="en-US" dirty="0" smtClean="0"/>
+              <a:t>S</a:t>
+            </a:r>
+            <a:r>
+              <a:rPr lang="en-US" baseline="30000" dirty="0" smtClean="0"/>
               <a:t>2</a:t>
             </a:r>
             <a:r>
+              <a:rPr lang="en-US" dirty="0" smtClean="0"/>
+              <a:t>/N</a:t>
+            </a:r>
+            <a:r>
               <a:rPr lang="en-US" dirty="0"/>
-              <a:t>/N, similarly to Spectral </a:t>
+              <a:t>, similarly to Spectral </a:t>
             </a:r>
             <a:r>
               <a:rPr lang="en-US" dirty="0" smtClean="0"/>
@@ -6887,7 +6893,11 @@
           <a:p>
             <a:r>
               <a:rPr lang="en-US" dirty="0" smtClean="0"/>
-              <a:t>Parameters: SNR Smoothing Factor</a:t>
+              <a:t>Parameters: </a:t>
+            </a:r>
+            <a:r>
+              <a:rPr lang="en-US" dirty="0" smtClean="0"/>
+              <a:t>SNR Smoothing Factor</a:t>
             </a:r>
           </a:p>
         </p:txBody>
@@ -6909,12 +6919,728 @@
           <a:p>
             <a:r>
               <a:rPr lang="en-US" dirty="0" smtClean="0"/>
-              <a:t>Background: Weiner Filter</a:t>
+              <a:t>Background: </a:t>
+            </a:r>
+            <a:r>
+              <a:rPr lang="en-US" dirty="0" smtClean="0"/>
+              <a:t>Wiener </a:t>
+            </a:r>
+            <a:r>
+              <a:rPr lang="en-US" dirty="0" smtClean="0"/>
+              <a:t>Filter</a:t>
             </a:r>
             <a:endParaRPr lang="en-US" dirty="0"/>
           </a:p>
         </p:txBody>
       </p:sp>
+      <mc:AlternateContent xmlns:mc="http://schemas.openxmlformats.org/markup-compatibility/2006">
+        <mc:Choice xmlns:a14="http://schemas.microsoft.com/office/drawing/2010/main" Requires="a14">
+          <p:sp>
+            <p:nvSpPr>
+              <p:cNvPr id="4" name="TextBox 3"/>
+              <p:cNvSpPr txBox="1"/>
+              <p:nvPr/>
+            </p:nvSpPr>
+            <p:spPr>
+              <a:xfrm>
+                <a:off x="533400" y="3582894"/>
+                <a:ext cx="4267200" cy="523220"/>
+              </a:xfrm>
+              <a:prstGeom prst="rect">
+                <a:avLst/>
+              </a:prstGeom>
+              <a:noFill/>
+            </p:spPr>
+            <p:txBody>
+              <a:bodyPr wrap="square" rtlCol="0">
+                <a:spAutoFit/>
+              </a:bodyPr>
+              <a:lstStyle/>
+              <a:p>
+                <a:r>
+                  <a:rPr lang="en-US" sz="2800" dirty="0" smtClean="0"/>
+                  <a:t> </a:t>
+                </a:r>
+                <a14:m>
+                  <m:oMath xmlns:m="http://schemas.openxmlformats.org/officeDocument/2006/math">
+                    <m:r>
+                      <m:rPr>
+                        <m:sty m:val="p"/>
+                      </m:rPr>
+                      <a:rPr lang="en-US" sz="2800" b="0" i="0" smtClean="0">
+                        <a:latin typeface="Cambria Math"/>
+                      </a:rPr>
+                      <m:t>s</m:t>
+                    </m:r>
+                    <m:r>
+                      <a:rPr lang="en-US" sz="2800" b="0" i="0" smtClean="0">
+                        <a:latin typeface="Cambria Math"/>
+                      </a:rPr>
+                      <m:t>(</m:t>
+                    </m:r>
+                    <m:r>
+                      <m:rPr>
+                        <m:sty m:val="p"/>
+                      </m:rPr>
+                      <a:rPr lang="en-US" sz="2800" b="0" i="0" smtClean="0">
+                        <a:latin typeface="Cambria Math"/>
+                      </a:rPr>
+                      <m:t>t</m:t>
+                    </m:r>
+                    <m:r>
+                      <a:rPr lang="en-US" sz="2800" b="0" i="0" smtClean="0">
+                        <a:latin typeface="Cambria Math"/>
+                      </a:rPr>
+                      <m:t>)</m:t>
+                    </m:r>
+                    <m:r>
+                      <a:rPr lang="en-US" sz="2800" i="1" smtClean="0">
+                        <a:latin typeface="Cambria Math"/>
+                      </a:rPr>
+                      <m:t>=</m:t>
+                    </m:r>
+                    <m:d>
+                      <m:dPr>
+                        <m:ctrlPr>
+                          <a:rPr lang="en-US" sz="2800" b="0" i="1" smtClean="0">
+                            <a:latin typeface="Cambria Math"/>
+                          </a:rPr>
+                        </m:ctrlPr>
+                      </m:dPr>
+                      <m:e>
+                        <m:r>
+                          <a:rPr lang="en-US" sz="2800" b="0" i="1" smtClean="0">
+                            <a:latin typeface="Cambria Math"/>
+                          </a:rPr>
+                          <m:t>h</m:t>
+                        </m:r>
+                        <m:r>
+                          <a:rPr lang="en-US" sz="2800" b="0" i="1" smtClean="0">
+                            <a:latin typeface="Cambria Math"/>
+                          </a:rPr>
+                          <m:t> ⋆</m:t>
+                        </m:r>
+                        <m:r>
+                          <a:rPr lang="en-US" sz="2800" b="0" i="1" smtClean="0">
+                            <a:latin typeface="Cambria Math"/>
+                          </a:rPr>
+                          <m:t>𝑥</m:t>
+                        </m:r>
+                      </m:e>
+                    </m:d>
+                    <m:d>
+                      <m:dPr>
+                        <m:ctrlPr>
+                          <a:rPr lang="en-US" sz="2800" b="0" i="1" smtClean="0">
+                            <a:latin typeface="Cambria Math"/>
+                          </a:rPr>
+                        </m:ctrlPr>
+                      </m:dPr>
+                      <m:e>
+                        <m:r>
+                          <a:rPr lang="en-US" sz="2800" b="0" i="1" smtClean="0">
+                            <a:latin typeface="Cambria Math"/>
+                          </a:rPr>
+                          <m:t>𝑡</m:t>
+                        </m:r>
+                      </m:e>
+                    </m:d>
+                    <m:r>
+                      <a:rPr lang="en-US" sz="2800" b="0" i="1" smtClean="0">
+                        <a:latin typeface="Cambria Math"/>
+                      </a:rPr>
+                      <m:t>+</m:t>
+                    </m:r>
+                    <m:r>
+                      <a:rPr lang="en-US" sz="2800" b="0" i="1" smtClean="0">
+                        <a:latin typeface="Cambria Math"/>
+                      </a:rPr>
+                      <m:t>𝑛</m:t>
+                    </m:r>
+                    <m:r>
+                      <a:rPr lang="en-US" sz="2800" b="0" i="1" smtClean="0">
+                        <a:latin typeface="Cambria Math"/>
+                      </a:rPr>
+                      <m:t>(</m:t>
+                    </m:r>
+                    <m:r>
+                      <a:rPr lang="en-US" sz="2800" b="0" i="1" smtClean="0">
+                        <a:latin typeface="Cambria Math"/>
+                      </a:rPr>
+                      <m:t>𝑡</m:t>
+                    </m:r>
+                    <m:r>
+                      <a:rPr lang="en-US" sz="2800" b="0" i="1" smtClean="0">
+                        <a:latin typeface="Cambria Math"/>
+                      </a:rPr>
+                      <m:t>)</m:t>
+                    </m:r>
+                  </m:oMath>
+                </a14:m>
+                <a:endParaRPr lang="en-US" sz="2800" dirty="0"/>
+              </a:p>
+            </p:txBody>
+          </p:sp>
+        </mc:Choice>
+        <mc:Fallback>
+          <p:sp>
+            <p:nvSpPr>
+              <p:cNvPr id="4" name="TextBox 3"/>
+              <p:cNvSpPr txBox="1">
+                <a:spLocks noRot="1" noChangeAspect="1" noMove="1" noResize="1" noEditPoints="1" noAdjustHandles="1" noChangeArrowheads="1" noChangeShapeType="1" noTextEdit="1"/>
+              </p:cNvSpPr>
+              <p:nvPr/>
+            </p:nvSpPr>
+            <p:spPr>
+              <a:xfrm>
+                <a:off x="533400" y="3582894"/>
+                <a:ext cx="4267200" cy="523220"/>
+              </a:xfrm>
+              <a:prstGeom prst="rect">
+                <a:avLst/>
+              </a:prstGeom>
+              <a:blipFill rotWithShape="1">
+                <a:blip r:embed="rId3"/>
+                <a:stretch>
+                  <a:fillRect l="-3000" t="-10465" b="-32558"/>
+                </a:stretch>
+              </a:blipFill>
+            </p:spPr>
+            <p:txBody>
+              <a:bodyPr/>
+              <a:lstStyle/>
+              <a:p>
+                <a:r>
+                  <a:rPr lang="en-US">
+                    <a:noFill/>
+                  </a:rPr>
+                  <a:t> </a:t>
+                </a:r>
+              </a:p>
+            </p:txBody>
+          </p:sp>
+        </mc:Fallback>
+      </mc:AlternateContent>
+      <mc:AlternateContent xmlns:mc="http://schemas.openxmlformats.org/markup-compatibility/2006">
+        <mc:Choice xmlns:a14="http://schemas.microsoft.com/office/drawing/2010/main" Requires="a14">
+          <p:sp>
+            <p:nvSpPr>
+              <p:cNvPr id="8" name="TextBox 7"/>
+              <p:cNvSpPr txBox="1"/>
+              <p:nvPr/>
+            </p:nvSpPr>
+            <p:spPr>
+              <a:xfrm>
+                <a:off x="4419600" y="5823632"/>
+                <a:ext cx="3962400" cy="523220"/>
+              </a:xfrm>
+              <a:prstGeom prst="rect">
+                <a:avLst/>
+              </a:prstGeom>
+              <a:noFill/>
+            </p:spPr>
+            <p:txBody>
+              <a:bodyPr wrap="square" rtlCol="0">
+                <a:spAutoFit/>
+              </a:bodyPr>
+              <a:lstStyle/>
+              <a:p>
+                <a14:m>
+                  <m:oMathPara xmlns:m="http://schemas.openxmlformats.org/officeDocument/2006/math">
+                    <m:oMathParaPr>
+                      <m:jc m:val="centerGroup"/>
+                    </m:oMathParaPr>
+                    <m:oMath xmlns:m="http://schemas.openxmlformats.org/officeDocument/2006/math">
+                      <m:acc>
+                        <m:accPr>
+                          <m:chr m:val="̂"/>
+                          <m:ctrlPr>
+                            <a:rPr lang="en-US" sz="2800" i="1" smtClean="0">
+                              <a:latin typeface="Cambria Math"/>
+                            </a:rPr>
+                          </m:ctrlPr>
+                        </m:accPr>
+                        <m:e>
+                          <m:r>
+                            <a:rPr lang="en-US" sz="2800" b="0" i="1" smtClean="0">
+                              <a:latin typeface="Cambria Math"/>
+                            </a:rPr>
+                            <m:t>𝑥</m:t>
+                          </m:r>
+                        </m:e>
+                      </m:acc>
+                      <m:r>
+                        <a:rPr lang="en-US" sz="2800" i="1" smtClean="0">
+                          <a:latin typeface="Cambria Math"/>
+                        </a:rPr>
+                        <m:t>=</m:t>
+                      </m:r>
+                      <m:r>
+                        <a:rPr lang="en-US" sz="2800" b="0" i="1" smtClean="0">
+                          <a:latin typeface="Cambria Math"/>
+                        </a:rPr>
+                        <m:t>𝑖𝑓𝑓𝑡</m:t>
+                      </m:r>
+                      <m:d>
+                        <m:dPr>
+                          <m:ctrlPr>
+                            <a:rPr lang="en-US" sz="2800" b="0" i="1" smtClean="0">
+                              <a:latin typeface="Cambria Math"/>
+                            </a:rPr>
+                          </m:ctrlPr>
+                        </m:dPr>
+                        <m:e>
+                          <m:r>
+                            <a:rPr lang="en-US" sz="2800" b="0" i="1" smtClean="0">
+                              <a:latin typeface="Cambria Math"/>
+                            </a:rPr>
+                            <m:t>𝐻</m:t>
+                          </m:r>
+                          <m:r>
+                            <a:rPr lang="en-US" sz="2800" b="0" i="1" smtClean="0">
+                              <a:latin typeface="Cambria Math"/>
+                            </a:rPr>
+                            <m:t>(</m:t>
+                          </m:r>
+                          <m:r>
+                            <a:rPr lang="en-US" sz="2800" b="0" i="1" smtClean="0">
+                              <a:latin typeface="Cambria Math"/>
+                            </a:rPr>
+                            <m:t>𝑓</m:t>
+                          </m:r>
+                          <m:r>
+                            <a:rPr lang="en-US" sz="2800" b="0" i="1" smtClean="0">
+                              <a:latin typeface="Cambria Math"/>
+                            </a:rPr>
+                            <m:t>)</m:t>
+                          </m:r>
+                          <m:r>
+                            <a:rPr lang="en-US" sz="2800" b="0" i="1" smtClean="0">
+                              <a:latin typeface="Cambria Math"/>
+                            </a:rPr>
+                            <m:t>𝑆</m:t>
+                          </m:r>
+                          <m:r>
+                            <a:rPr lang="en-US" sz="2800" b="0" i="1" smtClean="0">
+                              <a:latin typeface="Cambria Math"/>
+                            </a:rPr>
+                            <m:t>(</m:t>
+                          </m:r>
+                          <m:r>
+                            <a:rPr lang="en-US" sz="2800" b="0" i="1" smtClean="0">
+                              <a:latin typeface="Cambria Math"/>
+                            </a:rPr>
+                            <m:t>𝑓</m:t>
+                          </m:r>
+                          <m:r>
+                            <a:rPr lang="en-US" sz="2800" b="0" i="1" smtClean="0">
+                              <a:latin typeface="Cambria Math"/>
+                            </a:rPr>
+                            <m:t>)</m:t>
+                          </m:r>
+                        </m:e>
+                      </m:d>
+                    </m:oMath>
+                  </m:oMathPara>
+                </a14:m>
+                <a:endParaRPr lang="en-US" sz="2800" dirty="0"/>
+              </a:p>
+            </p:txBody>
+          </p:sp>
+        </mc:Choice>
+        <mc:Fallback>
+          <p:sp>
+            <p:nvSpPr>
+              <p:cNvPr id="8" name="TextBox 7"/>
+              <p:cNvSpPr txBox="1">
+                <a:spLocks noRot="1" noChangeAspect="1" noMove="1" noResize="1" noEditPoints="1" noAdjustHandles="1" noChangeArrowheads="1" noChangeShapeType="1" noTextEdit="1"/>
+              </p:cNvSpPr>
+              <p:nvPr/>
+            </p:nvSpPr>
+            <p:spPr>
+              <a:xfrm>
+                <a:off x="4419600" y="5823632"/>
+                <a:ext cx="3962400" cy="523220"/>
+              </a:xfrm>
+              <a:prstGeom prst="rect">
+                <a:avLst/>
+              </a:prstGeom>
+              <a:blipFill rotWithShape="1">
+                <a:blip r:embed="rId4"/>
+                <a:stretch>
+                  <a:fillRect t="-10465" b="-32558"/>
+                </a:stretch>
+              </a:blipFill>
+            </p:spPr>
+            <p:txBody>
+              <a:bodyPr/>
+              <a:lstStyle/>
+              <a:p>
+                <a:r>
+                  <a:rPr lang="en-US">
+                    <a:noFill/>
+                  </a:rPr>
+                  <a:t> </a:t>
+                </a:r>
+              </a:p>
+            </p:txBody>
+          </p:sp>
+        </mc:Fallback>
+      </mc:AlternateContent>
+      <mc:AlternateContent xmlns:mc="http://schemas.openxmlformats.org/markup-compatibility/2006">
+        <mc:Choice xmlns:a14="http://schemas.microsoft.com/office/drawing/2010/main" Requires="a14">
+          <p:sp>
+            <p:nvSpPr>
+              <p:cNvPr id="5" name="TextBox 4"/>
+              <p:cNvSpPr txBox="1"/>
+              <p:nvPr/>
+            </p:nvSpPr>
+            <p:spPr>
+              <a:xfrm>
+                <a:off x="1828800" y="4301988"/>
+                <a:ext cx="4703064" cy="1266180"/>
+              </a:xfrm>
+              <a:prstGeom prst="rect">
+                <a:avLst/>
+              </a:prstGeom>
+              <a:noFill/>
+            </p:spPr>
+            <p:txBody>
+              <a:bodyPr wrap="square" rtlCol="0">
+                <a:spAutoFit/>
+              </a:bodyPr>
+              <a:lstStyle/>
+              <a:p>
+                <a14:m>
+                  <m:oMathPara xmlns:m="http://schemas.openxmlformats.org/officeDocument/2006/math">
+                    <m:oMathParaPr>
+                      <m:jc m:val="centerGroup"/>
+                    </m:oMathParaPr>
+                    <m:oMath xmlns:m="http://schemas.openxmlformats.org/officeDocument/2006/math">
+                      <m:r>
+                        <a:rPr lang="en-US" sz="2400" b="0" i="1" smtClean="0">
+                          <a:latin typeface="Cambria Math"/>
+                        </a:rPr>
+                        <m:t>𝐺</m:t>
+                      </m:r>
+                      <m:d>
+                        <m:dPr>
+                          <m:ctrlPr>
+                            <a:rPr lang="en-US" sz="2400" b="0" i="1" smtClean="0">
+                              <a:latin typeface="Cambria Math"/>
+                            </a:rPr>
+                          </m:ctrlPr>
+                        </m:dPr>
+                        <m:e>
+                          <m:r>
+                            <a:rPr lang="en-US" sz="2400" b="0" i="1" smtClean="0">
+                              <a:latin typeface="Cambria Math"/>
+                            </a:rPr>
+                            <m:t>𝑓</m:t>
+                          </m:r>
+                        </m:e>
+                      </m:d>
+                      <m:r>
+                        <a:rPr lang="en-US" sz="2400" b="0" i="1" smtClean="0">
+                          <a:latin typeface="Cambria Math"/>
+                        </a:rPr>
+                        <m:t>= </m:t>
+                      </m:r>
+                      <m:f>
+                        <m:fPr>
+                          <m:ctrlPr>
+                            <a:rPr lang="en-US" sz="2400" b="0" i="1" smtClean="0">
+                              <a:latin typeface="Cambria Math"/>
+                            </a:rPr>
+                          </m:ctrlPr>
+                        </m:fPr>
+                        <m:num>
+                          <m:r>
+                            <a:rPr lang="en-US" sz="2400" b="0" i="1" smtClean="0">
+                              <a:latin typeface="Cambria Math"/>
+                            </a:rPr>
+                            <m:t>1</m:t>
+                          </m:r>
+                        </m:num>
+                        <m:den>
+                          <m:r>
+                            <a:rPr lang="en-US" sz="2400" b="0" i="1" smtClean="0">
+                              <a:latin typeface="Cambria Math"/>
+                            </a:rPr>
+                            <m:t>𝐻</m:t>
+                          </m:r>
+                          <m:r>
+                            <a:rPr lang="en-US" sz="2400" b="0" i="1" smtClean="0">
+                              <a:latin typeface="Cambria Math"/>
+                            </a:rPr>
+                            <m:t>(</m:t>
+                          </m:r>
+                          <m:r>
+                            <a:rPr lang="en-US" sz="2400" b="0" i="1" smtClean="0">
+                              <a:latin typeface="Cambria Math"/>
+                            </a:rPr>
+                            <m:t>𝑓</m:t>
+                          </m:r>
+                          <m:r>
+                            <a:rPr lang="en-US" sz="2400" b="0" i="1" smtClean="0">
+                              <a:latin typeface="Cambria Math"/>
+                            </a:rPr>
+                            <m:t>)</m:t>
+                          </m:r>
+                        </m:den>
+                      </m:f>
+                      <m:d>
+                        <m:dPr>
+                          <m:begChr m:val="["/>
+                          <m:endChr m:val="]"/>
+                          <m:ctrlPr>
+                            <a:rPr lang="en-US" sz="2400" b="0" i="1" smtClean="0">
+                              <a:latin typeface="Cambria Math"/>
+                            </a:rPr>
+                          </m:ctrlPr>
+                        </m:dPr>
+                        <m:e>
+                          <m:f>
+                            <m:fPr>
+                              <m:ctrlPr>
+                                <a:rPr lang="en-US" sz="2400" b="0" i="1" smtClean="0">
+                                  <a:latin typeface="Cambria Math"/>
+                                </a:rPr>
+                              </m:ctrlPr>
+                            </m:fPr>
+                            <m:num>
+                              <m:sSup>
+                                <m:sSupPr>
+                                  <m:ctrlPr>
+                                    <a:rPr lang="en-US" sz="2400" b="0" i="1" smtClean="0">
+                                      <a:latin typeface="Cambria Math"/>
+                                    </a:rPr>
+                                  </m:ctrlPr>
+                                </m:sSupPr>
+                                <m:e>
+                                  <m:d>
+                                    <m:dPr>
+                                      <m:begChr m:val="|"/>
+                                      <m:endChr m:val="|"/>
+                                      <m:ctrlPr>
+                                        <a:rPr lang="en-US" sz="2400" b="0" i="1" smtClean="0">
+                                          <a:latin typeface="Cambria Math"/>
+                                        </a:rPr>
+                                      </m:ctrlPr>
+                                    </m:dPr>
+                                    <m:e>
+                                      <m:r>
+                                        <a:rPr lang="en-US" sz="2400" b="0" i="1" smtClean="0">
+                                          <a:latin typeface="Cambria Math"/>
+                                        </a:rPr>
+                                        <m:t>𝐻</m:t>
+                                      </m:r>
+                                      <m:r>
+                                        <a:rPr lang="en-US" sz="2400" b="0" i="1" smtClean="0">
+                                          <a:latin typeface="Cambria Math"/>
+                                        </a:rPr>
+                                        <m:t>(</m:t>
+                                      </m:r>
+                                      <m:r>
+                                        <a:rPr lang="en-US" sz="2400" b="0" i="1" smtClean="0">
+                                          <a:latin typeface="Cambria Math"/>
+                                        </a:rPr>
+                                        <m:t>𝑓</m:t>
+                                      </m:r>
+                                      <m:r>
+                                        <a:rPr lang="en-US" sz="2400" b="0" i="1" smtClean="0">
+                                          <a:latin typeface="Cambria Math"/>
+                                        </a:rPr>
+                                        <m:t>)</m:t>
+                                      </m:r>
+                                    </m:e>
+                                  </m:d>
+                                </m:e>
+                                <m:sup>
+                                  <m:r>
+                                    <a:rPr lang="en-US" sz="2400" b="0" i="1" smtClean="0">
+                                      <a:latin typeface="Cambria Math"/>
+                                    </a:rPr>
+                                    <m:t>2</m:t>
+                                  </m:r>
+                                </m:sup>
+                              </m:sSup>
+                            </m:num>
+                            <m:den>
+                              <m:sSup>
+                                <m:sSupPr>
+                                  <m:ctrlPr>
+                                    <a:rPr lang="en-US" sz="2400" i="1">
+                                      <a:latin typeface="Cambria Math"/>
+                                    </a:rPr>
+                                  </m:ctrlPr>
+                                </m:sSupPr>
+                                <m:e>
+                                  <m:d>
+                                    <m:dPr>
+                                      <m:begChr m:val="|"/>
+                                      <m:endChr m:val="|"/>
+                                      <m:ctrlPr>
+                                        <a:rPr lang="en-US" sz="2400" i="1">
+                                          <a:latin typeface="Cambria Math"/>
+                                        </a:rPr>
+                                      </m:ctrlPr>
+                                    </m:dPr>
+                                    <m:e>
+                                      <m:r>
+                                        <a:rPr lang="en-US" sz="2400" i="1">
+                                          <a:latin typeface="Cambria Math"/>
+                                        </a:rPr>
+                                        <m:t>𝐻</m:t>
+                                      </m:r>
+                                      <m:r>
+                                        <a:rPr lang="en-US" sz="2400" i="1">
+                                          <a:latin typeface="Cambria Math"/>
+                                        </a:rPr>
+                                        <m:t>(</m:t>
+                                      </m:r>
+                                      <m:r>
+                                        <a:rPr lang="en-US" sz="2400" i="1">
+                                          <a:latin typeface="Cambria Math"/>
+                                        </a:rPr>
+                                        <m:t>𝑓</m:t>
+                                      </m:r>
+                                      <m:r>
+                                        <a:rPr lang="en-US" sz="2400" i="1">
+                                          <a:latin typeface="Cambria Math"/>
+                                        </a:rPr>
+                                        <m:t>)</m:t>
+                                      </m:r>
+                                    </m:e>
+                                  </m:d>
+                                </m:e>
+                                <m:sup>
+                                  <m:r>
+                                    <a:rPr lang="en-US" sz="2400" i="1">
+                                      <a:latin typeface="Cambria Math"/>
+                                    </a:rPr>
+                                    <m:t>2</m:t>
+                                  </m:r>
+                                </m:sup>
+                              </m:sSup>
+                              <m:r>
+                                <a:rPr lang="en-US" sz="2400" b="0" i="1" smtClean="0">
+                                  <a:latin typeface="Cambria Math"/>
+                                </a:rPr>
+                                <m:t>+ </m:t>
+                              </m:r>
+                              <m:f>
+                                <m:fPr>
+                                  <m:ctrlPr>
+                                    <a:rPr lang="en-US" sz="2400" b="0" i="1" smtClean="0">
+                                      <a:latin typeface="Cambria Math"/>
+                                    </a:rPr>
+                                  </m:ctrlPr>
+                                </m:fPr>
+                                <m:num>
+                                  <m:r>
+                                    <a:rPr lang="en-US" sz="2400" b="0" i="1" smtClean="0">
+                                      <a:latin typeface="Cambria Math"/>
+                                    </a:rPr>
+                                    <m:t>𝑁</m:t>
+                                  </m:r>
+                                  <m:r>
+                                    <a:rPr lang="en-US" sz="2400" b="0" i="1" smtClean="0">
+                                      <a:latin typeface="Cambria Math"/>
+                                    </a:rPr>
+                                    <m:t>(</m:t>
+                                  </m:r>
+                                  <m:r>
+                                    <a:rPr lang="en-US" sz="2400" b="0" i="1" smtClean="0">
+                                      <a:latin typeface="Cambria Math"/>
+                                    </a:rPr>
+                                    <m:t>𝑓</m:t>
+                                  </m:r>
+                                  <m:r>
+                                    <a:rPr lang="en-US" sz="2400" b="0" i="1" smtClean="0">
+                                      <a:latin typeface="Cambria Math"/>
+                                    </a:rPr>
+                                    <m:t>)</m:t>
+                                  </m:r>
+                                </m:num>
+                                <m:den>
+                                  <m:r>
+                                    <a:rPr lang="en-US" sz="2400" b="0" i="1" smtClean="0">
+                                      <a:latin typeface="Cambria Math"/>
+                                    </a:rPr>
+                                    <m:t>𝑆</m:t>
+                                  </m:r>
+                                  <m:r>
+                                    <a:rPr lang="en-US" sz="2400" b="0" i="1" smtClean="0">
+                                      <a:latin typeface="Cambria Math"/>
+                                    </a:rPr>
+                                    <m:t>(</m:t>
+                                  </m:r>
+                                  <m:r>
+                                    <a:rPr lang="en-US" sz="2400" b="0" i="1" smtClean="0">
+                                      <a:latin typeface="Cambria Math"/>
+                                    </a:rPr>
+                                    <m:t>𝑓</m:t>
+                                  </m:r>
+                                  <m:r>
+                                    <a:rPr lang="en-US" sz="2400" b="0" i="1" smtClean="0">
+                                      <a:latin typeface="Cambria Math"/>
+                                    </a:rPr>
+                                    <m:t>)</m:t>
+                                  </m:r>
+                                </m:den>
+                              </m:f>
+                            </m:den>
+                          </m:f>
+                        </m:e>
+                      </m:d>
+                    </m:oMath>
+                  </m:oMathPara>
+                </a14:m>
+                <a:endParaRPr lang="en-US" sz="2400" dirty="0"/>
+              </a:p>
+            </p:txBody>
+          </p:sp>
+        </mc:Choice>
+        <mc:Fallback>
+          <p:sp>
+            <p:nvSpPr>
+              <p:cNvPr id="5" name="TextBox 4"/>
+              <p:cNvSpPr txBox="1">
+                <a:spLocks noRot="1" noChangeAspect="1" noMove="1" noResize="1" noEditPoints="1" noAdjustHandles="1" noChangeArrowheads="1" noChangeShapeType="1" noTextEdit="1"/>
+              </p:cNvSpPr>
+              <p:nvPr/>
+            </p:nvSpPr>
+            <p:spPr>
+              <a:xfrm>
+                <a:off x="1828800" y="4301988"/>
+                <a:ext cx="4703064" cy="1266180"/>
+              </a:xfrm>
+              <a:prstGeom prst="rect">
+                <a:avLst/>
+              </a:prstGeom>
+              <a:blipFill rotWithShape="1">
+                <a:blip r:embed="rId5"/>
+                <a:stretch>
+                  <a:fillRect/>
+                </a:stretch>
+              </a:blipFill>
+            </p:spPr>
+            <p:txBody>
+              <a:bodyPr/>
+              <a:lstStyle/>
+              <a:p>
+                <a:r>
+                  <a:rPr lang="en-US">
+                    <a:noFill/>
+                  </a:rPr>
+                  <a:t> </a:t>
+                </a:r>
+              </a:p>
+            </p:txBody>
+          </p:sp>
+        </mc:Fallback>
+      </mc:AlternateContent>
     </p:spTree>
     <p:extLst>
       <p:ext uri="{BB962C8B-B14F-4D97-AF65-F5344CB8AC3E}">
@@ -7165,7 +7891,6 @@
               <a:rPr lang="en-US" dirty="0"/>
               <a:t>Evolutionary Strategy</a:t>
             </a:r>
-            <a:endParaRPr lang="en-US" dirty="0"/>
           </a:p>
         </p:txBody>
       </p:sp>

--- a/project/848_Project_Presentation_Fasburg_Thomas.pptx
+++ b/project/848_Project_Presentation_Fasburg_Thomas.pptx
@@ -119,7 +119,7 @@
   </p:defaultTextStyle>
   <p:extLst>
     <p:ext uri="{EFAFB233-063F-42B5-8137-9DF3F51BA10A}">
-      <p15:sldGuideLst xmlns:p15="http://schemas.microsoft.com/office/powerpoint/2012/main" xmlns="">
+      <p15:sldGuideLst xmlns="" xmlns:p15="http://schemas.microsoft.com/office/powerpoint/2012/main">
         <p15:guide id="1" orient="horz" pos="2160">
           <p15:clr>
             <a:srgbClr val="A4A3A4"/>
@@ -218,7 +218,7 @@
           <a:p>
             <a:fld id="{A63B8CFC-D614-4432-A7DB-A65856E85B43}" type="datetimeFigureOut">
               <a:rPr lang="en-US" smtClean="0"/>
-              <a:t>11/26/2015</a:t>
+              <a:t>11/30/2015</a:t>
             </a:fld>
             <a:endParaRPr lang="en-US" dirty="0"/>
           </a:p>
@@ -1241,11 +1241,7 @@
           <a:p>
             <a:r>
               <a:rPr lang="en-US" baseline="0" dirty="0" smtClean="0"/>
-              <a:t>N is power spectral density of noise-only portion of </a:t>
-            </a:r>
-            <a:r>
-              <a:rPr lang="en-US" baseline="0" dirty="0" smtClean="0"/>
-              <a:t>signal</a:t>
+              <a:t>N is power spectral density of noise-only portion of signal</a:t>
             </a:r>
           </a:p>
           <a:p>
@@ -2178,7 +2174,7 @@
           <a:p>
             <a:fld id="{ADE5661A-BDAA-4579-B2F5-AA9011776D83}" type="datetimeFigureOut">
               <a:rPr lang="en-US" smtClean="0"/>
-              <a:t>11/26/2015</a:t>
+              <a:t>11/30/2015</a:t>
             </a:fld>
             <a:endParaRPr lang="en-US" dirty="0"/>
           </a:p>
@@ -2376,7 +2372,7 @@
             <a:fld id="{1D8BD707-D9CF-40AE-B4C6-C98DA3205C09}" type="datetimeFigureOut">
               <a:rPr lang="en-US" smtClean="0"/>
               <a:pPr/>
-              <a:t>11/26/2015</a:t>
+              <a:t>11/30/2015</a:t>
             </a:fld>
             <a:endParaRPr lang="en-US" dirty="0"/>
           </a:p>
@@ -2563,7 +2559,7 @@
             <a:fld id="{1D8BD707-D9CF-40AE-B4C6-C98DA3205C09}" type="datetimeFigureOut">
               <a:rPr lang="en-US" smtClean="0"/>
               <a:pPr/>
-              <a:t>11/26/2015</a:t>
+              <a:t>11/30/2015</a:t>
             </a:fld>
             <a:endParaRPr lang="en-US" dirty="0"/>
           </a:p>
@@ -2715,7 +2711,7 @@
             <a:fld id="{1D8BD707-D9CF-40AE-B4C6-C98DA3205C09}" type="datetimeFigureOut">
               <a:rPr lang="en-US" smtClean="0"/>
               <a:pPr/>
-              <a:t>11/26/2015</a:t>
+              <a:t>11/30/2015</a:t>
             </a:fld>
             <a:endParaRPr lang="en-US" dirty="0"/>
           </a:p>
@@ -2971,7 +2967,7 @@
           <a:p>
             <a:fld id="{7D698992-9F5B-4E9D-871D-4517B2EC8643}" type="datetimeFigureOut">
               <a:rPr lang="en-US" smtClean="0"/>
-              <a:t>11/26/2015</a:t>
+              <a:t>11/30/2015</a:t>
             </a:fld>
             <a:endParaRPr lang="en-US" dirty="0"/>
           </a:p>
@@ -3381,7 +3377,7 @@
             <a:fld id="{1D8BD707-D9CF-40AE-B4C6-C98DA3205C09}" type="datetimeFigureOut">
               <a:rPr lang="en-US" smtClean="0"/>
               <a:pPr/>
-              <a:t>11/26/2015</a:t>
+              <a:t>11/30/2015</a:t>
             </a:fld>
             <a:endParaRPr lang="en-US" dirty="0"/>
           </a:p>
@@ -3829,7 +3825,7 @@
             <a:fld id="{1D8BD707-D9CF-40AE-B4C6-C98DA3205C09}" type="datetimeFigureOut">
               <a:rPr lang="en-US" smtClean="0"/>
               <a:pPr/>
-              <a:t>11/26/2015</a:t>
+              <a:t>11/30/2015</a:t>
             </a:fld>
             <a:endParaRPr lang="en-US" dirty="0"/>
           </a:p>
@@ -3932,7 +3928,7 @@
             <a:fld id="{1D8BD707-D9CF-40AE-B4C6-C98DA3205C09}" type="datetimeFigureOut">
               <a:rPr lang="en-US" smtClean="0"/>
               <a:pPr/>
-              <a:t>11/26/2015</a:t>
+              <a:t>11/30/2015</a:t>
             </a:fld>
             <a:endParaRPr lang="en-US" dirty="0"/>
           </a:p>
@@ -4055,7 +4051,7 @@
             <a:fld id="{1D8BD707-D9CF-40AE-B4C6-C98DA3205C09}" type="datetimeFigureOut">
               <a:rPr lang="en-US" smtClean="0"/>
               <a:pPr/>
-              <a:t>11/26/2015</a:t>
+              <a:t>11/30/2015</a:t>
             </a:fld>
             <a:endParaRPr lang="en-US" dirty="0"/>
           </a:p>
@@ -4331,7 +4327,7 @@
             <a:fld id="{1D8BD707-D9CF-40AE-B4C6-C98DA3205C09}" type="datetimeFigureOut">
               <a:rPr lang="en-US" smtClean="0"/>
               <a:pPr/>
-              <a:t>11/26/2015</a:t>
+              <a:t>11/30/2015</a:t>
             </a:fld>
             <a:endParaRPr lang="en-US" dirty="0"/>
           </a:p>
@@ -4538,7 +4534,7 @@
             <a:fld id="{1D8BD707-D9CF-40AE-B4C6-C98DA3205C09}" type="datetimeFigureOut">
               <a:rPr lang="en-US" smtClean="0"/>
               <a:pPr/>
-              <a:t>11/26/2015</a:t>
+              <a:t>11/30/2015</a:t>
             </a:fld>
             <a:endParaRPr lang="en-US" dirty="0"/>
           </a:p>
@@ -5649,7 +5645,7 @@
             <a:fld id="{1D8BD707-D9CF-40AE-B4C6-C98DA3205C09}" type="datetimeFigureOut">
               <a:rPr lang="en-US" smtClean="0"/>
               <a:pPr/>
-              <a:t>11/26/2015</a:t>
+              <a:t>11/30/2015</a:t>
             </a:fld>
             <a:endParaRPr lang="en-US" dirty="0"/>
           </a:p>
@@ -6757,7 +6753,6 @@
               <a:rPr lang="en-US" dirty="0" smtClean="0"/>
               <a:t>Speech/Noise decision with hold times</a:t>
             </a:r>
-            <a:endParaRPr lang="en-US" dirty="0" smtClean="0"/>
           </a:p>
           <a:p>
             <a:r>
@@ -6893,11 +6888,7 @@
           <a:p>
             <a:r>
               <a:rPr lang="en-US" dirty="0" smtClean="0"/>
-              <a:t>Parameters: </a:t>
-            </a:r>
-            <a:r>
-              <a:rPr lang="en-US" dirty="0" smtClean="0"/>
-              <a:t>SNR Smoothing Factor</a:t>
+              <a:t>Parameters: SNR Smoothing Factor</a:t>
             </a:r>
           </a:p>
         </p:txBody>
@@ -6919,22 +6910,14 @@
           <a:p>
             <a:r>
               <a:rPr lang="en-US" dirty="0" smtClean="0"/>
-              <a:t>Background: </a:t>
-            </a:r>
-            <a:r>
-              <a:rPr lang="en-US" dirty="0" smtClean="0"/>
-              <a:t>Wiener </a:t>
-            </a:r>
-            <a:r>
-              <a:rPr lang="en-US" dirty="0" smtClean="0"/>
-              <a:t>Filter</a:t>
+              <a:t>Background: Wiener Filter</a:t>
             </a:r>
             <a:endParaRPr lang="en-US" dirty="0"/>
           </a:p>
         </p:txBody>
       </p:sp>
-      <mc:AlternateContent xmlns:mc="http://schemas.openxmlformats.org/markup-compatibility/2006">
-        <mc:Choice xmlns:a14="http://schemas.microsoft.com/office/drawing/2010/main" Requires="a14">
+      <mc:AlternateContent xmlns:mc="http://schemas.openxmlformats.org/markup-compatibility/2006" xmlns:a14="http://schemas.microsoft.com/office/drawing/2010/main">
+        <mc:Choice Requires="a14">
           <p:sp>
             <p:nvSpPr>
               <p:cNvPr id="4" name="TextBox 3"/>
@@ -7082,7 +7065,7 @@
             </p:txBody>
           </p:sp>
         </mc:Choice>
-        <mc:Fallback>
+        <mc:Fallback xmlns="">
           <p:sp>
             <p:nvSpPr>
               <p:cNvPr id="4" name="TextBox 3"/>
@@ -7121,8 +7104,8 @@
           </p:sp>
         </mc:Fallback>
       </mc:AlternateContent>
-      <mc:AlternateContent xmlns:mc="http://schemas.openxmlformats.org/markup-compatibility/2006">
-        <mc:Choice xmlns:a14="http://schemas.microsoft.com/office/drawing/2010/main" Requires="a14">
+      <mc:AlternateContent xmlns:mc="http://schemas.openxmlformats.org/markup-compatibility/2006" xmlns:a14="http://schemas.microsoft.com/office/drawing/2010/main">
+        <mc:Choice Requires="a14">
           <p:sp>
             <p:nvSpPr>
               <p:cNvPr id="8" name="TextBox 7"/>
@@ -7145,6 +7128,7 @@
               </a:bodyPr>
               <a:lstStyle/>
               <a:p>
+                <a:pPr/>
                 <a14:m>
                   <m:oMathPara xmlns:m="http://schemas.openxmlformats.org/officeDocument/2006/math">
                     <m:oMathParaPr>
@@ -7248,7 +7232,7 @@
             </p:txBody>
           </p:sp>
         </mc:Choice>
-        <mc:Fallback>
+        <mc:Fallback xmlns="">
           <p:sp>
             <p:nvSpPr>
               <p:cNvPr id="8" name="TextBox 7"/>
@@ -7287,8 +7271,8 @@
           </p:sp>
         </mc:Fallback>
       </mc:AlternateContent>
-      <mc:AlternateContent xmlns:mc="http://schemas.openxmlformats.org/markup-compatibility/2006">
-        <mc:Choice xmlns:a14="http://schemas.microsoft.com/office/drawing/2010/main" Requires="a14">
+      <mc:AlternateContent xmlns:mc="http://schemas.openxmlformats.org/markup-compatibility/2006" xmlns:a14="http://schemas.microsoft.com/office/drawing/2010/main">
+        <mc:Choice Requires="a14">
           <p:sp>
             <p:nvSpPr>
               <p:cNvPr id="5" name="TextBox 4"/>
@@ -7311,6 +7295,7 @@
               </a:bodyPr>
               <a:lstStyle/>
               <a:p>
+                <a:pPr/>
                 <a14:m>
                   <m:oMathPara xmlns:m="http://schemas.openxmlformats.org/officeDocument/2006/math">
                     <m:oMathParaPr>
@@ -7602,7 +7587,7 @@
             </p:txBody>
           </p:sp>
         </mc:Choice>
-        <mc:Fallback>
+        <mc:Fallback xmlns="">
           <p:sp>
             <p:nvSpPr>
               <p:cNvPr id="5" name="TextBox 4"/>
@@ -7852,7 +7837,15 @@
             </a:r>
             <a:r>
               <a:rPr lang="en-US" dirty="0" smtClean="0"/>
-              <a:t> = 6 parents, </a:t>
+              <a:t> = </a:t>
+            </a:r>
+            <a:r>
+              <a:rPr lang="en-US" dirty="0" smtClean="0"/>
+              <a:t>6,12,24  </a:t>
+            </a:r>
+            <a:r>
+              <a:rPr lang="en-US" dirty="0" smtClean="0"/>
+              <a:t>parents, </a:t>
             </a:r>
             <a:r>
               <a:rPr lang="el-GR" dirty="0" smtClean="0"/>
@@ -7860,7 +7853,15 @@
             </a:r>
             <a:r>
               <a:rPr lang="en-US" dirty="0" smtClean="0"/>
-              <a:t> = 12 offspring</a:t>
+              <a:t> = </a:t>
+            </a:r>
+            <a:r>
+              <a:rPr lang="en-US" dirty="0" smtClean="0"/>
+              <a:t>12,24,48 </a:t>
+            </a:r>
+            <a:r>
+              <a:rPr lang="en-US" dirty="0" smtClean="0"/>
+              <a:t>offspring</a:t>
             </a:r>
           </a:p>
           <a:p>
@@ -8424,7 +8425,7 @@
           <p:spPr>
             <a:xfrm>
               <a:off x="4960620" y="5029200"/>
-              <a:ext cx="685800" cy="0"/>
+              <a:ext cx="704088" cy="0"/>
             </a:xfrm>
             <a:prstGeom prst="line">
               <a:avLst/>
@@ -8484,7 +8485,7 @@
           <p:spPr>
             <a:xfrm flipV="1">
               <a:off x="5664708" y="4302252"/>
-              <a:ext cx="0" cy="685800"/>
+              <a:ext cx="0" cy="726948"/>
             </a:xfrm>
             <a:prstGeom prst="line">
               <a:avLst/>
@@ -8514,7 +8515,7 @@
           <p:spPr>
             <a:xfrm>
               <a:off x="4960620" y="3698748"/>
-              <a:ext cx="685800" cy="0"/>
+              <a:ext cx="704088" cy="0"/>
             </a:xfrm>
             <a:prstGeom prst="line">
               <a:avLst/>

--- a/project/848_Project_Presentation_Fasburg_Thomas.pptx
+++ b/project/848_Project_Presentation_Fasburg_Thomas.pptx
@@ -5,7 +5,7 @@
     <p:sldMasterId id="2147483761" r:id="rId1"/>
   </p:sldMasterIdLst>
   <p:notesMasterIdLst>
-    <p:notesMasterId r:id="rId13"/>
+    <p:notesMasterId r:id="rId19"/>
   </p:notesMasterIdLst>
   <p:sldIdLst>
     <p:sldId id="256" r:id="rId2"/>
@@ -16,9 +16,15 @@
     <p:sldId id="292" r:id="rId7"/>
     <p:sldId id="294" r:id="rId8"/>
     <p:sldId id="296" r:id="rId9"/>
-    <p:sldId id="280" r:id="rId10"/>
-    <p:sldId id="281" r:id="rId11"/>
-    <p:sldId id="274" r:id="rId12"/>
+    <p:sldId id="297" r:id="rId10"/>
+    <p:sldId id="298" r:id="rId11"/>
+    <p:sldId id="299" r:id="rId12"/>
+    <p:sldId id="300" r:id="rId13"/>
+    <p:sldId id="301" r:id="rId14"/>
+    <p:sldId id="302" r:id="rId15"/>
+    <p:sldId id="303" r:id="rId16"/>
+    <p:sldId id="304" r:id="rId17"/>
+    <p:sldId id="305" r:id="rId18"/>
   </p:sldIdLst>
   <p:sldSz cx="9144000" cy="6858000" type="screen4x3"/>
   <p:notesSz cx="6858000" cy="9144000"/>
@@ -119,7 +125,7 @@
   </p:defaultTextStyle>
   <p:extLst>
     <p:ext uri="{EFAFB233-063F-42B5-8137-9DF3F51BA10A}">
-      <p15:sldGuideLst xmlns="" xmlns:p15="http://schemas.microsoft.com/office/powerpoint/2012/main">
+      <p15:sldGuideLst xmlns:p15="http://schemas.microsoft.com/office/powerpoint/2012/main" xmlns="">
         <p15:guide id="1" orient="horz" pos="2160">
           <p15:clr>
             <a:srgbClr val="A4A3A4"/>
@@ -614,6 +620,47 @@
           <a:bodyPr/>
           <a:lstStyle/>
           <a:p>
+            <a:r>
+              <a:rPr lang="en-US" dirty="0" smtClean="0"/>
+              <a:t>Shows</a:t>
+            </a:r>
+            <a:r>
+              <a:rPr lang="en-US" baseline="0" dirty="0" smtClean="0"/>
+              <a:t> average fitness at each generation number for each configuration type.</a:t>
+            </a:r>
+          </a:p>
+          <a:p>
+            <a:endParaRPr lang="en-US" baseline="0" dirty="0" smtClean="0"/>
+          </a:p>
+          <a:p>
+            <a:pPr marL="171450" indent="-171450">
+              <a:buFontTx/>
+              <a:buChar char="-"/>
+            </a:pPr>
+            <a:r>
+              <a:rPr lang="en-US" baseline="0" dirty="0" smtClean="0"/>
+              <a:t>Only first 100 generations are shown since lines become steady after and to decrease clutter in graph</a:t>
+            </a:r>
+          </a:p>
+          <a:p>
+            <a:pPr marL="171450" indent="-171450">
+              <a:buFontTx/>
+              <a:buChar char="-"/>
+            </a:pPr>
+            <a:r>
+              <a:rPr lang="en-US" baseline="0" dirty="0" smtClean="0"/>
+              <a:t>Population of 48 gets to better fitness a little faster</a:t>
+            </a:r>
+          </a:p>
+          <a:p>
+            <a:pPr marL="171450" indent="-171450">
+              <a:buFontTx/>
+              <a:buChar char="-"/>
+            </a:pPr>
+            <a:r>
+              <a:rPr lang="en-US" baseline="0" dirty="0" smtClean="0"/>
+              <a:t>Population of 48 also arrives at a better overall fitness</a:t>
+            </a:r>
             <a:endParaRPr lang="en-US" dirty="0"/>
           </a:p>
         </p:txBody>
@@ -636,6 +683,551 @@
             <a:fld id="{B8B3BC3C-0900-4ACD-9030-5BE6C2442A68}" type="slidenum">
               <a:rPr lang="en-US" smtClean="0"/>
               <a:t>10</a:t>
+            </a:fld>
+            <a:endParaRPr lang="en-US" dirty="0"/>
+          </a:p>
+        </p:txBody>
+      </p:sp>
+    </p:spTree>
+    <p:extLst>
+      <p:ext uri="{BB962C8B-B14F-4D97-AF65-F5344CB8AC3E}">
+        <p14:creationId xmlns:p14="http://schemas.microsoft.com/office/powerpoint/2010/main" val="1971904817"/>
+      </p:ext>
+    </p:extLst>
+  </p:cSld>
+  <p:clrMapOvr>
+    <a:masterClrMapping/>
+  </p:clrMapOvr>
+</p:notes>
+</file>
+
+<file path=ppt/notesSlides/notesSlide11.xml><?xml version="1.0" encoding="utf-8"?>
+<p:notes xmlns:a="http://schemas.openxmlformats.org/drawingml/2006/main" xmlns:r="http://schemas.openxmlformats.org/officeDocument/2006/relationships" xmlns:p="http://schemas.openxmlformats.org/presentationml/2006/main">
+  <p:cSld>
+    <p:spTree>
+      <p:nvGrpSpPr>
+        <p:cNvPr id="1" name=""/>
+        <p:cNvGrpSpPr/>
+        <p:nvPr/>
+      </p:nvGrpSpPr>
+      <p:grpSpPr>
+        <a:xfrm>
+          <a:off x="0" y="0"/>
+          <a:ext cx="0" cy="0"/>
+          <a:chOff x="0" y="0"/>
+          <a:chExt cx="0" cy="0"/>
+        </a:xfrm>
+      </p:grpSpPr>
+      <p:sp>
+        <p:nvSpPr>
+          <p:cNvPr id="2" name="Slide Image Placeholder 1"/>
+          <p:cNvSpPr>
+            <a:spLocks noGrp="1" noRot="1" noChangeAspect="1"/>
+          </p:cNvSpPr>
+          <p:nvPr>
+            <p:ph type="sldImg"/>
+          </p:nvPr>
+        </p:nvSpPr>
+        <p:spPr/>
+      </p:sp>
+      <p:sp>
+        <p:nvSpPr>
+          <p:cNvPr id="3" name="Notes Placeholder 2"/>
+          <p:cNvSpPr>
+            <a:spLocks noGrp="1"/>
+          </p:cNvSpPr>
+          <p:nvPr>
+            <p:ph type="body" idx="1"/>
+          </p:nvPr>
+        </p:nvSpPr>
+        <p:spPr/>
+        <p:txBody>
+          <a:bodyPr/>
+          <a:lstStyle/>
+          <a:p>
+            <a:r>
+              <a:rPr lang="en-US" dirty="0" smtClean="0"/>
+              <a:t>Shows same average as previous slide, but with error bars showing</a:t>
+            </a:r>
+            <a:r>
+              <a:rPr lang="en-US" baseline="0" dirty="0" smtClean="0"/>
+              <a:t> the 95% confidence interval.</a:t>
+            </a:r>
+          </a:p>
+          <a:p>
+            <a:endParaRPr lang="en-US" baseline="0" dirty="0" smtClean="0"/>
+          </a:p>
+          <a:p>
+            <a:pPr marL="171450" indent="-171450">
+              <a:buFontTx/>
+              <a:buChar char="-"/>
+            </a:pPr>
+            <a:r>
+              <a:rPr lang="en-US" baseline="0" dirty="0" smtClean="0"/>
+              <a:t>Overall error bars are pretty small</a:t>
+            </a:r>
+          </a:p>
+          <a:p>
+            <a:pPr marL="171450" indent="-171450">
+              <a:buFontTx/>
+              <a:buChar char="-"/>
+            </a:pPr>
+            <a:r>
+              <a:rPr lang="en-US" baseline="0" dirty="0" smtClean="0"/>
+              <a:t>In all three cases, error bars get smaller as the number of generations increases.</a:t>
+            </a:r>
+          </a:p>
+          <a:p>
+            <a:pPr marL="628650" lvl="1" indent="-171450">
+              <a:buFontTx/>
+              <a:buChar char="-"/>
+            </a:pPr>
+            <a:r>
+              <a:rPr lang="en-US" baseline="0" dirty="0" smtClean="0"/>
+              <a:t>This is because the population is becoming less diverse.</a:t>
+            </a:r>
+            <a:endParaRPr lang="en-US" dirty="0"/>
+          </a:p>
+        </p:txBody>
+      </p:sp>
+      <p:sp>
+        <p:nvSpPr>
+          <p:cNvPr id="4" name="Slide Number Placeholder 3"/>
+          <p:cNvSpPr>
+            <a:spLocks noGrp="1"/>
+          </p:cNvSpPr>
+          <p:nvPr>
+            <p:ph type="sldNum" sz="quarter" idx="10"/>
+          </p:nvPr>
+        </p:nvSpPr>
+        <p:spPr/>
+        <p:txBody>
+          <a:bodyPr/>
+          <a:lstStyle/>
+          <a:p>
+            <a:fld id="{B8B3BC3C-0900-4ACD-9030-5BE6C2442A68}" type="slidenum">
+              <a:rPr lang="en-US" smtClean="0"/>
+              <a:t>11</a:t>
+            </a:fld>
+            <a:endParaRPr lang="en-US" dirty="0"/>
+          </a:p>
+        </p:txBody>
+      </p:sp>
+    </p:spTree>
+    <p:extLst>
+      <p:ext uri="{BB962C8B-B14F-4D97-AF65-F5344CB8AC3E}">
+        <p14:creationId xmlns:p14="http://schemas.microsoft.com/office/powerpoint/2010/main" val="1971904817"/>
+      </p:ext>
+    </p:extLst>
+  </p:cSld>
+  <p:clrMapOvr>
+    <a:masterClrMapping/>
+  </p:clrMapOvr>
+</p:notes>
+</file>
+
+<file path=ppt/notesSlides/notesSlide12.xml><?xml version="1.0" encoding="utf-8"?>
+<p:notes xmlns:a="http://schemas.openxmlformats.org/drawingml/2006/main" xmlns:r="http://schemas.openxmlformats.org/officeDocument/2006/relationships" xmlns:p="http://schemas.openxmlformats.org/presentationml/2006/main">
+  <p:cSld>
+    <p:spTree>
+      <p:nvGrpSpPr>
+        <p:cNvPr id="1" name=""/>
+        <p:cNvGrpSpPr/>
+        <p:nvPr/>
+      </p:nvGrpSpPr>
+      <p:grpSpPr>
+        <a:xfrm>
+          <a:off x="0" y="0"/>
+          <a:ext cx="0" cy="0"/>
+          <a:chOff x="0" y="0"/>
+          <a:chExt cx="0" cy="0"/>
+        </a:xfrm>
+      </p:grpSpPr>
+      <p:sp>
+        <p:nvSpPr>
+          <p:cNvPr id="2" name="Slide Image Placeholder 1"/>
+          <p:cNvSpPr>
+            <a:spLocks noGrp="1" noRot="1" noChangeAspect="1"/>
+          </p:cNvSpPr>
+          <p:nvPr>
+            <p:ph type="sldImg"/>
+          </p:nvPr>
+        </p:nvSpPr>
+        <p:spPr/>
+      </p:sp>
+      <p:sp>
+        <p:nvSpPr>
+          <p:cNvPr id="3" name="Notes Placeholder 2"/>
+          <p:cNvSpPr>
+            <a:spLocks noGrp="1"/>
+          </p:cNvSpPr>
+          <p:nvPr>
+            <p:ph type="body" idx="1"/>
+          </p:nvPr>
+        </p:nvSpPr>
+        <p:spPr/>
+        <p:txBody>
+          <a:bodyPr/>
+          <a:lstStyle/>
+          <a:p>
+            <a:endParaRPr lang="en-US" dirty="0"/>
+          </a:p>
+        </p:txBody>
+      </p:sp>
+      <p:sp>
+        <p:nvSpPr>
+          <p:cNvPr id="4" name="Slide Number Placeholder 3"/>
+          <p:cNvSpPr>
+            <a:spLocks noGrp="1"/>
+          </p:cNvSpPr>
+          <p:nvPr>
+            <p:ph type="sldNum" sz="quarter" idx="10"/>
+          </p:nvPr>
+        </p:nvSpPr>
+        <p:spPr/>
+        <p:txBody>
+          <a:bodyPr/>
+          <a:lstStyle/>
+          <a:p>
+            <a:fld id="{B8B3BC3C-0900-4ACD-9030-5BE6C2442A68}" type="slidenum">
+              <a:rPr lang="en-US" smtClean="0"/>
+              <a:t>12</a:t>
+            </a:fld>
+            <a:endParaRPr lang="en-US" dirty="0"/>
+          </a:p>
+        </p:txBody>
+      </p:sp>
+    </p:spTree>
+    <p:extLst>
+      <p:ext uri="{BB962C8B-B14F-4D97-AF65-F5344CB8AC3E}">
+        <p14:creationId xmlns:p14="http://schemas.microsoft.com/office/powerpoint/2010/main" val="1971904817"/>
+      </p:ext>
+    </p:extLst>
+  </p:cSld>
+  <p:clrMapOvr>
+    <a:masterClrMapping/>
+  </p:clrMapOvr>
+</p:notes>
+</file>
+
+<file path=ppt/notesSlides/notesSlide13.xml><?xml version="1.0" encoding="utf-8"?>
+<p:notes xmlns:a="http://schemas.openxmlformats.org/drawingml/2006/main" xmlns:r="http://schemas.openxmlformats.org/officeDocument/2006/relationships" xmlns:p="http://schemas.openxmlformats.org/presentationml/2006/main">
+  <p:cSld>
+    <p:spTree>
+      <p:nvGrpSpPr>
+        <p:cNvPr id="1" name=""/>
+        <p:cNvGrpSpPr/>
+        <p:nvPr/>
+      </p:nvGrpSpPr>
+      <p:grpSpPr>
+        <a:xfrm>
+          <a:off x="0" y="0"/>
+          <a:ext cx="0" cy="0"/>
+          <a:chOff x="0" y="0"/>
+          <a:chExt cx="0" cy="0"/>
+        </a:xfrm>
+      </p:grpSpPr>
+      <p:sp>
+        <p:nvSpPr>
+          <p:cNvPr id="2" name="Slide Image Placeholder 1"/>
+          <p:cNvSpPr>
+            <a:spLocks noGrp="1" noRot="1" noChangeAspect="1"/>
+          </p:cNvSpPr>
+          <p:nvPr>
+            <p:ph type="sldImg"/>
+          </p:nvPr>
+        </p:nvSpPr>
+        <p:spPr/>
+      </p:sp>
+      <p:sp>
+        <p:nvSpPr>
+          <p:cNvPr id="3" name="Notes Placeholder 2"/>
+          <p:cNvSpPr>
+            <a:spLocks noGrp="1"/>
+          </p:cNvSpPr>
+          <p:nvPr>
+            <p:ph type="body" idx="1"/>
+          </p:nvPr>
+        </p:nvSpPr>
+        <p:spPr/>
+        <p:txBody>
+          <a:bodyPr/>
+          <a:lstStyle/>
+          <a:p>
+            <a:endParaRPr lang="en-US" dirty="0"/>
+          </a:p>
+        </p:txBody>
+      </p:sp>
+      <p:sp>
+        <p:nvSpPr>
+          <p:cNvPr id="4" name="Slide Number Placeholder 3"/>
+          <p:cNvSpPr>
+            <a:spLocks noGrp="1"/>
+          </p:cNvSpPr>
+          <p:nvPr>
+            <p:ph type="sldNum" sz="quarter" idx="10"/>
+          </p:nvPr>
+        </p:nvSpPr>
+        <p:spPr/>
+        <p:txBody>
+          <a:bodyPr/>
+          <a:lstStyle/>
+          <a:p>
+            <a:fld id="{B8B3BC3C-0900-4ACD-9030-5BE6C2442A68}" type="slidenum">
+              <a:rPr lang="en-US" smtClean="0"/>
+              <a:t>13</a:t>
+            </a:fld>
+            <a:endParaRPr lang="en-US" dirty="0"/>
+          </a:p>
+        </p:txBody>
+      </p:sp>
+    </p:spTree>
+    <p:extLst>
+      <p:ext uri="{BB962C8B-B14F-4D97-AF65-F5344CB8AC3E}">
+        <p14:creationId xmlns:p14="http://schemas.microsoft.com/office/powerpoint/2010/main" val="1971904817"/>
+      </p:ext>
+    </p:extLst>
+  </p:cSld>
+  <p:clrMapOvr>
+    <a:masterClrMapping/>
+  </p:clrMapOvr>
+</p:notes>
+</file>
+
+<file path=ppt/notesSlides/notesSlide14.xml><?xml version="1.0" encoding="utf-8"?>
+<p:notes xmlns:a="http://schemas.openxmlformats.org/drawingml/2006/main" xmlns:r="http://schemas.openxmlformats.org/officeDocument/2006/relationships" xmlns:p="http://schemas.openxmlformats.org/presentationml/2006/main">
+  <p:cSld>
+    <p:spTree>
+      <p:nvGrpSpPr>
+        <p:cNvPr id="1" name=""/>
+        <p:cNvGrpSpPr/>
+        <p:nvPr/>
+      </p:nvGrpSpPr>
+      <p:grpSpPr>
+        <a:xfrm>
+          <a:off x="0" y="0"/>
+          <a:ext cx="0" cy="0"/>
+          <a:chOff x="0" y="0"/>
+          <a:chExt cx="0" cy="0"/>
+        </a:xfrm>
+      </p:grpSpPr>
+      <p:sp>
+        <p:nvSpPr>
+          <p:cNvPr id="2" name="Slide Image Placeholder 1"/>
+          <p:cNvSpPr>
+            <a:spLocks noGrp="1" noRot="1" noChangeAspect="1"/>
+          </p:cNvSpPr>
+          <p:nvPr>
+            <p:ph type="sldImg"/>
+          </p:nvPr>
+        </p:nvSpPr>
+        <p:spPr/>
+      </p:sp>
+      <p:sp>
+        <p:nvSpPr>
+          <p:cNvPr id="3" name="Notes Placeholder 2"/>
+          <p:cNvSpPr>
+            <a:spLocks noGrp="1"/>
+          </p:cNvSpPr>
+          <p:nvPr>
+            <p:ph type="body" idx="1"/>
+          </p:nvPr>
+        </p:nvSpPr>
+        <p:spPr/>
+        <p:txBody>
+          <a:bodyPr/>
+          <a:lstStyle/>
+          <a:p>
+            <a:endParaRPr lang="en-US" dirty="0"/>
+          </a:p>
+        </p:txBody>
+      </p:sp>
+      <p:sp>
+        <p:nvSpPr>
+          <p:cNvPr id="4" name="Slide Number Placeholder 3"/>
+          <p:cNvSpPr>
+            <a:spLocks noGrp="1"/>
+          </p:cNvSpPr>
+          <p:nvPr>
+            <p:ph type="sldNum" sz="quarter" idx="10"/>
+          </p:nvPr>
+        </p:nvSpPr>
+        <p:spPr/>
+        <p:txBody>
+          <a:bodyPr/>
+          <a:lstStyle/>
+          <a:p>
+            <a:fld id="{B8B3BC3C-0900-4ACD-9030-5BE6C2442A68}" type="slidenum">
+              <a:rPr lang="en-US" smtClean="0"/>
+              <a:t>14</a:t>
+            </a:fld>
+            <a:endParaRPr lang="en-US" dirty="0"/>
+          </a:p>
+        </p:txBody>
+      </p:sp>
+    </p:spTree>
+    <p:extLst>
+      <p:ext uri="{BB962C8B-B14F-4D97-AF65-F5344CB8AC3E}">
+        <p14:creationId xmlns:p14="http://schemas.microsoft.com/office/powerpoint/2010/main" val="1971904817"/>
+      </p:ext>
+    </p:extLst>
+  </p:cSld>
+  <p:clrMapOvr>
+    <a:masterClrMapping/>
+  </p:clrMapOvr>
+</p:notes>
+</file>
+
+<file path=ppt/notesSlides/notesSlide15.xml><?xml version="1.0" encoding="utf-8"?>
+<p:notes xmlns:a="http://schemas.openxmlformats.org/drawingml/2006/main" xmlns:r="http://schemas.openxmlformats.org/officeDocument/2006/relationships" xmlns:p="http://schemas.openxmlformats.org/presentationml/2006/main">
+  <p:cSld>
+    <p:spTree>
+      <p:nvGrpSpPr>
+        <p:cNvPr id="1" name=""/>
+        <p:cNvGrpSpPr/>
+        <p:nvPr/>
+      </p:nvGrpSpPr>
+      <p:grpSpPr>
+        <a:xfrm>
+          <a:off x="0" y="0"/>
+          <a:ext cx="0" cy="0"/>
+          <a:chOff x="0" y="0"/>
+          <a:chExt cx="0" cy="0"/>
+        </a:xfrm>
+      </p:grpSpPr>
+      <p:sp>
+        <p:nvSpPr>
+          <p:cNvPr id="2" name="Slide Image Placeholder 1"/>
+          <p:cNvSpPr>
+            <a:spLocks noGrp="1" noRot="1" noChangeAspect="1"/>
+          </p:cNvSpPr>
+          <p:nvPr>
+            <p:ph type="sldImg"/>
+          </p:nvPr>
+        </p:nvSpPr>
+        <p:spPr/>
+      </p:sp>
+      <p:sp>
+        <p:nvSpPr>
+          <p:cNvPr id="3" name="Notes Placeholder 2"/>
+          <p:cNvSpPr>
+            <a:spLocks noGrp="1"/>
+          </p:cNvSpPr>
+          <p:nvPr>
+            <p:ph type="body" idx="1"/>
+          </p:nvPr>
+        </p:nvSpPr>
+        <p:spPr/>
+        <p:txBody>
+          <a:bodyPr/>
+          <a:lstStyle/>
+          <a:p>
+            <a:endParaRPr lang="en-US" dirty="0"/>
+          </a:p>
+        </p:txBody>
+      </p:sp>
+      <p:sp>
+        <p:nvSpPr>
+          <p:cNvPr id="4" name="Slide Number Placeholder 3"/>
+          <p:cNvSpPr>
+            <a:spLocks noGrp="1"/>
+          </p:cNvSpPr>
+          <p:nvPr>
+            <p:ph type="sldNum" sz="quarter" idx="10"/>
+          </p:nvPr>
+        </p:nvSpPr>
+        <p:spPr/>
+        <p:txBody>
+          <a:bodyPr/>
+          <a:lstStyle/>
+          <a:p>
+            <a:fld id="{B8B3BC3C-0900-4ACD-9030-5BE6C2442A68}" type="slidenum">
+              <a:rPr lang="en-US" smtClean="0"/>
+              <a:t>15</a:t>
+            </a:fld>
+            <a:endParaRPr lang="en-US" dirty="0"/>
+          </a:p>
+        </p:txBody>
+      </p:sp>
+    </p:spTree>
+    <p:extLst>
+      <p:ext uri="{BB962C8B-B14F-4D97-AF65-F5344CB8AC3E}">
+        <p14:creationId xmlns:p14="http://schemas.microsoft.com/office/powerpoint/2010/main" val="1971904817"/>
+      </p:ext>
+    </p:extLst>
+  </p:cSld>
+  <p:clrMapOvr>
+    <a:masterClrMapping/>
+  </p:clrMapOvr>
+</p:notes>
+</file>
+
+<file path=ppt/notesSlides/notesSlide16.xml><?xml version="1.0" encoding="utf-8"?>
+<p:notes xmlns:a="http://schemas.openxmlformats.org/drawingml/2006/main" xmlns:r="http://schemas.openxmlformats.org/officeDocument/2006/relationships" xmlns:p="http://schemas.openxmlformats.org/presentationml/2006/main">
+  <p:cSld>
+    <p:spTree>
+      <p:nvGrpSpPr>
+        <p:cNvPr id="1" name=""/>
+        <p:cNvGrpSpPr/>
+        <p:nvPr/>
+      </p:nvGrpSpPr>
+      <p:grpSpPr>
+        <a:xfrm>
+          <a:off x="0" y="0"/>
+          <a:ext cx="0" cy="0"/>
+          <a:chOff x="0" y="0"/>
+          <a:chExt cx="0" cy="0"/>
+        </a:xfrm>
+      </p:grpSpPr>
+      <p:sp>
+        <p:nvSpPr>
+          <p:cNvPr id="2" name="Slide Image Placeholder 1"/>
+          <p:cNvSpPr>
+            <a:spLocks noGrp="1" noRot="1" noChangeAspect="1"/>
+          </p:cNvSpPr>
+          <p:nvPr>
+            <p:ph type="sldImg"/>
+          </p:nvPr>
+        </p:nvSpPr>
+        <p:spPr/>
+      </p:sp>
+      <p:sp>
+        <p:nvSpPr>
+          <p:cNvPr id="3" name="Notes Placeholder 2"/>
+          <p:cNvSpPr>
+            <a:spLocks noGrp="1"/>
+          </p:cNvSpPr>
+          <p:nvPr>
+            <p:ph type="body" idx="1"/>
+          </p:nvPr>
+        </p:nvSpPr>
+        <p:spPr/>
+        <p:txBody>
+          <a:bodyPr/>
+          <a:lstStyle/>
+          <a:p>
+            <a:endParaRPr lang="en-US" dirty="0"/>
+          </a:p>
+        </p:txBody>
+      </p:sp>
+      <p:sp>
+        <p:nvSpPr>
+          <p:cNvPr id="4" name="Slide Number Placeholder 3"/>
+          <p:cNvSpPr>
+            <a:spLocks noGrp="1"/>
+          </p:cNvSpPr>
+          <p:nvPr>
+            <p:ph type="sldNum" sz="quarter" idx="10"/>
+          </p:nvPr>
+        </p:nvSpPr>
+        <p:spPr/>
+        <p:txBody>
+          <a:bodyPr/>
+          <a:lstStyle/>
+          <a:p>
+            <a:fld id="{B8B3BC3C-0900-4ACD-9030-5BE6C2442A68}" type="slidenum">
+              <a:rPr lang="en-US" smtClean="0"/>
+              <a:t>16</a:t>
             </a:fld>
             <a:endParaRPr lang="en-US" dirty="0"/>
           </a:p>
@@ -6166,12 +6758,31 @@
             <p:ph idx="1"/>
           </p:nvPr>
         </p:nvSpPr>
-        <p:spPr/>
+        <p:spPr>
+          <a:xfrm>
+            <a:off x="457200" y="1481328"/>
+            <a:ext cx="8229600" cy="4843272"/>
+          </a:xfrm>
+        </p:spPr>
         <p:txBody>
-          <a:bodyPr/>
+          <a:bodyPr>
+            <a:normAutofit/>
+          </a:bodyPr>
           <a:lstStyle/>
           <a:p>
-            <a:endParaRPr lang="en-US" dirty="0"/>
+            <a:endParaRPr lang="en-US" i="1" dirty="0" smtClean="0"/>
+          </a:p>
+          <a:p>
+            <a:pPr marL="393192" lvl="1" indent="0">
+              <a:buNone/>
+            </a:pPr>
+            <a:endParaRPr lang="en-US" i="1" dirty="0"/>
+          </a:p>
+          <a:p>
+            <a:pPr marL="393192" lvl="1" indent="0">
+              <a:buNone/>
+            </a:pPr>
+            <a:endParaRPr lang="en-US" i="1" dirty="0" smtClean="0"/>
           </a:p>
         </p:txBody>
       </p:sp>
@@ -6192,16 +6803,55 @@
           <a:p>
             <a:r>
               <a:rPr lang="en-US" dirty="0" smtClean="0"/>
-              <a:t>Conclusions</a:t>
+              <a:t>Results</a:t>
             </a:r>
             <a:endParaRPr lang="en-US" dirty="0"/>
           </a:p>
         </p:txBody>
       </p:sp>
+      <p:pic>
+        <p:nvPicPr>
+          <p:cNvPr id="1026" name="Picture 2" descr="C:\GEAviationSystems\Edison\MSU\Classes\CSE_848\cse_848\project\avg_fitness.jpg"/>
+          <p:cNvPicPr>
+            <a:picLocks noChangeAspect="1" noChangeArrowheads="1"/>
+          </p:cNvPicPr>
+          <p:nvPr/>
+        </p:nvPicPr>
+        <p:blipFill rotWithShape="1">
+          <a:blip r:embed="rId3">
+            <a:extLst>
+              <a:ext uri="{28A0092B-C50C-407E-A947-70E740481C1C}">
+                <a14:useLocalDpi xmlns:a14="http://schemas.microsoft.com/office/drawing/2010/main" val="0"/>
+              </a:ext>
+            </a:extLst>
+          </a:blip>
+          <a:srcRect l="7686" r="7857"/>
+          <a:stretch/>
+        </p:blipFill>
+        <p:spPr bwMode="auto">
+          <a:xfrm>
+            <a:off x="304800" y="1439065"/>
+            <a:ext cx="8566416" cy="4885535"/>
+          </a:xfrm>
+          <a:prstGeom prst="rect">
+            <a:avLst/>
+          </a:prstGeom>
+          <a:noFill/>
+          <a:extLst>
+            <a:ext uri="{909E8E84-426E-40DD-AFC4-6F175D3DCCD1}">
+              <a14:hiddenFill xmlns:a14="http://schemas.microsoft.com/office/drawing/2010/main">
+                <a:solidFill>
+                  <a:srgbClr val="FFFFFF"/>
+                </a:solidFill>
+              </a14:hiddenFill>
+            </a:ext>
+          </a:extLst>
+        </p:spPr>
+      </p:pic>
     </p:spTree>
     <p:extLst>
       <p:ext uri="{BB962C8B-B14F-4D97-AF65-F5344CB8AC3E}">
-        <p14:creationId xmlns:p14="http://schemas.microsoft.com/office/powerpoint/2010/main" val="3583244977"/>
+        <p14:creationId xmlns:p14="http://schemas.microsoft.com/office/powerpoint/2010/main" val="3103488706"/>
       </p:ext>
     </p:extLst>
   </p:cSld>
@@ -6230,7 +6880,45 @@
       </p:grpSpPr>
       <p:sp>
         <p:nvSpPr>
-          <p:cNvPr id="4" name="Title 3"/>
+          <p:cNvPr id="2" name="Content Placeholder 1"/>
+          <p:cNvSpPr>
+            <a:spLocks noGrp="1"/>
+          </p:cNvSpPr>
+          <p:nvPr>
+            <p:ph idx="1"/>
+          </p:nvPr>
+        </p:nvSpPr>
+        <p:spPr>
+          <a:xfrm>
+            <a:off x="457200" y="1481328"/>
+            <a:ext cx="8229600" cy="4843272"/>
+          </a:xfrm>
+        </p:spPr>
+        <p:txBody>
+          <a:bodyPr>
+            <a:normAutofit/>
+          </a:bodyPr>
+          <a:lstStyle/>
+          <a:p>
+            <a:endParaRPr lang="en-US" i="1" dirty="0" smtClean="0"/>
+          </a:p>
+          <a:p>
+            <a:pPr marL="393192" lvl="1" indent="0">
+              <a:buNone/>
+            </a:pPr>
+            <a:endParaRPr lang="en-US" i="1" dirty="0"/>
+          </a:p>
+          <a:p>
+            <a:pPr marL="393192" lvl="1" indent="0">
+              <a:buNone/>
+            </a:pPr>
+            <a:endParaRPr lang="en-US" i="1" dirty="0" smtClean="0"/>
+          </a:p>
+        </p:txBody>
+      </p:sp>
+      <p:sp>
+        <p:nvSpPr>
+          <p:cNvPr id="3" name="Title 2"/>
           <p:cNvSpPr>
             <a:spLocks noGrp="1"/>
           </p:cNvSpPr>
@@ -6238,35 +6926,7261 @@
             <p:ph type="title"/>
           </p:nvPr>
         </p:nvSpPr>
-        <p:spPr>
-          <a:xfrm>
-            <a:off x="609600" y="2438400"/>
-            <a:ext cx="7772400" cy="1143000"/>
-          </a:xfrm>
-        </p:spPr>
+        <p:spPr/>
         <p:txBody>
           <a:bodyPr/>
           <a:lstStyle/>
           <a:p>
-            <a:pPr algn="ctr"/>
             <a:r>
               <a:rPr lang="en-US" dirty="0" smtClean="0"/>
-              <a:t>Questions?</a:t>
+              <a:t>Results</a:t>
             </a:r>
             <a:endParaRPr lang="en-US" dirty="0"/>
           </a:p>
         </p:txBody>
       </p:sp>
+      <p:pic>
+        <p:nvPicPr>
+          <p:cNvPr id="2052" name="Picture 4" descr="C:\GEAviationSystems\Edison\MSU\Classes\CSE_848\cse_848\project\CI_12.jpg"/>
+          <p:cNvPicPr>
+            <a:picLocks noChangeAspect="1" noChangeArrowheads="1"/>
+          </p:cNvPicPr>
+          <p:nvPr/>
+        </p:nvPicPr>
+        <p:blipFill rotWithShape="1">
+          <a:blip r:embed="rId3">
+            <a:extLst>
+              <a:ext uri="{28A0092B-C50C-407E-A947-70E740481C1C}">
+                <a14:useLocalDpi xmlns:a14="http://schemas.microsoft.com/office/drawing/2010/main" val="0"/>
+              </a:ext>
+            </a:extLst>
+          </a:blip>
+          <a:srcRect l="4833" r="6746"/>
+          <a:stretch/>
+        </p:blipFill>
+        <p:spPr bwMode="auto">
+          <a:xfrm>
+            <a:off x="228600" y="1209302"/>
+            <a:ext cx="4191000" cy="2348318"/>
+          </a:xfrm>
+          <a:prstGeom prst="rect">
+            <a:avLst/>
+          </a:prstGeom>
+          <a:noFill/>
+          <a:extLst>
+            <a:ext uri="{909E8E84-426E-40DD-AFC4-6F175D3DCCD1}">
+              <a14:hiddenFill xmlns:a14="http://schemas.microsoft.com/office/drawing/2010/main">
+                <a:solidFill>
+                  <a:srgbClr val="FFFFFF"/>
+                </a:solidFill>
+              </a14:hiddenFill>
+            </a:ext>
+          </a:extLst>
+        </p:spPr>
+      </p:pic>
+      <p:pic>
+        <p:nvPicPr>
+          <p:cNvPr id="2050" name="Picture 2" descr="C:\GEAviationSystems\Edison\MSU\Classes\CSE_848\cse_848\project\CI_24.jpg"/>
+          <p:cNvPicPr>
+            <a:picLocks noChangeAspect="1" noChangeArrowheads="1"/>
+          </p:cNvPicPr>
+          <p:nvPr/>
+        </p:nvPicPr>
+        <p:blipFill rotWithShape="1">
+          <a:blip r:embed="rId4">
+            <a:extLst>
+              <a:ext uri="{28A0092B-C50C-407E-A947-70E740481C1C}">
+                <a14:useLocalDpi xmlns:a14="http://schemas.microsoft.com/office/drawing/2010/main" val="0"/>
+              </a:ext>
+            </a:extLst>
+          </a:blip>
+          <a:srcRect l="5076" r="6708"/>
+          <a:stretch/>
+        </p:blipFill>
+        <p:spPr bwMode="auto">
+          <a:xfrm>
+            <a:off x="4724400" y="1219200"/>
+            <a:ext cx="4178228" cy="2338420"/>
+          </a:xfrm>
+          <a:prstGeom prst="rect">
+            <a:avLst/>
+          </a:prstGeom>
+          <a:noFill/>
+          <a:extLst>
+            <a:ext uri="{909E8E84-426E-40DD-AFC4-6F175D3DCCD1}">
+              <a14:hiddenFill xmlns:a14="http://schemas.microsoft.com/office/drawing/2010/main">
+                <a:solidFill>
+                  <a:srgbClr val="FFFFFF"/>
+                </a:solidFill>
+              </a14:hiddenFill>
+            </a:ext>
+          </a:extLst>
+        </p:spPr>
+      </p:pic>
+      <p:pic>
+        <p:nvPicPr>
+          <p:cNvPr id="2051" name="Picture 3" descr="C:\GEAviationSystems\Edison\MSU\Classes\CSE_848\cse_848\project\CI_48.jpg"/>
+          <p:cNvPicPr>
+            <a:picLocks noChangeAspect="1" noChangeArrowheads="1"/>
+          </p:cNvPicPr>
+          <p:nvPr/>
+        </p:nvPicPr>
+        <p:blipFill rotWithShape="1">
+          <a:blip r:embed="rId5">
+            <a:extLst>
+              <a:ext uri="{28A0092B-C50C-407E-A947-70E740481C1C}">
+                <a14:useLocalDpi xmlns:a14="http://schemas.microsoft.com/office/drawing/2010/main" val="0"/>
+              </a:ext>
+            </a:extLst>
+          </a:blip>
+          <a:srcRect l="4603" r="7158"/>
+          <a:stretch/>
+        </p:blipFill>
+        <p:spPr bwMode="auto">
+          <a:xfrm>
+            <a:off x="2590800" y="3886200"/>
+            <a:ext cx="4191000" cy="2342347"/>
+          </a:xfrm>
+          <a:prstGeom prst="rect">
+            <a:avLst/>
+          </a:prstGeom>
+          <a:noFill/>
+          <a:extLst>
+            <a:ext uri="{909E8E84-426E-40DD-AFC4-6F175D3DCCD1}">
+              <a14:hiddenFill xmlns:a14="http://schemas.microsoft.com/office/drawing/2010/main">
+                <a:solidFill>
+                  <a:srgbClr val="FFFFFF"/>
+                </a:solidFill>
+              </a14:hiddenFill>
+            </a:ext>
+          </a:extLst>
+        </p:spPr>
+      </p:pic>
     </p:spTree>
     <p:extLst>
       <p:ext uri="{BB962C8B-B14F-4D97-AF65-F5344CB8AC3E}">
-        <p14:creationId xmlns:p14="http://schemas.microsoft.com/office/powerpoint/2010/main" val="4283767605"/>
+        <p14:creationId xmlns:p14="http://schemas.microsoft.com/office/powerpoint/2010/main" val="153846376"/>
       </p:ext>
     </p:extLst>
   </p:cSld>
   <p:clrMapOvr>
     <a:masterClrMapping/>
   </p:clrMapOvr>
+</p:sld>
+</file>
+
+<file path=ppt/slides/slide12.xml><?xml version="1.0" encoding="utf-8"?>
+<p:sld xmlns:a="http://schemas.openxmlformats.org/drawingml/2006/main" xmlns:r="http://schemas.openxmlformats.org/officeDocument/2006/relationships" xmlns:p="http://schemas.openxmlformats.org/presentationml/2006/main">
+  <p:cSld>
+    <p:spTree>
+      <p:nvGrpSpPr>
+        <p:cNvPr id="1" name=""/>
+        <p:cNvGrpSpPr/>
+        <p:nvPr/>
+      </p:nvGrpSpPr>
+      <p:grpSpPr>
+        <a:xfrm>
+          <a:off x="0" y="0"/>
+          <a:ext cx="0" cy="0"/>
+          <a:chOff x="0" y="0"/>
+          <a:chExt cx="0" cy="0"/>
+        </a:xfrm>
+      </p:grpSpPr>
+      <p:sp>
+        <p:nvSpPr>
+          <p:cNvPr id="2" name="Content Placeholder 1"/>
+          <p:cNvSpPr>
+            <a:spLocks noGrp="1"/>
+          </p:cNvSpPr>
+          <p:nvPr>
+            <p:ph idx="1"/>
+          </p:nvPr>
+        </p:nvSpPr>
+        <p:spPr>
+          <a:xfrm>
+            <a:off x="457200" y="1481328"/>
+            <a:ext cx="8229600" cy="4843272"/>
+          </a:xfrm>
+        </p:spPr>
+        <p:txBody>
+          <a:bodyPr>
+            <a:normAutofit/>
+          </a:bodyPr>
+          <a:lstStyle/>
+          <a:p>
+            <a:endParaRPr lang="en-US" i="1" dirty="0" smtClean="0"/>
+          </a:p>
+          <a:p>
+            <a:pPr marL="393192" lvl="1" indent="0">
+              <a:buNone/>
+            </a:pPr>
+            <a:endParaRPr lang="en-US" i="1" dirty="0"/>
+          </a:p>
+          <a:p>
+            <a:pPr marL="393192" lvl="1" indent="0">
+              <a:buNone/>
+            </a:pPr>
+            <a:endParaRPr lang="en-US" i="1" dirty="0" smtClean="0"/>
+          </a:p>
+        </p:txBody>
+      </p:sp>
+      <p:sp>
+        <p:nvSpPr>
+          <p:cNvPr id="3" name="Title 2"/>
+          <p:cNvSpPr>
+            <a:spLocks noGrp="1"/>
+          </p:cNvSpPr>
+          <p:nvPr>
+            <p:ph type="title"/>
+          </p:nvPr>
+        </p:nvSpPr>
+        <p:spPr/>
+        <p:txBody>
+          <a:bodyPr/>
+          <a:lstStyle/>
+          <a:p>
+            <a:r>
+              <a:rPr lang="en-US" dirty="0" smtClean="0"/>
+              <a:t>Results</a:t>
+            </a:r>
+            <a:endParaRPr lang="en-US" dirty="0"/>
+          </a:p>
+        </p:txBody>
+      </p:sp>
+      <p:graphicFrame>
+        <p:nvGraphicFramePr>
+          <p:cNvPr id="4" name="Table 3"/>
+          <p:cNvGraphicFramePr>
+            <a:graphicFrameLocks noGrp="1"/>
+          </p:cNvGraphicFramePr>
+          <p:nvPr>
+            <p:extLst>
+              <p:ext uri="{D42A27DB-BD31-4B8C-83A1-F6EECF244321}">
+                <p14:modId xmlns:p14="http://schemas.microsoft.com/office/powerpoint/2010/main" val="3437040722"/>
+              </p:ext>
+            </p:extLst>
+          </p:nvPr>
+        </p:nvGraphicFramePr>
+        <p:xfrm>
+          <a:off x="838200" y="1767840"/>
+          <a:ext cx="7542618" cy="3972560"/>
+        </p:xfrm>
+        <a:graphic>
+          <a:graphicData uri="http://schemas.openxmlformats.org/drawingml/2006/table">
+            <a:tbl>
+              <a:tblPr firstRow="1" bandRow="1">
+                <a:tableStyleId>{5C22544A-7EE6-4342-B048-85BDC9FD1C3A}</a:tableStyleId>
+              </a:tblPr>
+              <a:tblGrid>
+                <a:gridCol w="2209800"/>
+                <a:gridCol w="1066800"/>
+                <a:gridCol w="1066800"/>
+                <a:gridCol w="1066800"/>
+                <a:gridCol w="1066800"/>
+                <a:gridCol w="1065618"/>
+              </a:tblGrid>
+              <a:tr h="370840">
+                <a:tc>
+                  <a:txBody>
+                    <a:bodyPr/>
+                    <a:lstStyle/>
+                    <a:p>
+                      <a:pPr algn="r"/>
+                      <a:endParaRPr lang="en-US" dirty="0">
+                        <a:solidFill>
+                          <a:sysClr val="windowText" lastClr="000000"/>
+                        </a:solidFill>
+                      </a:endParaRPr>
+                    </a:p>
+                  </a:txBody>
+                  <a:tcPr>
+                    <a:lnL w="12700" cap="flat" cmpd="sng" algn="ctr">
+                      <a:solidFill>
+                        <a:schemeClr val="tx1"/>
+                      </a:solidFill>
+                      <a:prstDash val="solid"/>
+                      <a:round/>
+                      <a:headEnd type="none" w="med" len="med"/>
+                      <a:tailEnd type="none" w="med" len="med"/>
+                    </a:lnL>
+                    <a:lnR w="12700" cap="flat" cmpd="sng" algn="ctr">
+                      <a:solidFill>
+                        <a:schemeClr val="tx1"/>
+                      </a:solidFill>
+                      <a:prstDash val="solid"/>
+                      <a:round/>
+                      <a:headEnd type="none" w="med" len="med"/>
+                      <a:tailEnd type="none" w="med" len="med"/>
+                    </a:lnR>
+                    <a:lnT w="12700" cap="flat" cmpd="sng" algn="ctr">
+                      <a:solidFill>
+                        <a:schemeClr val="tx1"/>
+                      </a:solidFill>
+                      <a:prstDash val="solid"/>
+                      <a:round/>
+                      <a:headEnd type="none" w="med" len="med"/>
+                      <a:tailEnd type="none" w="med" len="med"/>
+                    </a:lnT>
+                    <a:lnB w="12700" cap="flat" cmpd="sng" algn="ctr">
+                      <a:solidFill>
+                        <a:schemeClr val="tx1"/>
+                      </a:solidFill>
+                      <a:prstDash val="solid"/>
+                      <a:round/>
+                      <a:headEnd type="none" w="med" len="med"/>
+                      <a:tailEnd type="none" w="med" len="med"/>
+                    </a:lnB>
+                    <a:noFill/>
+                  </a:tcPr>
+                </a:tc>
+                <a:tc>
+                  <a:txBody>
+                    <a:bodyPr/>
+                    <a:lstStyle/>
+                    <a:p>
+                      <a:pPr algn="ctr"/>
+                      <a:r>
+                        <a:rPr lang="en-US" dirty="0" smtClean="0">
+                          <a:solidFill>
+                            <a:sysClr val="windowText" lastClr="000000"/>
+                          </a:solidFill>
+                        </a:rPr>
+                        <a:t>Expert Results</a:t>
+                      </a:r>
+                      <a:endParaRPr lang="en-US" dirty="0">
+                        <a:solidFill>
+                          <a:sysClr val="windowText" lastClr="000000"/>
+                        </a:solidFill>
+                      </a:endParaRPr>
+                    </a:p>
+                  </a:txBody>
+                  <a:tcPr>
+                    <a:lnL w="12700" cap="flat" cmpd="sng" algn="ctr">
+                      <a:solidFill>
+                        <a:schemeClr val="tx1"/>
+                      </a:solidFill>
+                      <a:prstDash val="solid"/>
+                      <a:round/>
+                      <a:headEnd type="none" w="med" len="med"/>
+                      <a:tailEnd type="none" w="med" len="med"/>
+                    </a:lnL>
+                    <a:lnR w="12700" cap="flat" cmpd="sng" algn="ctr">
+                      <a:solidFill>
+                        <a:schemeClr val="tx1"/>
+                      </a:solidFill>
+                      <a:prstDash val="solid"/>
+                      <a:round/>
+                      <a:headEnd type="none" w="med" len="med"/>
+                      <a:tailEnd type="none" w="med" len="med"/>
+                    </a:lnR>
+                    <a:lnT w="12700" cap="flat" cmpd="sng" algn="ctr">
+                      <a:solidFill>
+                        <a:schemeClr val="tx1"/>
+                      </a:solidFill>
+                      <a:prstDash val="solid"/>
+                      <a:round/>
+                      <a:headEnd type="none" w="med" len="med"/>
+                      <a:tailEnd type="none" w="med" len="med"/>
+                    </a:lnT>
+                    <a:lnB w="12700" cap="flat" cmpd="sng" algn="ctr">
+                      <a:solidFill>
+                        <a:schemeClr val="tx1"/>
+                      </a:solidFill>
+                      <a:prstDash val="solid"/>
+                      <a:round/>
+                      <a:headEnd type="none" w="med" len="med"/>
+                      <a:tailEnd type="none" w="med" len="med"/>
+                    </a:lnB>
+                    <a:noFill/>
+                  </a:tcPr>
+                </a:tc>
+                <a:tc>
+                  <a:txBody>
+                    <a:bodyPr/>
+                    <a:lstStyle/>
+                    <a:p>
+                      <a:pPr algn="ctr"/>
+                      <a:r>
+                        <a:rPr lang="en-US" dirty="0" smtClean="0">
+                          <a:solidFill>
+                            <a:sysClr val="windowText" lastClr="000000"/>
+                          </a:solidFill>
+                        </a:rPr>
+                        <a:t>Expert</a:t>
+                      </a:r>
+                      <a:r>
+                        <a:rPr lang="en-US" baseline="0" dirty="0" smtClean="0">
+                          <a:solidFill>
+                            <a:sysClr val="windowText" lastClr="000000"/>
+                          </a:solidFill>
+                        </a:rPr>
+                        <a:t> Results</a:t>
+                      </a:r>
+                      <a:endParaRPr lang="en-US" dirty="0">
+                        <a:solidFill>
+                          <a:sysClr val="windowText" lastClr="000000"/>
+                        </a:solidFill>
+                      </a:endParaRPr>
+                    </a:p>
+                  </a:txBody>
+                  <a:tcPr>
+                    <a:lnL w="12700" cap="flat" cmpd="sng" algn="ctr">
+                      <a:solidFill>
+                        <a:schemeClr val="tx1"/>
+                      </a:solidFill>
+                      <a:prstDash val="solid"/>
+                      <a:round/>
+                      <a:headEnd type="none" w="med" len="med"/>
+                      <a:tailEnd type="none" w="med" len="med"/>
+                    </a:lnL>
+                    <a:lnR w="12700" cap="flat" cmpd="sng" algn="ctr">
+                      <a:solidFill>
+                        <a:schemeClr val="tx1"/>
+                      </a:solidFill>
+                      <a:prstDash val="solid"/>
+                      <a:round/>
+                      <a:headEnd type="none" w="med" len="med"/>
+                      <a:tailEnd type="none" w="med" len="med"/>
+                    </a:lnR>
+                    <a:lnT w="12700" cap="flat" cmpd="sng" algn="ctr">
+                      <a:solidFill>
+                        <a:schemeClr val="tx1"/>
+                      </a:solidFill>
+                      <a:prstDash val="solid"/>
+                      <a:round/>
+                      <a:headEnd type="none" w="med" len="med"/>
+                      <a:tailEnd type="none" w="med" len="med"/>
+                    </a:lnT>
+                    <a:lnB w="12700" cap="flat" cmpd="sng" algn="ctr">
+                      <a:solidFill>
+                        <a:schemeClr val="tx1"/>
+                      </a:solidFill>
+                      <a:prstDash val="solid"/>
+                      <a:round/>
+                      <a:headEnd type="none" w="med" len="med"/>
+                      <a:tailEnd type="none" w="med" len="med"/>
+                    </a:lnB>
+                    <a:noFill/>
+                  </a:tcPr>
+                </a:tc>
+                <a:tc>
+                  <a:txBody>
+                    <a:bodyPr/>
+                    <a:lstStyle/>
+                    <a:p>
+                      <a:pPr algn="ctr"/>
+                      <a:r>
+                        <a:rPr lang="en-US" dirty="0" smtClean="0">
+                          <a:solidFill>
+                            <a:sysClr val="windowText" lastClr="000000"/>
+                          </a:solidFill>
+                        </a:rPr>
+                        <a:t>Best Pop 12</a:t>
+                      </a:r>
+                      <a:endParaRPr lang="en-US" dirty="0">
+                        <a:solidFill>
+                          <a:sysClr val="windowText" lastClr="000000"/>
+                        </a:solidFill>
+                      </a:endParaRPr>
+                    </a:p>
+                  </a:txBody>
+                  <a:tcPr>
+                    <a:lnL w="12700" cap="flat" cmpd="sng" algn="ctr">
+                      <a:solidFill>
+                        <a:schemeClr val="tx1"/>
+                      </a:solidFill>
+                      <a:prstDash val="solid"/>
+                      <a:round/>
+                      <a:headEnd type="none" w="med" len="med"/>
+                      <a:tailEnd type="none" w="med" len="med"/>
+                    </a:lnL>
+                    <a:lnR w="12700" cap="flat" cmpd="sng" algn="ctr">
+                      <a:solidFill>
+                        <a:schemeClr val="tx1"/>
+                      </a:solidFill>
+                      <a:prstDash val="solid"/>
+                      <a:round/>
+                      <a:headEnd type="none" w="med" len="med"/>
+                      <a:tailEnd type="none" w="med" len="med"/>
+                    </a:lnR>
+                    <a:lnT w="12700" cap="flat" cmpd="sng" algn="ctr">
+                      <a:solidFill>
+                        <a:schemeClr val="tx1"/>
+                      </a:solidFill>
+                      <a:prstDash val="solid"/>
+                      <a:round/>
+                      <a:headEnd type="none" w="med" len="med"/>
+                      <a:tailEnd type="none" w="med" len="med"/>
+                    </a:lnT>
+                    <a:lnB w="12700" cap="flat" cmpd="sng" algn="ctr">
+                      <a:solidFill>
+                        <a:schemeClr val="tx1"/>
+                      </a:solidFill>
+                      <a:prstDash val="solid"/>
+                      <a:round/>
+                      <a:headEnd type="none" w="med" len="med"/>
+                      <a:tailEnd type="none" w="med" len="med"/>
+                    </a:lnB>
+                    <a:noFill/>
+                  </a:tcPr>
+                </a:tc>
+                <a:tc>
+                  <a:txBody>
+                    <a:bodyPr/>
+                    <a:lstStyle/>
+                    <a:p>
+                      <a:pPr marL="0" marR="0" indent="0" algn="ctr" defTabSz="914400" rtl="0" eaLnBrk="1" fontAlgn="auto" latinLnBrk="0" hangingPunct="1">
+                        <a:lnSpc>
+                          <a:spcPct val="100000"/>
+                        </a:lnSpc>
+                        <a:spcBef>
+                          <a:spcPts val="0"/>
+                        </a:spcBef>
+                        <a:spcAft>
+                          <a:spcPts val="0"/>
+                        </a:spcAft>
+                        <a:buClrTx/>
+                        <a:buSzTx/>
+                        <a:buFontTx/>
+                        <a:buNone/>
+                        <a:tabLst/>
+                        <a:defRPr/>
+                      </a:pPr>
+                      <a:r>
+                        <a:rPr lang="en-US" dirty="0" smtClean="0">
+                          <a:solidFill>
+                            <a:sysClr val="windowText" lastClr="000000"/>
+                          </a:solidFill>
+                        </a:rPr>
+                        <a:t>Best Pop 24</a:t>
+                      </a:r>
+                    </a:p>
+                  </a:txBody>
+                  <a:tcPr>
+                    <a:lnL w="12700" cap="flat" cmpd="sng" algn="ctr">
+                      <a:solidFill>
+                        <a:schemeClr val="tx1"/>
+                      </a:solidFill>
+                      <a:prstDash val="solid"/>
+                      <a:round/>
+                      <a:headEnd type="none" w="med" len="med"/>
+                      <a:tailEnd type="none" w="med" len="med"/>
+                    </a:lnL>
+                    <a:lnR w="12700" cap="flat" cmpd="sng" algn="ctr">
+                      <a:solidFill>
+                        <a:schemeClr val="tx1"/>
+                      </a:solidFill>
+                      <a:prstDash val="solid"/>
+                      <a:round/>
+                      <a:headEnd type="none" w="med" len="med"/>
+                      <a:tailEnd type="none" w="med" len="med"/>
+                    </a:lnR>
+                    <a:lnT w="12700" cap="flat" cmpd="sng" algn="ctr">
+                      <a:solidFill>
+                        <a:schemeClr val="tx1"/>
+                      </a:solidFill>
+                      <a:prstDash val="solid"/>
+                      <a:round/>
+                      <a:headEnd type="none" w="med" len="med"/>
+                      <a:tailEnd type="none" w="med" len="med"/>
+                    </a:lnT>
+                    <a:lnB w="12700" cap="flat" cmpd="sng" algn="ctr">
+                      <a:solidFill>
+                        <a:schemeClr val="tx1"/>
+                      </a:solidFill>
+                      <a:prstDash val="solid"/>
+                      <a:round/>
+                      <a:headEnd type="none" w="med" len="med"/>
+                      <a:tailEnd type="none" w="med" len="med"/>
+                    </a:lnB>
+                    <a:noFill/>
+                  </a:tcPr>
+                </a:tc>
+                <a:tc>
+                  <a:txBody>
+                    <a:bodyPr/>
+                    <a:lstStyle/>
+                    <a:p>
+                      <a:pPr marL="0" marR="0" indent="0" algn="ctr" defTabSz="914400" rtl="0" eaLnBrk="1" fontAlgn="auto" latinLnBrk="0" hangingPunct="1">
+                        <a:lnSpc>
+                          <a:spcPct val="100000"/>
+                        </a:lnSpc>
+                        <a:spcBef>
+                          <a:spcPts val="0"/>
+                        </a:spcBef>
+                        <a:spcAft>
+                          <a:spcPts val="0"/>
+                        </a:spcAft>
+                        <a:buClrTx/>
+                        <a:buSzTx/>
+                        <a:buFontTx/>
+                        <a:buNone/>
+                        <a:tabLst/>
+                        <a:defRPr/>
+                      </a:pPr>
+                      <a:r>
+                        <a:rPr lang="en-US" dirty="0" smtClean="0">
+                          <a:solidFill>
+                            <a:sysClr val="windowText" lastClr="000000"/>
+                          </a:solidFill>
+                        </a:rPr>
+                        <a:t>Best Pop 48</a:t>
+                      </a:r>
+                    </a:p>
+                  </a:txBody>
+                  <a:tcPr>
+                    <a:lnL w="12700" cap="flat" cmpd="sng" algn="ctr">
+                      <a:solidFill>
+                        <a:schemeClr val="tx1"/>
+                      </a:solidFill>
+                      <a:prstDash val="solid"/>
+                      <a:round/>
+                      <a:headEnd type="none" w="med" len="med"/>
+                      <a:tailEnd type="none" w="med" len="med"/>
+                    </a:lnL>
+                    <a:lnR w="12700" cap="flat" cmpd="sng" algn="ctr">
+                      <a:solidFill>
+                        <a:schemeClr val="tx1"/>
+                      </a:solidFill>
+                      <a:prstDash val="solid"/>
+                      <a:round/>
+                      <a:headEnd type="none" w="med" len="med"/>
+                      <a:tailEnd type="none" w="med" len="med"/>
+                    </a:lnR>
+                    <a:lnT w="12700" cap="flat" cmpd="sng" algn="ctr">
+                      <a:solidFill>
+                        <a:schemeClr val="tx1"/>
+                      </a:solidFill>
+                      <a:prstDash val="solid"/>
+                      <a:round/>
+                      <a:headEnd type="none" w="med" len="med"/>
+                      <a:tailEnd type="none" w="med" len="med"/>
+                    </a:lnT>
+                    <a:lnB w="12700" cap="flat" cmpd="sng" algn="ctr">
+                      <a:solidFill>
+                        <a:schemeClr val="tx1"/>
+                      </a:solidFill>
+                      <a:prstDash val="solid"/>
+                      <a:round/>
+                      <a:headEnd type="none" w="med" len="med"/>
+                      <a:tailEnd type="none" w="med" len="med"/>
+                    </a:lnB>
+                    <a:noFill/>
+                  </a:tcPr>
+                </a:tc>
+              </a:tr>
+              <a:tr h="370840">
+                <a:tc>
+                  <a:txBody>
+                    <a:bodyPr/>
+                    <a:lstStyle/>
+                    <a:p>
+                      <a:pPr algn="r"/>
+                      <a:r>
+                        <a:rPr lang="en-US" dirty="0" smtClean="0">
+                          <a:solidFill>
+                            <a:sysClr val="windowText" lastClr="000000"/>
+                          </a:solidFill>
+                        </a:rPr>
+                        <a:t>%</a:t>
+                      </a:r>
+                      <a:r>
+                        <a:rPr lang="en-US" baseline="0" dirty="0" smtClean="0">
+                          <a:solidFill>
+                            <a:sysClr val="windowText" lastClr="000000"/>
+                          </a:solidFill>
+                        </a:rPr>
+                        <a:t> Wiener</a:t>
+                      </a:r>
+                      <a:endParaRPr lang="en-US" dirty="0">
+                        <a:solidFill>
+                          <a:sysClr val="windowText" lastClr="000000"/>
+                        </a:solidFill>
+                      </a:endParaRPr>
+                    </a:p>
+                  </a:txBody>
+                  <a:tcPr>
+                    <a:lnL w="12700" cap="flat" cmpd="sng" algn="ctr">
+                      <a:solidFill>
+                        <a:schemeClr val="tx1"/>
+                      </a:solidFill>
+                      <a:prstDash val="solid"/>
+                      <a:round/>
+                      <a:headEnd type="none" w="med" len="med"/>
+                      <a:tailEnd type="none" w="med" len="med"/>
+                    </a:lnL>
+                    <a:lnR w="12700" cap="flat" cmpd="sng" algn="ctr">
+                      <a:solidFill>
+                        <a:schemeClr val="tx1"/>
+                      </a:solidFill>
+                      <a:prstDash val="solid"/>
+                      <a:round/>
+                      <a:headEnd type="none" w="med" len="med"/>
+                      <a:tailEnd type="none" w="med" len="med"/>
+                    </a:lnR>
+                    <a:lnT w="12700" cap="flat" cmpd="sng" algn="ctr">
+                      <a:solidFill>
+                        <a:schemeClr val="tx1"/>
+                      </a:solidFill>
+                      <a:prstDash val="solid"/>
+                      <a:round/>
+                      <a:headEnd type="none" w="med" len="med"/>
+                      <a:tailEnd type="none" w="med" len="med"/>
+                    </a:lnT>
+                    <a:lnB w="12700" cap="flat" cmpd="sng" algn="ctr">
+                      <a:solidFill>
+                        <a:schemeClr val="tx1"/>
+                      </a:solidFill>
+                      <a:prstDash val="solid"/>
+                      <a:round/>
+                      <a:headEnd type="none" w="med" len="med"/>
+                      <a:tailEnd type="none" w="med" len="med"/>
+                    </a:lnB>
+                    <a:noFill/>
+                  </a:tcPr>
+                </a:tc>
+                <a:tc>
+                  <a:txBody>
+                    <a:bodyPr/>
+                    <a:lstStyle/>
+                    <a:p>
+                      <a:pPr algn="ctr"/>
+                      <a:r>
+                        <a:rPr lang="en-US" dirty="0" smtClean="0">
+                          <a:solidFill>
+                            <a:sysClr val="windowText" lastClr="000000"/>
+                          </a:solidFill>
+                        </a:rPr>
+                        <a:t>1</a:t>
+                      </a:r>
+                      <a:endParaRPr lang="en-US" dirty="0">
+                        <a:solidFill>
+                          <a:sysClr val="windowText" lastClr="000000"/>
+                        </a:solidFill>
+                      </a:endParaRPr>
+                    </a:p>
+                  </a:txBody>
+                  <a:tcPr>
+                    <a:lnL w="12700" cap="flat" cmpd="sng" algn="ctr">
+                      <a:solidFill>
+                        <a:schemeClr val="tx1"/>
+                      </a:solidFill>
+                      <a:prstDash val="solid"/>
+                      <a:round/>
+                      <a:headEnd type="none" w="med" len="med"/>
+                      <a:tailEnd type="none" w="med" len="med"/>
+                    </a:lnL>
+                    <a:lnR w="12700" cap="flat" cmpd="sng" algn="ctr">
+                      <a:solidFill>
+                        <a:schemeClr val="tx1"/>
+                      </a:solidFill>
+                      <a:prstDash val="solid"/>
+                      <a:round/>
+                      <a:headEnd type="none" w="med" len="med"/>
+                      <a:tailEnd type="none" w="med" len="med"/>
+                    </a:lnR>
+                    <a:lnT w="12700" cap="flat" cmpd="sng" algn="ctr">
+                      <a:solidFill>
+                        <a:schemeClr val="tx1"/>
+                      </a:solidFill>
+                      <a:prstDash val="solid"/>
+                      <a:round/>
+                      <a:headEnd type="none" w="med" len="med"/>
+                      <a:tailEnd type="none" w="med" len="med"/>
+                    </a:lnT>
+                    <a:lnB w="12700" cap="flat" cmpd="sng" algn="ctr">
+                      <a:solidFill>
+                        <a:schemeClr val="tx1"/>
+                      </a:solidFill>
+                      <a:prstDash val="solid"/>
+                      <a:round/>
+                      <a:headEnd type="none" w="med" len="med"/>
+                      <a:tailEnd type="none" w="med" len="med"/>
+                    </a:lnB>
+                    <a:noFill/>
+                  </a:tcPr>
+                </a:tc>
+                <a:tc>
+                  <a:txBody>
+                    <a:bodyPr/>
+                    <a:lstStyle/>
+                    <a:p>
+                      <a:pPr algn="ctr"/>
+                      <a:r>
+                        <a:rPr lang="en-US" dirty="0" smtClean="0">
+                          <a:solidFill>
+                            <a:sysClr val="windowText" lastClr="000000"/>
+                          </a:solidFill>
+                        </a:rPr>
+                        <a:t>0</a:t>
+                      </a:r>
+                      <a:endParaRPr lang="en-US" dirty="0">
+                        <a:solidFill>
+                          <a:sysClr val="windowText" lastClr="000000"/>
+                        </a:solidFill>
+                      </a:endParaRPr>
+                    </a:p>
+                  </a:txBody>
+                  <a:tcPr>
+                    <a:lnL w="12700" cap="flat" cmpd="sng" algn="ctr">
+                      <a:solidFill>
+                        <a:schemeClr val="tx1"/>
+                      </a:solidFill>
+                      <a:prstDash val="solid"/>
+                      <a:round/>
+                      <a:headEnd type="none" w="med" len="med"/>
+                      <a:tailEnd type="none" w="med" len="med"/>
+                    </a:lnL>
+                    <a:lnR w="12700" cap="flat" cmpd="sng" algn="ctr">
+                      <a:solidFill>
+                        <a:schemeClr val="tx1"/>
+                      </a:solidFill>
+                      <a:prstDash val="solid"/>
+                      <a:round/>
+                      <a:headEnd type="none" w="med" len="med"/>
+                      <a:tailEnd type="none" w="med" len="med"/>
+                    </a:lnR>
+                    <a:lnT w="12700" cap="flat" cmpd="sng" algn="ctr">
+                      <a:solidFill>
+                        <a:schemeClr val="tx1"/>
+                      </a:solidFill>
+                      <a:prstDash val="solid"/>
+                      <a:round/>
+                      <a:headEnd type="none" w="med" len="med"/>
+                      <a:tailEnd type="none" w="med" len="med"/>
+                    </a:lnT>
+                    <a:lnB w="12700" cap="flat" cmpd="sng" algn="ctr">
+                      <a:solidFill>
+                        <a:schemeClr val="tx1"/>
+                      </a:solidFill>
+                      <a:prstDash val="solid"/>
+                      <a:round/>
+                      <a:headEnd type="none" w="med" len="med"/>
+                      <a:tailEnd type="none" w="med" len="med"/>
+                    </a:lnB>
+                    <a:noFill/>
+                  </a:tcPr>
+                </a:tc>
+                <a:tc>
+                  <a:txBody>
+                    <a:bodyPr/>
+                    <a:lstStyle/>
+                    <a:p>
+                      <a:pPr algn="ctr"/>
+                      <a:r>
+                        <a:rPr lang="en-US" dirty="0" smtClean="0">
+                          <a:solidFill>
+                            <a:sysClr val="windowText" lastClr="000000"/>
+                          </a:solidFill>
+                        </a:rPr>
+                        <a:t>1.10</a:t>
+                      </a:r>
+                      <a:endParaRPr lang="en-US" dirty="0">
+                        <a:solidFill>
+                          <a:sysClr val="windowText" lastClr="000000"/>
+                        </a:solidFill>
+                      </a:endParaRPr>
+                    </a:p>
+                  </a:txBody>
+                  <a:tcPr>
+                    <a:lnL w="12700" cap="flat" cmpd="sng" algn="ctr">
+                      <a:solidFill>
+                        <a:schemeClr val="tx1"/>
+                      </a:solidFill>
+                      <a:prstDash val="solid"/>
+                      <a:round/>
+                      <a:headEnd type="none" w="med" len="med"/>
+                      <a:tailEnd type="none" w="med" len="med"/>
+                    </a:lnL>
+                    <a:lnR w="12700" cap="flat" cmpd="sng" algn="ctr">
+                      <a:solidFill>
+                        <a:schemeClr val="tx1"/>
+                      </a:solidFill>
+                      <a:prstDash val="solid"/>
+                      <a:round/>
+                      <a:headEnd type="none" w="med" len="med"/>
+                      <a:tailEnd type="none" w="med" len="med"/>
+                    </a:lnR>
+                    <a:lnT w="12700" cap="flat" cmpd="sng" algn="ctr">
+                      <a:solidFill>
+                        <a:schemeClr val="tx1"/>
+                      </a:solidFill>
+                      <a:prstDash val="solid"/>
+                      <a:round/>
+                      <a:headEnd type="none" w="med" len="med"/>
+                      <a:tailEnd type="none" w="med" len="med"/>
+                    </a:lnT>
+                    <a:lnB w="12700" cap="flat" cmpd="sng" algn="ctr">
+                      <a:solidFill>
+                        <a:schemeClr val="tx1"/>
+                      </a:solidFill>
+                      <a:prstDash val="solid"/>
+                      <a:round/>
+                      <a:headEnd type="none" w="med" len="med"/>
+                      <a:tailEnd type="none" w="med" len="med"/>
+                    </a:lnB>
+                    <a:noFill/>
+                  </a:tcPr>
+                </a:tc>
+                <a:tc>
+                  <a:txBody>
+                    <a:bodyPr/>
+                    <a:lstStyle/>
+                    <a:p>
+                      <a:pPr algn="ctr"/>
+                      <a:r>
+                        <a:rPr lang="en-US" dirty="0" smtClean="0">
+                          <a:solidFill>
+                            <a:sysClr val="windowText" lastClr="000000"/>
+                          </a:solidFill>
+                        </a:rPr>
+                        <a:t>0.97</a:t>
+                      </a:r>
+                      <a:endParaRPr lang="en-US" dirty="0">
+                        <a:solidFill>
+                          <a:sysClr val="windowText" lastClr="000000"/>
+                        </a:solidFill>
+                      </a:endParaRPr>
+                    </a:p>
+                  </a:txBody>
+                  <a:tcPr>
+                    <a:lnL w="12700" cap="flat" cmpd="sng" algn="ctr">
+                      <a:solidFill>
+                        <a:schemeClr val="tx1"/>
+                      </a:solidFill>
+                      <a:prstDash val="solid"/>
+                      <a:round/>
+                      <a:headEnd type="none" w="med" len="med"/>
+                      <a:tailEnd type="none" w="med" len="med"/>
+                    </a:lnL>
+                    <a:lnR w="12700" cap="flat" cmpd="sng" algn="ctr">
+                      <a:solidFill>
+                        <a:schemeClr val="tx1"/>
+                      </a:solidFill>
+                      <a:prstDash val="solid"/>
+                      <a:round/>
+                      <a:headEnd type="none" w="med" len="med"/>
+                      <a:tailEnd type="none" w="med" len="med"/>
+                    </a:lnR>
+                    <a:lnT w="12700" cap="flat" cmpd="sng" algn="ctr">
+                      <a:solidFill>
+                        <a:schemeClr val="tx1"/>
+                      </a:solidFill>
+                      <a:prstDash val="solid"/>
+                      <a:round/>
+                      <a:headEnd type="none" w="med" len="med"/>
+                      <a:tailEnd type="none" w="med" len="med"/>
+                    </a:lnT>
+                    <a:lnB w="12700" cap="flat" cmpd="sng" algn="ctr">
+                      <a:solidFill>
+                        <a:schemeClr val="tx1"/>
+                      </a:solidFill>
+                      <a:prstDash val="solid"/>
+                      <a:round/>
+                      <a:headEnd type="none" w="med" len="med"/>
+                      <a:tailEnd type="none" w="med" len="med"/>
+                    </a:lnB>
+                    <a:noFill/>
+                  </a:tcPr>
+                </a:tc>
+                <a:tc>
+                  <a:txBody>
+                    <a:bodyPr/>
+                    <a:lstStyle/>
+                    <a:p>
+                      <a:pPr algn="ctr"/>
+                      <a:r>
+                        <a:rPr lang="en-US" dirty="0" smtClean="0">
+                          <a:solidFill>
+                            <a:sysClr val="windowText" lastClr="000000"/>
+                          </a:solidFill>
+                        </a:rPr>
+                        <a:t>1.10</a:t>
+                      </a:r>
+                      <a:endParaRPr lang="en-US" dirty="0">
+                        <a:solidFill>
+                          <a:sysClr val="windowText" lastClr="000000"/>
+                        </a:solidFill>
+                      </a:endParaRPr>
+                    </a:p>
+                  </a:txBody>
+                  <a:tcPr>
+                    <a:lnL w="12700" cap="flat" cmpd="sng" algn="ctr">
+                      <a:solidFill>
+                        <a:schemeClr val="tx1"/>
+                      </a:solidFill>
+                      <a:prstDash val="solid"/>
+                      <a:round/>
+                      <a:headEnd type="none" w="med" len="med"/>
+                      <a:tailEnd type="none" w="med" len="med"/>
+                    </a:lnL>
+                    <a:lnR w="12700" cap="flat" cmpd="sng" algn="ctr">
+                      <a:solidFill>
+                        <a:schemeClr val="tx1"/>
+                      </a:solidFill>
+                      <a:prstDash val="solid"/>
+                      <a:round/>
+                      <a:headEnd type="none" w="med" len="med"/>
+                      <a:tailEnd type="none" w="med" len="med"/>
+                    </a:lnR>
+                    <a:lnT w="12700" cap="flat" cmpd="sng" algn="ctr">
+                      <a:solidFill>
+                        <a:schemeClr val="tx1"/>
+                      </a:solidFill>
+                      <a:prstDash val="solid"/>
+                      <a:round/>
+                      <a:headEnd type="none" w="med" len="med"/>
+                      <a:tailEnd type="none" w="med" len="med"/>
+                    </a:lnT>
+                    <a:lnB w="12700" cap="flat" cmpd="sng" algn="ctr">
+                      <a:solidFill>
+                        <a:schemeClr val="tx1"/>
+                      </a:solidFill>
+                      <a:prstDash val="solid"/>
+                      <a:round/>
+                      <a:headEnd type="none" w="med" len="med"/>
+                      <a:tailEnd type="none" w="med" len="med"/>
+                    </a:lnB>
+                    <a:noFill/>
+                  </a:tcPr>
+                </a:tc>
+              </a:tr>
+              <a:tr h="345440">
+                <a:tc>
+                  <a:txBody>
+                    <a:bodyPr/>
+                    <a:lstStyle/>
+                    <a:p>
+                      <a:pPr algn="r"/>
+                      <a:r>
+                        <a:rPr lang="en-US" dirty="0" smtClean="0">
+                          <a:solidFill>
+                            <a:sysClr val="windowText" lastClr="000000"/>
+                          </a:solidFill>
+                        </a:rPr>
+                        <a:t>Alpha</a:t>
+                      </a:r>
+                      <a:endParaRPr lang="en-US" dirty="0">
+                        <a:solidFill>
+                          <a:sysClr val="windowText" lastClr="000000"/>
+                        </a:solidFill>
+                      </a:endParaRPr>
+                    </a:p>
+                  </a:txBody>
+                  <a:tcPr>
+                    <a:lnL w="12700" cap="flat" cmpd="sng" algn="ctr">
+                      <a:solidFill>
+                        <a:schemeClr val="tx1"/>
+                      </a:solidFill>
+                      <a:prstDash val="solid"/>
+                      <a:round/>
+                      <a:headEnd type="none" w="med" len="med"/>
+                      <a:tailEnd type="none" w="med" len="med"/>
+                    </a:lnL>
+                    <a:lnR w="12700" cap="flat" cmpd="sng" algn="ctr">
+                      <a:solidFill>
+                        <a:schemeClr val="tx1"/>
+                      </a:solidFill>
+                      <a:prstDash val="solid"/>
+                      <a:round/>
+                      <a:headEnd type="none" w="med" len="med"/>
+                      <a:tailEnd type="none" w="med" len="med"/>
+                    </a:lnR>
+                    <a:lnT w="12700" cap="flat" cmpd="sng" algn="ctr">
+                      <a:solidFill>
+                        <a:schemeClr val="tx1"/>
+                      </a:solidFill>
+                      <a:prstDash val="solid"/>
+                      <a:round/>
+                      <a:headEnd type="none" w="med" len="med"/>
+                      <a:tailEnd type="none" w="med" len="med"/>
+                    </a:lnT>
+                    <a:lnB w="12700" cap="flat" cmpd="sng" algn="ctr">
+                      <a:solidFill>
+                        <a:schemeClr val="tx1"/>
+                      </a:solidFill>
+                      <a:prstDash val="solid"/>
+                      <a:round/>
+                      <a:headEnd type="none" w="med" len="med"/>
+                      <a:tailEnd type="none" w="med" len="med"/>
+                    </a:lnB>
+                    <a:noFill/>
+                  </a:tcPr>
+                </a:tc>
+                <a:tc>
+                  <a:txBody>
+                    <a:bodyPr/>
+                    <a:lstStyle/>
+                    <a:p>
+                      <a:pPr algn="ctr"/>
+                      <a:r>
+                        <a:rPr lang="en-US" dirty="0" smtClean="0">
+                          <a:solidFill>
+                            <a:sysClr val="windowText" lastClr="000000"/>
+                          </a:solidFill>
+                        </a:rPr>
+                        <a:t>0.98</a:t>
+                      </a:r>
+                      <a:endParaRPr lang="en-US" dirty="0">
+                        <a:solidFill>
+                          <a:sysClr val="windowText" lastClr="000000"/>
+                        </a:solidFill>
+                      </a:endParaRPr>
+                    </a:p>
+                  </a:txBody>
+                  <a:tcPr>
+                    <a:lnL w="12700" cap="flat" cmpd="sng" algn="ctr">
+                      <a:solidFill>
+                        <a:schemeClr val="tx1"/>
+                      </a:solidFill>
+                      <a:prstDash val="solid"/>
+                      <a:round/>
+                      <a:headEnd type="none" w="med" len="med"/>
+                      <a:tailEnd type="none" w="med" len="med"/>
+                    </a:lnL>
+                    <a:lnR w="12700" cap="flat" cmpd="sng" algn="ctr">
+                      <a:solidFill>
+                        <a:schemeClr val="tx1"/>
+                      </a:solidFill>
+                      <a:prstDash val="solid"/>
+                      <a:round/>
+                      <a:headEnd type="none" w="med" len="med"/>
+                      <a:tailEnd type="none" w="med" len="med"/>
+                    </a:lnR>
+                    <a:lnT w="12700" cap="flat" cmpd="sng" algn="ctr">
+                      <a:solidFill>
+                        <a:schemeClr val="tx1"/>
+                      </a:solidFill>
+                      <a:prstDash val="solid"/>
+                      <a:round/>
+                      <a:headEnd type="none" w="med" len="med"/>
+                      <a:tailEnd type="none" w="med" len="med"/>
+                    </a:lnT>
+                    <a:lnB w="12700" cap="flat" cmpd="sng" algn="ctr">
+                      <a:solidFill>
+                        <a:schemeClr val="tx1"/>
+                      </a:solidFill>
+                      <a:prstDash val="solid"/>
+                      <a:round/>
+                      <a:headEnd type="none" w="med" len="med"/>
+                      <a:tailEnd type="none" w="med" len="med"/>
+                    </a:lnB>
+                    <a:noFill/>
+                  </a:tcPr>
+                </a:tc>
+                <a:tc>
+                  <a:txBody>
+                    <a:bodyPr/>
+                    <a:lstStyle/>
+                    <a:p>
+                      <a:pPr algn="ctr"/>
+                      <a:r>
+                        <a:rPr lang="en-US" dirty="0" smtClean="0">
+                          <a:solidFill>
+                            <a:sysClr val="windowText" lastClr="000000"/>
+                          </a:solidFill>
+                        </a:rPr>
+                        <a:t>-</a:t>
+                      </a:r>
+                      <a:endParaRPr lang="en-US" dirty="0">
+                        <a:solidFill>
+                          <a:sysClr val="windowText" lastClr="000000"/>
+                        </a:solidFill>
+                      </a:endParaRPr>
+                    </a:p>
+                  </a:txBody>
+                  <a:tcPr>
+                    <a:lnL w="12700" cap="flat" cmpd="sng" algn="ctr">
+                      <a:solidFill>
+                        <a:schemeClr val="tx1"/>
+                      </a:solidFill>
+                      <a:prstDash val="solid"/>
+                      <a:round/>
+                      <a:headEnd type="none" w="med" len="med"/>
+                      <a:tailEnd type="none" w="med" len="med"/>
+                    </a:lnL>
+                    <a:lnR w="12700" cap="flat" cmpd="sng" algn="ctr">
+                      <a:solidFill>
+                        <a:schemeClr val="tx1"/>
+                      </a:solidFill>
+                      <a:prstDash val="solid"/>
+                      <a:round/>
+                      <a:headEnd type="none" w="med" len="med"/>
+                      <a:tailEnd type="none" w="med" len="med"/>
+                    </a:lnR>
+                    <a:lnT w="12700" cap="flat" cmpd="sng" algn="ctr">
+                      <a:solidFill>
+                        <a:schemeClr val="tx1"/>
+                      </a:solidFill>
+                      <a:prstDash val="solid"/>
+                      <a:round/>
+                      <a:headEnd type="none" w="med" len="med"/>
+                      <a:tailEnd type="none" w="med" len="med"/>
+                    </a:lnT>
+                    <a:lnB w="12700" cap="flat" cmpd="sng" algn="ctr">
+                      <a:solidFill>
+                        <a:schemeClr val="tx1"/>
+                      </a:solidFill>
+                      <a:prstDash val="solid"/>
+                      <a:round/>
+                      <a:headEnd type="none" w="med" len="med"/>
+                      <a:tailEnd type="none" w="med" len="med"/>
+                    </a:lnB>
+                    <a:noFill/>
+                  </a:tcPr>
+                </a:tc>
+                <a:tc>
+                  <a:txBody>
+                    <a:bodyPr/>
+                    <a:lstStyle/>
+                    <a:p>
+                      <a:pPr algn="ctr"/>
+                      <a:r>
+                        <a:rPr lang="en-US" dirty="0" smtClean="0">
+                          <a:solidFill>
+                            <a:sysClr val="windowText" lastClr="000000"/>
+                          </a:solidFill>
+                        </a:rPr>
+                        <a:t>0.95</a:t>
+                      </a:r>
+                      <a:endParaRPr lang="en-US" dirty="0">
+                        <a:solidFill>
+                          <a:sysClr val="windowText" lastClr="000000"/>
+                        </a:solidFill>
+                      </a:endParaRPr>
+                    </a:p>
+                  </a:txBody>
+                  <a:tcPr>
+                    <a:lnL w="12700" cap="flat" cmpd="sng" algn="ctr">
+                      <a:solidFill>
+                        <a:schemeClr val="tx1"/>
+                      </a:solidFill>
+                      <a:prstDash val="solid"/>
+                      <a:round/>
+                      <a:headEnd type="none" w="med" len="med"/>
+                      <a:tailEnd type="none" w="med" len="med"/>
+                    </a:lnL>
+                    <a:lnR w="12700" cap="flat" cmpd="sng" algn="ctr">
+                      <a:solidFill>
+                        <a:schemeClr val="tx1"/>
+                      </a:solidFill>
+                      <a:prstDash val="solid"/>
+                      <a:round/>
+                      <a:headEnd type="none" w="med" len="med"/>
+                      <a:tailEnd type="none" w="med" len="med"/>
+                    </a:lnR>
+                    <a:lnT w="12700" cap="flat" cmpd="sng" algn="ctr">
+                      <a:solidFill>
+                        <a:schemeClr val="tx1"/>
+                      </a:solidFill>
+                      <a:prstDash val="solid"/>
+                      <a:round/>
+                      <a:headEnd type="none" w="med" len="med"/>
+                      <a:tailEnd type="none" w="med" len="med"/>
+                    </a:lnT>
+                    <a:lnB w="12700" cap="flat" cmpd="sng" algn="ctr">
+                      <a:solidFill>
+                        <a:schemeClr val="tx1"/>
+                      </a:solidFill>
+                      <a:prstDash val="solid"/>
+                      <a:round/>
+                      <a:headEnd type="none" w="med" len="med"/>
+                      <a:tailEnd type="none" w="med" len="med"/>
+                    </a:lnB>
+                    <a:noFill/>
+                  </a:tcPr>
+                </a:tc>
+                <a:tc>
+                  <a:txBody>
+                    <a:bodyPr/>
+                    <a:lstStyle/>
+                    <a:p>
+                      <a:pPr algn="ctr"/>
+                      <a:r>
+                        <a:rPr lang="en-US" dirty="0" smtClean="0">
+                          <a:solidFill>
+                            <a:sysClr val="windowText" lastClr="000000"/>
+                          </a:solidFill>
+                        </a:rPr>
+                        <a:t>0.96</a:t>
+                      </a:r>
+                      <a:endParaRPr lang="en-US" dirty="0">
+                        <a:solidFill>
+                          <a:sysClr val="windowText" lastClr="000000"/>
+                        </a:solidFill>
+                      </a:endParaRPr>
+                    </a:p>
+                  </a:txBody>
+                  <a:tcPr>
+                    <a:lnL w="12700" cap="flat" cmpd="sng" algn="ctr">
+                      <a:solidFill>
+                        <a:schemeClr val="tx1"/>
+                      </a:solidFill>
+                      <a:prstDash val="solid"/>
+                      <a:round/>
+                      <a:headEnd type="none" w="med" len="med"/>
+                      <a:tailEnd type="none" w="med" len="med"/>
+                    </a:lnL>
+                    <a:lnR w="12700" cap="flat" cmpd="sng" algn="ctr">
+                      <a:solidFill>
+                        <a:schemeClr val="tx1"/>
+                      </a:solidFill>
+                      <a:prstDash val="solid"/>
+                      <a:round/>
+                      <a:headEnd type="none" w="med" len="med"/>
+                      <a:tailEnd type="none" w="med" len="med"/>
+                    </a:lnR>
+                    <a:lnT w="12700" cap="flat" cmpd="sng" algn="ctr">
+                      <a:solidFill>
+                        <a:schemeClr val="tx1"/>
+                      </a:solidFill>
+                      <a:prstDash val="solid"/>
+                      <a:round/>
+                      <a:headEnd type="none" w="med" len="med"/>
+                      <a:tailEnd type="none" w="med" len="med"/>
+                    </a:lnT>
+                    <a:lnB w="12700" cap="flat" cmpd="sng" algn="ctr">
+                      <a:solidFill>
+                        <a:schemeClr val="tx1"/>
+                      </a:solidFill>
+                      <a:prstDash val="solid"/>
+                      <a:round/>
+                      <a:headEnd type="none" w="med" len="med"/>
+                      <a:tailEnd type="none" w="med" len="med"/>
+                    </a:lnB>
+                    <a:noFill/>
+                  </a:tcPr>
+                </a:tc>
+                <a:tc>
+                  <a:txBody>
+                    <a:bodyPr/>
+                    <a:lstStyle/>
+                    <a:p>
+                      <a:pPr algn="ctr"/>
+                      <a:r>
+                        <a:rPr lang="en-US" dirty="0" smtClean="0">
+                          <a:solidFill>
+                            <a:sysClr val="windowText" lastClr="000000"/>
+                          </a:solidFill>
+                        </a:rPr>
+                        <a:t>0.95</a:t>
+                      </a:r>
+                      <a:endParaRPr lang="en-US" dirty="0">
+                        <a:solidFill>
+                          <a:sysClr val="windowText" lastClr="000000"/>
+                        </a:solidFill>
+                      </a:endParaRPr>
+                    </a:p>
+                  </a:txBody>
+                  <a:tcPr>
+                    <a:lnL w="12700" cap="flat" cmpd="sng" algn="ctr">
+                      <a:solidFill>
+                        <a:schemeClr val="tx1"/>
+                      </a:solidFill>
+                      <a:prstDash val="solid"/>
+                      <a:round/>
+                      <a:headEnd type="none" w="med" len="med"/>
+                      <a:tailEnd type="none" w="med" len="med"/>
+                    </a:lnL>
+                    <a:lnR w="12700" cap="flat" cmpd="sng" algn="ctr">
+                      <a:solidFill>
+                        <a:schemeClr val="tx1"/>
+                      </a:solidFill>
+                      <a:prstDash val="solid"/>
+                      <a:round/>
+                      <a:headEnd type="none" w="med" len="med"/>
+                      <a:tailEnd type="none" w="med" len="med"/>
+                    </a:lnR>
+                    <a:lnT w="12700" cap="flat" cmpd="sng" algn="ctr">
+                      <a:solidFill>
+                        <a:schemeClr val="tx1"/>
+                      </a:solidFill>
+                      <a:prstDash val="solid"/>
+                      <a:round/>
+                      <a:headEnd type="none" w="med" len="med"/>
+                      <a:tailEnd type="none" w="med" len="med"/>
+                    </a:lnT>
+                    <a:lnB w="12700" cap="flat" cmpd="sng" algn="ctr">
+                      <a:solidFill>
+                        <a:schemeClr val="tx1"/>
+                      </a:solidFill>
+                      <a:prstDash val="solid"/>
+                      <a:round/>
+                      <a:headEnd type="none" w="med" len="med"/>
+                      <a:tailEnd type="none" w="med" len="med"/>
+                    </a:lnB>
+                    <a:noFill/>
+                  </a:tcPr>
+                </a:tc>
+              </a:tr>
+              <a:tr h="370840">
+                <a:tc>
+                  <a:txBody>
+                    <a:bodyPr/>
+                    <a:lstStyle/>
+                    <a:p>
+                      <a:pPr algn="r"/>
+                      <a:r>
+                        <a:rPr lang="en-US" b="0" dirty="0" smtClean="0">
+                          <a:solidFill>
+                            <a:sysClr val="windowText" lastClr="000000"/>
+                          </a:solidFill>
+                        </a:rPr>
+                        <a:t>% Spectral</a:t>
+                      </a:r>
+                      <a:endParaRPr lang="en-US" b="0" dirty="0">
+                        <a:solidFill>
+                          <a:sysClr val="windowText" lastClr="000000"/>
+                        </a:solidFill>
+                      </a:endParaRPr>
+                    </a:p>
+                  </a:txBody>
+                  <a:tcPr>
+                    <a:lnL w="12700" cap="flat" cmpd="sng" algn="ctr">
+                      <a:solidFill>
+                        <a:schemeClr val="tx1"/>
+                      </a:solidFill>
+                      <a:prstDash val="solid"/>
+                      <a:round/>
+                      <a:headEnd type="none" w="med" len="med"/>
+                      <a:tailEnd type="none" w="med" len="med"/>
+                    </a:lnL>
+                    <a:lnR w="12700" cap="flat" cmpd="sng" algn="ctr">
+                      <a:solidFill>
+                        <a:schemeClr val="tx1"/>
+                      </a:solidFill>
+                      <a:prstDash val="solid"/>
+                      <a:round/>
+                      <a:headEnd type="none" w="med" len="med"/>
+                      <a:tailEnd type="none" w="med" len="med"/>
+                    </a:lnR>
+                    <a:lnT w="12700" cap="flat" cmpd="sng" algn="ctr">
+                      <a:solidFill>
+                        <a:schemeClr val="tx1"/>
+                      </a:solidFill>
+                      <a:prstDash val="solid"/>
+                      <a:round/>
+                      <a:headEnd type="none" w="med" len="med"/>
+                      <a:tailEnd type="none" w="med" len="med"/>
+                    </a:lnT>
+                    <a:lnB w="12700" cap="flat" cmpd="sng" algn="ctr">
+                      <a:solidFill>
+                        <a:schemeClr val="tx1"/>
+                      </a:solidFill>
+                      <a:prstDash val="solid"/>
+                      <a:round/>
+                      <a:headEnd type="none" w="med" len="med"/>
+                      <a:tailEnd type="none" w="med" len="med"/>
+                    </a:lnB>
+                    <a:noFill/>
+                  </a:tcPr>
+                </a:tc>
+                <a:tc>
+                  <a:txBody>
+                    <a:bodyPr/>
+                    <a:lstStyle/>
+                    <a:p>
+                      <a:pPr algn="ctr"/>
+                      <a:r>
+                        <a:rPr lang="en-US" dirty="0" smtClean="0">
+                          <a:solidFill>
+                            <a:sysClr val="windowText" lastClr="000000"/>
+                          </a:solidFill>
+                        </a:rPr>
+                        <a:t>0</a:t>
+                      </a:r>
+                      <a:endParaRPr lang="en-US" dirty="0">
+                        <a:solidFill>
+                          <a:sysClr val="windowText" lastClr="000000"/>
+                        </a:solidFill>
+                      </a:endParaRPr>
+                    </a:p>
+                  </a:txBody>
+                  <a:tcPr>
+                    <a:lnL w="12700" cap="flat" cmpd="sng" algn="ctr">
+                      <a:solidFill>
+                        <a:schemeClr val="tx1"/>
+                      </a:solidFill>
+                      <a:prstDash val="solid"/>
+                      <a:round/>
+                      <a:headEnd type="none" w="med" len="med"/>
+                      <a:tailEnd type="none" w="med" len="med"/>
+                    </a:lnL>
+                    <a:lnR w="12700" cap="flat" cmpd="sng" algn="ctr">
+                      <a:solidFill>
+                        <a:schemeClr val="tx1"/>
+                      </a:solidFill>
+                      <a:prstDash val="solid"/>
+                      <a:round/>
+                      <a:headEnd type="none" w="med" len="med"/>
+                      <a:tailEnd type="none" w="med" len="med"/>
+                    </a:lnR>
+                    <a:lnT w="12700" cap="flat" cmpd="sng" algn="ctr">
+                      <a:solidFill>
+                        <a:schemeClr val="tx1"/>
+                      </a:solidFill>
+                      <a:prstDash val="solid"/>
+                      <a:round/>
+                      <a:headEnd type="none" w="med" len="med"/>
+                      <a:tailEnd type="none" w="med" len="med"/>
+                    </a:lnT>
+                    <a:lnB w="12700" cap="flat" cmpd="sng" algn="ctr">
+                      <a:solidFill>
+                        <a:schemeClr val="tx1"/>
+                      </a:solidFill>
+                      <a:prstDash val="solid"/>
+                      <a:round/>
+                      <a:headEnd type="none" w="med" len="med"/>
+                      <a:tailEnd type="none" w="med" len="med"/>
+                    </a:lnB>
+                    <a:noFill/>
+                  </a:tcPr>
+                </a:tc>
+                <a:tc>
+                  <a:txBody>
+                    <a:bodyPr/>
+                    <a:lstStyle/>
+                    <a:p>
+                      <a:pPr algn="ctr"/>
+                      <a:r>
+                        <a:rPr lang="en-US" dirty="0" smtClean="0">
+                          <a:solidFill>
+                            <a:sysClr val="windowText" lastClr="000000"/>
+                          </a:solidFill>
+                        </a:rPr>
+                        <a:t>1</a:t>
+                      </a:r>
+                      <a:endParaRPr lang="en-US" dirty="0">
+                        <a:solidFill>
+                          <a:sysClr val="windowText" lastClr="000000"/>
+                        </a:solidFill>
+                      </a:endParaRPr>
+                    </a:p>
+                  </a:txBody>
+                  <a:tcPr>
+                    <a:lnL w="12700" cap="flat" cmpd="sng" algn="ctr">
+                      <a:solidFill>
+                        <a:schemeClr val="tx1"/>
+                      </a:solidFill>
+                      <a:prstDash val="solid"/>
+                      <a:round/>
+                      <a:headEnd type="none" w="med" len="med"/>
+                      <a:tailEnd type="none" w="med" len="med"/>
+                    </a:lnL>
+                    <a:lnR w="12700" cap="flat" cmpd="sng" algn="ctr">
+                      <a:solidFill>
+                        <a:schemeClr val="tx1"/>
+                      </a:solidFill>
+                      <a:prstDash val="solid"/>
+                      <a:round/>
+                      <a:headEnd type="none" w="med" len="med"/>
+                      <a:tailEnd type="none" w="med" len="med"/>
+                    </a:lnR>
+                    <a:lnT w="12700" cap="flat" cmpd="sng" algn="ctr">
+                      <a:solidFill>
+                        <a:schemeClr val="tx1"/>
+                      </a:solidFill>
+                      <a:prstDash val="solid"/>
+                      <a:round/>
+                      <a:headEnd type="none" w="med" len="med"/>
+                      <a:tailEnd type="none" w="med" len="med"/>
+                    </a:lnT>
+                    <a:lnB w="12700" cap="flat" cmpd="sng" algn="ctr">
+                      <a:solidFill>
+                        <a:schemeClr val="tx1"/>
+                      </a:solidFill>
+                      <a:prstDash val="solid"/>
+                      <a:round/>
+                      <a:headEnd type="none" w="med" len="med"/>
+                      <a:tailEnd type="none" w="med" len="med"/>
+                    </a:lnB>
+                    <a:noFill/>
+                  </a:tcPr>
+                </a:tc>
+                <a:tc>
+                  <a:txBody>
+                    <a:bodyPr/>
+                    <a:lstStyle/>
+                    <a:p>
+                      <a:pPr algn="ctr"/>
+                      <a:r>
+                        <a:rPr lang="en-US" dirty="0" smtClean="0">
+                          <a:solidFill>
+                            <a:sysClr val="windowText" lastClr="000000"/>
+                          </a:solidFill>
+                        </a:rPr>
+                        <a:t>0.41</a:t>
+                      </a:r>
+                      <a:endParaRPr lang="en-US" dirty="0">
+                        <a:solidFill>
+                          <a:sysClr val="windowText" lastClr="000000"/>
+                        </a:solidFill>
+                      </a:endParaRPr>
+                    </a:p>
+                  </a:txBody>
+                  <a:tcPr>
+                    <a:lnL w="12700" cap="flat" cmpd="sng" algn="ctr">
+                      <a:solidFill>
+                        <a:schemeClr val="tx1"/>
+                      </a:solidFill>
+                      <a:prstDash val="solid"/>
+                      <a:round/>
+                      <a:headEnd type="none" w="med" len="med"/>
+                      <a:tailEnd type="none" w="med" len="med"/>
+                    </a:lnL>
+                    <a:lnR w="12700" cap="flat" cmpd="sng" algn="ctr">
+                      <a:solidFill>
+                        <a:schemeClr val="tx1"/>
+                      </a:solidFill>
+                      <a:prstDash val="solid"/>
+                      <a:round/>
+                      <a:headEnd type="none" w="med" len="med"/>
+                      <a:tailEnd type="none" w="med" len="med"/>
+                    </a:lnR>
+                    <a:lnT w="12700" cap="flat" cmpd="sng" algn="ctr">
+                      <a:solidFill>
+                        <a:schemeClr val="tx1"/>
+                      </a:solidFill>
+                      <a:prstDash val="solid"/>
+                      <a:round/>
+                      <a:headEnd type="none" w="med" len="med"/>
+                      <a:tailEnd type="none" w="med" len="med"/>
+                    </a:lnT>
+                    <a:lnB w="12700" cap="flat" cmpd="sng" algn="ctr">
+                      <a:solidFill>
+                        <a:schemeClr val="tx1"/>
+                      </a:solidFill>
+                      <a:prstDash val="solid"/>
+                      <a:round/>
+                      <a:headEnd type="none" w="med" len="med"/>
+                      <a:tailEnd type="none" w="med" len="med"/>
+                    </a:lnB>
+                    <a:noFill/>
+                  </a:tcPr>
+                </a:tc>
+                <a:tc>
+                  <a:txBody>
+                    <a:bodyPr/>
+                    <a:lstStyle/>
+                    <a:p>
+                      <a:pPr algn="ctr"/>
+                      <a:r>
+                        <a:rPr lang="en-US" dirty="0" smtClean="0">
+                          <a:solidFill>
+                            <a:sysClr val="windowText" lastClr="000000"/>
+                          </a:solidFill>
+                        </a:rPr>
+                        <a:t>0.45</a:t>
+                      </a:r>
+                      <a:endParaRPr lang="en-US" dirty="0">
+                        <a:solidFill>
+                          <a:sysClr val="windowText" lastClr="000000"/>
+                        </a:solidFill>
+                      </a:endParaRPr>
+                    </a:p>
+                  </a:txBody>
+                  <a:tcPr>
+                    <a:lnL w="12700" cap="flat" cmpd="sng" algn="ctr">
+                      <a:solidFill>
+                        <a:schemeClr val="tx1"/>
+                      </a:solidFill>
+                      <a:prstDash val="solid"/>
+                      <a:round/>
+                      <a:headEnd type="none" w="med" len="med"/>
+                      <a:tailEnd type="none" w="med" len="med"/>
+                    </a:lnL>
+                    <a:lnR w="12700" cap="flat" cmpd="sng" algn="ctr">
+                      <a:solidFill>
+                        <a:schemeClr val="tx1"/>
+                      </a:solidFill>
+                      <a:prstDash val="solid"/>
+                      <a:round/>
+                      <a:headEnd type="none" w="med" len="med"/>
+                      <a:tailEnd type="none" w="med" len="med"/>
+                    </a:lnR>
+                    <a:lnT w="12700" cap="flat" cmpd="sng" algn="ctr">
+                      <a:solidFill>
+                        <a:schemeClr val="tx1"/>
+                      </a:solidFill>
+                      <a:prstDash val="solid"/>
+                      <a:round/>
+                      <a:headEnd type="none" w="med" len="med"/>
+                      <a:tailEnd type="none" w="med" len="med"/>
+                    </a:lnT>
+                    <a:lnB w="12700" cap="flat" cmpd="sng" algn="ctr">
+                      <a:solidFill>
+                        <a:schemeClr val="tx1"/>
+                      </a:solidFill>
+                      <a:prstDash val="solid"/>
+                      <a:round/>
+                      <a:headEnd type="none" w="med" len="med"/>
+                      <a:tailEnd type="none" w="med" len="med"/>
+                    </a:lnB>
+                    <a:noFill/>
+                  </a:tcPr>
+                </a:tc>
+                <a:tc>
+                  <a:txBody>
+                    <a:bodyPr/>
+                    <a:lstStyle/>
+                    <a:p>
+                      <a:pPr algn="ctr"/>
+                      <a:r>
+                        <a:rPr lang="en-US" dirty="0" smtClean="0">
+                          <a:solidFill>
+                            <a:sysClr val="windowText" lastClr="000000"/>
+                          </a:solidFill>
+                        </a:rPr>
+                        <a:t>0.41</a:t>
+                      </a:r>
+                      <a:endParaRPr lang="en-US" dirty="0">
+                        <a:solidFill>
+                          <a:sysClr val="windowText" lastClr="000000"/>
+                        </a:solidFill>
+                      </a:endParaRPr>
+                    </a:p>
+                  </a:txBody>
+                  <a:tcPr>
+                    <a:lnL w="12700" cap="flat" cmpd="sng" algn="ctr">
+                      <a:solidFill>
+                        <a:schemeClr val="tx1"/>
+                      </a:solidFill>
+                      <a:prstDash val="solid"/>
+                      <a:round/>
+                      <a:headEnd type="none" w="med" len="med"/>
+                      <a:tailEnd type="none" w="med" len="med"/>
+                    </a:lnL>
+                    <a:lnR w="12700" cap="flat" cmpd="sng" algn="ctr">
+                      <a:solidFill>
+                        <a:schemeClr val="tx1"/>
+                      </a:solidFill>
+                      <a:prstDash val="solid"/>
+                      <a:round/>
+                      <a:headEnd type="none" w="med" len="med"/>
+                      <a:tailEnd type="none" w="med" len="med"/>
+                    </a:lnR>
+                    <a:lnT w="12700" cap="flat" cmpd="sng" algn="ctr">
+                      <a:solidFill>
+                        <a:schemeClr val="tx1"/>
+                      </a:solidFill>
+                      <a:prstDash val="solid"/>
+                      <a:round/>
+                      <a:headEnd type="none" w="med" len="med"/>
+                      <a:tailEnd type="none" w="med" len="med"/>
+                    </a:lnT>
+                    <a:lnB w="12700" cap="flat" cmpd="sng" algn="ctr">
+                      <a:solidFill>
+                        <a:schemeClr val="tx1"/>
+                      </a:solidFill>
+                      <a:prstDash val="solid"/>
+                      <a:round/>
+                      <a:headEnd type="none" w="med" len="med"/>
+                      <a:tailEnd type="none" w="med" len="med"/>
+                    </a:lnB>
+                    <a:noFill/>
+                  </a:tcPr>
+                </a:tc>
+              </a:tr>
+              <a:tr h="370840">
+                <a:tc>
+                  <a:txBody>
+                    <a:bodyPr/>
+                    <a:lstStyle/>
+                    <a:p>
+                      <a:pPr algn="r"/>
+                      <a:r>
+                        <a:rPr lang="en-US" dirty="0" smtClean="0">
+                          <a:solidFill>
+                            <a:sysClr val="windowText" lastClr="000000"/>
+                          </a:solidFill>
+                        </a:rPr>
+                        <a:t>Noise Length</a:t>
+                      </a:r>
+                      <a:endParaRPr lang="en-US" dirty="0">
+                        <a:solidFill>
+                          <a:sysClr val="windowText" lastClr="000000"/>
+                        </a:solidFill>
+                      </a:endParaRPr>
+                    </a:p>
+                  </a:txBody>
+                  <a:tcPr>
+                    <a:lnL w="12700" cap="flat" cmpd="sng" algn="ctr">
+                      <a:solidFill>
+                        <a:schemeClr val="tx1"/>
+                      </a:solidFill>
+                      <a:prstDash val="solid"/>
+                      <a:round/>
+                      <a:headEnd type="none" w="med" len="med"/>
+                      <a:tailEnd type="none" w="med" len="med"/>
+                    </a:lnL>
+                    <a:lnR w="12700" cap="flat" cmpd="sng" algn="ctr">
+                      <a:solidFill>
+                        <a:schemeClr val="tx1"/>
+                      </a:solidFill>
+                      <a:prstDash val="solid"/>
+                      <a:round/>
+                      <a:headEnd type="none" w="med" len="med"/>
+                      <a:tailEnd type="none" w="med" len="med"/>
+                    </a:lnR>
+                    <a:lnT w="12700" cap="flat" cmpd="sng" algn="ctr">
+                      <a:solidFill>
+                        <a:schemeClr val="tx1"/>
+                      </a:solidFill>
+                      <a:prstDash val="solid"/>
+                      <a:round/>
+                      <a:headEnd type="none" w="med" len="med"/>
+                      <a:tailEnd type="none" w="med" len="med"/>
+                    </a:lnT>
+                    <a:lnB w="12700" cap="flat" cmpd="sng" algn="ctr">
+                      <a:solidFill>
+                        <a:schemeClr val="tx1"/>
+                      </a:solidFill>
+                      <a:prstDash val="solid"/>
+                      <a:round/>
+                      <a:headEnd type="none" w="med" len="med"/>
+                      <a:tailEnd type="none" w="med" len="med"/>
+                    </a:lnB>
+                    <a:noFill/>
+                  </a:tcPr>
+                </a:tc>
+                <a:tc>
+                  <a:txBody>
+                    <a:bodyPr/>
+                    <a:lstStyle/>
+                    <a:p>
+                      <a:pPr algn="ctr"/>
+                      <a:r>
+                        <a:rPr lang="en-US" dirty="0" smtClean="0">
+                          <a:solidFill>
+                            <a:sysClr val="windowText" lastClr="000000"/>
+                          </a:solidFill>
+                        </a:rPr>
+                        <a:t>-</a:t>
+                      </a:r>
+                      <a:endParaRPr lang="en-US" dirty="0">
+                        <a:solidFill>
+                          <a:sysClr val="windowText" lastClr="000000"/>
+                        </a:solidFill>
+                      </a:endParaRPr>
+                    </a:p>
+                  </a:txBody>
+                  <a:tcPr>
+                    <a:lnL w="12700" cap="flat" cmpd="sng" algn="ctr">
+                      <a:solidFill>
+                        <a:schemeClr val="tx1"/>
+                      </a:solidFill>
+                      <a:prstDash val="solid"/>
+                      <a:round/>
+                      <a:headEnd type="none" w="med" len="med"/>
+                      <a:tailEnd type="none" w="med" len="med"/>
+                    </a:lnL>
+                    <a:lnR w="12700" cap="flat" cmpd="sng" algn="ctr">
+                      <a:solidFill>
+                        <a:schemeClr val="tx1"/>
+                      </a:solidFill>
+                      <a:prstDash val="solid"/>
+                      <a:round/>
+                      <a:headEnd type="none" w="med" len="med"/>
+                      <a:tailEnd type="none" w="med" len="med"/>
+                    </a:lnR>
+                    <a:lnT w="12700" cap="flat" cmpd="sng" algn="ctr">
+                      <a:solidFill>
+                        <a:schemeClr val="tx1"/>
+                      </a:solidFill>
+                      <a:prstDash val="solid"/>
+                      <a:round/>
+                      <a:headEnd type="none" w="med" len="med"/>
+                      <a:tailEnd type="none" w="med" len="med"/>
+                    </a:lnT>
+                    <a:lnB w="12700" cap="flat" cmpd="sng" algn="ctr">
+                      <a:solidFill>
+                        <a:schemeClr val="tx1"/>
+                      </a:solidFill>
+                      <a:prstDash val="solid"/>
+                      <a:round/>
+                      <a:headEnd type="none" w="med" len="med"/>
+                      <a:tailEnd type="none" w="med" len="med"/>
+                    </a:lnB>
+                    <a:noFill/>
+                  </a:tcPr>
+                </a:tc>
+                <a:tc>
+                  <a:txBody>
+                    <a:bodyPr/>
+                    <a:lstStyle/>
+                    <a:p>
+                      <a:pPr algn="ctr"/>
+                      <a:r>
+                        <a:rPr lang="en-US" dirty="0" smtClean="0">
+                          <a:solidFill>
+                            <a:sysClr val="windowText" lastClr="000000"/>
+                          </a:solidFill>
+                        </a:rPr>
+                        <a:t>18</a:t>
+                      </a:r>
+                      <a:endParaRPr lang="en-US" dirty="0">
+                        <a:solidFill>
+                          <a:sysClr val="windowText" lastClr="000000"/>
+                        </a:solidFill>
+                      </a:endParaRPr>
+                    </a:p>
+                  </a:txBody>
+                  <a:tcPr>
+                    <a:lnL w="12700" cap="flat" cmpd="sng" algn="ctr">
+                      <a:solidFill>
+                        <a:schemeClr val="tx1"/>
+                      </a:solidFill>
+                      <a:prstDash val="solid"/>
+                      <a:round/>
+                      <a:headEnd type="none" w="med" len="med"/>
+                      <a:tailEnd type="none" w="med" len="med"/>
+                    </a:lnL>
+                    <a:lnR w="12700" cap="flat" cmpd="sng" algn="ctr">
+                      <a:solidFill>
+                        <a:schemeClr val="tx1"/>
+                      </a:solidFill>
+                      <a:prstDash val="solid"/>
+                      <a:round/>
+                      <a:headEnd type="none" w="med" len="med"/>
+                      <a:tailEnd type="none" w="med" len="med"/>
+                    </a:lnR>
+                    <a:lnT w="12700" cap="flat" cmpd="sng" algn="ctr">
+                      <a:solidFill>
+                        <a:schemeClr val="tx1"/>
+                      </a:solidFill>
+                      <a:prstDash val="solid"/>
+                      <a:round/>
+                      <a:headEnd type="none" w="med" len="med"/>
+                      <a:tailEnd type="none" w="med" len="med"/>
+                    </a:lnT>
+                    <a:lnB w="12700" cap="flat" cmpd="sng" algn="ctr">
+                      <a:solidFill>
+                        <a:schemeClr val="tx1"/>
+                      </a:solidFill>
+                      <a:prstDash val="solid"/>
+                      <a:round/>
+                      <a:headEnd type="none" w="med" len="med"/>
+                      <a:tailEnd type="none" w="med" len="med"/>
+                    </a:lnB>
+                    <a:noFill/>
+                  </a:tcPr>
+                </a:tc>
+                <a:tc>
+                  <a:txBody>
+                    <a:bodyPr/>
+                    <a:lstStyle/>
+                    <a:p>
+                      <a:pPr algn="ctr"/>
+                      <a:r>
+                        <a:rPr lang="en-US" dirty="0" smtClean="0">
+                          <a:solidFill>
+                            <a:sysClr val="windowText" lastClr="000000"/>
+                          </a:solidFill>
+                        </a:rPr>
+                        <a:t>13.65</a:t>
+                      </a:r>
+                      <a:endParaRPr lang="en-US" dirty="0">
+                        <a:solidFill>
+                          <a:sysClr val="windowText" lastClr="000000"/>
+                        </a:solidFill>
+                      </a:endParaRPr>
+                    </a:p>
+                  </a:txBody>
+                  <a:tcPr>
+                    <a:lnL w="12700" cap="flat" cmpd="sng" algn="ctr">
+                      <a:solidFill>
+                        <a:schemeClr val="tx1"/>
+                      </a:solidFill>
+                      <a:prstDash val="solid"/>
+                      <a:round/>
+                      <a:headEnd type="none" w="med" len="med"/>
+                      <a:tailEnd type="none" w="med" len="med"/>
+                    </a:lnL>
+                    <a:lnR w="12700" cap="flat" cmpd="sng" algn="ctr">
+                      <a:solidFill>
+                        <a:schemeClr val="tx1"/>
+                      </a:solidFill>
+                      <a:prstDash val="solid"/>
+                      <a:round/>
+                      <a:headEnd type="none" w="med" len="med"/>
+                      <a:tailEnd type="none" w="med" len="med"/>
+                    </a:lnR>
+                    <a:lnT w="12700" cap="flat" cmpd="sng" algn="ctr">
+                      <a:solidFill>
+                        <a:schemeClr val="tx1"/>
+                      </a:solidFill>
+                      <a:prstDash val="solid"/>
+                      <a:round/>
+                      <a:headEnd type="none" w="med" len="med"/>
+                      <a:tailEnd type="none" w="med" len="med"/>
+                    </a:lnT>
+                    <a:lnB w="12700" cap="flat" cmpd="sng" algn="ctr">
+                      <a:solidFill>
+                        <a:schemeClr val="tx1"/>
+                      </a:solidFill>
+                      <a:prstDash val="solid"/>
+                      <a:round/>
+                      <a:headEnd type="none" w="med" len="med"/>
+                      <a:tailEnd type="none" w="med" len="med"/>
+                    </a:lnB>
+                    <a:noFill/>
+                  </a:tcPr>
+                </a:tc>
+                <a:tc>
+                  <a:txBody>
+                    <a:bodyPr/>
+                    <a:lstStyle/>
+                    <a:p>
+                      <a:pPr algn="ctr"/>
+                      <a:r>
+                        <a:rPr lang="en-US" dirty="0" smtClean="0">
+                          <a:solidFill>
+                            <a:sysClr val="windowText" lastClr="000000"/>
+                          </a:solidFill>
+                        </a:rPr>
+                        <a:t>18.92</a:t>
+                      </a:r>
+                      <a:endParaRPr lang="en-US" dirty="0">
+                        <a:solidFill>
+                          <a:sysClr val="windowText" lastClr="000000"/>
+                        </a:solidFill>
+                      </a:endParaRPr>
+                    </a:p>
+                  </a:txBody>
+                  <a:tcPr>
+                    <a:lnL w="12700" cap="flat" cmpd="sng" algn="ctr">
+                      <a:solidFill>
+                        <a:schemeClr val="tx1"/>
+                      </a:solidFill>
+                      <a:prstDash val="solid"/>
+                      <a:round/>
+                      <a:headEnd type="none" w="med" len="med"/>
+                      <a:tailEnd type="none" w="med" len="med"/>
+                    </a:lnL>
+                    <a:lnR w="12700" cap="flat" cmpd="sng" algn="ctr">
+                      <a:solidFill>
+                        <a:schemeClr val="tx1"/>
+                      </a:solidFill>
+                      <a:prstDash val="solid"/>
+                      <a:round/>
+                      <a:headEnd type="none" w="med" len="med"/>
+                      <a:tailEnd type="none" w="med" len="med"/>
+                    </a:lnR>
+                    <a:lnT w="12700" cap="flat" cmpd="sng" algn="ctr">
+                      <a:solidFill>
+                        <a:schemeClr val="tx1"/>
+                      </a:solidFill>
+                      <a:prstDash val="solid"/>
+                      <a:round/>
+                      <a:headEnd type="none" w="med" len="med"/>
+                      <a:tailEnd type="none" w="med" len="med"/>
+                    </a:lnT>
+                    <a:lnB w="12700" cap="flat" cmpd="sng" algn="ctr">
+                      <a:solidFill>
+                        <a:schemeClr val="tx1"/>
+                      </a:solidFill>
+                      <a:prstDash val="solid"/>
+                      <a:round/>
+                      <a:headEnd type="none" w="med" len="med"/>
+                      <a:tailEnd type="none" w="med" len="med"/>
+                    </a:lnB>
+                    <a:noFill/>
+                  </a:tcPr>
+                </a:tc>
+                <a:tc>
+                  <a:txBody>
+                    <a:bodyPr/>
+                    <a:lstStyle/>
+                    <a:p>
+                      <a:pPr algn="ctr"/>
+                      <a:r>
+                        <a:rPr lang="en-US" dirty="0" smtClean="0">
+                          <a:solidFill>
+                            <a:sysClr val="windowText" lastClr="000000"/>
+                          </a:solidFill>
+                        </a:rPr>
+                        <a:t>0.69</a:t>
+                      </a:r>
+                      <a:endParaRPr lang="en-US" dirty="0">
+                        <a:solidFill>
+                          <a:sysClr val="windowText" lastClr="000000"/>
+                        </a:solidFill>
+                      </a:endParaRPr>
+                    </a:p>
+                  </a:txBody>
+                  <a:tcPr>
+                    <a:lnL w="12700" cap="flat" cmpd="sng" algn="ctr">
+                      <a:solidFill>
+                        <a:schemeClr val="tx1"/>
+                      </a:solidFill>
+                      <a:prstDash val="solid"/>
+                      <a:round/>
+                      <a:headEnd type="none" w="med" len="med"/>
+                      <a:tailEnd type="none" w="med" len="med"/>
+                    </a:lnL>
+                    <a:lnR w="12700" cap="flat" cmpd="sng" algn="ctr">
+                      <a:solidFill>
+                        <a:schemeClr val="tx1"/>
+                      </a:solidFill>
+                      <a:prstDash val="solid"/>
+                      <a:round/>
+                      <a:headEnd type="none" w="med" len="med"/>
+                      <a:tailEnd type="none" w="med" len="med"/>
+                    </a:lnR>
+                    <a:lnT w="12700" cap="flat" cmpd="sng" algn="ctr">
+                      <a:solidFill>
+                        <a:schemeClr val="tx1"/>
+                      </a:solidFill>
+                      <a:prstDash val="solid"/>
+                      <a:round/>
+                      <a:headEnd type="none" w="med" len="med"/>
+                      <a:tailEnd type="none" w="med" len="med"/>
+                    </a:lnT>
+                    <a:lnB w="12700" cap="flat" cmpd="sng" algn="ctr">
+                      <a:solidFill>
+                        <a:schemeClr val="tx1"/>
+                      </a:solidFill>
+                      <a:prstDash val="solid"/>
+                      <a:round/>
+                      <a:headEnd type="none" w="med" len="med"/>
+                      <a:tailEnd type="none" w="med" len="med"/>
+                    </a:lnB>
+                    <a:noFill/>
+                  </a:tcPr>
+                </a:tc>
+              </a:tr>
+              <a:tr h="370840">
+                <a:tc>
+                  <a:txBody>
+                    <a:bodyPr/>
+                    <a:lstStyle/>
+                    <a:p>
+                      <a:pPr algn="r"/>
+                      <a:r>
+                        <a:rPr lang="en-US" dirty="0" smtClean="0">
+                          <a:solidFill>
+                            <a:sysClr val="windowText" lastClr="000000"/>
+                          </a:solidFill>
+                        </a:rPr>
+                        <a:t>Noise Margin</a:t>
+                      </a:r>
+                      <a:endParaRPr lang="en-US" dirty="0">
+                        <a:solidFill>
+                          <a:sysClr val="windowText" lastClr="000000"/>
+                        </a:solidFill>
+                      </a:endParaRPr>
+                    </a:p>
+                  </a:txBody>
+                  <a:tcPr>
+                    <a:lnL w="12700" cap="flat" cmpd="sng" algn="ctr">
+                      <a:solidFill>
+                        <a:schemeClr val="tx1"/>
+                      </a:solidFill>
+                      <a:prstDash val="solid"/>
+                      <a:round/>
+                      <a:headEnd type="none" w="med" len="med"/>
+                      <a:tailEnd type="none" w="med" len="med"/>
+                    </a:lnL>
+                    <a:lnR w="12700" cap="flat" cmpd="sng" algn="ctr">
+                      <a:solidFill>
+                        <a:schemeClr val="tx1"/>
+                      </a:solidFill>
+                      <a:prstDash val="solid"/>
+                      <a:round/>
+                      <a:headEnd type="none" w="med" len="med"/>
+                      <a:tailEnd type="none" w="med" len="med"/>
+                    </a:lnR>
+                    <a:lnT w="12700" cap="flat" cmpd="sng" algn="ctr">
+                      <a:solidFill>
+                        <a:schemeClr val="tx1"/>
+                      </a:solidFill>
+                      <a:prstDash val="solid"/>
+                      <a:round/>
+                      <a:headEnd type="none" w="med" len="med"/>
+                      <a:tailEnd type="none" w="med" len="med"/>
+                    </a:lnT>
+                    <a:lnB w="12700" cap="flat" cmpd="sng" algn="ctr">
+                      <a:solidFill>
+                        <a:schemeClr val="tx1"/>
+                      </a:solidFill>
+                      <a:prstDash val="solid"/>
+                      <a:round/>
+                      <a:headEnd type="none" w="med" len="med"/>
+                      <a:tailEnd type="none" w="med" len="med"/>
+                    </a:lnB>
+                    <a:noFill/>
+                  </a:tcPr>
+                </a:tc>
+                <a:tc>
+                  <a:txBody>
+                    <a:bodyPr/>
+                    <a:lstStyle/>
+                    <a:p>
+                      <a:pPr algn="ctr"/>
+                      <a:r>
+                        <a:rPr lang="en-US" dirty="0" smtClean="0">
+                          <a:solidFill>
+                            <a:sysClr val="windowText" lastClr="000000"/>
+                          </a:solidFill>
+                        </a:rPr>
+                        <a:t>-</a:t>
+                      </a:r>
+                      <a:endParaRPr lang="en-US" dirty="0">
+                        <a:solidFill>
+                          <a:sysClr val="windowText" lastClr="000000"/>
+                        </a:solidFill>
+                      </a:endParaRPr>
+                    </a:p>
+                  </a:txBody>
+                  <a:tcPr>
+                    <a:lnL w="12700" cap="flat" cmpd="sng" algn="ctr">
+                      <a:solidFill>
+                        <a:schemeClr val="tx1"/>
+                      </a:solidFill>
+                      <a:prstDash val="solid"/>
+                      <a:round/>
+                      <a:headEnd type="none" w="med" len="med"/>
+                      <a:tailEnd type="none" w="med" len="med"/>
+                    </a:lnL>
+                    <a:lnR w="12700" cap="flat" cmpd="sng" algn="ctr">
+                      <a:solidFill>
+                        <a:schemeClr val="tx1"/>
+                      </a:solidFill>
+                      <a:prstDash val="solid"/>
+                      <a:round/>
+                      <a:headEnd type="none" w="med" len="med"/>
+                      <a:tailEnd type="none" w="med" len="med"/>
+                    </a:lnR>
+                    <a:lnT w="12700" cap="flat" cmpd="sng" algn="ctr">
+                      <a:solidFill>
+                        <a:schemeClr val="tx1"/>
+                      </a:solidFill>
+                      <a:prstDash val="solid"/>
+                      <a:round/>
+                      <a:headEnd type="none" w="med" len="med"/>
+                      <a:tailEnd type="none" w="med" len="med"/>
+                    </a:lnT>
+                    <a:lnB w="12700" cap="flat" cmpd="sng" algn="ctr">
+                      <a:solidFill>
+                        <a:schemeClr val="tx1"/>
+                      </a:solidFill>
+                      <a:prstDash val="solid"/>
+                      <a:round/>
+                      <a:headEnd type="none" w="med" len="med"/>
+                      <a:tailEnd type="none" w="med" len="med"/>
+                    </a:lnB>
+                    <a:noFill/>
+                  </a:tcPr>
+                </a:tc>
+                <a:tc>
+                  <a:txBody>
+                    <a:bodyPr/>
+                    <a:lstStyle/>
+                    <a:p>
+                      <a:pPr algn="ctr"/>
+                      <a:r>
+                        <a:rPr lang="en-US" dirty="0" smtClean="0">
+                          <a:solidFill>
+                            <a:sysClr val="windowText" lastClr="000000"/>
+                          </a:solidFill>
+                        </a:rPr>
+                        <a:t>8</a:t>
+                      </a:r>
+                      <a:endParaRPr lang="en-US" dirty="0">
+                        <a:solidFill>
+                          <a:sysClr val="windowText" lastClr="000000"/>
+                        </a:solidFill>
+                      </a:endParaRPr>
+                    </a:p>
+                  </a:txBody>
+                  <a:tcPr>
+                    <a:lnL w="12700" cap="flat" cmpd="sng" algn="ctr">
+                      <a:solidFill>
+                        <a:schemeClr val="tx1"/>
+                      </a:solidFill>
+                      <a:prstDash val="solid"/>
+                      <a:round/>
+                      <a:headEnd type="none" w="med" len="med"/>
+                      <a:tailEnd type="none" w="med" len="med"/>
+                    </a:lnL>
+                    <a:lnR w="12700" cap="flat" cmpd="sng" algn="ctr">
+                      <a:solidFill>
+                        <a:schemeClr val="tx1"/>
+                      </a:solidFill>
+                      <a:prstDash val="solid"/>
+                      <a:round/>
+                      <a:headEnd type="none" w="med" len="med"/>
+                      <a:tailEnd type="none" w="med" len="med"/>
+                    </a:lnR>
+                    <a:lnT w="12700" cap="flat" cmpd="sng" algn="ctr">
+                      <a:solidFill>
+                        <a:schemeClr val="tx1"/>
+                      </a:solidFill>
+                      <a:prstDash val="solid"/>
+                      <a:round/>
+                      <a:headEnd type="none" w="med" len="med"/>
+                      <a:tailEnd type="none" w="med" len="med"/>
+                    </a:lnT>
+                    <a:lnB w="12700" cap="flat" cmpd="sng" algn="ctr">
+                      <a:solidFill>
+                        <a:schemeClr val="tx1"/>
+                      </a:solidFill>
+                      <a:prstDash val="solid"/>
+                      <a:round/>
+                      <a:headEnd type="none" w="med" len="med"/>
+                      <a:tailEnd type="none" w="med" len="med"/>
+                    </a:lnB>
+                    <a:noFill/>
+                  </a:tcPr>
+                </a:tc>
+                <a:tc>
+                  <a:txBody>
+                    <a:bodyPr/>
+                    <a:lstStyle/>
+                    <a:p>
+                      <a:pPr algn="ctr"/>
+                      <a:r>
+                        <a:rPr lang="en-US" dirty="0" smtClean="0">
+                          <a:solidFill>
+                            <a:sysClr val="windowText" lastClr="000000"/>
+                          </a:solidFill>
+                        </a:rPr>
+                        <a:t>18.23</a:t>
+                      </a:r>
+                      <a:endParaRPr lang="en-US" dirty="0">
+                        <a:solidFill>
+                          <a:sysClr val="windowText" lastClr="000000"/>
+                        </a:solidFill>
+                      </a:endParaRPr>
+                    </a:p>
+                  </a:txBody>
+                  <a:tcPr>
+                    <a:lnL w="12700" cap="flat" cmpd="sng" algn="ctr">
+                      <a:solidFill>
+                        <a:schemeClr val="tx1"/>
+                      </a:solidFill>
+                      <a:prstDash val="solid"/>
+                      <a:round/>
+                      <a:headEnd type="none" w="med" len="med"/>
+                      <a:tailEnd type="none" w="med" len="med"/>
+                    </a:lnL>
+                    <a:lnR w="12700" cap="flat" cmpd="sng" algn="ctr">
+                      <a:solidFill>
+                        <a:schemeClr val="tx1"/>
+                      </a:solidFill>
+                      <a:prstDash val="solid"/>
+                      <a:round/>
+                      <a:headEnd type="none" w="med" len="med"/>
+                      <a:tailEnd type="none" w="med" len="med"/>
+                    </a:lnR>
+                    <a:lnT w="12700" cap="flat" cmpd="sng" algn="ctr">
+                      <a:solidFill>
+                        <a:schemeClr val="tx1"/>
+                      </a:solidFill>
+                      <a:prstDash val="solid"/>
+                      <a:round/>
+                      <a:headEnd type="none" w="med" len="med"/>
+                      <a:tailEnd type="none" w="med" len="med"/>
+                    </a:lnT>
+                    <a:lnB w="12700" cap="flat" cmpd="sng" algn="ctr">
+                      <a:solidFill>
+                        <a:schemeClr val="tx1"/>
+                      </a:solidFill>
+                      <a:prstDash val="solid"/>
+                      <a:round/>
+                      <a:headEnd type="none" w="med" len="med"/>
+                      <a:tailEnd type="none" w="med" len="med"/>
+                    </a:lnB>
+                    <a:noFill/>
+                  </a:tcPr>
+                </a:tc>
+                <a:tc>
+                  <a:txBody>
+                    <a:bodyPr/>
+                    <a:lstStyle/>
+                    <a:p>
+                      <a:pPr algn="ctr"/>
+                      <a:r>
+                        <a:rPr lang="en-US" dirty="0" smtClean="0">
+                          <a:solidFill>
+                            <a:sysClr val="windowText" lastClr="000000"/>
+                          </a:solidFill>
+                        </a:rPr>
+                        <a:t>0.78</a:t>
+                      </a:r>
+                      <a:endParaRPr lang="en-US" dirty="0">
+                        <a:solidFill>
+                          <a:sysClr val="windowText" lastClr="000000"/>
+                        </a:solidFill>
+                      </a:endParaRPr>
+                    </a:p>
+                  </a:txBody>
+                  <a:tcPr>
+                    <a:lnL w="12700" cap="flat" cmpd="sng" algn="ctr">
+                      <a:solidFill>
+                        <a:schemeClr val="tx1"/>
+                      </a:solidFill>
+                      <a:prstDash val="solid"/>
+                      <a:round/>
+                      <a:headEnd type="none" w="med" len="med"/>
+                      <a:tailEnd type="none" w="med" len="med"/>
+                    </a:lnL>
+                    <a:lnR w="12700" cap="flat" cmpd="sng" algn="ctr">
+                      <a:solidFill>
+                        <a:schemeClr val="tx1"/>
+                      </a:solidFill>
+                      <a:prstDash val="solid"/>
+                      <a:round/>
+                      <a:headEnd type="none" w="med" len="med"/>
+                      <a:tailEnd type="none" w="med" len="med"/>
+                    </a:lnR>
+                    <a:lnT w="12700" cap="flat" cmpd="sng" algn="ctr">
+                      <a:solidFill>
+                        <a:schemeClr val="tx1"/>
+                      </a:solidFill>
+                      <a:prstDash val="solid"/>
+                      <a:round/>
+                      <a:headEnd type="none" w="med" len="med"/>
+                      <a:tailEnd type="none" w="med" len="med"/>
+                    </a:lnT>
+                    <a:lnB w="12700" cap="flat" cmpd="sng" algn="ctr">
+                      <a:solidFill>
+                        <a:schemeClr val="tx1"/>
+                      </a:solidFill>
+                      <a:prstDash val="solid"/>
+                      <a:round/>
+                      <a:headEnd type="none" w="med" len="med"/>
+                      <a:tailEnd type="none" w="med" len="med"/>
+                    </a:lnB>
+                    <a:noFill/>
+                  </a:tcPr>
+                </a:tc>
+                <a:tc>
+                  <a:txBody>
+                    <a:bodyPr/>
+                    <a:lstStyle/>
+                    <a:p>
+                      <a:pPr algn="ctr"/>
+                      <a:r>
+                        <a:rPr lang="en-US" dirty="0" smtClean="0">
+                          <a:solidFill>
+                            <a:sysClr val="windowText" lastClr="000000"/>
+                          </a:solidFill>
+                        </a:rPr>
+                        <a:t>15.35</a:t>
+                      </a:r>
+                      <a:endParaRPr lang="en-US" dirty="0">
+                        <a:solidFill>
+                          <a:sysClr val="windowText" lastClr="000000"/>
+                        </a:solidFill>
+                      </a:endParaRPr>
+                    </a:p>
+                  </a:txBody>
+                  <a:tcPr>
+                    <a:lnL w="12700" cap="flat" cmpd="sng" algn="ctr">
+                      <a:solidFill>
+                        <a:schemeClr val="tx1"/>
+                      </a:solidFill>
+                      <a:prstDash val="solid"/>
+                      <a:round/>
+                      <a:headEnd type="none" w="med" len="med"/>
+                      <a:tailEnd type="none" w="med" len="med"/>
+                    </a:lnL>
+                    <a:lnR w="12700" cap="flat" cmpd="sng" algn="ctr">
+                      <a:solidFill>
+                        <a:schemeClr val="tx1"/>
+                      </a:solidFill>
+                      <a:prstDash val="solid"/>
+                      <a:round/>
+                      <a:headEnd type="none" w="med" len="med"/>
+                      <a:tailEnd type="none" w="med" len="med"/>
+                    </a:lnR>
+                    <a:lnT w="12700" cap="flat" cmpd="sng" algn="ctr">
+                      <a:solidFill>
+                        <a:schemeClr val="tx1"/>
+                      </a:solidFill>
+                      <a:prstDash val="solid"/>
+                      <a:round/>
+                      <a:headEnd type="none" w="med" len="med"/>
+                      <a:tailEnd type="none" w="med" len="med"/>
+                    </a:lnT>
+                    <a:lnB w="12700" cap="flat" cmpd="sng" algn="ctr">
+                      <a:solidFill>
+                        <a:schemeClr val="tx1"/>
+                      </a:solidFill>
+                      <a:prstDash val="solid"/>
+                      <a:round/>
+                      <a:headEnd type="none" w="med" len="med"/>
+                      <a:tailEnd type="none" w="med" len="med"/>
+                    </a:lnB>
+                    <a:noFill/>
+                  </a:tcPr>
+                </a:tc>
+              </a:tr>
+              <a:tr h="370840">
+                <a:tc>
+                  <a:txBody>
+                    <a:bodyPr/>
+                    <a:lstStyle/>
+                    <a:p>
+                      <a:pPr algn="r"/>
+                      <a:r>
+                        <a:rPr lang="en-US" dirty="0" smtClean="0">
+                          <a:solidFill>
+                            <a:sysClr val="windowText" lastClr="000000"/>
+                          </a:solidFill>
+                        </a:rPr>
+                        <a:t>Hang Over</a:t>
+                      </a:r>
+                      <a:endParaRPr lang="en-US" dirty="0">
+                        <a:solidFill>
+                          <a:sysClr val="windowText" lastClr="000000"/>
+                        </a:solidFill>
+                      </a:endParaRPr>
+                    </a:p>
+                  </a:txBody>
+                  <a:tcPr>
+                    <a:lnL w="12700" cap="flat" cmpd="sng" algn="ctr">
+                      <a:solidFill>
+                        <a:schemeClr val="tx1"/>
+                      </a:solidFill>
+                      <a:prstDash val="solid"/>
+                      <a:round/>
+                      <a:headEnd type="none" w="med" len="med"/>
+                      <a:tailEnd type="none" w="med" len="med"/>
+                    </a:lnL>
+                    <a:lnR w="12700" cap="flat" cmpd="sng" algn="ctr">
+                      <a:solidFill>
+                        <a:schemeClr val="tx1"/>
+                      </a:solidFill>
+                      <a:prstDash val="solid"/>
+                      <a:round/>
+                      <a:headEnd type="none" w="med" len="med"/>
+                      <a:tailEnd type="none" w="med" len="med"/>
+                    </a:lnR>
+                    <a:lnT w="12700" cap="flat" cmpd="sng" algn="ctr">
+                      <a:solidFill>
+                        <a:schemeClr val="tx1"/>
+                      </a:solidFill>
+                      <a:prstDash val="solid"/>
+                      <a:round/>
+                      <a:headEnd type="none" w="med" len="med"/>
+                      <a:tailEnd type="none" w="med" len="med"/>
+                    </a:lnT>
+                    <a:lnB w="12700" cap="flat" cmpd="sng" algn="ctr">
+                      <a:solidFill>
+                        <a:schemeClr val="tx1"/>
+                      </a:solidFill>
+                      <a:prstDash val="solid"/>
+                      <a:round/>
+                      <a:headEnd type="none" w="med" len="med"/>
+                      <a:tailEnd type="none" w="med" len="med"/>
+                    </a:lnB>
+                    <a:noFill/>
+                  </a:tcPr>
+                </a:tc>
+                <a:tc>
+                  <a:txBody>
+                    <a:bodyPr/>
+                    <a:lstStyle/>
+                    <a:p>
+                      <a:pPr algn="ctr"/>
+                      <a:r>
+                        <a:rPr lang="en-US" dirty="0" smtClean="0">
+                          <a:solidFill>
+                            <a:sysClr val="windowText" lastClr="000000"/>
+                          </a:solidFill>
+                        </a:rPr>
+                        <a:t>-</a:t>
+                      </a:r>
+                      <a:endParaRPr lang="en-US" dirty="0">
+                        <a:solidFill>
+                          <a:sysClr val="windowText" lastClr="000000"/>
+                        </a:solidFill>
+                      </a:endParaRPr>
+                    </a:p>
+                  </a:txBody>
+                  <a:tcPr>
+                    <a:lnL w="12700" cap="flat" cmpd="sng" algn="ctr">
+                      <a:solidFill>
+                        <a:schemeClr val="tx1"/>
+                      </a:solidFill>
+                      <a:prstDash val="solid"/>
+                      <a:round/>
+                      <a:headEnd type="none" w="med" len="med"/>
+                      <a:tailEnd type="none" w="med" len="med"/>
+                    </a:lnL>
+                    <a:lnR w="12700" cap="flat" cmpd="sng" algn="ctr">
+                      <a:solidFill>
+                        <a:schemeClr val="tx1"/>
+                      </a:solidFill>
+                      <a:prstDash val="solid"/>
+                      <a:round/>
+                      <a:headEnd type="none" w="med" len="med"/>
+                      <a:tailEnd type="none" w="med" len="med"/>
+                    </a:lnR>
+                    <a:lnT w="12700" cap="flat" cmpd="sng" algn="ctr">
+                      <a:solidFill>
+                        <a:schemeClr val="tx1"/>
+                      </a:solidFill>
+                      <a:prstDash val="solid"/>
+                      <a:round/>
+                      <a:headEnd type="none" w="med" len="med"/>
+                      <a:tailEnd type="none" w="med" len="med"/>
+                    </a:lnT>
+                    <a:lnB w="12700" cap="flat" cmpd="sng" algn="ctr">
+                      <a:solidFill>
+                        <a:schemeClr val="tx1"/>
+                      </a:solidFill>
+                      <a:prstDash val="solid"/>
+                      <a:round/>
+                      <a:headEnd type="none" w="med" len="med"/>
+                      <a:tailEnd type="none" w="med" len="med"/>
+                    </a:lnB>
+                    <a:noFill/>
+                  </a:tcPr>
+                </a:tc>
+                <a:tc>
+                  <a:txBody>
+                    <a:bodyPr/>
+                    <a:lstStyle/>
+                    <a:p>
+                      <a:pPr algn="ctr"/>
+                      <a:r>
+                        <a:rPr lang="en-US" dirty="0" smtClean="0">
+                          <a:solidFill>
+                            <a:sysClr val="windowText" lastClr="000000"/>
+                          </a:solidFill>
+                        </a:rPr>
+                        <a:t>3</a:t>
+                      </a:r>
+                      <a:endParaRPr lang="en-US" dirty="0">
+                        <a:solidFill>
+                          <a:sysClr val="windowText" lastClr="000000"/>
+                        </a:solidFill>
+                      </a:endParaRPr>
+                    </a:p>
+                  </a:txBody>
+                  <a:tcPr>
+                    <a:lnL w="12700" cap="flat" cmpd="sng" algn="ctr">
+                      <a:solidFill>
+                        <a:schemeClr val="tx1"/>
+                      </a:solidFill>
+                      <a:prstDash val="solid"/>
+                      <a:round/>
+                      <a:headEnd type="none" w="med" len="med"/>
+                      <a:tailEnd type="none" w="med" len="med"/>
+                    </a:lnL>
+                    <a:lnR w="12700" cap="flat" cmpd="sng" algn="ctr">
+                      <a:solidFill>
+                        <a:schemeClr val="tx1"/>
+                      </a:solidFill>
+                      <a:prstDash val="solid"/>
+                      <a:round/>
+                      <a:headEnd type="none" w="med" len="med"/>
+                      <a:tailEnd type="none" w="med" len="med"/>
+                    </a:lnR>
+                    <a:lnT w="12700" cap="flat" cmpd="sng" algn="ctr">
+                      <a:solidFill>
+                        <a:schemeClr val="tx1"/>
+                      </a:solidFill>
+                      <a:prstDash val="solid"/>
+                      <a:round/>
+                      <a:headEnd type="none" w="med" len="med"/>
+                      <a:tailEnd type="none" w="med" len="med"/>
+                    </a:lnT>
+                    <a:lnB w="12700" cap="flat" cmpd="sng" algn="ctr">
+                      <a:solidFill>
+                        <a:schemeClr val="tx1"/>
+                      </a:solidFill>
+                      <a:prstDash val="solid"/>
+                      <a:round/>
+                      <a:headEnd type="none" w="med" len="med"/>
+                      <a:tailEnd type="none" w="med" len="med"/>
+                    </a:lnB>
+                    <a:noFill/>
+                  </a:tcPr>
+                </a:tc>
+                <a:tc>
+                  <a:txBody>
+                    <a:bodyPr/>
+                    <a:lstStyle/>
+                    <a:p>
+                      <a:pPr algn="ctr"/>
+                      <a:r>
+                        <a:rPr lang="en-US" dirty="0" smtClean="0">
+                          <a:solidFill>
+                            <a:sysClr val="windowText" lastClr="000000"/>
+                          </a:solidFill>
+                        </a:rPr>
+                        <a:t>9.33</a:t>
+                      </a:r>
+                      <a:endParaRPr lang="en-US" dirty="0">
+                        <a:solidFill>
+                          <a:sysClr val="windowText" lastClr="000000"/>
+                        </a:solidFill>
+                      </a:endParaRPr>
+                    </a:p>
+                  </a:txBody>
+                  <a:tcPr>
+                    <a:lnL w="12700" cap="flat" cmpd="sng" algn="ctr">
+                      <a:solidFill>
+                        <a:schemeClr val="tx1"/>
+                      </a:solidFill>
+                      <a:prstDash val="solid"/>
+                      <a:round/>
+                      <a:headEnd type="none" w="med" len="med"/>
+                      <a:tailEnd type="none" w="med" len="med"/>
+                    </a:lnL>
+                    <a:lnR w="12700" cap="flat" cmpd="sng" algn="ctr">
+                      <a:solidFill>
+                        <a:schemeClr val="tx1"/>
+                      </a:solidFill>
+                      <a:prstDash val="solid"/>
+                      <a:round/>
+                      <a:headEnd type="none" w="med" len="med"/>
+                      <a:tailEnd type="none" w="med" len="med"/>
+                    </a:lnR>
+                    <a:lnT w="12700" cap="flat" cmpd="sng" algn="ctr">
+                      <a:solidFill>
+                        <a:schemeClr val="tx1"/>
+                      </a:solidFill>
+                      <a:prstDash val="solid"/>
+                      <a:round/>
+                      <a:headEnd type="none" w="med" len="med"/>
+                      <a:tailEnd type="none" w="med" len="med"/>
+                    </a:lnT>
+                    <a:lnB w="12700" cap="flat" cmpd="sng" algn="ctr">
+                      <a:solidFill>
+                        <a:schemeClr val="tx1"/>
+                      </a:solidFill>
+                      <a:prstDash val="solid"/>
+                      <a:round/>
+                      <a:headEnd type="none" w="med" len="med"/>
+                      <a:tailEnd type="none" w="med" len="med"/>
+                    </a:lnB>
+                    <a:noFill/>
+                  </a:tcPr>
+                </a:tc>
+                <a:tc>
+                  <a:txBody>
+                    <a:bodyPr/>
+                    <a:lstStyle/>
+                    <a:p>
+                      <a:pPr algn="ctr"/>
+                      <a:r>
+                        <a:rPr lang="en-US" dirty="0" smtClean="0">
+                          <a:solidFill>
+                            <a:sysClr val="windowText" lastClr="000000"/>
+                          </a:solidFill>
+                        </a:rPr>
+                        <a:t>0.58</a:t>
+                      </a:r>
+                      <a:endParaRPr lang="en-US" dirty="0">
+                        <a:solidFill>
+                          <a:sysClr val="windowText" lastClr="000000"/>
+                        </a:solidFill>
+                      </a:endParaRPr>
+                    </a:p>
+                  </a:txBody>
+                  <a:tcPr>
+                    <a:lnL w="12700" cap="flat" cmpd="sng" algn="ctr">
+                      <a:solidFill>
+                        <a:schemeClr val="tx1"/>
+                      </a:solidFill>
+                      <a:prstDash val="solid"/>
+                      <a:round/>
+                      <a:headEnd type="none" w="med" len="med"/>
+                      <a:tailEnd type="none" w="med" len="med"/>
+                    </a:lnL>
+                    <a:lnR w="12700" cap="flat" cmpd="sng" algn="ctr">
+                      <a:solidFill>
+                        <a:schemeClr val="tx1"/>
+                      </a:solidFill>
+                      <a:prstDash val="solid"/>
+                      <a:round/>
+                      <a:headEnd type="none" w="med" len="med"/>
+                      <a:tailEnd type="none" w="med" len="med"/>
+                    </a:lnR>
+                    <a:lnT w="12700" cap="flat" cmpd="sng" algn="ctr">
+                      <a:solidFill>
+                        <a:schemeClr val="tx1"/>
+                      </a:solidFill>
+                      <a:prstDash val="solid"/>
+                      <a:round/>
+                      <a:headEnd type="none" w="med" len="med"/>
+                      <a:tailEnd type="none" w="med" len="med"/>
+                    </a:lnT>
+                    <a:lnB w="12700" cap="flat" cmpd="sng" algn="ctr">
+                      <a:solidFill>
+                        <a:schemeClr val="tx1"/>
+                      </a:solidFill>
+                      <a:prstDash val="solid"/>
+                      <a:round/>
+                      <a:headEnd type="none" w="med" len="med"/>
+                      <a:tailEnd type="none" w="med" len="med"/>
+                    </a:lnB>
+                    <a:noFill/>
+                  </a:tcPr>
+                </a:tc>
+                <a:tc>
+                  <a:txBody>
+                    <a:bodyPr/>
+                    <a:lstStyle/>
+                    <a:p>
+                      <a:pPr algn="ctr"/>
+                      <a:r>
+                        <a:rPr lang="en-US" dirty="0" smtClean="0">
+                          <a:solidFill>
+                            <a:sysClr val="windowText" lastClr="000000"/>
+                          </a:solidFill>
+                        </a:rPr>
+                        <a:t>18.16</a:t>
+                      </a:r>
+                      <a:endParaRPr lang="en-US" dirty="0">
+                        <a:solidFill>
+                          <a:sysClr val="windowText" lastClr="000000"/>
+                        </a:solidFill>
+                      </a:endParaRPr>
+                    </a:p>
+                  </a:txBody>
+                  <a:tcPr>
+                    <a:lnL w="12700" cap="flat" cmpd="sng" algn="ctr">
+                      <a:solidFill>
+                        <a:schemeClr val="tx1"/>
+                      </a:solidFill>
+                      <a:prstDash val="solid"/>
+                      <a:round/>
+                      <a:headEnd type="none" w="med" len="med"/>
+                      <a:tailEnd type="none" w="med" len="med"/>
+                    </a:lnL>
+                    <a:lnR w="12700" cap="flat" cmpd="sng" algn="ctr">
+                      <a:solidFill>
+                        <a:schemeClr val="tx1"/>
+                      </a:solidFill>
+                      <a:prstDash val="solid"/>
+                      <a:round/>
+                      <a:headEnd type="none" w="med" len="med"/>
+                      <a:tailEnd type="none" w="med" len="med"/>
+                    </a:lnR>
+                    <a:lnT w="12700" cap="flat" cmpd="sng" algn="ctr">
+                      <a:solidFill>
+                        <a:schemeClr val="tx1"/>
+                      </a:solidFill>
+                      <a:prstDash val="solid"/>
+                      <a:round/>
+                      <a:headEnd type="none" w="med" len="med"/>
+                      <a:tailEnd type="none" w="med" len="med"/>
+                    </a:lnT>
+                    <a:lnB w="12700" cap="flat" cmpd="sng" algn="ctr">
+                      <a:solidFill>
+                        <a:schemeClr val="tx1"/>
+                      </a:solidFill>
+                      <a:prstDash val="solid"/>
+                      <a:round/>
+                      <a:headEnd type="none" w="med" len="med"/>
+                      <a:tailEnd type="none" w="med" len="med"/>
+                    </a:lnB>
+                    <a:noFill/>
+                  </a:tcPr>
+                </a:tc>
+              </a:tr>
+              <a:tr h="370840">
+                <a:tc>
+                  <a:txBody>
+                    <a:bodyPr/>
+                    <a:lstStyle/>
+                    <a:p>
+                      <a:pPr algn="r"/>
+                      <a:r>
+                        <a:rPr lang="en-US" dirty="0" smtClean="0">
+                          <a:solidFill>
+                            <a:sysClr val="windowText" lastClr="000000"/>
+                          </a:solidFill>
+                        </a:rPr>
+                        <a:t>Threshold</a:t>
+                      </a:r>
+                      <a:endParaRPr lang="en-US" dirty="0">
+                        <a:solidFill>
+                          <a:sysClr val="windowText" lastClr="000000"/>
+                        </a:solidFill>
+                      </a:endParaRPr>
+                    </a:p>
+                  </a:txBody>
+                  <a:tcPr>
+                    <a:lnL w="12700" cap="flat" cmpd="sng" algn="ctr">
+                      <a:solidFill>
+                        <a:schemeClr val="tx1"/>
+                      </a:solidFill>
+                      <a:prstDash val="solid"/>
+                      <a:round/>
+                      <a:headEnd type="none" w="med" len="med"/>
+                      <a:tailEnd type="none" w="med" len="med"/>
+                    </a:lnL>
+                    <a:lnR w="12700" cap="flat" cmpd="sng" algn="ctr">
+                      <a:solidFill>
+                        <a:schemeClr val="tx1"/>
+                      </a:solidFill>
+                      <a:prstDash val="solid"/>
+                      <a:round/>
+                      <a:headEnd type="none" w="med" len="med"/>
+                      <a:tailEnd type="none" w="med" len="med"/>
+                    </a:lnR>
+                    <a:lnT w="12700" cap="flat" cmpd="sng" algn="ctr">
+                      <a:solidFill>
+                        <a:schemeClr val="tx1"/>
+                      </a:solidFill>
+                      <a:prstDash val="solid"/>
+                      <a:round/>
+                      <a:headEnd type="none" w="med" len="med"/>
+                      <a:tailEnd type="none" w="med" len="med"/>
+                    </a:lnT>
+                    <a:lnB w="12700" cap="flat" cmpd="sng" algn="ctr">
+                      <a:solidFill>
+                        <a:schemeClr val="tx1"/>
+                      </a:solidFill>
+                      <a:prstDash val="solid"/>
+                      <a:round/>
+                      <a:headEnd type="none" w="med" len="med"/>
+                      <a:tailEnd type="none" w="med" len="med"/>
+                    </a:lnB>
+                    <a:noFill/>
+                  </a:tcPr>
+                </a:tc>
+                <a:tc>
+                  <a:txBody>
+                    <a:bodyPr/>
+                    <a:lstStyle/>
+                    <a:p>
+                      <a:pPr algn="ctr"/>
+                      <a:r>
+                        <a:rPr lang="en-US" dirty="0" smtClean="0">
+                          <a:solidFill>
+                            <a:sysClr val="windowText" lastClr="000000"/>
+                          </a:solidFill>
+                        </a:rPr>
+                        <a:t>0.03</a:t>
+                      </a:r>
+                      <a:endParaRPr lang="en-US" dirty="0">
+                        <a:solidFill>
+                          <a:sysClr val="windowText" lastClr="000000"/>
+                        </a:solidFill>
+                      </a:endParaRPr>
+                    </a:p>
+                  </a:txBody>
+                  <a:tcPr>
+                    <a:lnL w="12700" cap="flat" cmpd="sng" algn="ctr">
+                      <a:solidFill>
+                        <a:schemeClr val="tx1"/>
+                      </a:solidFill>
+                      <a:prstDash val="solid"/>
+                      <a:round/>
+                      <a:headEnd type="none" w="med" len="med"/>
+                      <a:tailEnd type="none" w="med" len="med"/>
+                    </a:lnL>
+                    <a:lnR w="12700" cap="flat" cmpd="sng" algn="ctr">
+                      <a:solidFill>
+                        <a:schemeClr val="tx1"/>
+                      </a:solidFill>
+                      <a:prstDash val="solid"/>
+                      <a:round/>
+                      <a:headEnd type="none" w="med" len="med"/>
+                      <a:tailEnd type="none" w="med" len="med"/>
+                    </a:lnR>
+                    <a:lnT w="12700" cap="flat" cmpd="sng" algn="ctr">
+                      <a:solidFill>
+                        <a:schemeClr val="tx1"/>
+                      </a:solidFill>
+                      <a:prstDash val="solid"/>
+                      <a:round/>
+                      <a:headEnd type="none" w="med" len="med"/>
+                      <a:tailEnd type="none" w="med" len="med"/>
+                    </a:lnT>
+                    <a:lnB w="12700" cap="flat" cmpd="sng" algn="ctr">
+                      <a:solidFill>
+                        <a:schemeClr val="tx1"/>
+                      </a:solidFill>
+                      <a:prstDash val="solid"/>
+                      <a:round/>
+                      <a:headEnd type="none" w="med" len="med"/>
+                      <a:tailEnd type="none" w="med" len="med"/>
+                    </a:lnB>
+                    <a:noFill/>
+                  </a:tcPr>
+                </a:tc>
+                <a:tc>
+                  <a:txBody>
+                    <a:bodyPr/>
+                    <a:lstStyle/>
+                    <a:p>
+                      <a:pPr algn="ctr"/>
+                      <a:r>
+                        <a:rPr lang="en-US" dirty="0" smtClean="0">
+                          <a:solidFill>
+                            <a:sysClr val="windowText" lastClr="000000"/>
+                          </a:solidFill>
+                        </a:rPr>
+                        <a:t>0.03</a:t>
+                      </a:r>
+                      <a:endParaRPr lang="en-US" dirty="0">
+                        <a:solidFill>
+                          <a:sysClr val="windowText" lastClr="000000"/>
+                        </a:solidFill>
+                      </a:endParaRPr>
+                    </a:p>
+                  </a:txBody>
+                  <a:tcPr>
+                    <a:lnL w="12700" cap="flat" cmpd="sng" algn="ctr">
+                      <a:solidFill>
+                        <a:schemeClr val="tx1"/>
+                      </a:solidFill>
+                      <a:prstDash val="solid"/>
+                      <a:round/>
+                      <a:headEnd type="none" w="med" len="med"/>
+                      <a:tailEnd type="none" w="med" len="med"/>
+                    </a:lnL>
+                    <a:lnR w="12700" cap="flat" cmpd="sng" algn="ctr">
+                      <a:solidFill>
+                        <a:schemeClr val="tx1"/>
+                      </a:solidFill>
+                      <a:prstDash val="solid"/>
+                      <a:round/>
+                      <a:headEnd type="none" w="med" len="med"/>
+                      <a:tailEnd type="none" w="med" len="med"/>
+                    </a:lnR>
+                    <a:lnT w="12700" cap="flat" cmpd="sng" algn="ctr">
+                      <a:solidFill>
+                        <a:schemeClr val="tx1"/>
+                      </a:solidFill>
+                      <a:prstDash val="solid"/>
+                      <a:round/>
+                      <a:headEnd type="none" w="med" len="med"/>
+                      <a:tailEnd type="none" w="med" len="med"/>
+                    </a:lnT>
+                    <a:lnB w="12700" cap="flat" cmpd="sng" algn="ctr">
+                      <a:solidFill>
+                        <a:schemeClr val="tx1"/>
+                      </a:solidFill>
+                      <a:prstDash val="solid"/>
+                      <a:round/>
+                      <a:headEnd type="none" w="med" len="med"/>
+                      <a:tailEnd type="none" w="med" len="med"/>
+                    </a:lnB>
+                    <a:noFill/>
+                  </a:tcPr>
+                </a:tc>
+                <a:tc>
+                  <a:txBody>
+                    <a:bodyPr/>
+                    <a:lstStyle/>
+                    <a:p>
+                      <a:pPr algn="ctr"/>
+                      <a:r>
+                        <a:rPr lang="en-US" dirty="0" smtClean="0">
+                          <a:solidFill>
+                            <a:sysClr val="windowText" lastClr="000000"/>
+                          </a:solidFill>
+                        </a:rPr>
+                        <a:t>0.03</a:t>
+                      </a:r>
+                      <a:endParaRPr lang="en-US" dirty="0">
+                        <a:solidFill>
+                          <a:sysClr val="windowText" lastClr="000000"/>
+                        </a:solidFill>
+                      </a:endParaRPr>
+                    </a:p>
+                  </a:txBody>
+                  <a:tcPr>
+                    <a:lnL w="12700" cap="flat" cmpd="sng" algn="ctr">
+                      <a:solidFill>
+                        <a:schemeClr val="tx1"/>
+                      </a:solidFill>
+                      <a:prstDash val="solid"/>
+                      <a:round/>
+                      <a:headEnd type="none" w="med" len="med"/>
+                      <a:tailEnd type="none" w="med" len="med"/>
+                    </a:lnL>
+                    <a:lnR w="12700" cap="flat" cmpd="sng" algn="ctr">
+                      <a:solidFill>
+                        <a:schemeClr val="tx1"/>
+                      </a:solidFill>
+                      <a:prstDash val="solid"/>
+                      <a:round/>
+                      <a:headEnd type="none" w="med" len="med"/>
+                      <a:tailEnd type="none" w="med" len="med"/>
+                    </a:lnR>
+                    <a:lnT w="12700" cap="flat" cmpd="sng" algn="ctr">
+                      <a:solidFill>
+                        <a:schemeClr val="tx1"/>
+                      </a:solidFill>
+                      <a:prstDash val="solid"/>
+                      <a:round/>
+                      <a:headEnd type="none" w="med" len="med"/>
+                      <a:tailEnd type="none" w="med" len="med"/>
+                    </a:lnT>
+                    <a:lnB w="12700" cap="flat" cmpd="sng" algn="ctr">
+                      <a:solidFill>
+                        <a:schemeClr val="tx1"/>
+                      </a:solidFill>
+                      <a:prstDash val="solid"/>
+                      <a:round/>
+                      <a:headEnd type="none" w="med" len="med"/>
+                      <a:tailEnd type="none" w="med" len="med"/>
+                    </a:lnB>
+                    <a:noFill/>
+                  </a:tcPr>
+                </a:tc>
+                <a:tc>
+                  <a:txBody>
+                    <a:bodyPr/>
+                    <a:lstStyle/>
+                    <a:p>
+                      <a:pPr algn="ctr"/>
+                      <a:r>
+                        <a:rPr lang="en-US" dirty="0" smtClean="0">
+                          <a:solidFill>
+                            <a:sysClr val="windowText" lastClr="000000"/>
+                          </a:solidFill>
+                        </a:rPr>
+                        <a:t>0.03</a:t>
+                      </a:r>
+                      <a:endParaRPr lang="en-US" dirty="0">
+                        <a:solidFill>
+                          <a:sysClr val="windowText" lastClr="000000"/>
+                        </a:solidFill>
+                      </a:endParaRPr>
+                    </a:p>
+                  </a:txBody>
+                  <a:tcPr>
+                    <a:lnL w="12700" cap="flat" cmpd="sng" algn="ctr">
+                      <a:solidFill>
+                        <a:schemeClr val="tx1"/>
+                      </a:solidFill>
+                      <a:prstDash val="solid"/>
+                      <a:round/>
+                      <a:headEnd type="none" w="med" len="med"/>
+                      <a:tailEnd type="none" w="med" len="med"/>
+                    </a:lnL>
+                    <a:lnR w="12700" cap="flat" cmpd="sng" algn="ctr">
+                      <a:solidFill>
+                        <a:schemeClr val="tx1"/>
+                      </a:solidFill>
+                      <a:prstDash val="solid"/>
+                      <a:round/>
+                      <a:headEnd type="none" w="med" len="med"/>
+                      <a:tailEnd type="none" w="med" len="med"/>
+                    </a:lnR>
+                    <a:lnT w="12700" cap="flat" cmpd="sng" algn="ctr">
+                      <a:solidFill>
+                        <a:schemeClr val="tx1"/>
+                      </a:solidFill>
+                      <a:prstDash val="solid"/>
+                      <a:round/>
+                      <a:headEnd type="none" w="med" len="med"/>
+                      <a:tailEnd type="none" w="med" len="med"/>
+                    </a:lnT>
+                    <a:lnB w="12700" cap="flat" cmpd="sng" algn="ctr">
+                      <a:solidFill>
+                        <a:schemeClr val="tx1"/>
+                      </a:solidFill>
+                      <a:prstDash val="solid"/>
+                      <a:round/>
+                      <a:headEnd type="none" w="med" len="med"/>
+                      <a:tailEnd type="none" w="med" len="med"/>
+                    </a:lnB>
+                    <a:noFill/>
+                  </a:tcPr>
+                </a:tc>
+                <a:tc>
+                  <a:txBody>
+                    <a:bodyPr/>
+                    <a:lstStyle/>
+                    <a:p>
+                      <a:pPr algn="ctr"/>
+                      <a:r>
+                        <a:rPr lang="en-US" dirty="0" smtClean="0">
+                          <a:solidFill>
+                            <a:sysClr val="windowText" lastClr="000000"/>
+                          </a:solidFill>
+                        </a:rPr>
+                        <a:t>0.03</a:t>
+                      </a:r>
+                      <a:endParaRPr lang="en-US" dirty="0">
+                        <a:solidFill>
+                          <a:sysClr val="windowText" lastClr="000000"/>
+                        </a:solidFill>
+                      </a:endParaRPr>
+                    </a:p>
+                  </a:txBody>
+                  <a:tcPr>
+                    <a:lnL w="12700" cap="flat" cmpd="sng" algn="ctr">
+                      <a:solidFill>
+                        <a:schemeClr val="tx1"/>
+                      </a:solidFill>
+                      <a:prstDash val="solid"/>
+                      <a:round/>
+                      <a:headEnd type="none" w="med" len="med"/>
+                      <a:tailEnd type="none" w="med" len="med"/>
+                    </a:lnL>
+                    <a:lnR w="12700" cap="flat" cmpd="sng" algn="ctr">
+                      <a:solidFill>
+                        <a:schemeClr val="tx1"/>
+                      </a:solidFill>
+                      <a:prstDash val="solid"/>
+                      <a:round/>
+                      <a:headEnd type="none" w="med" len="med"/>
+                      <a:tailEnd type="none" w="med" len="med"/>
+                    </a:lnR>
+                    <a:lnT w="12700" cap="flat" cmpd="sng" algn="ctr">
+                      <a:solidFill>
+                        <a:schemeClr val="tx1"/>
+                      </a:solidFill>
+                      <a:prstDash val="solid"/>
+                      <a:round/>
+                      <a:headEnd type="none" w="med" len="med"/>
+                      <a:tailEnd type="none" w="med" len="med"/>
+                    </a:lnT>
+                    <a:lnB w="12700" cap="flat" cmpd="sng" algn="ctr">
+                      <a:solidFill>
+                        <a:schemeClr val="tx1"/>
+                      </a:solidFill>
+                      <a:prstDash val="solid"/>
+                      <a:round/>
+                      <a:headEnd type="none" w="med" len="med"/>
+                      <a:tailEnd type="none" w="med" len="med"/>
+                    </a:lnB>
+                    <a:noFill/>
+                  </a:tcPr>
+                </a:tc>
+              </a:tr>
+              <a:tr h="370840">
+                <a:tc>
+                  <a:txBody>
+                    <a:bodyPr/>
+                    <a:lstStyle/>
+                    <a:p>
+                      <a:pPr algn="r"/>
+                      <a:r>
+                        <a:rPr lang="en-US" dirty="0" smtClean="0">
+                          <a:solidFill>
+                            <a:sysClr val="windowText" lastClr="000000"/>
+                          </a:solidFill>
+                        </a:rPr>
+                        <a:t>Attack</a:t>
+                      </a:r>
+                      <a:endParaRPr lang="en-US" dirty="0">
+                        <a:solidFill>
+                          <a:sysClr val="windowText" lastClr="000000"/>
+                        </a:solidFill>
+                      </a:endParaRPr>
+                    </a:p>
+                  </a:txBody>
+                  <a:tcPr>
+                    <a:lnL w="12700" cap="flat" cmpd="sng" algn="ctr">
+                      <a:solidFill>
+                        <a:schemeClr val="tx1"/>
+                      </a:solidFill>
+                      <a:prstDash val="solid"/>
+                      <a:round/>
+                      <a:headEnd type="none" w="med" len="med"/>
+                      <a:tailEnd type="none" w="med" len="med"/>
+                    </a:lnL>
+                    <a:lnR w="12700" cap="flat" cmpd="sng" algn="ctr">
+                      <a:solidFill>
+                        <a:schemeClr val="tx1"/>
+                      </a:solidFill>
+                      <a:prstDash val="solid"/>
+                      <a:round/>
+                      <a:headEnd type="none" w="med" len="med"/>
+                      <a:tailEnd type="none" w="med" len="med"/>
+                    </a:lnR>
+                    <a:lnT w="12700" cap="flat" cmpd="sng" algn="ctr">
+                      <a:solidFill>
+                        <a:schemeClr val="tx1"/>
+                      </a:solidFill>
+                      <a:prstDash val="solid"/>
+                      <a:round/>
+                      <a:headEnd type="none" w="med" len="med"/>
+                      <a:tailEnd type="none" w="med" len="med"/>
+                    </a:lnT>
+                    <a:lnB w="12700" cap="flat" cmpd="sng" algn="ctr">
+                      <a:solidFill>
+                        <a:schemeClr val="tx1"/>
+                      </a:solidFill>
+                      <a:prstDash val="solid"/>
+                      <a:round/>
+                      <a:headEnd type="none" w="med" len="med"/>
+                      <a:tailEnd type="none" w="med" len="med"/>
+                    </a:lnB>
+                    <a:noFill/>
+                  </a:tcPr>
+                </a:tc>
+                <a:tc>
+                  <a:txBody>
+                    <a:bodyPr/>
+                    <a:lstStyle/>
+                    <a:p>
+                      <a:pPr algn="ctr"/>
+                      <a:r>
+                        <a:rPr lang="en-US" dirty="0" smtClean="0">
+                          <a:solidFill>
+                            <a:sysClr val="windowText" lastClr="000000"/>
+                          </a:solidFill>
+                        </a:rPr>
+                        <a:t>1.5</a:t>
+                      </a:r>
+                      <a:endParaRPr lang="en-US" dirty="0">
+                        <a:solidFill>
+                          <a:sysClr val="windowText" lastClr="000000"/>
+                        </a:solidFill>
+                      </a:endParaRPr>
+                    </a:p>
+                  </a:txBody>
+                  <a:tcPr>
+                    <a:lnL w="12700" cap="flat" cmpd="sng" algn="ctr">
+                      <a:solidFill>
+                        <a:schemeClr val="tx1"/>
+                      </a:solidFill>
+                      <a:prstDash val="solid"/>
+                      <a:round/>
+                      <a:headEnd type="none" w="med" len="med"/>
+                      <a:tailEnd type="none" w="med" len="med"/>
+                    </a:lnL>
+                    <a:lnR w="12700" cap="flat" cmpd="sng" algn="ctr">
+                      <a:solidFill>
+                        <a:schemeClr val="tx1"/>
+                      </a:solidFill>
+                      <a:prstDash val="solid"/>
+                      <a:round/>
+                      <a:headEnd type="none" w="med" len="med"/>
+                      <a:tailEnd type="none" w="med" len="med"/>
+                    </a:lnR>
+                    <a:lnT w="12700" cap="flat" cmpd="sng" algn="ctr">
+                      <a:solidFill>
+                        <a:schemeClr val="tx1"/>
+                      </a:solidFill>
+                      <a:prstDash val="solid"/>
+                      <a:round/>
+                      <a:headEnd type="none" w="med" len="med"/>
+                      <a:tailEnd type="none" w="med" len="med"/>
+                    </a:lnT>
+                    <a:lnB w="12700" cap="flat" cmpd="sng" algn="ctr">
+                      <a:solidFill>
+                        <a:schemeClr val="tx1"/>
+                      </a:solidFill>
+                      <a:prstDash val="solid"/>
+                      <a:round/>
+                      <a:headEnd type="none" w="med" len="med"/>
+                      <a:tailEnd type="none" w="med" len="med"/>
+                    </a:lnB>
+                    <a:noFill/>
+                  </a:tcPr>
+                </a:tc>
+                <a:tc>
+                  <a:txBody>
+                    <a:bodyPr/>
+                    <a:lstStyle/>
+                    <a:p>
+                      <a:pPr algn="ctr"/>
+                      <a:r>
+                        <a:rPr lang="en-US" dirty="0" smtClean="0">
+                          <a:solidFill>
+                            <a:sysClr val="windowText" lastClr="000000"/>
+                          </a:solidFill>
+                        </a:rPr>
+                        <a:t>1.5</a:t>
+                      </a:r>
+                      <a:endParaRPr lang="en-US" dirty="0">
+                        <a:solidFill>
+                          <a:sysClr val="windowText" lastClr="000000"/>
+                        </a:solidFill>
+                      </a:endParaRPr>
+                    </a:p>
+                  </a:txBody>
+                  <a:tcPr>
+                    <a:lnL w="12700" cap="flat" cmpd="sng" algn="ctr">
+                      <a:solidFill>
+                        <a:schemeClr val="tx1"/>
+                      </a:solidFill>
+                      <a:prstDash val="solid"/>
+                      <a:round/>
+                      <a:headEnd type="none" w="med" len="med"/>
+                      <a:tailEnd type="none" w="med" len="med"/>
+                    </a:lnL>
+                    <a:lnR w="12700" cap="flat" cmpd="sng" algn="ctr">
+                      <a:solidFill>
+                        <a:schemeClr val="tx1"/>
+                      </a:solidFill>
+                      <a:prstDash val="solid"/>
+                      <a:round/>
+                      <a:headEnd type="none" w="med" len="med"/>
+                      <a:tailEnd type="none" w="med" len="med"/>
+                    </a:lnR>
+                    <a:lnT w="12700" cap="flat" cmpd="sng" algn="ctr">
+                      <a:solidFill>
+                        <a:schemeClr val="tx1"/>
+                      </a:solidFill>
+                      <a:prstDash val="solid"/>
+                      <a:round/>
+                      <a:headEnd type="none" w="med" len="med"/>
+                      <a:tailEnd type="none" w="med" len="med"/>
+                    </a:lnT>
+                    <a:lnB w="12700" cap="flat" cmpd="sng" algn="ctr">
+                      <a:solidFill>
+                        <a:schemeClr val="tx1"/>
+                      </a:solidFill>
+                      <a:prstDash val="solid"/>
+                      <a:round/>
+                      <a:headEnd type="none" w="med" len="med"/>
+                      <a:tailEnd type="none" w="med" len="med"/>
+                    </a:lnB>
+                    <a:noFill/>
+                  </a:tcPr>
+                </a:tc>
+                <a:tc>
+                  <a:txBody>
+                    <a:bodyPr/>
+                    <a:lstStyle/>
+                    <a:p>
+                      <a:pPr algn="ctr"/>
+                      <a:r>
+                        <a:rPr lang="en-US" dirty="0" smtClean="0">
+                          <a:solidFill>
+                            <a:sysClr val="windowText" lastClr="000000"/>
+                          </a:solidFill>
+                        </a:rPr>
+                        <a:t>1.25</a:t>
+                      </a:r>
+                      <a:endParaRPr lang="en-US" dirty="0">
+                        <a:solidFill>
+                          <a:sysClr val="windowText" lastClr="000000"/>
+                        </a:solidFill>
+                      </a:endParaRPr>
+                    </a:p>
+                  </a:txBody>
+                  <a:tcPr>
+                    <a:lnL w="12700" cap="flat" cmpd="sng" algn="ctr">
+                      <a:solidFill>
+                        <a:schemeClr val="tx1"/>
+                      </a:solidFill>
+                      <a:prstDash val="solid"/>
+                      <a:round/>
+                      <a:headEnd type="none" w="med" len="med"/>
+                      <a:tailEnd type="none" w="med" len="med"/>
+                    </a:lnL>
+                    <a:lnR w="12700" cap="flat" cmpd="sng" algn="ctr">
+                      <a:solidFill>
+                        <a:schemeClr val="tx1"/>
+                      </a:solidFill>
+                      <a:prstDash val="solid"/>
+                      <a:round/>
+                      <a:headEnd type="none" w="med" len="med"/>
+                      <a:tailEnd type="none" w="med" len="med"/>
+                    </a:lnR>
+                    <a:lnT w="12700" cap="flat" cmpd="sng" algn="ctr">
+                      <a:solidFill>
+                        <a:schemeClr val="tx1"/>
+                      </a:solidFill>
+                      <a:prstDash val="solid"/>
+                      <a:round/>
+                      <a:headEnd type="none" w="med" len="med"/>
+                      <a:tailEnd type="none" w="med" len="med"/>
+                    </a:lnT>
+                    <a:lnB w="12700" cap="flat" cmpd="sng" algn="ctr">
+                      <a:solidFill>
+                        <a:schemeClr val="tx1"/>
+                      </a:solidFill>
+                      <a:prstDash val="solid"/>
+                      <a:round/>
+                      <a:headEnd type="none" w="med" len="med"/>
+                      <a:tailEnd type="none" w="med" len="med"/>
+                    </a:lnB>
+                    <a:noFill/>
+                  </a:tcPr>
+                </a:tc>
+                <a:tc>
+                  <a:txBody>
+                    <a:bodyPr/>
+                    <a:lstStyle/>
+                    <a:p>
+                      <a:pPr algn="ctr"/>
+                      <a:r>
+                        <a:rPr lang="en-US" dirty="0" smtClean="0">
+                          <a:solidFill>
+                            <a:sysClr val="windowText" lastClr="000000"/>
+                          </a:solidFill>
+                        </a:rPr>
+                        <a:t>0.96</a:t>
+                      </a:r>
+                      <a:endParaRPr lang="en-US" dirty="0">
+                        <a:solidFill>
+                          <a:sysClr val="windowText" lastClr="000000"/>
+                        </a:solidFill>
+                      </a:endParaRPr>
+                    </a:p>
+                  </a:txBody>
+                  <a:tcPr>
+                    <a:lnL w="12700" cap="flat" cmpd="sng" algn="ctr">
+                      <a:solidFill>
+                        <a:schemeClr val="tx1"/>
+                      </a:solidFill>
+                      <a:prstDash val="solid"/>
+                      <a:round/>
+                      <a:headEnd type="none" w="med" len="med"/>
+                      <a:tailEnd type="none" w="med" len="med"/>
+                    </a:lnL>
+                    <a:lnR w="12700" cap="flat" cmpd="sng" algn="ctr">
+                      <a:solidFill>
+                        <a:schemeClr val="tx1"/>
+                      </a:solidFill>
+                      <a:prstDash val="solid"/>
+                      <a:round/>
+                      <a:headEnd type="none" w="med" len="med"/>
+                      <a:tailEnd type="none" w="med" len="med"/>
+                    </a:lnR>
+                    <a:lnT w="12700" cap="flat" cmpd="sng" algn="ctr">
+                      <a:solidFill>
+                        <a:schemeClr val="tx1"/>
+                      </a:solidFill>
+                      <a:prstDash val="solid"/>
+                      <a:round/>
+                      <a:headEnd type="none" w="med" len="med"/>
+                      <a:tailEnd type="none" w="med" len="med"/>
+                    </a:lnT>
+                    <a:lnB w="12700" cap="flat" cmpd="sng" algn="ctr">
+                      <a:solidFill>
+                        <a:schemeClr val="tx1"/>
+                      </a:solidFill>
+                      <a:prstDash val="solid"/>
+                      <a:round/>
+                      <a:headEnd type="none" w="med" len="med"/>
+                      <a:tailEnd type="none" w="med" len="med"/>
+                    </a:lnB>
+                    <a:noFill/>
+                  </a:tcPr>
+                </a:tc>
+                <a:tc>
+                  <a:txBody>
+                    <a:bodyPr/>
+                    <a:lstStyle/>
+                    <a:p>
+                      <a:pPr algn="ctr"/>
+                      <a:r>
+                        <a:rPr lang="en-US" dirty="0" smtClean="0">
+                          <a:solidFill>
+                            <a:sysClr val="windowText" lastClr="000000"/>
+                          </a:solidFill>
+                        </a:rPr>
+                        <a:t>1.25</a:t>
+                      </a:r>
+                      <a:endParaRPr lang="en-US" dirty="0">
+                        <a:solidFill>
+                          <a:sysClr val="windowText" lastClr="000000"/>
+                        </a:solidFill>
+                      </a:endParaRPr>
+                    </a:p>
+                  </a:txBody>
+                  <a:tcPr>
+                    <a:lnL w="12700" cap="flat" cmpd="sng" algn="ctr">
+                      <a:solidFill>
+                        <a:schemeClr val="tx1"/>
+                      </a:solidFill>
+                      <a:prstDash val="solid"/>
+                      <a:round/>
+                      <a:headEnd type="none" w="med" len="med"/>
+                      <a:tailEnd type="none" w="med" len="med"/>
+                    </a:lnL>
+                    <a:lnR w="12700" cap="flat" cmpd="sng" algn="ctr">
+                      <a:solidFill>
+                        <a:schemeClr val="tx1"/>
+                      </a:solidFill>
+                      <a:prstDash val="solid"/>
+                      <a:round/>
+                      <a:headEnd type="none" w="med" len="med"/>
+                      <a:tailEnd type="none" w="med" len="med"/>
+                    </a:lnR>
+                    <a:lnT w="12700" cap="flat" cmpd="sng" algn="ctr">
+                      <a:solidFill>
+                        <a:schemeClr val="tx1"/>
+                      </a:solidFill>
+                      <a:prstDash val="solid"/>
+                      <a:round/>
+                      <a:headEnd type="none" w="med" len="med"/>
+                      <a:tailEnd type="none" w="med" len="med"/>
+                    </a:lnT>
+                    <a:lnB w="12700" cap="flat" cmpd="sng" algn="ctr">
+                      <a:solidFill>
+                        <a:schemeClr val="tx1"/>
+                      </a:solidFill>
+                      <a:prstDash val="solid"/>
+                      <a:round/>
+                      <a:headEnd type="none" w="med" len="med"/>
+                      <a:tailEnd type="none" w="med" len="med"/>
+                    </a:lnB>
+                    <a:noFill/>
+                  </a:tcPr>
+                </a:tc>
+              </a:tr>
+              <a:tr h="370840">
+                <a:tc>
+                  <a:txBody>
+                    <a:bodyPr/>
+                    <a:lstStyle/>
+                    <a:p>
+                      <a:pPr algn="r"/>
+                      <a:r>
+                        <a:rPr lang="en-US" b="1" dirty="0" smtClean="0">
+                          <a:solidFill>
+                            <a:sysClr val="windowText" lastClr="000000"/>
+                          </a:solidFill>
+                        </a:rPr>
+                        <a:t>Fitness</a:t>
+                      </a:r>
+                      <a:endParaRPr lang="en-US" b="1" dirty="0">
+                        <a:solidFill>
+                          <a:sysClr val="windowText" lastClr="000000"/>
+                        </a:solidFill>
+                      </a:endParaRPr>
+                    </a:p>
+                  </a:txBody>
+                  <a:tcPr>
+                    <a:lnL w="12700" cap="flat" cmpd="sng" algn="ctr">
+                      <a:solidFill>
+                        <a:schemeClr val="tx1"/>
+                      </a:solidFill>
+                      <a:prstDash val="solid"/>
+                      <a:round/>
+                      <a:headEnd type="none" w="med" len="med"/>
+                      <a:tailEnd type="none" w="med" len="med"/>
+                    </a:lnL>
+                    <a:lnR w="12700" cap="flat" cmpd="sng" algn="ctr">
+                      <a:solidFill>
+                        <a:schemeClr val="tx1"/>
+                      </a:solidFill>
+                      <a:prstDash val="solid"/>
+                      <a:round/>
+                      <a:headEnd type="none" w="med" len="med"/>
+                      <a:tailEnd type="none" w="med" len="med"/>
+                    </a:lnR>
+                    <a:lnT w="12700" cap="flat" cmpd="sng" algn="ctr">
+                      <a:solidFill>
+                        <a:schemeClr val="tx1"/>
+                      </a:solidFill>
+                      <a:prstDash val="solid"/>
+                      <a:round/>
+                      <a:headEnd type="none" w="med" len="med"/>
+                      <a:tailEnd type="none" w="med" len="med"/>
+                    </a:lnT>
+                    <a:lnB w="12700" cap="flat" cmpd="sng" algn="ctr">
+                      <a:solidFill>
+                        <a:schemeClr val="tx1"/>
+                      </a:solidFill>
+                      <a:prstDash val="solid"/>
+                      <a:round/>
+                      <a:headEnd type="none" w="med" len="med"/>
+                      <a:tailEnd type="none" w="med" len="med"/>
+                    </a:lnB>
+                    <a:noFill/>
+                  </a:tcPr>
+                </a:tc>
+                <a:tc>
+                  <a:txBody>
+                    <a:bodyPr/>
+                    <a:lstStyle/>
+                    <a:p>
+                      <a:pPr algn="ctr"/>
+                      <a:r>
+                        <a:rPr lang="en-US" b="1" dirty="0" smtClean="0">
+                          <a:solidFill>
+                            <a:sysClr val="windowText" lastClr="000000"/>
+                          </a:solidFill>
+                        </a:rPr>
+                        <a:t>0.0301</a:t>
+                      </a:r>
+                      <a:endParaRPr lang="en-US" b="1" dirty="0">
+                        <a:solidFill>
+                          <a:sysClr val="windowText" lastClr="000000"/>
+                        </a:solidFill>
+                      </a:endParaRPr>
+                    </a:p>
+                  </a:txBody>
+                  <a:tcPr>
+                    <a:lnL w="12700" cap="flat" cmpd="sng" algn="ctr">
+                      <a:solidFill>
+                        <a:schemeClr val="tx1"/>
+                      </a:solidFill>
+                      <a:prstDash val="solid"/>
+                      <a:round/>
+                      <a:headEnd type="none" w="med" len="med"/>
+                      <a:tailEnd type="none" w="med" len="med"/>
+                    </a:lnL>
+                    <a:lnR w="12700" cap="flat" cmpd="sng" algn="ctr">
+                      <a:solidFill>
+                        <a:schemeClr val="tx1"/>
+                      </a:solidFill>
+                      <a:prstDash val="solid"/>
+                      <a:round/>
+                      <a:headEnd type="none" w="med" len="med"/>
+                      <a:tailEnd type="none" w="med" len="med"/>
+                    </a:lnR>
+                    <a:lnT w="12700" cap="flat" cmpd="sng" algn="ctr">
+                      <a:solidFill>
+                        <a:schemeClr val="tx1"/>
+                      </a:solidFill>
+                      <a:prstDash val="solid"/>
+                      <a:round/>
+                      <a:headEnd type="none" w="med" len="med"/>
+                      <a:tailEnd type="none" w="med" len="med"/>
+                    </a:lnT>
+                    <a:lnB w="12700" cap="flat" cmpd="sng" algn="ctr">
+                      <a:solidFill>
+                        <a:schemeClr val="tx1"/>
+                      </a:solidFill>
+                      <a:prstDash val="solid"/>
+                      <a:round/>
+                      <a:headEnd type="none" w="med" len="med"/>
+                      <a:tailEnd type="none" w="med" len="med"/>
+                    </a:lnB>
+                    <a:noFill/>
+                  </a:tcPr>
+                </a:tc>
+                <a:tc>
+                  <a:txBody>
+                    <a:bodyPr/>
+                    <a:lstStyle/>
+                    <a:p>
+                      <a:pPr algn="ctr"/>
+                      <a:r>
+                        <a:rPr lang="en-US" b="1" dirty="0" smtClean="0">
+                          <a:solidFill>
+                            <a:sysClr val="windowText" lastClr="000000"/>
+                          </a:solidFill>
+                        </a:rPr>
+                        <a:t>0.0316</a:t>
+                      </a:r>
+                      <a:endParaRPr lang="en-US" b="1" dirty="0">
+                        <a:solidFill>
+                          <a:sysClr val="windowText" lastClr="000000"/>
+                        </a:solidFill>
+                      </a:endParaRPr>
+                    </a:p>
+                  </a:txBody>
+                  <a:tcPr>
+                    <a:lnL w="12700" cap="flat" cmpd="sng" algn="ctr">
+                      <a:solidFill>
+                        <a:schemeClr val="tx1"/>
+                      </a:solidFill>
+                      <a:prstDash val="solid"/>
+                      <a:round/>
+                      <a:headEnd type="none" w="med" len="med"/>
+                      <a:tailEnd type="none" w="med" len="med"/>
+                    </a:lnL>
+                    <a:lnR w="12700" cap="flat" cmpd="sng" algn="ctr">
+                      <a:solidFill>
+                        <a:schemeClr val="tx1"/>
+                      </a:solidFill>
+                      <a:prstDash val="solid"/>
+                      <a:round/>
+                      <a:headEnd type="none" w="med" len="med"/>
+                      <a:tailEnd type="none" w="med" len="med"/>
+                    </a:lnR>
+                    <a:lnT w="12700" cap="flat" cmpd="sng" algn="ctr">
+                      <a:solidFill>
+                        <a:schemeClr val="tx1"/>
+                      </a:solidFill>
+                      <a:prstDash val="solid"/>
+                      <a:round/>
+                      <a:headEnd type="none" w="med" len="med"/>
+                      <a:tailEnd type="none" w="med" len="med"/>
+                    </a:lnT>
+                    <a:lnB w="12700" cap="flat" cmpd="sng" algn="ctr">
+                      <a:solidFill>
+                        <a:schemeClr val="tx1"/>
+                      </a:solidFill>
+                      <a:prstDash val="solid"/>
+                      <a:round/>
+                      <a:headEnd type="none" w="med" len="med"/>
+                      <a:tailEnd type="none" w="med" len="med"/>
+                    </a:lnB>
+                    <a:noFill/>
+                  </a:tcPr>
+                </a:tc>
+                <a:tc>
+                  <a:txBody>
+                    <a:bodyPr/>
+                    <a:lstStyle/>
+                    <a:p>
+                      <a:pPr algn="ctr"/>
+                      <a:r>
+                        <a:rPr lang="en-US" b="1" dirty="0" smtClean="0">
+                          <a:solidFill>
+                            <a:sysClr val="windowText" lastClr="000000"/>
+                          </a:solidFill>
+                        </a:rPr>
+                        <a:t>0.0225</a:t>
+                      </a:r>
+                      <a:endParaRPr lang="en-US" b="1" dirty="0">
+                        <a:solidFill>
+                          <a:sysClr val="windowText" lastClr="000000"/>
+                        </a:solidFill>
+                      </a:endParaRPr>
+                    </a:p>
+                  </a:txBody>
+                  <a:tcPr>
+                    <a:lnL w="12700" cap="flat" cmpd="sng" algn="ctr">
+                      <a:solidFill>
+                        <a:schemeClr val="tx1"/>
+                      </a:solidFill>
+                      <a:prstDash val="solid"/>
+                      <a:round/>
+                      <a:headEnd type="none" w="med" len="med"/>
+                      <a:tailEnd type="none" w="med" len="med"/>
+                    </a:lnL>
+                    <a:lnR w="12700" cap="flat" cmpd="sng" algn="ctr">
+                      <a:solidFill>
+                        <a:schemeClr val="tx1"/>
+                      </a:solidFill>
+                      <a:prstDash val="solid"/>
+                      <a:round/>
+                      <a:headEnd type="none" w="med" len="med"/>
+                      <a:tailEnd type="none" w="med" len="med"/>
+                    </a:lnR>
+                    <a:lnT w="12700" cap="flat" cmpd="sng" algn="ctr">
+                      <a:solidFill>
+                        <a:schemeClr val="tx1"/>
+                      </a:solidFill>
+                      <a:prstDash val="solid"/>
+                      <a:round/>
+                      <a:headEnd type="none" w="med" len="med"/>
+                      <a:tailEnd type="none" w="med" len="med"/>
+                    </a:lnT>
+                    <a:lnB w="12700" cap="flat" cmpd="sng" algn="ctr">
+                      <a:solidFill>
+                        <a:schemeClr val="tx1"/>
+                      </a:solidFill>
+                      <a:prstDash val="solid"/>
+                      <a:round/>
+                      <a:headEnd type="none" w="med" len="med"/>
+                      <a:tailEnd type="none" w="med" len="med"/>
+                    </a:lnB>
+                    <a:noFill/>
+                  </a:tcPr>
+                </a:tc>
+                <a:tc>
+                  <a:txBody>
+                    <a:bodyPr/>
+                    <a:lstStyle/>
+                    <a:p>
+                      <a:pPr algn="ctr"/>
+                      <a:r>
+                        <a:rPr lang="en-US" b="1" dirty="0" smtClean="0">
+                          <a:solidFill>
+                            <a:sysClr val="windowText" lastClr="000000"/>
+                          </a:solidFill>
+                        </a:rPr>
+                        <a:t>0.0223</a:t>
+                      </a:r>
+                      <a:endParaRPr lang="en-US" b="1" dirty="0">
+                        <a:solidFill>
+                          <a:sysClr val="windowText" lastClr="000000"/>
+                        </a:solidFill>
+                      </a:endParaRPr>
+                    </a:p>
+                  </a:txBody>
+                  <a:tcPr>
+                    <a:lnL w="12700" cap="flat" cmpd="sng" algn="ctr">
+                      <a:solidFill>
+                        <a:schemeClr val="tx1"/>
+                      </a:solidFill>
+                      <a:prstDash val="solid"/>
+                      <a:round/>
+                      <a:headEnd type="none" w="med" len="med"/>
+                      <a:tailEnd type="none" w="med" len="med"/>
+                    </a:lnL>
+                    <a:lnR w="12700" cap="flat" cmpd="sng" algn="ctr">
+                      <a:solidFill>
+                        <a:schemeClr val="tx1"/>
+                      </a:solidFill>
+                      <a:prstDash val="solid"/>
+                      <a:round/>
+                      <a:headEnd type="none" w="med" len="med"/>
+                      <a:tailEnd type="none" w="med" len="med"/>
+                    </a:lnR>
+                    <a:lnT w="12700" cap="flat" cmpd="sng" algn="ctr">
+                      <a:solidFill>
+                        <a:schemeClr val="tx1"/>
+                      </a:solidFill>
+                      <a:prstDash val="solid"/>
+                      <a:round/>
+                      <a:headEnd type="none" w="med" len="med"/>
+                      <a:tailEnd type="none" w="med" len="med"/>
+                    </a:lnT>
+                    <a:lnB w="12700" cap="flat" cmpd="sng" algn="ctr">
+                      <a:solidFill>
+                        <a:schemeClr val="tx1"/>
+                      </a:solidFill>
+                      <a:prstDash val="solid"/>
+                      <a:round/>
+                      <a:headEnd type="none" w="med" len="med"/>
+                      <a:tailEnd type="none" w="med" len="med"/>
+                    </a:lnB>
+                    <a:noFill/>
+                  </a:tcPr>
+                </a:tc>
+                <a:tc>
+                  <a:txBody>
+                    <a:bodyPr/>
+                    <a:lstStyle/>
+                    <a:p>
+                      <a:pPr algn="ctr"/>
+                      <a:r>
+                        <a:rPr lang="en-US" b="1" dirty="0" smtClean="0">
+                          <a:solidFill>
+                            <a:sysClr val="windowText" lastClr="000000"/>
+                          </a:solidFill>
+                        </a:rPr>
+                        <a:t>0.0225</a:t>
+                      </a:r>
+                      <a:endParaRPr lang="en-US" b="1" dirty="0">
+                        <a:solidFill>
+                          <a:sysClr val="windowText" lastClr="000000"/>
+                        </a:solidFill>
+                      </a:endParaRPr>
+                    </a:p>
+                  </a:txBody>
+                  <a:tcPr>
+                    <a:lnL w="12700" cap="flat" cmpd="sng" algn="ctr">
+                      <a:solidFill>
+                        <a:schemeClr val="tx1"/>
+                      </a:solidFill>
+                      <a:prstDash val="solid"/>
+                      <a:round/>
+                      <a:headEnd type="none" w="med" len="med"/>
+                      <a:tailEnd type="none" w="med" len="med"/>
+                    </a:lnL>
+                    <a:lnR w="12700" cap="flat" cmpd="sng" algn="ctr">
+                      <a:solidFill>
+                        <a:schemeClr val="tx1"/>
+                      </a:solidFill>
+                      <a:prstDash val="solid"/>
+                      <a:round/>
+                      <a:headEnd type="none" w="med" len="med"/>
+                      <a:tailEnd type="none" w="med" len="med"/>
+                    </a:lnR>
+                    <a:lnT w="12700" cap="flat" cmpd="sng" algn="ctr">
+                      <a:solidFill>
+                        <a:schemeClr val="tx1"/>
+                      </a:solidFill>
+                      <a:prstDash val="solid"/>
+                      <a:round/>
+                      <a:headEnd type="none" w="med" len="med"/>
+                      <a:tailEnd type="none" w="med" len="med"/>
+                    </a:lnT>
+                    <a:lnB w="12700" cap="flat" cmpd="sng" algn="ctr">
+                      <a:solidFill>
+                        <a:schemeClr val="tx1"/>
+                      </a:solidFill>
+                      <a:prstDash val="solid"/>
+                      <a:round/>
+                      <a:headEnd type="none" w="med" len="med"/>
+                      <a:tailEnd type="none" w="med" len="med"/>
+                    </a:lnB>
+                    <a:noFill/>
+                  </a:tcPr>
+                </a:tc>
+              </a:tr>
+            </a:tbl>
+          </a:graphicData>
+        </a:graphic>
+      </p:graphicFrame>
+    </p:spTree>
+    <p:extLst>
+      <p:ext uri="{BB962C8B-B14F-4D97-AF65-F5344CB8AC3E}">
+        <p14:creationId xmlns:p14="http://schemas.microsoft.com/office/powerpoint/2010/main" val="2036914928"/>
+      </p:ext>
+    </p:extLst>
+  </p:cSld>
+  <p:clrMapOvr>
+    <a:masterClrMapping/>
+  </p:clrMapOvr>
+</p:sld>
+</file>
+
+<file path=ppt/slides/slide13.xml><?xml version="1.0" encoding="utf-8"?>
+<p:sld xmlns:a="http://schemas.openxmlformats.org/drawingml/2006/main" xmlns:r="http://schemas.openxmlformats.org/officeDocument/2006/relationships" xmlns:p="http://schemas.openxmlformats.org/presentationml/2006/main">
+  <p:cSld>
+    <p:spTree>
+      <p:nvGrpSpPr>
+        <p:cNvPr id="1" name=""/>
+        <p:cNvGrpSpPr/>
+        <p:nvPr/>
+      </p:nvGrpSpPr>
+      <p:grpSpPr>
+        <a:xfrm>
+          <a:off x="0" y="0"/>
+          <a:ext cx="0" cy="0"/>
+          <a:chOff x="0" y="0"/>
+          <a:chExt cx="0" cy="0"/>
+        </a:xfrm>
+      </p:grpSpPr>
+      <p:sp>
+        <p:nvSpPr>
+          <p:cNvPr id="2" name="Content Placeholder 1"/>
+          <p:cNvSpPr>
+            <a:spLocks noGrp="1"/>
+          </p:cNvSpPr>
+          <p:nvPr>
+            <p:ph idx="1"/>
+          </p:nvPr>
+        </p:nvSpPr>
+        <p:spPr>
+          <a:xfrm>
+            <a:off x="457200" y="1481328"/>
+            <a:ext cx="8229600" cy="4843272"/>
+          </a:xfrm>
+        </p:spPr>
+        <p:txBody>
+          <a:bodyPr>
+            <a:normAutofit/>
+          </a:bodyPr>
+          <a:lstStyle/>
+          <a:p>
+            <a:pPr marL="109728" indent="0" algn="ctr">
+              <a:buNone/>
+            </a:pPr>
+            <a:r>
+              <a:rPr lang="en-US" dirty="0" smtClean="0"/>
+              <a:t>Running the best results with only</a:t>
+            </a:r>
+          </a:p>
+          <a:p>
+            <a:pPr marL="109728" indent="0" algn="ctr">
+              <a:buNone/>
+            </a:pPr>
+            <a:r>
+              <a:rPr lang="en-US" dirty="0" smtClean="0"/>
+              <a:t>the Wiener Filter</a:t>
+            </a:r>
+          </a:p>
+          <a:p>
+            <a:pPr marL="393192" lvl="1" indent="0">
+              <a:buNone/>
+            </a:pPr>
+            <a:endParaRPr lang="en-US" i="1" dirty="0"/>
+          </a:p>
+          <a:p>
+            <a:pPr marL="393192" lvl="1" indent="0">
+              <a:buNone/>
+            </a:pPr>
+            <a:endParaRPr lang="en-US" i="1" dirty="0" smtClean="0"/>
+          </a:p>
+        </p:txBody>
+      </p:sp>
+      <p:sp>
+        <p:nvSpPr>
+          <p:cNvPr id="3" name="Title 2"/>
+          <p:cNvSpPr>
+            <a:spLocks noGrp="1"/>
+          </p:cNvSpPr>
+          <p:nvPr>
+            <p:ph type="title"/>
+          </p:nvPr>
+        </p:nvSpPr>
+        <p:spPr/>
+        <p:txBody>
+          <a:bodyPr/>
+          <a:lstStyle/>
+          <a:p>
+            <a:r>
+              <a:rPr lang="en-US" dirty="0" smtClean="0"/>
+              <a:t>Results</a:t>
+            </a:r>
+            <a:endParaRPr lang="en-US" dirty="0"/>
+          </a:p>
+        </p:txBody>
+      </p:sp>
+      <p:graphicFrame>
+        <p:nvGraphicFramePr>
+          <p:cNvPr id="6" name="Table 5"/>
+          <p:cNvGraphicFramePr>
+            <a:graphicFrameLocks noGrp="1"/>
+          </p:cNvGraphicFramePr>
+          <p:nvPr>
+            <p:extLst>
+              <p:ext uri="{D42A27DB-BD31-4B8C-83A1-F6EECF244321}">
+                <p14:modId xmlns:p14="http://schemas.microsoft.com/office/powerpoint/2010/main" val="2060831513"/>
+              </p:ext>
+            </p:extLst>
+          </p:nvPr>
+        </p:nvGraphicFramePr>
+        <p:xfrm>
+          <a:off x="2514600" y="2910840"/>
+          <a:ext cx="4343400" cy="2118360"/>
+        </p:xfrm>
+        <a:graphic>
+          <a:graphicData uri="http://schemas.openxmlformats.org/drawingml/2006/table">
+            <a:tbl>
+              <a:tblPr firstRow="1" bandRow="1">
+                <a:tableStyleId>{5C22544A-7EE6-4342-B048-85BDC9FD1C3A}</a:tableStyleId>
+              </a:tblPr>
+              <a:tblGrid>
+                <a:gridCol w="2209800"/>
+                <a:gridCol w="1066800"/>
+                <a:gridCol w="1066800"/>
+              </a:tblGrid>
+              <a:tr h="370840">
+                <a:tc>
+                  <a:txBody>
+                    <a:bodyPr/>
+                    <a:lstStyle/>
+                    <a:p>
+                      <a:pPr algn="r"/>
+                      <a:endParaRPr lang="en-US" dirty="0">
+                        <a:solidFill>
+                          <a:sysClr val="windowText" lastClr="000000"/>
+                        </a:solidFill>
+                      </a:endParaRPr>
+                    </a:p>
+                  </a:txBody>
+                  <a:tcPr>
+                    <a:lnL w="12700" cap="flat" cmpd="sng" algn="ctr">
+                      <a:solidFill>
+                        <a:schemeClr val="tx1"/>
+                      </a:solidFill>
+                      <a:prstDash val="solid"/>
+                      <a:round/>
+                      <a:headEnd type="none" w="med" len="med"/>
+                      <a:tailEnd type="none" w="med" len="med"/>
+                    </a:lnL>
+                    <a:lnR w="12700" cap="flat" cmpd="sng" algn="ctr">
+                      <a:solidFill>
+                        <a:schemeClr val="tx1"/>
+                      </a:solidFill>
+                      <a:prstDash val="solid"/>
+                      <a:round/>
+                      <a:headEnd type="none" w="med" len="med"/>
+                      <a:tailEnd type="none" w="med" len="med"/>
+                    </a:lnR>
+                    <a:lnT w="12700" cap="flat" cmpd="sng" algn="ctr">
+                      <a:solidFill>
+                        <a:schemeClr val="tx1"/>
+                      </a:solidFill>
+                      <a:prstDash val="solid"/>
+                      <a:round/>
+                      <a:headEnd type="none" w="med" len="med"/>
+                      <a:tailEnd type="none" w="med" len="med"/>
+                    </a:lnT>
+                    <a:lnB w="12700" cap="flat" cmpd="sng" algn="ctr">
+                      <a:solidFill>
+                        <a:schemeClr val="tx1"/>
+                      </a:solidFill>
+                      <a:prstDash val="solid"/>
+                      <a:round/>
+                      <a:headEnd type="none" w="med" len="med"/>
+                      <a:tailEnd type="none" w="med" len="med"/>
+                    </a:lnB>
+                    <a:noFill/>
+                  </a:tcPr>
+                </a:tc>
+                <a:tc>
+                  <a:txBody>
+                    <a:bodyPr/>
+                    <a:lstStyle/>
+                    <a:p>
+                      <a:pPr algn="ctr"/>
+                      <a:r>
+                        <a:rPr lang="en-US" dirty="0" smtClean="0">
+                          <a:solidFill>
+                            <a:sysClr val="windowText" lastClr="000000"/>
+                          </a:solidFill>
+                        </a:rPr>
+                        <a:t>Expert Results</a:t>
+                      </a:r>
+                      <a:endParaRPr lang="en-US" dirty="0">
+                        <a:solidFill>
+                          <a:sysClr val="windowText" lastClr="000000"/>
+                        </a:solidFill>
+                      </a:endParaRPr>
+                    </a:p>
+                  </a:txBody>
+                  <a:tcPr>
+                    <a:lnL w="12700" cap="flat" cmpd="sng" algn="ctr">
+                      <a:solidFill>
+                        <a:schemeClr val="tx1"/>
+                      </a:solidFill>
+                      <a:prstDash val="solid"/>
+                      <a:round/>
+                      <a:headEnd type="none" w="med" len="med"/>
+                      <a:tailEnd type="none" w="med" len="med"/>
+                    </a:lnL>
+                    <a:lnR w="12700" cap="flat" cmpd="sng" algn="ctr">
+                      <a:solidFill>
+                        <a:schemeClr val="tx1"/>
+                      </a:solidFill>
+                      <a:prstDash val="solid"/>
+                      <a:round/>
+                      <a:headEnd type="none" w="med" len="med"/>
+                      <a:tailEnd type="none" w="med" len="med"/>
+                    </a:lnR>
+                    <a:lnT w="12700" cap="flat" cmpd="sng" algn="ctr">
+                      <a:solidFill>
+                        <a:schemeClr val="tx1"/>
+                      </a:solidFill>
+                      <a:prstDash val="solid"/>
+                      <a:round/>
+                      <a:headEnd type="none" w="med" len="med"/>
+                      <a:tailEnd type="none" w="med" len="med"/>
+                    </a:lnT>
+                    <a:lnB w="12700" cap="flat" cmpd="sng" algn="ctr">
+                      <a:solidFill>
+                        <a:schemeClr val="tx1"/>
+                      </a:solidFill>
+                      <a:prstDash val="solid"/>
+                      <a:round/>
+                      <a:headEnd type="none" w="med" len="med"/>
+                      <a:tailEnd type="none" w="med" len="med"/>
+                    </a:lnB>
+                    <a:noFill/>
+                  </a:tcPr>
+                </a:tc>
+                <a:tc>
+                  <a:txBody>
+                    <a:bodyPr/>
+                    <a:lstStyle/>
+                    <a:p>
+                      <a:pPr algn="ctr"/>
+                      <a:r>
+                        <a:rPr lang="en-US" dirty="0" smtClean="0">
+                          <a:solidFill>
+                            <a:sysClr val="windowText" lastClr="000000"/>
+                          </a:solidFill>
+                        </a:rPr>
+                        <a:t>Best</a:t>
+                      </a:r>
+                      <a:r>
+                        <a:rPr lang="en-US" baseline="0" dirty="0" smtClean="0">
+                          <a:solidFill>
+                            <a:sysClr val="windowText" lastClr="000000"/>
+                          </a:solidFill>
+                        </a:rPr>
+                        <a:t> Results</a:t>
+                      </a:r>
+                      <a:endParaRPr lang="en-US" dirty="0">
+                        <a:solidFill>
+                          <a:sysClr val="windowText" lastClr="000000"/>
+                        </a:solidFill>
+                      </a:endParaRPr>
+                    </a:p>
+                  </a:txBody>
+                  <a:tcPr>
+                    <a:lnL w="12700" cap="flat" cmpd="sng" algn="ctr">
+                      <a:solidFill>
+                        <a:schemeClr val="tx1"/>
+                      </a:solidFill>
+                      <a:prstDash val="solid"/>
+                      <a:round/>
+                      <a:headEnd type="none" w="med" len="med"/>
+                      <a:tailEnd type="none" w="med" len="med"/>
+                    </a:lnL>
+                    <a:lnR w="12700" cap="flat" cmpd="sng" algn="ctr">
+                      <a:solidFill>
+                        <a:schemeClr val="tx1"/>
+                      </a:solidFill>
+                      <a:prstDash val="solid"/>
+                      <a:round/>
+                      <a:headEnd type="none" w="med" len="med"/>
+                      <a:tailEnd type="none" w="med" len="med"/>
+                    </a:lnR>
+                    <a:lnT w="12700" cap="flat" cmpd="sng" algn="ctr">
+                      <a:solidFill>
+                        <a:schemeClr val="tx1"/>
+                      </a:solidFill>
+                      <a:prstDash val="solid"/>
+                      <a:round/>
+                      <a:headEnd type="none" w="med" len="med"/>
+                      <a:tailEnd type="none" w="med" len="med"/>
+                    </a:lnT>
+                    <a:lnB w="12700" cap="flat" cmpd="sng" algn="ctr">
+                      <a:solidFill>
+                        <a:schemeClr val="tx1"/>
+                      </a:solidFill>
+                      <a:prstDash val="solid"/>
+                      <a:round/>
+                      <a:headEnd type="none" w="med" len="med"/>
+                      <a:tailEnd type="none" w="med" len="med"/>
+                    </a:lnB>
+                    <a:noFill/>
+                  </a:tcPr>
+                </a:tc>
+              </a:tr>
+              <a:tr h="370840">
+                <a:tc>
+                  <a:txBody>
+                    <a:bodyPr/>
+                    <a:lstStyle/>
+                    <a:p>
+                      <a:pPr algn="r"/>
+                      <a:r>
+                        <a:rPr lang="en-US" dirty="0" smtClean="0">
+                          <a:solidFill>
+                            <a:sysClr val="windowText" lastClr="000000"/>
+                          </a:solidFill>
+                        </a:rPr>
+                        <a:t>%</a:t>
+                      </a:r>
+                      <a:r>
+                        <a:rPr lang="en-US" baseline="0" dirty="0" smtClean="0">
+                          <a:solidFill>
+                            <a:sysClr val="windowText" lastClr="000000"/>
+                          </a:solidFill>
+                        </a:rPr>
+                        <a:t> Wiener</a:t>
+                      </a:r>
+                      <a:endParaRPr lang="en-US" dirty="0">
+                        <a:solidFill>
+                          <a:sysClr val="windowText" lastClr="000000"/>
+                        </a:solidFill>
+                      </a:endParaRPr>
+                    </a:p>
+                  </a:txBody>
+                  <a:tcPr>
+                    <a:lnL w="12700" cap="flat" cmpd="sng" algn="ctr">
+                      <a:solidFill>
+                        <a:schemeClr val="tx1"/>
+                      </a:solidFill>
+                      <a:prstDash val="solid"/>
+                      <a:round/>
+                      <a:headEnd type="none" w="med" len="med"/>
+                      <a:tailEnd type="none" w="med" len="med"/>
+                    </a:lnL>
+                    <a:lnR w="12700" cap="flat" cmpd="sng" algn="ctr">
+                      <a:solidFill>
+                        <a:schemeClr val="tx1"/>
+                      </a:solidFill>
+                      <a:prstDash val="solid"/>
+                      <a:round/>
+                      <a:headEnd type="none" w="med" len="med"/>
+                      <a:tailEnd type="none" w="med" len="med"/>
+                    </a:lnR>
+                    <a:lnT w="12700" cap="flat" cmpd="sng" algn="ctr">
+                      <a:solidFill>
+                        <a:schemeClr val="tx1"/>
+                      </a:solidFill>
+                      <a:prstDash val="solid"/>
+                      <a:round/>
+                      <a:headEnd type="none" w="med" len="med"/>
+                      <a:tailEnd type="none" w="med" len="med"/>
+                    </a:lnT>
+                    <a:lnB w="12700" cap="flat" cmpd="sng" algn="ctr">
+                      <a:solidFill>
+                        <a:schemeClr val="tx1"/>
+                      </a:solidFill>
+                      <a:prstDash val="solid"/>
+                      <a:round/>
+                      <a:headEnd type="none" w="med" len="med"/>
+                      <a:tailEnd type="none" w="med" len="med"/>
+                    </a:lnB>
+                    <a:noFill/>
+                  </a:tcPr>
+                </a:tc>
+                <a:tc>
+                  <a:txBody>
+                    <a:bodyPr/>
+                    <a:lstStyle/>
+                    <a:p>
+                      <a:pPr algn="ctr"/>
+                      <a:r>
+                        <a:rPr lang="en-US" dirty="0" smtClean="0">
+                          <a:solidFill>
+                            <a:sysClr val="windowText" lastClr="000000"/>
+                          </a:solidFill>
+                        </a:rPr>
+                        <a:t>1</a:t>
+                      </a:r>
+                      <a:endParaRPr lang="en-US" dirty="0">
+                        <a:solidFill>
+                          <a:sysClr val="windowText" lastClr="000000"/>
+                        </a:solidFill>
+                      </a:endParaRPr>
+                    </a:p>
+                  </a:txBody>
+                  <a:tcPr>
+                    <a:lnL w="12700" cap="flat" cmpd="sng" algn="ctr">
+                      <a:solidFill>
+                        <a:schemeClr val="tx1"/>
+                      </a:solidFill>
+                      <a:prstDash val="solid"/>
+                      <a:round/>
+                      <a:headEnd type="none" w="med" len="med"/>
+                      <a:tailEnd type="none" w="med" len="med"/>
+                    </a:lnL>
+                    <a:lnR w="12700" cap="flat" cmpd="sng" algn="ctr">
+                      <a:solidFill>
+                        <a:schemeClr val="tx1"/>
+                      </a:solidFill>
+                      <a:prstDash val="solid"/>
+                      <a:round/>
+                      <a:headEnd type="none" w="med" len="med"/>
+                      <a:tailEnd type="none" w="med" len="med"/>
+                    </a:lnR>
+                    <a:lnT w="12700" cap="flat" cmpd="sng" algn="ctr">
+                      <a:solidFill>
+                        <a:schemeClr val="tx1"/>
+                      </a:solidFill>
+                      <a:prstDash val="solid"/>
+                      <a:round/>
+                      <a:headEnd type="none" w="med" len="med"/>
+                      <a:tailEnd type="none" w="med" len="med"/>
+                    </a:lnT>
+                    <a:lnB w="12700" cap="flat" cmpd="sng" algn="ctr">
+                      <a:solidFill>
+                        <a:schemeClr val="tx1"/>
+                      </a:solidFill>
+                      <a:prstDash val="solid"/>
+                      <a:round/>
+                      <a:headEnd type="none" w="med" len="med"/>
+                      <a:tailEnd type="none" w="med" len="med"/>
+                    </a:lnB>
+                    <a:noFill/>
+                  </a:tcPr>
+                </a:tc>
+                <a:tc>
+                  <a:txBody>
+                    <a:bodyPr/>
+                    <a:lstStyle/>
+                    <a:p>
+                      <a:pPr algn="ctr"/>
+                      <a:r>
+                        <a:rPr lang="en-US" dirty="0" smtClean="0">
+                          <a:solidFill>
+                            <a:sysClr val="windowText" lastClr="000000"/>
+                          </a:solidFill>
+                        </a:rPr>
+                        <a:t>1</a:t>
+                      </a:r>
+                      <a:endParaRPr lang="en-US" dirty="0">
+                        <a:solidFill>
+                          <a:sysClr val="windowText" lastClr="000000"/>
+                        </a:solidFill>
+                      </a:endParaRPr>
+                    </a:p>
+                  </a:txBody>
+                  <a:tcPr>
+                    <a:lnL w="12700" cap="flat" cmpd="sng" algn="ctr">
+                      <a:solidFill>
+                        <a:schemeClr val="tx1"/>
+                      </a:solidFill>
+                      <a:prstDash val="solid"/>
+                      <a:round/>
+                      <a:headEnd type="none" w="med" len="med"/>
+                      <a:tailEnd type="none" w="med" len="med"/>
+                    </a:lnL>
+                    <a:lnR w="12700" cap="flat" cmpd="sng" algn="ctr">
+                      <a:solidFill>
+                        <a:schemeClr val="tx1"/>
+                      </a:solidFill>
+                      <a:prstDash val="solid"/>
+                      <a:round/>
+                      <a:headEnd type="none" w="med" len="med"/>
+                      <a:tailEnd type="none" w="med" len="med"/>
+                    </a:lnR>
+                    <a:lnT w="12700" cap="flat" cmpd="sng" algn="ctr">
+                      <a:solidFill>
+                        <a:schemeClr val="tx1"/>
+                      </a:solidFill>
+                      <a:prstDash val="solid"/>
+                      <a:round/>
+                      <a:headEnd type="none" w="med" len="med"/>
+                      <a:tailEnd type="none" w="med" len="med"/>
+                    </a:lnT>
+                    <a:lnB w="12700" cap="flat" cmpd="sng" algn="ctr">
+                      <a:solidFill>
+                        <a:schemeClr val="tx1"/>
+                      </a:solidFill>
+                      <a:prstDash val="solid"/>
+                      <a:round/>
+                      <a:headEnd type="none" w="med" len="med"/>
+                      <a:tailEnd type="none" w="med" len="med"/>
+                    </a:lnB>
+                    <a:noFill/>
+                  </a:tcPr>
+                </a:tc>
+              </a:tr>
+              <a:tr h="345440">
+                <a:tc>
+                  <a:txBody>
+                    <a:bodyPr/>
+                    <a:lstStyle/>
+                    <a:p>
+                      <a:pPr algn="r"/>
+                      <a:r>
+                        <a:rPr lang="en-US" dirty="0" smtClean="0">
+                          <a:solidFill>
+                            <a:sysClr val="windowText" lastClr="000000"/>
+                          </a:solidFill>
+                        </a:rPr>
+                        <a:t>Alpha</a:t>
+                      </a:r>
+                      <a:endParaRPr lang="en-US" dirty="0">
+                        <a:solidFill>
+                          <a:sysClr val="windowText" lastClr="000000"/>
+                        </a:solidFill>
+                      </a:endParaRPr>
+                    </a:p>
+                  </a:txBody>
+                  <a:tcPr>
+                    <a:lnL w="12700" cap="flat" cmpd="sng" algn="ctr">
+                      <a:solidFill>
+                        <a:schemeClr val="tx1"/>
+                      </a:solidFill>
+                      <a:prstDash val="solid"/>
+                      <a:round/>
+                      <a:headEnd type="none" w="med" len="med"/>
+                      <a:tailEnd type="none" w="med" len="med"/>
+                    </a:lnL>
+                    <a:lnR w="12700" cap="flat" cmpd="sng" algn="ctr">
+                      <a:solidFill>
+                        <a:schemeClr val="tx1"/>
+                      </a:solidFill>
+                      <a:prstDash val="solid"/>
+                      <a:round/>
+                      <a:headEnd type="none" w="med" len="med"/>
+                      <a:tailEnd type="none" w="med" len="med"/>
+                    </a:lnR>
+                    <a:lnT w="12700" cap="flat" cmpd="sng" algn="ctr">
+                      <a:solidFill>
+                        <a:schemeClr val="tx1"/>
+                      </a:solidFill>
+                      <a:prstDash val="solid"/>
+                      <a:round/>
+                      <a:headEnd type="none" w="med" len="med"/>
+                      <a:tailEnd type="none" w="med" len="med"/>
+                    </a:lnT>
+                    <a:lnB w="12700" cap="flat" cmpd="sng" algn="ctr">
+                      <a:solidFill>
+                        <a:schemeClr val="tx1"/>
+                      </a:solidFill>
+                      <a:prstDash val="solid"/>
+                      <a:round/>
+                      <a:headEnd type="none" w="med" len="med"/>
+                      <a:tailEnd type="none" w="med" len="med"/>
+                    </a:lnB>
+                    <a:noFill/>
+                  </a:tcPr>
+                </a:tc>
+                <a:tc>
+                  <a:txBody>
+                    <a:bodyPr/>
+                    <a:lstStyle/>
+                    <a:p>
+                      <a:pPr algn="ctr"/>
+                      <a:r>
+                        <a:rPr lang="en-US" dirty="0" smtClean="0">
+                          <a:solidFill>
+                            <a:sysClr val="windowText" lastClr="000000"/>
+                          </a:solidFill>
+                        </a:rPr>
+                        <a:t>0.98</a:t>
+                      </a:r>
+                      <a:endParaRPr lang="en-US" dirty="0">
+                        <a:solidFill>
+                          <a:sysClr val="windowText" lastClr="000000"/>
+                        </a:solidFill>
+                      </a:endParaRPr>
+                    </a:p>
+                  </a:txBody>
+                  <a:tcPr>
+                    <a:lnL w="12700" cap="flat" cmpd="sng" algn="ctr">
+                      <a:solidFill>
+                        <a:schemeClr val="tx1"/>
+                      </a:solidFill>
+                      <a:prstDash val="solid"/>
+                      <a:round/>
+                      <a:headEnd type="none" w="med" len="med"/>
+                      <a:tailEnd type="none" w="med" len="med"/>
+                    </a:lnL>
+                    <a:lnR w="12700" cap="flat" cmpd="sng" algn="ctr">
+                      <a:solidFill>
+                        <a:schemeClr val="tx1"/>
+                      </a:solidFill>
+                      <a:prstDash val="solid"/>
+                      <a:round/>
+                      <a:headEnd type="none" w="med" len="med"/>
+                      <a:tailEnd type="none" w="med" len="med"/>
+                    </a:lnR>
+                    <a:lnT w="12700" cap="flat" cmpd="sng" algn="ctr">
+                      <a:solidFill>
+                        <a:schemeClr val="tx1"/>
+                      </a:solidFill>
+                      <a:prstDash val="solid"/>
+                      <a:round/>
+                      <a:headEnd type="none" w="med" len="med"/>
+                      <a:tailEnd type="none" w="med" len="med"/>
+                    </a:lnT>
+                    <a:lnB w="12700" cap="flat" cmpd="sng" algn="ctr">
+                      <a:solidFill>
+                        <a:schemeClr val="tx1"/>
+                      </a:solidFill>
+                      <a:prstDash val="solid"/>
+                      <a:round/>
+                      <a:headEnd type="none" w="med" len="med"/>
+                      <a:tailEnd type="none" w="med" len="med"/>
+                    </a:lnB>
+                    <a:noFill/>
+                  </a:tcPr>
+                </a:tc>
+                <a:tc>
+                  <a:txBody>
+                    <a:bodyPr/>
+                    <a:lstStyle/>
+                    <a:p>
+                      <a:pPr algn="ctr"/>
+                      <a:r>
+                        <a:rPr lang="en-US" dirty="0" smtClean="0">
+                          <a:solidFill>
+                            <a:sysClr val="windowText" lastClr="000000"/>
+                          </a:solidFill>
+                        </a:rPr>
+                        <a:t>0.96</a:t>
+                      </a:r>
+                      <a:endParaRPr lang="en-US" dirty="0">
+                        <a:solidFill>
+                          <a:sysClr val="windowText" lastClr="000000"/>
+                        </a:solidFill>
+                      </a:endParaRPr>
+                    </a:p>
+                  </a:txBody>
+                  <a:tcPr>
+                    <a:lnL w="12700" cap="flat" cmpd="sng" algn="ctr">
+                      <a:solidFill>
+                        <a:schemeClr val="tx1"/>
+                      </a:solidFill>
+                      <a:prstDash val="solid"/>
+                      <a:round/>
+                      <a:headEnd type="none" w="med" len="med"/>
+                      <a:tailEnd type="none" w="med" len="med"/>
+                    </a:lnL>
+                    <a:lnR w="12700" cap="flat" cmpd="sng" algn="ctr">
+                      <a:solidFill>
+                        <a:schemeClr val="tx1"/>
+                      </a:solidFill>
+                      <a:prstDash val="solid"/>
+                      <a:round/>
+                      <a:headEnd type="none" w="med" len="med"/>
+                      <a:tailEnd type="none" w="med" len="med"/>
+                    </a:lnR>
+                    <a:lnT w="12700" cap="flat" cmpd="sng" algn="ctr">
+                      <a:solidFill>
+                        <a:schemeClr val="tx1"/>
+                      </a:solidFill>
+                      <a:prstDash val="solid"/>
+                      <a:round/>
+                      <a:headEnd type="none" w="med" len="med"/>
+                      <a:tailEnd type="none" w="med" len="med"/>
+                    </a:lnT>
+                    <a:lnB w="12700" cap="flat" cmpd="sng" algn="ctr">
+                      <a:solidFill>
+                        <a:schemeClr val="tx1"/>
+                      </a:solidFill>
+                      <a:prstDash val="solid"/>
+                      <a:round/>
+                      <a:headEnd type="none" w="med" len="med"/>
+                      <a:tailEnd type="none" w="med" len="med"/>
+                    </a:lnB>
+                    <a:noFill/>
+                  </a:tcPr>
+                </a:tc>
+              </a:tr>
+              <a:tr h="370840">
+                <a:tc>
+                  <a:txBody>
+                    <a:bodyPr/>
+                    <a:lstStyle/>
+                    <a:p>
+                      <a:pPr algn="r"/>
+                      <a:r>
+                        <a:rPr lang="en-US" b="0" dirty="0" smtClean="0">
+                          <a:solidFill>
+                            <a:sysClr val="windowText" lastClr="000000"/>
+                          </a:solidFill>
+                        </a:rPr>
+                        <a:t>% Spectral</a:t>
+                      </a:r>
+                      <a:endParaRPr lang="en-US" b="0" dirty="0">
+                        <a:solidFill>
+                          <a:sysClr val="windowText" lastClr="000000"/>
+                        </a:solidFill>
+                      </a:endParaRPr>
+                    </a:p>
+                  </a:txBody>
+                  <a:tcPr>
+                    <a:lnL w="12700" cap="flat" cmpd="sng" algn="ctr">
+                      <a:solidFill>
+                        <a:schemeClr val="tx1"/>
+                      </a:solidFill>
+                      <a:prstDash val="solid"/>
+                      <a:round/>
+                      <a:headEnd type="none" w="med" len="med"/>
+                      <a:tailEnd type="none" w="med" len="med"/>
+                    </a:lnL>
+                    <a:lnR w="12700" cap="flat" cmpd="sng" algn="ctr">
+                      <a:solidFill>
+                        <a:schemeClr val="tx1"/>
+                      </a:solidFill>
+                      <a:prstDash val="solid"/>
+                      <a:round/>
+                      <a:headEnd type="none" w="med" len="med"/>
+                      <a:tailEnd type="none" w="med" len="med"/>
+                    </a:lnR>
+                    <a:lnT w="12700" cap="flat" cmpd="sng" algn="ctr">
+                      <a:solidFill>
+                        <a:schemeClr val="tx1"/>
+                      </a:solidFill>
+                      <a:prstDash val="solid"/>
+                      <a:round/>
+                      <a:headEnd type="none" w="med" len="med"/>
+                      <a:tailEnd type="none" w="med" len="med"/>
+                    </a:lnT>
+                    <a:lnB w="12700" cap="flat" cmpd="sng" algn="ctr">
+                      <a:solidFill>
+                        <a:schemeClr val="tx1"/>
+                      </a:solidFill>
+                      <a:prstDash val="solid"/>
+                      <a:round/>
+                      <a:headEnd type="none" w="med" len="med"/>
+                      <a:tailEnd type="none" w="med" len="med"/>
+                    </a:lnB>
+                    <a:noFill/>
+                  </a:tcPr>
+                </a:tc>
+                <a:tc>
+                  <a:txBody>
+                    <a:bodyPr/>
+                    <a:lstStyle/>
+                    <a:p>
+                      <a:pPr algn="ctr"/>
+                      <a:r>
+                        <a:rPr lang="en-US" dirty="0" smtClean="0">
+                          <a:solidFill>
+                            <a:sysClr val="windowText" lastClr="000000"/>
+                          </a:solidFill>
+                        </a:rPr>
+                        <a:t>0</a:t>
+                      </a:r>
+                      <a:endParaRPr lang="en-US" dirty="0">
+                        <a:solidFill>
+                          <a:sysClr val="windowText" lastClr="000000"/>
+                        </a:solidFill>
+                      </a:endParaRPr>
+                    </a:p>
+                  </a:txBody>
+                  <a:tcPr>
+                    <a:lnL w="12700" cap="flat" cmpd="sng" algn="ctr">
+                      <a:solidFill>
+                        <a:schemeClr val="tx1"/>
+                      </a:solidFill>
+                      <a:prstDash val="solid"/>
+                      <a:round/>
+                      <a:headEnd type="none" w="med" len="med"/>
+                      <a:tailEnd type="none" w="med" len="med"/>
+                    </a:lnL>
+                    <a:lnR w="12700" cap="flat" cmpd="sng" algn="ctr">
+                      <a:solidFill>
+                        <a:schemeClr val="tx1"/>
+                      </a:solidFill>
+                      <a:prstDash val="solid"/>
+                      <a:round/>
+                      <a:headEnd type="none" w="med" len="med"/>
+                      <a:tailEnd type="none" w="med" len="med"/>
+                    </a:lnR>
+                    <a:lnT w="12700" cap="flat" cmpd="sng" algn="ctr">
+                      <a:solidFill>
+                        <a:schemeClr val="tx1"/>
+                      </a:solidFill>
+                      <a:prstDash val="solid"/>
+                      <a:round/>
+                      <a:headEnd type="none" w="med" len="med"/>
+                      <a:tailEnd type="none" w="med" len="med"/>
+                    </a:lnT>
+                    <a:lnB w="12700" cap="flat" cmpd="sng" algn="ctr">
+                      <a:solidFill>
+                        <a:schemeClr val="tx1"/>
+                      </a:solidFill>
+                      <a:prstDash val="solid"/>
+                      <a:round/>
+                      <a:headEnd type="none" w="med" len="med"/>
+                      <a:tailEnd type="none" w="med" len="med"/>
+                    </a:lnB>
+                    <a:noFill/>
+                  </a:tcPr>
+                </a:tc>
+                <a:tc>
+                  <a:txBody>
+                    <a:bodyPr/>
+                    <a:lstStyle/>
+                    <a:p>
+                      <a:pPr algn="ctr"/>
+                      <a:r>
+                        <a:rPr lang="en-US" dirty="0" smtClean="0">
+                          <a:solidFill>
+                            <a:sysClr val="windowText" lastClr="000000"/>
+                          </a:solidFill>
+                        </a:rPr>
+                        <a:t>0</a:t>
+                      </a:r>
+                      <a:endParaRPr lang="en-US" dirty="0">
+                        <a:solidFill>
+                          <a:sysClr val="windowText" lastClr="000000"/>
+                        </a:solidFill>
+                      </a:endParaRPr>
+                    </a:p>
+                  </a:txBody>
+                  <a:tcPr>
+                    <a:lnL w="12700" cap="flat" cmpd="sng" algn="ctr">
+                      <a:solidFill>
+                        <a:schemeClr val="tx1"/>
+                      </a:solidFill>
+                      <a:prstDash val="solid"/>
+                      <a:round/>
+                      <a:headEnd type="none" w="med" len="med"/>
+                      <a:tailEnd type="none" w="med" len="med"/>
+                    </a:lnL>
+                    <a:lnR w="12700" cap="flat" cmpd="sng" algn="ctr">
+                      <a:solidFill>
+                        <a:schemeClr val="tx1"/>
+                      </a:solidFill>
+                      <a:prstDash val="solid"/>
+                      <a:round/>
+                      <a:headEnd type="none" w="med" len="med"/>
+                      <a:tailEnd type="none" w="med" len="med"/>
+                    </a:lnR>
+                    <a:lnT w="12700" cap="flat" cmpd="sng" algn="ctr">
+                      <a:solidFill>
+                        <a:schemeClr val="tx1"/>
+                      </a:solidFill>
+                      <a:prstDash val="solid"/>
+                      <a:round/>
+                      <a:headEnd type="none" w="med" len="med"/>
+                      <a:tailEnd type="none" w="med" len="med"/>
+                    </a:lnT>
+                    <a:lnB w="12700" cap="flat" cmpd="sng" algn="ctr">
+                      <a:solidFill>
+                        <a:schemeClr val="tx1"/>
+                      </a:solidFill>
+                      <a:prstDash val="solid"/>
+                      <a:round/>
+                      <a:headEnd type="none" w="med" len="med"/>
+                      <a:tailEnd type="none" w="med" len="med"/>
+                    </a:lnB>
+                    <a:noFill/>
+                  </a:tcPr>
+                </a:tc>
+              </a:tr>
+              <a:tr h="370840">
+                <a:tc>
+                  <a:txBody>
+                    <a:bodyPr/>
+                    <a:lstStyle/>
+                    <a:p>
+                      <a:pPr algn="r"/>
+                      <a:r>
+                        <a:rPr lang="en-US" b="1" dirty="0" smtClean="0">
+                          <a:solidFill>
+                            <a:sysClr val="windowText" lastClr="000000"/>
+                          </a:solidFill>
+                        </a:rPr>
+                        <a:t>Fitness</a:t>
+                      </a:r>
+                      <a:endParaRPr lang="en-US" b="1" dirty="0">
+                        <a:solidFill>
+                          <a:sysClr val="windowText" lastClr="000000"/>
+                        </a:solidFill>
+                      </a:endParaRPr>
+                    </a:p>
+                  </a:txBody>
+                  <a:tcPr>
+                    <a:lnL w="12700" cap="flat" cmpd="sng" algn="ctr">
+                      <a:solidFill>
+                        <a:schemeClr val="tx1"/>
+                      </a:solidFill>
+                      <a:prstDash val="solid"/>
+                      <a:round/>
+                      <a:headEnd type="none" w="med" len="med"/>
+                      <a:tailEnd type="none" w="med" len="med"/>
+                    </a:lnL>
+                    <a:lnR w="12700" cap="flat" cmpd="sng" algn="ctr">
+                      <a:solidFill>
+                        <a:schemeClr val="tx1"/>
+                      </a:solidFill>
+                      <a:prstDash val="solid"/>
+                      <a:round/>
+                      <a:headEnd type="none" w="med" len="med"/>
+                      <a:tailEnd type="none" w="med" len="med"/>
+                    </a:lnR>
+                    <a:lnT w="12700" cap="flat" cmpd="sng" algn="ctr">
+                      <a:solidFill>
+                        <a:schemeClr val="tx1"/>
+                      </a:solidFill>
+                      <a:prstDash val="solid"/>
+                      <a:round/>
+                      <a:headEnd type="none" w="med" len="med"/>
+                      <a:tailEnd type="none" w="med" len="med"/>
+                    </a:lnT>
+                    <a:lnB w="12700" cap="flat" cmpd="sng" algn="ctr">
+                      <a:solidFill>
+                        <a:schemeClr val="tx1"/>
+                      </a:solidFill>
+                      <a:prstDash val="solid"/>
+                      <a:round/>
+                      <a:headEnd type="none" w="med" len="med"/>
+                      <a:tailEnd type="none" w="med" len="med"/>
+                    </a:lnB>
+                    <a:noFill/>
+                  </a:tcPr>
+                </a:tc>
+                <a:tc>
+                  <a:txBody>
+                    <a:bodyPr/>
+                    <a:lstStyle/>
+                    <a:p>
+                      <a:pPr algn="ctr"/>
+                      <a:r>
+                        <a:rPr lang="en-US" b="1" dirty="0" smtClean="0">
+                          <a:solidFill>
+                            <a:sysClr val="windowText" lastClr="000000"/>
+                          </a:solidFill>
+                        </a:rPr>
+                        <a:t>0.0301</a:t>
+                      </a:r>
+                      <a:endParaRPr lang="en-US" b="1" dirty="0">
+                        <a:solidFill>
+                          <a:sysClr val="windowText" lastClr="000000"/>
+                        </a:solidFill>
+                      </a:endParaRPr>
+                    </a:p>
+                  </a:txBody>
+                  <a:tcPr>
+                    <a:lnL w="12700" cap="flat" cmpd="sng" algn="ctr">
+                      <a:solidFill>
+                        <a:schemeClr val="tx1"/>
+                      </a:solidFill>
+                      <a:prstDash val="solid"/>
+                      <a:round/>
+                      <a:headEnd type="none" w="med" len="med"/>
+                      <a:tailEnd type="none" w="med" len="med"/>
+                    </a:lnL>
+                    <a:lnR w="12700" cap="flat" cmpd="sng" algn="ctr">
+                      <a:solidFill>
+                        <a:schemeClr val="tx1"/>
+                      </a:solidFill>
+                      <a:prstDash val="solid"/>
+                      <a:round/>
+                      <a:headEnd type="none" w="med" len="med"/>
+                      <a:tailEnd type="none" w="med" len="med"/>
+                    </a:lnR>
+                    <a:lnT w="12700" cap="flat" cmpd="sng" algn="ctr">
+                      <a:solidFill>
+                        <a:schemeClr val="tx1"/>
+                      </a:solidFill>
+                      <a:prstDash val="solid"/>
+                      <a:round/>
+                      <a:headEnd type="none" w="med" len="med"/>
+                      <a:tailEnd type="none" w="med" len="med"/>
+                    </a:lnT>
+                    <a:lnB w="12700" cap="flat" cmpd="sng" algn="ctr">
+                      <a:solidFill>
+                        <a:schemeClr val="tx1"/>
+                      </a:solidFill>
+                      <a:prstDash val="solid"/>
+                      <a:round/>
+                      <a:headEnd type="none" w="med" len="med"/>
+                      <a:tailEnd type="none" w="med" len="med"/>
+                    </a:lnB>
+                    <a:noFill/>
+                  </a:tcPr>
+                </a:tc>
+                <a:tc>
+                  <a:txBody>
+                    <a:bodyPr/>
+                    <a:lstStyle/>
+                    <a:p>
+                      <a:pPr algn="ctr"/>
+                      <a:r>
+                        <a:rPr lang="en-US" b="1" dirty="0" smtClean="0">
+                          <a:solidFill>
+                            <a:sysClr val="windowText" lastClr="000000"/>
+                          </a:solidFill>
+                        </a:rPr>
+                        <a:t>0.0240</a:t>
+                      </a:r>
+                      <a:endParaRPr lang="en-US" b="1" dirty="0">
+                        <a:solidFill>
+                          <a:sysClr val="windowText" lastClr="000000"/>
+                        </a:solidFill>
+                      </a:endParaRPr>
+                    </a:p>
+                  </a:txBody>
+                  <a:tcPr>
+                    <a:lnL w="12700" cap="flat" cmpd="sng" algn="ctr">
+                      <a:solidFill>
+                        <a:schemeClr val="tx1"/>
+                      </a:solidFill>
+                      <a:prstDash val="solid"/>
+                      <a:round/>
+                      <a:headEnd type="none" w="med" len="med"/>
+                      <a:tailEnd type="none" w="med" len="med"/>
+                    </a:lnL>
+                    <a:lnR w="12700" cap="flat" cmpd="sng" algn="ctr">
+                      <a:solidFill>
+                        <a:schemeClr val="tx1"/>
+                      </a:solidFill>
+                      <a:prstDash val="solid"/>
+                      <a:round/>
+                      <a:headEnd type="none" w="med" len="med"/>
+                      <a:tailEnd type="none" w="med" len="med"/>
+                    </a:lnR>
+                    <a:lnT w="12700" cap="flat" cmpd="sng" algn="ctr">
+                      <a:solidFill>
+                        <a:schemeClr val="tx1"/>
+                      </a:solidFill>
+                      <a:prstDash val="solid"/>
+                      <a:round/>
+                      <a:headEnd type="none" w="med" len="med"/>
+                      <a:tailEnd type="none" w="med" len="med"/>
+                    </a:lnT>
+                    <a:lnB w="12700" cap="flat" cmpd="sng" algn="ctr">
+                      <a:solidFill>
+                        <a:schemeClr val="tx1"/>
+                      </a:solidFill>
+                      <a:prstDash val="solid"/>
+                      <a:round/>
+                      <a:headEnd type="none" w="med" len="med"/>
+                      <a:tailEnd type="none" w="med" len="med"/>
+                    </a:lnB>
+                    <a:noFill/>
+                  </a:tcPr>
+                </a:tc>
+              </a:tr>
+            </a:tbl>
+          </a:graphicData>
+        </a:graphic>
+      </p:graphicFrame>
+    </p:spTree>
+    <p:extLst>
+      <p:ext uri="{BB962C8B-B14F-4D97-AF65-F5344CB8AC3E}">
+        <p14:creationId xmlns:p14="http://schemas.microsoft.com/office/powerpoint/2010/main" val="3618975649"/>
+      </p:ext>
+    </p:extLst>
+  </p:cSld>
+  <p:clrMapOvr>
+    <a:masterClrMapping/>
+  </p:clrMapOvr>
+</p:sld>
+</file>
+
+<file path=ppt/slides/slide14.xml><?xml version="1.0" encoding="utf-8"?>
+<p:sld xmlns:a="http://schemas.openxmlformats.org/drawingml/2006/main" xmlns:r="http://schemas.openxmlformats.org/officeDocument/2006/relationships" xmlns:p="http://schemas.openxmlformats.org/presentationml/2006/main">
+  <p:cSld>
+    <p:spTree>
+      <p:nvGrpSpPr>
+        <p:cNvPr id="1" name=""/>
+        <p:cNvGrpSpPr/>
+        <p:nvPr/>
+      </p:nvGrpSpPr>
+      <p:grpSpPr>
+        <a:xfrm>
+          <a:off x="0" y="0"/>
+          <a:ext cx="0" cy="0"/>
+          <a:chOff x="0" y="0"/>
+          <a:chExt cx="0" cy="0"/>
+        </a:xfrm>
+      </p:grpSpPr>
+      <p:sp>
+        <p:nvSpPr>
+          <p:cNvPr id="2" name="Content Placeholder 1"/>
+          <p:cNvSpPr>
+            <a:spLocks noGrp="1"/>
+          </p:cNvSpPr>
+          <p:nvPr>
+            <p:ph idx="1"/>
+          </p:nvPr>
+        </p:nvSpPr>
+        <p:spPr>
+          <a:xfrm>
+            <a:off x="457200" y="1481328"/>
+            <a:ext cx="8229600" cy="4843272"/>
+          </a:xfrm>
+        </p:spPr>
+        <p:txBody>
+          <a:bodyPr>
+            <a:normAutofit/>
+          </a:bodyPr>
+          <a:lstStyle/>
+          <a:p>
+            <a:pPr marL="109728" indent="0" algn="ctr">
+              <a:buNone/>
+            </a:pPr>
+            <a:r>
+              <a:rPr lang="en-US" dirty="0" smtClean="0"/>
+              <a:t>Running the best results with only</a:t>
+            </a:r>
+          </a:p>
+          <a:p>
+            <a:pPr marL="109728" indent="0" algn="ctr">
+              <a:buNone/>
+            </a:pPr>
+            <a:r>
+              <a:rPr lang="en-US" dirty="0" smtClean="0"/>
+              <a:t>Spectral Subtraction</a:t>
+            </a:r>
+          </a:p>
+          <a:p>
+            <a:pPr marL="393192" lvl="1" indent="0">
+              <a:buNone/>
+            </a:pPr>
+            <a:endParaRPr lang="en-US" i="1" dirty="0"/>
+          </a:p>
+          <a:p>
+            <a:pPr marL="393192" lvl="1" indent="0">
+              <a:buNone/>
+            </a:pPr>
+            <a:endParaRPr lang="en-US" i="1" dirty="0" smtClean="0"/>
+          </a:p>
+        </p:txBody>
+      </p:sp>
+      <p:sp>
+        <p:nvSpPr>
+          <p:cNvPr id="3" name="Title 2"/>
+          <p:cNvSpPr>
+            <a:spLocks noGrp="1"/>
+          </p:cNvSpPr>
+          <p:nvPr>
+            <p:ph type="title"/>
+          </p:nvPr>
+        </p:nvSpPr>
+        <p:spPr/>
+        <p:txBody>
+          <a:bodyPr/>
+          <a:lstStyle/>
+          <a:p>
+            <a:r>
+              <a:rPr lang="en-US" dirty="0" smtClean="0"/>
+              <a:t>Results</a:t>
+            </a:r>
+            <a:endParaRPr lang="en-US" dirty="0"/>
+          </a:p>
+        </p:txBody>
+      </p:sp>
+      <p:graphicFrame>
+        <p:nvGraphicFramePr>
+          <p:cNvPr id="6" name="Table 5"/>
+          <p:cNvGraphicFramePr>
+            <a:graphicFrameLocks noGrp="1"/>
+          </p:cNvGraphicFramePr>
+          <p:nvPr>
+            <p:extLst>
+              <p:ext uri="{D42A27DB-BD31-4B8C-83A1-F6EECF244321}">
+                <p14:modId xmlns:p14="http://schemas.microsoft.com/office/powerpoint/2010/main" val="1510316419"/>
+              </p:ext>
+            </p:extLst>
+          </p:nvPr>
+        </p:nvGraphicFramePr>
+        <p:xfrm>
+          <a:off x="2514600" y="2910840"/>
+          <a:ext cx="4343400" cy="2860040"/>
+        </p:xfrm>
+        <a:graphic>
+          <a:graphicData uri="http://schemas.openxmlformats.org/drawingml/2006/table">
+            <a:tbl>
+              <a:tblPr firstRow="1" bandRow="1">
+                <a:tableStyleId>{5C22544A-7EE6-4342-B048-85BDC9FD1C3A}</a:tableStyleId>
+              </a:tblPr>
+              <a:tblGrid>
+                <a:gridCol w="2209800"/>
+                <a:gridCol w="1066800"/>
+                <a:gridCol w="1066800"/>
+              </a:tblGrid>
+              <a:tr h="370840">
+                <a:tc>
+                  <a:txBody>
+                    <a:bodyPr/>
+                    <a:lstStyle/>
+                    <a:p>
+                      <a:pPr algn="r"/>
+                      <a:endParaRPr lang="en-US" dirty="0">
+                        <a:solidFill>
+                          <a:sysClr val="windowText" lastClr="000000"/>
+                        </a:solidFill>
+                      </a:endParaRPr>
+                    </a:p>
+                  </a:txBody>
+                  <a:tcPr>
+                    <a:lnL w="12700" cap="flat" cmpd="sng" algn="ctr">
+                      <a:solidFill>
+                        <a:schemeClr val="tx1"/>
+                      </a:solidFill>
+                      <a:prstDash val="solid"/>
+                      <a:round/>
+                      <a:headEnd type="none" w="med" len="med"/>
+                      <a:tailEnd type="none" w="med" len="med"/>
+                    </a:lnL>
+                    <a:lnR w="12700" cap="flat" cmpd="sng" algn="ctr">
+                      <a:solidFill>
+                        <a:schemeClr val="tx1"/>
+                      </a:solidFill>
+                      <a:prstDash val="solid"/>
+                      <a:round/>
+                      <a:headEnd type="none" w="med" len="med"/>
+                      <a:tailEnd type="none" w="med" len="med"/>
+                    </a:lnR>
+                    <a:lnT w="12700" cap="flat" cmpd="sng" algn="ctr">
+                      <a:solidFill>
+                        <a:schemeClr val="tx1"/>
+                      </a:solidFill>
+                      <a:prstDash val="solid"/>
+                      <a:round/>
+                      <a:headEnd type="none" w="med" len="med"/>
+                      <a:tailEnd type="none" w="med" len="med"/>
+                    </a:lnT>
+                    <a:lnB w="12700" cap="flat" cmpd="sng" algn="ctr">
+                      <a:solidFill>
+                        <a:schemeClr val="tx1"/>
+                      </a:solidFill>
+                      <a:prstDash val="solid"/>
+                      <a:round/>
+                      <a:headEnd type="none" w="med" len="med"/>
+                      <a:tailEnd type="none" w="med" len="med"/>
+                    </a:lnB>
+                    <a:noFill/>
+                  </a:tcPr>
+                </a:tc>
+                <a:tc>
+                  <a:txBody>
+                    <a:bodyPr/>
+                    <a:lstStyle/>
+                    <a:p>
+                      <a:pPr algn="ctr"/>
+                      <a:r>
+                        <a:rPr lang="en-US" dirty="0" smtClean="0">
+                          <a:solidFill>
+                            <a:sysClr val="windowText" lastClr="000000"/>
+                          </a:solidFill>
+                        </a:rPr>
+                        <a:t>Expert Results</a:t>
+                      </a:r>
+                      <a:endParaRPr lang="en-US" dirty="0">
+                        <a:solidFill>
+                          <a:sysClr val="windowText" lastClr="000000"/>
+                        </a:solidFill>
+                      </a:endParaRPr>
+                    </a:p>
+                  </a:txBody>
+                  <a:tcPr>
+                    <a:lnL w="12700" cap="flat" cmpd="sng" algn="ctr">
+                      <a:solidFill>
+                        <a:schemeClr val="tx1"/>
+                      </a:solidFill>
+                      <a:prstDash val="solid"/>
+                      <a:round/>
+                      <a:headEnd type="none" w="med" len="med"/>
+                      <a:tailEnd type="none" w="med" len="med"/>
+                    </a:lnL>
+                    <a:lnR w="12700" cap="flat" cmpd="sng" algn="ctr">
+                      <a:solidFill>
+                        <a:schemeClr val="tx1"/>
+                      </a:solidFill>
+                      <a:prstDash val="solid"/>
+                      <a:round/>
+                      <a:headEnd type="none" w="med" len="med"/>
+                      <a:tailEnd type="none" w="med" len="med"/>
+                    </a:lnR>
+                    <a:lnT w="12700" cap="flat" cmpd="sng" algn="ctr">
+                      <a:solidFill>
+                        <a:schemeClr val="tx1"/>
+                      </a:solidFill>
+                      <a:prstDash val="solid"/>
+                      <a:round/>
+                      <a:headEnd type="none" w="med" len="med"/>
+                      <a:tailEnd type="none" w="med" len="med"/>
+                    </a:lnT>
+                    <a:lnB w="12700" cap="flat" cmpd="sng" algn="ctr">
+                      <a:solidFill>
+                        <a:schemeClr val="tx1"/>
+                      </a:solidFill>
+                      <a:prstDash val="solid"/>
+                      <a:round/>
+                      <a:headEnd type="none" w="med" len="med"/>
+                      <a:tailEnd type="none" w="med" len="med"/>
+                    </a:lnB>
+                    <a:noFill/>
+                  </a:tcPr>
+                </a:tc>
+                <a:tc>
+                  <a:txBody>
+                    <a:bodyPr/>
+                    <a:lstStyle/>
+                    <a:p>
+                      <a:pPr algn="ctr"/>
+                      <a:r>
+                        <a:rPr lang="en-US" dirty="0" smtClean="0">
+                          <a:solidFill>
+                            <a:sysClr val="windowText" lastClr="000000"/>
+                          </a:solidFill>
+                        </a:rPr>
+                        <a:t>Best</a:t>
+                      </a:r>
+                      <a:r>
+                        <a:rPr lang="en-US" baseline="0" dirty="0" smtClean="0">
+                          <a:solidFill>
+                            <a:sysClr val="windowText" lastClr="000000"/>
+                          </a:solidFill>
+                        </a:rPr>
+                        <a:t> Results</a:t>
+                      </a:r>
+                      <a:endParaRPr lang="en-US" dirty="0">
+                        <a:solidFill>
+                          <a:sysClr val="windowText" lastClr="000000"/>
+                        </a:solidFill>
+                      </a:endParaRPr>
+                    </a:p>
+                  </a:txBody>
+                  <a:tcPr>
+                    <a:lnL w="12700" cap="flat" cmpd="sng" algn="ctr">
+                      <a:solidFill>
+                        <a:schemeClr val="tx1"/>
+                      </a:solidFill>
+                      <a:prstDash val="solid"/>
+                      <a:round/>
+                      <a:headEnd type="none" w="med" len="med"/>
+                      <a:tailEnd type="none" w="med" len="med"/>
+                    </a:lnL>
+                    <a:lnR w="12700" cap="flat" cmpd="sng" algn="ctr">
+                      <a:solidFill>
+                        <a:schemeClr val="tx1"/>
+                      </a:solidFill>
+                      <a:prstDash val="solid"/>
+                      <a:round/>
+                      <a:headEnd type="none" w="med" len="med"/>
+                      <a:tailEnd type="none" w="med" len="med"/>
+                    </a:lnR>
+                    <a:lnT w="12700" cap="flat" cmpd="sng" algn="ctr">
+                      <a:solidFill>
+                        <a:schemeClr val="tx1"/>
+                      </a:solidFill>
+                      <a:prstDash val="solid"/>
+                      <a:round/>
+                      <a:headEnd type="none" w="med" len="med"/>
+                      <a:tailEnd type="none" w="med" len="med"/>
+                    </a:lnT>
+                    <a:lnB w="12700" cap="flat" cmpd="sng" algn="ctr">
+                      <a:solidFill>
+                        <a:schemeClr val="tx1"/>
+                      </a:solidFill>
+                      <a:prstDash val="solid"/>
+                      <a:round/>
+                      <a:headEnd type="none" w="med" len="med"/>
+                      <a:tailEnd type="none" w="med" len="med"/>
+                    </a:lnB>
+                    <a:noFill/>
+                  </a:tcPr>
+                </a:tc>
+              </a:tr>
+              <a:tr h="370840">
+                <a:tc>
+                  <a:txBody>
+                    <a:bodyPr/>
+                    <a:lstStyle/>
+                    <a:p>
+                      <a:pPr algn="r"/>
+                      <a:r>
+                        <a:rPr lang="en-US" dirty="0" smtClean="0">
+                          <a:solidFill>
+                            <a:sysClr val="windowText" lastClr="000000"/>
+                          </a:solidFill>
+                        </a:rPr>
+                        <a:t>%</a:t>
+                      </a:r>
+                      <a:r>
+                        <a:rPr lang="en-US" baseline="0" dirty="0" smtClean="0">
+                          <a:solidFill>
+                            <a:sysClr val="windowText" lastClr="000000"/>
+                          </a:solidFill>
+                        </a:rPr>
+                        <a:t> Wiener</a:t>
+                      </a:r>
+                      <a:endParaRPr lang="en-US" dirty="0">
+                        <a:solidFill>
+                          <a:sysClr val="windowText" lastClr="000000"/>
+                        </a:solidFill>
+                      </a:endParaRPr>
+                    </a:p>
+                  </a:txBody>
+                  <a:tcPr>
+                    <a:lnL w="12700" cap="flat" cmpd="sng" algn="ctr">
+                      <a:solidFill>
+                        <a:schemeClr val="tx1"/>
+                      </a:solidFill>
+                      <a:prstDash val="solid"/>
+                      <a:round/>
+                      <a:headEnd type="none" w="med" len="med"/>
+                      <a:tailEnd type="none" w="med" len="med"/>
+                    </a:lnL>
+                    <a:lnR w="12700" cap="flat" cmpd="sng" algn="ctr">
+                      <a:solidFill>
+                        <a:schemeClr val="tx1"/>
+                      </a:solidFill>
+                      <a:prstDash val="solid"/>
+                      <a:round/>
+                      <a:headEnd type="none" w="med" len="med"/>
+                      <a:tailEnd type="none" w="med" len="med"/>
+                    </a:lnR>
+                    <a:lnT w="12700" cap="flat" cmpd="sng" algn="ctr">
+                      <a:solidFill>
+                        <a:schemeClr val="tx1"/>
+                      </a:solidFill>
+                      <a:prstDash val="solid"/>
+                      <a:round/>
+                      <a:headEnd type="none" w="med" len="med"/>
+                      <a:tailEnd type="none" w="med" len="med"/>
+                    </a:lnT>
+                    <a:lnB w="12700" cap="flat" cmpd="sng" algn="ctr">
+                      <a:solidFill>
+                        <a:schemeClr val="tx1"/>
+                      </a:solidFill>
+                      <a:prstDash val="solid"/>
+                      <a:round/>
+                      <a:headEnd type="none" w="med" len="med"/>
+                      <a:tailEnd type="none" w="med" len="med"/>
+                    </a:lnB>
+                    <a:noFill/>
+                  </a:tcPr>
+                </a:tc>
+                <a:tc>
+                  <a:txBody>
+                    <a:bodyPr/>
+                    <a:lstStyle/>
+                    <a:p>
+                      <a:pPr algn="ctr"/>
+                      <a:r>
+                        <a:rPr lang="en-US" dirty="0" smtClean="0">
+                          <a:solidFill>
+                            <a:sysClr val="windowText" lastClr="000000"/>
+                          </a:solidFill>
+                        </a:rPr>
+                        <a:t>0</a:t>
+                      </a:r>
+                      <a:endParaRPr lang="en-US" dirty="0">
+                        <a:solidFill>
+                          <a:sysClr val="windowText" lastClr="000000"/>
+                        </a:solidFill>
+                      </a:endParaRPr>
+                    </a:p>
+                  </a:txBody>
+                  <a:tcPr>
+                    <a:lnL w="12700" cap="flat" cmpd="sng" algn="ctr">
+                      <a:solidFill>
+                        <a:schemeClr val="tx1"/>
+                      </a:solidFill>
+                      <a:prstDash val="solid"/>
+                      <a:round/>
+                      <a:headEnd type="none" w="med" len="med"/>
+                      <a:tailEnd type="none" w="med" len="med"/>
+                    </a:lnL>
+                    <a:lnR w="12700" cap="flat" cmpd="sng" algn="ctr">
+                      <a:solidFill>
+                        <a:schemeClr val="tx1"/>
+                      </a:solidFill>
+                      <a:prstDash val="solid"/>
+                      <a:round/>
+                      <a:headEnd type="none" w="med" len="med"/>
+                      <a:tailEnd type="none" w="med" len="med"/>
+                    </a:lnR>
+                    <a:lnT w="12700" cap="flat" cmpd="sng" algn="ctr">
+                      <a:solidFill>
+                        <a:schemeClr val="tx1"/>
+                      </a:solidFill>
+                      <a:prstDash val="solid"/>
+                      <a:round/>
+                      <a:headEnd type="none" w="med" len="med"/>
+                      <a:tailEnd type="none" w="med" len="med"/>
+                    </a:lnT>
+                    <a:lnB w="12700" cap="flat" cmpd="sng" algn="ctr">
+                      <a:solidFill>
+                        <a:schemeClr val="tx1"/>
+                      </a:solidFill>
+                      <a:prstDash val="solid"/>
+                      <a:round/>
+                      <a:headEnd type="none" w="med" len="med"/>
+                      <a:tailEnd type="none" w="med" len="med"/>
+                    </a:lnB>
+                    <a:noFill/>
+                  </a:tcPr>
+                </a:tc>
+                <a:tc>
+                  <a:txBody>
+                    <a:bodyPr/>
+                    <a:lstStyle/>
+                    <a:p>
+                      <a:pPr algn="ctr"/>
+                      <a:r>
+                        <a:rPr lang="en-US" dirty="0" smtClean="0">
+                          <a:solidFill>
+                            <a:sysClr val="windowText" lastClr="000000"/>
+                          </a:solidFill>
+                        </a:rPr>
+                        <a:t>0</a:t>
+                      </a:r>
+                      <a:endParaRPr lang="en-US" dirty="0">
+                        <a:solidFill>
+                          <a:sysClr val="windowText" lastClr="000000"/>
+                        </a:solidFill>
+                      </a:endParaRPr>
+                    </a:p>
+                  </a:txBody>
+                  <a:tcPr>
+                    <a:lnL w="12700" cap="flat" cmpd="sng" algn="ctr">
+                      <a:solidFill>
+                        <a:schemeClr val="tx1"/>
+                      </a:solidFill>
+                      <a:prstDash val="solid"/>
+                      <a:round/>
+                      <a:headEnd type="none" w="med" len="med"/>
+                      <a:tailEnd type="none" w="med" len="med"/>
+                    </a:lnL>
+                    <a:lnR w="12700" cap="flat" cmpd="sng" algn="ctr">
+                      <a:solidFill>
+                        <a:schemeClr val="tx1"/>
+                      </a:solidFill>
+                      <a:prstDash val="solid"/>
+                      <a:round/>
+                      <a:headEnd type="none" w="med" len="med"/>
+                      <a:tailEnd type="none" w="med" len="med"/>
+                    </a:lnR>
+                    <a:lnT w="12700" cap="flat" cmpd="sng" algn="ctr">
+                      <a:solidFill>
+                        <a:schemeClr val="tx1"/>
+                      </a:solidFill>
+                      <a:prstDash val="solid"/>
+                      <a:round/>
+                      <a:headEnd type="none" w="med" len="med"/>
+                      <a:tailEnd type="none" w="med" len="med"/>
+                    </a:lnT>
+                    <a:lnB w="12700" cap="flat" cmpd="sng" algn="ctr">
+                      <a:solidFill>
+                        <a:schemeClr val="tx1"/>
+                      </a:solidFill>
+                      <a:prstDash val="solid"/>
+                      <a:round/>
+                      <a:headEnd type="none" w="med" len="med"/>
+                      <a:tailEnd type="none" w="med" len="med"/>
+                    </a:lnB>
+                    <a:noFill/>
+                  </a:tcPr>
+                </a:tc>
+              </a:tr>
+              <a:tr h="345440">
+                <a:tc>
+                  <a:txBody>
+                    <a:bodyPr/>
+                    <a:lstStyle/>
+                    <a:p>
+                      <a:pPr algn="r"/>
+                      <a:r>
+                        <a:rPr lang="en-US" dirty="0" smtClean="0">
+                          <a:solidFill>
+                            <a:sysClr val="windowText" lastClr="000000"/>
+                          </a:solidFill>
+                        </a:rPr>
+                        <a:t>%</a:t>
+                      </a:r>
+                      <a:r>
+                        <a:rPr lang="en-US" baseline="0" dirty="0" smtClean="0">
+                          <a:solidFill>
+                            <a:sysClr val="windowText" lastClr="000000"/>
+                          </a:solidFill>
+                        </a:rPr>
+                        <a:t> spectral</a:t>
+                      </a:r>
+                      <a:endParaRPr lang="en-US" dirty="0">
+                        <a:solidFill>
+                          <a:sysClr val="windowText" lastClr="000000"/>
+                        </a:solidFill>
+                      </a:endParaRPr>
+                    </a:p>
+                  </a:txBody>
+                  <a:tcPr>
+                    <a:lnL w="12700" cap="flat" cmpd="sng" algn="ctr">
+                      <a:solidFill>
+                        <a:schemeClr val="tx1"/>
+                      </a:solidFill>
+                      <a:prstDash val="solid"/>
+                      <a:round/>
+                      <a:headEnd type="none" w="med" len="med"/>
+                      <a:tailEnd type="none" w="med" len="med"/>
+                    </a:lnL>
+                    <a:lnR w="12700" cap="flat" cmpd="sng" algn="ctr">
+                      <a:solidFill>
+                        <a:schemeClr val="tx1"/>
+                      </a:solidFill>
+                      <a:prstDash val="solid"/>
+                      <a:round/>
+                      <a:headEnd type="none" w="med" len="med"/>
+                      <a:tailEnd type="none" w="med" len="med"/>
+                    </a:lnR>
+                    <a:lnT w="12700" cap="flat" cmpd="sng" algn="ctr">
+                      <a:solidFill>
+                        <a:schemeClr val="tx1"/>
+                      </a:solidFill>
+                      <a:prstDash val="solid"/>
+                      <a:round/>
+                      <a:headEnd type="none" w="med" len="med"/>
+                      <a:tailEnd type="none" w="med" len="med"/>
+                    </a:lnT>
+                    <a:lnB w="12700" cap="flat" cmpd="sng" algn="ctr">
+                      <a:solidFill>
+                        <a:schemeClr val="tx1"/>
+                      </a:solidFill>
+                      <a:prstDash val="solid"/>
+                      <a:round/>
+                      <a:headEnd type="none" w="med" len="med"/>
+                      <a:tailEnd type="none" w="med" len="med"/>
+                    </a:lnB>
+                    <a:noFill/>
+                  </a:tcPr>
+                </a:tc>
+                <a:tc>
+                  <a:txBody>
+                    <a:bodyPr/>
+                    <a:lstStyle/>
+                    <a:p>
+                      <a:pPr algn="ctr"/>
+                      <a:r>
+                        <a:rPr lang="en-US" dirty="0" smtClean="0">
+                          <a:solidFill>
+                            <a:sysClr val="windowText" lastClr="000000"/>
+                          </a:solidFill>
+                        </a:rPr>
+                        <a:t>1</a:t>
+                      </a:r>
+                      <a:endParaRPr lang="en-US" dirty="0">
+                        <a:solidFill>
+                          <a:sysClr val="windowText" lastClr="000000"/>
+                        </a:solidFill>
+                      </a:endParaRPr>
+                    </a:p>
+                  </a:txBody>
+                  <a:tcPr>
+                    <a:lnL w="12700" cap="flat" cmpd="sng" algn="ctr">
+                      <a:solidFill>
+                        <a:schemeClr val="tx1"/>
+                      </a:solidFill>
+                      <a:prstDash val="solid"/>
+                      <a:round/>
+                      <a:headEnd type="none" w="med" len="med"/>
+                      <a:tailEnd type="none" w="med" len="med"/>
+                    </a:lnL>
+                    <a:lnR w="12700" cap="flat" cmpd="sng" algn="ctr">
+                      <a:solidFill>
+                        <a:schemeClr val="tx1"/>
+                      </a:solidFill>
+                      <a:prstDash val="solid"/>
+                      <a:round/>
+                      <a:headEnd type="none" w="med" len="med"/>
+                      <a:tailEnd type="none" w="med" len="med"/>
+                    </a:lnR>
+                    <a:lnT w="12700" cap="flat" cmpd="sng" algn="ctr">
+                      <a:solidFill>
+                        <a:schemeClr val="tx1"/>
+                      </a:solidFill>
+                      <a:prstDash val="solid"/>
+                      <a:round/>
+                      <a:headEnd type="none" w="med" len="med"/>
+                      <a:tailEnd type="none" w="med" len="med"/>
+                    </a:lnT>
+                    <a:lnB w="12700" cap="flat" cmpd="sng" algn="ctr">
+                      <a:solidFill>
+                        <a:schemeClr val="tx1"/>
+                      </a:solidFill>
+                      <a:prstDash val="solid"/>
+                      <a:round/>
+                      <a:headEnd type="none" w="med" len="med"/>
+                      <a:tailEnd type="none" w="med" len="med"/>
+                    </a:lnB>
+                    <a:noFill/>
+                  </a:tcPr>
+                </a:tc>
+                <a:tc>
+                  <a:txBody>
+                    <a:bodyPr/>
+                    <a:lstStyle/>
+                    <a:p>
+                      <a:pPr algn="ctr"/>
+                      <a:r>
+                        <a:rPr lang="en-US" dirty="0" smtClean="0">
+                          <a:solidFill>
+                            <a:sysClr val="windowText" lastClr="000000"/>
+                          </a:solidFill>
+                        </a:rPr>
+                        <a:t>1</a:t>
+                      </a:r>
+                      <a:endParaRPr lang="en-US" dirty="0">
+                        <a:solidFill>
+                          <a:sysClr val="windowText" lastClr="000000"/>
+                        </a:solidFill>
+                      </a:endParaRPr>
+                    </a:p>
+                  </a:txBody>
+                  <a:tcPr>
+                    <a:lnL w="12700" cap="flat" cmpd="sng" algn="ctr">
+                      <a:solidFill>
+                        <a:schemeClr val="tx1"/>
+                      </a:solidFill>
+                      <a:prstDash val="solid"/>
+                      <a:round/>
+                      <a:headEnd type="none" w="med" len="med"/>
+                      <a:tailEnd type="none" w="med" len="med"/>
+                    </a:lnL>
+                    <a:lnR w="12700" cap="flat" cmpd="sng" algn="ctr">
+                      <a:solidFill>
+                        <a:schemeClr val="tx1"/>
+                      </a:solidFill>
+                      <a:prstDash val="solid"/>
+                      <a:round/>
+                      <a:headEnd type="none" w="med" len="med"/>
+                      <a:tailEnd type="none" w="med" len="med"/>
+                    </a:lnR>
+                    <a:lnT w="12700" cap="flat" cmpd="sng" algn="ctr">
+                      <a:solidFill>
+                        <a:schemeClr val="tx1"/>
+                      </a:solidFill>
+                      <a:prstDash val="solid"/>
+                      <a:round/>
+                      <a:headEnd type="none" w="med" len="med"/>
+                      <a:tailEnd type="none" w="med" len="med"/>
+                    </a:lnT>
+                    <a:lnB w="12700" cap="flat" cmpd="sng" algn="ctr">
+                      <a:solidFill>
+                        <a:schemeClr val="tx1"/>
+                      </a:solidFill>
+                      <a:prstDash val="solid"/>
+                      <a:round/>
+                      <a:headEnd type="none" w="med" len="med"/>
+                      <a:tailEnd type="none" w="med" len="med"/>
+                    </a:lnB>
+                    <a:noFill/>
+                  </a:tcPr>
+                </a:tc>
+              </a:tr>
+              <a:tr h="370840">
+                <a:tc>
+                  <a:txBody>
+                    <a:bodyPr/>
+                    <a:lstStyle/>
+                    <a:p>
+                      <a:pPr algn="r"/>
+                      <a:r>
+                        <a:rPr lang="en-US" b="0" dirty="0" smtClean="0">
+                          <a:solidFill>
+                            <a:sysClr val="windowText" lastClr="000000"/>
+                          </a:solidFill>
+                        </a:rPr>
+                        <a:t>%Noise</a:t>
+                      </a:r>
+                      <a:r>
+                        <a:rPr lang="en-US" b="0" baseline="0" dirty="0" smtClean="0">
+                          <a:solidFill>
+                            <a:sysClr val="windowText" lastClr="000000"/>
+                          </a:solidFill>
+                        </a:rPr>
+                        <a:t> Length</a:t>
+                      </a:r>
+                      <a:endParaRPr lang="en-US" b="0" dirty="0">
+                        <a:solidFill>
+                          <a:sysClr val="windowText" lastClr="000000"/>
+                        </a:solidFill>
+                      </a:endParaRPr>
+                    </a:p>
+                  </a:txBody>
+                  <a:tcPr>
+                    <a:lnL w="12700" cap="flat" cmpd="sng" algn="ctr">
+                      <a:solidFill>
+                        <a:schemeClr val="tx1"/>
+                      </a:solidFill>
+                      <a:prstDash val="solid"/>
+                      <a:round/>
+                      <a:headEnd type="none" w="med" len="med"/>
+                      <a:tailEnd type="none" w="med" len="med"/>
+                    </a:lnL>
+                    <a:lnR w="12700" cap="flat" cmpd="sng" algn="ctr">
+                      <a:solidFill>
+                        <a:schemeClr val="tx1"/>
+                      </a:solidFill>
+                      <a:prstDash val="solid"/>
+                      <a:round/>
+                      <a:headEnd type="none" w="med" len="med"/>
+                      <a:tailEnd type="none" w="med" len="med"/>
+                    </a:lnR>
+                    <a:lnT w="12700" cap="flat" cmpd="sng" algn="ctr">
+                      <a:solidFill>
+                        <a:schemeClr val="tx1"/>
+                      </a:solidFill>
+                      <a:prstDash val="solid"/>
+                      <a:round/>
+                      <a:headEnd type="none" w="med" len="med"/>
+                      <a:tailEnd type="none" w="med" len="med"/>
+                    </a:lnT>
+                    <a:lnB w="12700" cap="flat" cmpd="sng" algn="ctr">
+                      <a:solidFill>
+                        <a:schemeClr val="tx1"/>
+                      </a:solidFill>
+                      <a:prstDash val="solid"/>
+                      <a:round/>
+                      <a:headEnd type="none" w="med" len="med"/>
+                      <a:tailEnd type="none" w="med" len="med"/>
+                    </a:lnB>
+                    <a:noFill/>
+                  </a:tcPr>
+                </a:tc>
+                <a:tc>
+                  <a:txBody>
+                    <a:bodyPr/>
+                    <a:lstStyle/>
+                    <a:p>
+                      <a:pPr algn="ctr"/>
+                      <a:r>
+                        <a:rPr lang="en-US" dirty="0" smtClean="0">
+                          <a:solidFill>
+                            <a:sysClr val="windowText" lastClr="000000"/>
+                          </a:solidFill>
+                        </a:rPr>
+                        <a:t>18</a:t>
+                      </a:r>
+                      <a:endParaRPr lang="en-US" dirty="0">
+                        <a:solidFill>
+                          <a:sysClr val="windowText" lastClr="000000"/>
+                        </a:solidFill>
+                      </a:endParaRPr>
+                    </a:p>
+                  </a:txBody>
+                  <a:tcPr>
+                    <a:lnL w="12700" cap="flat" cmpd="sng" algn="ctr">
+                      <a:solidFill>
+                        <a:schemeClr val="tx1"/>
+                      </a:solidFill>
+                      <a:prstDash val="solid"/>
+                      <a:round/>
+                      <a:headEnd type="none" w="med" len="med"/>
+                      <a:tailEnd type="none" w="med" len="med"/>
+                    </a:lnL>
+                    <a:lnR w="12700" cap="flat" cmpd="sng" algn="ctr">
+                      <a:solidFill>
+                        <a:schemeClr val="tx1"/>
+                      </a:solidFill>
+                      <a:prstDash val="solid"/>
+                      <a:round/>
+                      <a:headEnd type="none" w="med" len="med"/>
+                      <a:tailEnd type="none" w="med" len="med"/>
+                    </a:lnR>
+                    <a:lnT w="12700" cap="flat" cmpd="sng" algn="ctr">
+                      <a:solidFill>
+                        <a:schemeClr val="tx1"/>
+                      </a:solidFill>
+                      <a:prstDash val="solid"/>
+                      <a:round/>
+                      <a:headEnd type="none" w="med" len="med"/>
+                      <a:tailEnd type="none" w="med" len="med"/>
+                    </a:lnT>
+                    <a:lnB w="12700" cap="flat" cmpd="sng" algn="ctr">
+                      <a:solidFill>
+                        <a:schemeClr val="tx1"/>
+                      </a:solidFill>
+                      <a:prstDash val="solid"/>
+                      <a:round/>
+                      <a:headEnd type="none" w="med" len="med"/>
+                      <a:tailEnd type="none" w="med" len="med"/>
+                    </a:lnB>
+                    <a:noFill/>
+                  </a:tcPr>
+                </a:tc>
+                <a:tc>
+                  <a:txBody>
+                    <a:bodyPr/>
+                    <a:lstStyle/>
+                    <a:p>
+                      <a:pPr algn="ctr"/>
+                      <a:r>
+                        <a:rPr lang="en-US" dirty="0" smtClean="0">
+                          <a:solidFill>
+                            <a:sysClr val="windowText" lastClr="000000"/>
+                          </a:solidFill>
+                        </a:rPr>
+                        <a:t>18.92</a:t>
+                      </a:r>
+                      <a:endParaRPr lang="en-US" dirty="0">
+                        <a:solidFill>
+                          <a:sysClr val="windowText" lastClr="000000"/>
+                        </a:solidFill>
+                      </a:endParaRPr>
+                    </a:p>
+                  </a:txBody>
+                  <a:tcPr>
+                    <a:lnL w="12700" cap="flat" cmpd="sng" algn="ctr">
+                      <a:solidFill>
+                        <a:schemeClr val="tx1"/>
+                      </a:solidFill>
+                      <a:prstDash val="solid"/>
+                      <a:round/>
+                      <a:headEnd type="none" w="med" len="med"/>
+                      <a:tailEnd type="none" w="med" len="med"/>
+                    </a:lnL>
+                    <a:lnR w="12700" cap="flat" cmpd="sng" algn="ctr">
+                      <a:solidFill>
+                        <a:schemeClr val="tx1"/>
+                      </a:solidFill>
+                      <a:prstDash val="solid"/>
+                      <a:round/>
+                      <a:headEnd type="none" w="med" len="med"/>
+                      <a:tailEnd type="none" w="med" len="med"/>
+                    </a:lnR>
+                    <a:lnT w="12700" cap="flat" cmpd="sng" algn="ctr">
+                      <a:solidFill>
+                        <a:schemeClr val="tx1"/>
+                      </a:solidFill>
+                      <a:prstDash val="solid"/>
+                      <a:round/>
+                      <a:headEnd type="none" w="med" len="med"/>
+                      <a:tailEnd type="none" w="med" len="med"/>
+                    </a:lnT>
+                    <a:lnB w="12700" cap="flat" cmpd="sng" algn="ctr">
+                      <a:solidFill>
+                        <a:schemeClr val="tx1"/>
+                      </a:solidFill>
+                      <a:prstDash val="solid"/>
+                      <a:round/>
+                      <a:headEnd type="none" w="med" len="med"/>
+                      <a:tailEnd type="none" w="med" len="med"/>
+                    </a:lnB>
+                    <a:noFill/>
+                  </a:tcPr>
+                </a:tc>
+              </a:tr>
+              <a:tr h="370840">
+                <a:tc>
+                  <a:txBody>
+                    <a:bodyPr/>
+                    <a:lstStyle/>
+                    <a:p>
+                      <a:pPr algn="r"/>
+                      <a:r>
+                        <a:rPr lang="en-US" b="0" dirty="0" smtClean="0">
+                          <a:solidFill>
+                            <a:sysClr val="windowText" lastClr="000000"/>
+                          </a:solidFill>
+                        </a:rPr>
+                        <a:t>Noise Margin</a:t>
+                      </a:r>
+                      <a:endParaRPr lang="en-US" b="0" dirty="0">
+                        <a:solidFill>
+                          <a:sysClr val="windowText" lastClr="000000"/>
+                        </a:solidFill>
+                      </a:endParaRPr>
+                    </a:p>
+                  </a:txBody>
+                  <a:tcPr>
+                    <a:lnL w="12700" cap="flat" cmpd="sng" algn="ctr">
+                      <a:solidFill>
+                        <a:schemeClr val="tx1"/>
+                      </a:solidFill>
+                      <a:prstDash val="solid"/>
+                      <a:round/>
+                      <a:headEnd type="none" w="med" len="med"/>
+                      <a:tailEnd type="none" w="med" len="med"/>
+                    </a:lnL>
+                    <a:lnR w="12700" cap="flat" cmpd="sng" algn="ctr">
+                      <a:solidFill>
+                        <a:schemeClr val="tx1"/>
+                      </a:solidFill>
+                      <a:prstDash val="solid"/>
+                      <a:round/>
+                      <a:headEnd type="none" w="med" len="med"/>
+                      <a:tailEnd type="none" w="med" len="med"/>
+                    </a:lnR>
+                    <a:lnT w="12700" cap="flat" cmpd="sng" algn="ctr">
+                      <a:solidFill>
+                        <a:schemeClr val="tx1"/>
+                      </a:solidFill>
+                      <a:prstDash val="solid"/>
+                      <a:round/>
+                      <a:headEnd type="none" w="med" len="med"/>
+                      <a:tailEnd type="none" w="med" len="med"/>
+                    </a:lnT>
+                    <a:lnB w="12700" cap="flat" cmpd="sng" algn="ctr">
+                      <a:solidFill>
+                        <a:schemeClr val="tx1"/>
+                      </a:solidFill>
+                      <a:prstDash val="solid"/>
+                      <a:round/>
+                      <a:headEnd type="none" w="med" len="med"/>
+                      <a:tailEnd type="none" w="med" len="med"/>
+                    </a:lnB>
+                    <a:noFill/>
+                  </a:tcPr>
+                </a:tc>
+                <a:tc>
+                  <a:txBody>
+                    <a:bodyPr/>
+                    <a:lstStyle/>
+                    <a:p>
+                      <a:pPr algn="ctr"/>
+                      <a:r>
+                        <a:rPr lang="en-US" dirty="0" smtClean="0">
+                          <a:solidFill>
+                            <a:sysClr val="windowText" lastClr="000000"/>
+                          </a:solidFill>
+                        </a:rPr>
+                        <a:t>8</a:t>
+                      </a:r>
+                      <a:endParaRPr lang="en-US" dirty="0">
+                        <a:solidFill>
+                          <a:sysClr val="windowText" lastClr="000000"/>
+                        </a:solidFill>
+                      </a:endParaRPr>
+                    </a:p>
+                  </a:txBody>
+                  <a:tcPr>
+                    <a:lnL w="12700" cap="flat" cmpd="sng" algn="ctr">
+                      <a:solidFill>
+                        <a:schemeClr val="tx1"/>
+                      </a:solidFill>
+                      <a:prstDash val="solid"/>
+                      <a:round/>
+                      <a:headEnd type="none" w="med" len="med"/>
+                      <a:tailEnd type="none" w="med" len="med"/>
+                    </a:lnL>
+                    <a:lnR w="12700" cap="flat" cmpd="sng" algn="ctr">
+                      <a:solidFill>
+                        <a:schemeClr val="tx1"/>
+                      </a:solidFill>
+                      <a:prstDash val="solid"/>
+                      <a:round/>
+                      <a:headEnd type="none" w="med" len="med"/>
+                      <a:tailEnd type="none" w="med" len="med"/>
+                    </a:lnR>
+                    <a:lnT w="12700" cap="flat" cmpd="sng" algn="ctr">
+                      <a:solidFill>
+                        <a:schemeClr val="tx1"/>
+                      </a:solidFill>
+                      <a:prstDash val="solid"/>
+                      <a:round/>
+                      <a:headEnd type="none" w="med" len="med"/>
+                      <a:tailEnd type="none" w="med" len="med"/>
+                    </a:lnT>
+                    <a:lnB w="12700" cap="flat" cmpd="sng" algn="ctr">
+                      <a:solidFill>
+                        <a:schemeClr val="tx1"/>
+                      </a:solidFill>
+                      <a:prstDash val="solid"/>
+                      <a:round/>
+                      <a:headEnd type="none" w="med" len="med"/>
+                      <a:tailEnd type="none" w="med" len="med"/>
+                    </a:lnB>
+                    <a:noFill/>
+                  </a:tcPr>
+                </a:tc>
+                <a:tc>
+                  <a:txBody>
+                    <a:bodyPr/>
+                    <a:lstStyle/>
+                    <a:p>
+                      <a:pPr algn="ctr"/>
+                      <a:r>
+                        <a:rPr lang="en-US" dirty="0" smtClean="0">
+                          <a:solidFill>
+                            <a:sysClr val="windowText" lastClr="000000"/>
+                          </a:solidFill>
+                        </a:rPr>
+                        <a:t>0.78</a:t>
+                      </a:r>
+                      <a:endParaRPr lang="en-US" dirty="0">
+                        <a:solidFill>
+                          <a:sysClr val="windowText" lastClr="000000"/>
+                        </a:solidFill>
+                      </a:endParaRPr>
+                    </a:p>
+                  </a:txBody>
+                  <a:tcPr>
+                    <a:lnL w="12700" cap="flat" cmpd="sng" algn="ctr">
+                      <a:solidFill>
+                        <a:schemeClr val="tx1"/>
+                      </a:solidFill>
+                      <a:prstDash val="solid"/>
+                      <a:round/>
+                      <a:headEnd type="none" w="med" len="med"/>
+                      <a:tailEnd type="none" w="med" len="med"/>
+                    </a:lnL>
+                    <a:lnR w="12700" cap="flat" cmpd="sng" algn="ctr">
+                      <a:solidFill>
+                        <a:schemeClr val="tx1"/>
+                      </a:solidFill>
+                      <a:prstDash val="solid"/>
+                      <a:round/>
+                      <a:headEnd type="none" w="med" len="med"/>
+                      <a:tailEnd type="none" w="med" len="med"/>
+                    </a:lnR>
+                    <a:lnT w="12700" cap="flat" cmpd="sng" algn="ctr">
+                      <a:solidFill>
+                        <a:schemeClr val="tx1"/>
+                      </a:solidFill>
+                      <a:prstDash val="solid"/>
+                      <a:round/>
+                      <a:headEnd type="none" w="med" len="med"/>
+                      <a:tailEnd type="none" w="med" len="med"/>
+                    </a:lnT>
+                    <a:lnB w="12700" cap="flat" cmpd="sng" algn="ctr">
+                      <a:solidFill>
+                        <a:schemeClr val="tx1"/>
+                      </a:solidFill>
+                      <a:prstDash val="solid"/>
+                      <a:round/>
+                      <a:headEnd type="none" w="med" len="med"/>
+                      <a:tailEnd type="none" w="med" len="med"/>
+                    </a:lnB>
+                    <a:noFill/>
+                  </a:tcPr>
+                </a:tc>
+              </a:tr>
+              <a:tr h="370840">
+                <a:tc>
+                  <a:txBody>
+                    <a:bodyPr/>
+                    <a:lstStyle/>
+                    <a:p>
+                      <a:pPr algn="r"/>
+                      <a:r>
+                        <a:rPr lang="en-US" b="0" dirty="0" smtClean="0">
+                          <a:solidFill>
+                            <a:sysClr val="windowText" lastClr="000000"/>
+                          </a:solidFill>
+                        </a:rPr>
+                        <a:t>Hang Over</a:t>
+                      </a:r>
+                      <a:endParaRPr lang="en-US" b="0" dirty="0">
+                        <a:solidFill>
+                          <a:sysClr val="windowText" lastClr="000000"/>
+                        </a:solidFill>
+                      </a:endParaRPr>
+                    </a:p>
+                  </a:txBody>
+                  <a:tcPr>
+                    <a:lnL w="12700" cap="flat" cmpd="sng" algn="ctr">
+                      <a:solidFill>
+                        <a:schemeClr val="tx1"/>
+                      </a:solidFill>
+                      <a:prstDash val="solid"/>
+                      <a:round/>
+                      <a:headEnd type="none" w="med" len="med"/>
+                      <a:tailEnd type="none" w="med" len="med"/>
+                    </a:lnL>
+                    <a:lnR w="12700" cap="flat" cmpd="sng" algn="ctr">
+                      <a:solidFill>
+                        <a:schemeClr val="tx1"/>
+                      </a:solidFill>
+                      <a:prstDash val="solid"/>
+                      <a:round/>
+                      <a:headEnd type="none" w="med" len="med"/>
+                      <a:tailEnd type="none" w="med" len="med"/>
+                    </a:lnR>
+                    <a:lnT w="12700" cap="flat" cmpd="sng" algn="ctr">
+                      <a:solidFill>
+                        <a:schemeClr val="tx1"/>
+                      </a:solidFill>
+                      <a:prstDash val="solid"/>
+                      <a:round/>
+                      <a:headEnd type="none" w="med" len="med"/>
+                      <a:tailEnd type="none" w="med" len="med"/>
+                    </a:lnT>
+                    <a:lnB w="12700" cap="flat" cmpd="sng" algn="ctr">
+                      <a:solidFill>
+                        <a:schemeClr val="tx1"/>
+                      </a:solidFill>
+                      <a:prstDash val="solid"/>
+                      <a:round/>
+                      <a:headEnd type="none" w="med" len="med"/>
+                      <a:tailEnd type="none" w="med" len="med"/>
+                    </a:lnB>
+                    <a:noFill/>
+                  </a:tcPr>
+                </a:tc>
+                <a:tc>
+                  <a:txBody>
+                    <a:bodyPr/>
+                    <a:lstStyle/>
+                    <a:p>
+                      <a:pPr algn="ctr"/>
+                      <a:r>
+                        <a:rPr lang="en-US" dirty="0" smtClean="0">
+                          <a:solidFill>
+                            <a:sysClr val="windowText" lastClr="000000"/>
+                          </a:solidFill>
+                        </a:rPr>
+                        <a:t>3</a:t>
+                      </a:r>
+                      <a:endParaRPr lang="en-US" dirty="0">
+                        <a:solidFill>
+                          <a:sysClr val="windowText" lastClr="000000"/>
+                        </a:solidFill>
+                      </a:endParaRPr>
+                    </a:p>
+                  </a:txBody>
+                  <a:tcPr>
+                    <a:lnL w="12700" cap="flat" cmpd="sng" algn="ctr">
+                      <a:solidFill>
+                        <a:schemeClr val="tx1"/>
+                      </a:solidFill>
+                      <a:prstDash val="solid"/>
+                      <a:round/>
+                      <a:headEnd type="none" w="med" len="med"/>
+                      <a:tailEnd type="none" w="med" len="med"/>
+                    </a:lnL>
+                    <a:lnR w="12700" cap="flat" cmpd="sng" algn="ctr">
+                      <a:solidFill>
+                        <a:schemeClr val="tx1"/>
+                      </a:solidFill>
+                      <a:prstDash val="solid"/>
+                      <a:round/>
+                      <a:headEnd type="none" w="med" len="med"/>
+                      <a:tailEnd type="none" w="med" len="med"/>
+                    </a:lnR>
+                    <a:lnT w="12700" cap="flat" cmpd="sng" algn="ctr">
+                      <a:solidFill>
+                        <a:schemeClr val="tx1"/>
+                      </a:solidFill>
+                      <a:prstDash val="solid"/>
+                      <a:round/>
+                      <a:headEnd type="none" w="med" len="med"/>
+                      <a:tailEnd type="none" w="med" len="med"/>
+                    </a:lnT>
+                    <a:lnB w="12700" cap="flat" cmpd="sng" algn="ctr">
+                      <a:solidFill>
+                        <a:schemeClr val="tx1"/>
+                      </a:solidFill>
+                      <a:prstDash val="solid"/>
+                      <a:round/>
+                      <a:headEnd type="none" w="med" len="med"/>
+                      <a:tailEnd type="none" w="med" len="med"/>
+                    </a:lnB>
+                    <a:noFill/>
+                  </a:tcPr>
+                </a:tc>
+                <a:tc>
+                  <a:txBody>
+                    <a:bodyPr/>
+                    <a:lstStyle/>
+                    <a:p>
+                      <a:pPr algn="ctr"/>
+                      <a:r>
+                        <a:rPr lang="en-US" dirty="0" smtClean="0">
+                          <a:solidFill>
+                            <a:sysClr val="windowText" lastClr="000000"/>
+                          </a:solidFill>
+                        </a:rPr>
+                        <a:t>0.58</a:t>
+                      </a:r>
+                      <a:endParaRPr lang="en-US" dirty="0">
+                        <a:solidFill>
+                          <a:sysClr val="windowText" lastClr="000000"/>
+                        </a:solidFill>
+                      </a:endParaRPr>
+                    </a:p>
+                  </a:txBody>
+                  <a:tcPr>
+                    <a:lnL w="12700" cap="flat" cmpd="sng" algn="ctr">
+                      <a:solidFill>
+                        <a:schemeClr val="tx1"/>
+                      </a:solidFill>
+                      <a:prstDash val="solid"/>
+                      <a:round/>
+                      <a:headEnd type="none" w="med" len="med"/>
+                      <a:tailEnd type="none" w="med" len="med"/>
+                    </a:lnL>
+                    <a:lnR w="12700" cap="flat" cmpd="sng" algn="ctr">
+                      <a:solidFill>
+                        <a:schemeClr val="tx1"/>
+                      </a:solidFill>
+                      <a:prstDash val="solid"/>
+                      <a:round/>
+                      <a:headEnd type="none" w="med" len="med"/>
+                      <a:tailEnd type="none" w="med" len="med"/>
+                    </a:lnR>
+                    <a:lnT w="12700" cap="flat" cmpd="sng" algn="ctr">
+                      <a:solidFill>
+                        <a:schemeClr val="tx1"/>
+                      </a:solidFill>
+                      <a:prstDash val="solid"/>
+                      <a:round/>
+                      <a:headEnd type="none" w="med" len="med"/>
+                      <a:tailEnd type="none" w="med" len="med"/>
+                    </a:lnT>
+                    <a:lnB w="12700" cap="flat" cmpd="sng" algn="ctr">
+                      <a:solidFill>
+                        <a:schemeClr val="tx1"/>
+                      </a:solidFill>
+                      <a:prstDash val="solid"/>
+                      <a:round/>
+                      <a:headEnd type="none" w="med" len="med"/>
+                      <a:tailEnd type="none" w="med" len="med"/>
+                    </a:lnB>
+                    <a:noFill/>
+                  </a:tcPr>
+                </a:tc>
+              </a:tr>
+              <a:tr h="370840">
+                <a:tc>
+                  <a:txBody>
+                    <a:bodyPr/>
+                    <a:lstStyle/>
+                    <a:p>
+                      <a:pPr algn="r"/>
+                      <a:r>
+                        <a:rPr lang="en-US" b="1" dirty="0" smtClean="0">
+                          <a:solidFill>
+                            <a:sysClr val="windowText" lastClr="000000"/>
+                          </a:solidFill>
+                        </a:rPr>
+                        <a:t>Fitness</a:t>
+                      </a:r>
+                      <a:endParaRPr lang="en-US" b="1" dirty="0">
+                        <a:solidFill>
+                          <a:sysClr val="windowText" lastClr="000000"/>
+                        </a:solidFill>
+                      </a:endParaRPr>
+                    </a:p>
+                  </a:txBody>
+                  <a:tcPr>
+                    <a:lnL w="12700" cap="flat" cmpd="sng" algn="ctr">
+                      <a:solidFill>
+                        <a:schemeClr val="tx1"/>
+                      </a:solidFill>
+                      <a:prstDash val="solid"/>
+                      <a:round/>
+                      <a:headEnd type="none" w="med" len="med"/>
+                      <a:tailEnd type="none" w="med" len="med"/>
+                    </a:lnL>
+                    <a:lnR w="12700" cap="flat" cmpd="sng" algn="ctr">
+                      <a:solidFill>
+                        <a:schemeClr val="tx1"/>
+                      </a:solidFill>
+                      <a:prstDash val="solid"/>
+                      <a:round/>
+                      <a:headEnd type="none" w="med" len="med"/>
+                      <a:tailEnd type="none" w="med" len="med"/>
+                    </a:lnR>
+                    <a:lnT w="12700" cap="flat" cmpd="sng" algn="ctr">
+                      <a:solidFill>
+                        <a:schemeClr val="tx1"/>
+                      </a:solidFill>
+                      <a:prstDash val="solid"/>
+                      <a:round/>
+                      <a:headEnd type="none" w="med" len="med"/>
+                      <a:tailEnd type="none" w="med" len="med"/>
+                    </a:lnT>
+                    <a:lnB w="12700" cap="flat" cmpd="sng" algn="ctr">
+                      <a:solidFill>
+                        <a:schemeClr val="tx1"/>
+                      </a:solidFill>
+                      <a:prstDash val="solid"/>
+                      <a:round/>
+                      <a:headEnd type="none" w="med" len="med"/>
+                      <a:tailEnd type="none" w="med" len="med"/>
+                    </a:lnB>
+                    <a:noFill/>
+                  </a:tcPr>
+                </a:tc>
+                <a:tc>
+                  <a:txBody>
+                    <a:bodyPr/>
+                    <a:lstStyle/>
+                    <a:p>
+                      <a:pPr algn="ctr"/>
+                      <a:r>
+                        <a:rPr lang="en-US" b="1" dirty="0" smtClean="0">
+                          <a:solidFill>
+                            <a:sysClr val="windowText" lastClr="000000"/>
+                          </a:solidFill>
+                        </a:rPr>
+                        <a:t>0.0316</a:t>
+                      </a:r>
+                      <a:endParaRPr lang="en-US" b="1" dirty="0">
+                        <a:solidFill>
+                          <a:sysClr val="windowText" lastClr="000000"/>
+                        </a:solidFill>
+                      </a:endParaRPr>
+                    </a:p>
+                  </a:txBody>
+                  <a:tcPr>
+                    <a:lnL w="12700" cap="flat" cmpd="sng" algn="ctr">
+                      <a:solidFill>
+                        <a:schemeClr val="tx1"/>
+                      </a:solidFill>
+                      <a:prstDash val="solid"/>
+                      <a:round/>
+                      <a:headEnd type="none" w="med" len="med"/>
+                      <a:tailEnd type="none" w="med" len="med"/>
+                    </a:lnL>
+                    <a:lnR w="12700" cap="flat" cmpd="sng" algn="ctr">
+                      <a:solidFill>
+                        <a:schemeClr val="tx1"/>
+                      </a:solidFill>
+                      <a:prstDash val="solid"/>
+                      <a:round/>
+                      <a:headEnd type="none" w="med" len="med"/>
+                      <a:tailEnd type="none" w="med" len="med"/>
+                    </a:lnR>
+                    <a:lnT w="12700" cap="flat" cmpd="sng" algn="ctr">
+                      <a:solidFill>
+                        <a:schemeClr val="tx1"/>
+                      </a:solidFill>
+                      <a:prstDash val="solid"/>
+                      <a:round/>
+                      <a:headEnd type="none" w="med" len="med"/>
+                      <a:tailEnd type="none" w="med" len="med"/>
+                    </a:lnT>
+                    <a:lnB w="12700" cap="flat" cmpd="sng" algn="ctr">
+                      <a:solidFill>
+                        <a:schemeClr val="tx1"/>
+                      </a:solidFill>
+                      <a:prstDash val="solid"/>
+                      <a:round/>
+                      <a:headEnd type="none" w="med" len="med"/>
+                      <a:tailEnd type="none" w="med" len="med"/>
+                    </a:lnB>
+                    <a:noFill/>
+                  </a:tcPr>
+                </a:tc>
+                <a:tc>
+                  <a:txBody>
+                    <a:bodyPr/>
+                    <a:lstStyle/>
+                    <a:p>
+                      <a:pPr algn="ctr"/>
+                      <a:r>
+                        <a:rPr lang="en-US" b="1" dirty="0" smtClean="0">
+                          <a:solidFill>
+                            <a:sysClr val="windowText" lastClr="000000"/>
+                          </a:solidFill>
+                        </a:rPr>
+                        <a:t>0.0315</a:t>
+                      </a:r>
+                      <a:endParaRPr lang="en-US" b="1" dirty="0">
+                        <a:solidFill>
+                          <a:sysClr val="windowText" lastClr="000000"/>
+                        </a:solidFill>
+                      </a:endParaRPr>
+                    </a:p>
+                  </a:txBody>
+                  <a:tcPr>
+                    <a:lnL w="12700" cap="flat" cmpd="sng" algn="ctr">
+                      <a:solidFill>
+                        <a:schemeClr val="tx1"/>
+                      </a:solidFill>
+                      <a:prstDash val="solid"/>
+                      <a:round/>
+                      <a:headEnd type="none" w="med" len="med"/>
+                      <a:tailEnd type="none" w="med" len="med"/>
+                    </a:lnL>
+                    <a:lnR w="12700" cap="flat" cmpd="sng" algn="ctr">
+                      <a:solidFill>
+                        <a:schemeClr val="tx1"/>
+                      </a:solidFill>
+                      <a:prstDash val="solid"/>
+                      <a:round/>
+                      <a:headEnd type="none" w="med" len="med"/>
+                      <a:tailEnd type="none" w="med" len="med"/>
+                    </a:lnR>
+                    <a:lnT w="12700" cap="flat" cmpd="sng" algn="ctr">
+                      <a:solidFill>
+                        <a:schemeClr val="tx1"/>
+                      </a:solidFill>
+                      <a:prstDash val="solid"/>
+                      <a:round/>
+                      <a:headEnd type="none" w="med" len="med"/>
+                      <a:tailEnd type="none" w="med" len="med"/>
+                    </a:lnT>
+                    <a:lnB w="12700" cap="flat" cmpd="sng" algn="ctr">
+                      <a:solidFill>
+                        <a:schemeClr val="tx1"/>
+                      </a:solidFill>
+                      <a:prstDash val="solid"/>
+                      <a:round/>
+                      <a:headEnd type="none" w="med" len="med"/>
+                      <a:tailEnd type="none" w="med" len="med"/>
+                    </a:lnB>
+                    <a:noFill/>
+                  </a:tcPr>
+                </a:tc>
+              </a:tr>
+            </a:tbl>
+          </a:graphicData>
+        </a:graphic>
+      </p:graphicFrame>
+    </p:spTree>
+    <p:extLst>
+      <p:ext uri="{BB962C8B-B14F-4D97-AF65-F5344CB8AC3E}">
+        <p14:creationId xmlns:p14="http://schemas.microsoft.com/office/powerpoint/2010/main" val="64821935"/>
+      </p:ext>
+    </p:extLst>
+  </p:cSld>
+  <p:clrMapOvr>
+    <a:masterClrMapping/>
+  </p:clrMapOvr>
+</p:sld>
+</file>
+
+<file path=ppt/slides/slide15.xml><?xml version="1.0" encoding="utf-8"?>
+<p:sld xmlns:a="http://schemas.openxmlformats.org/drawingml/2006/main" xmlns:r="http://schemas.openxmlformats.org/officeDocument/2006/relationships" xmlns:p="http://schemas.openxmlformats.org/presentationml/2006/main">
+  <p:cSld>
+    <p:spTree>
+      <p:nvGrpSpPr>
+        <p:cNvPr id="1" name=""/>
+        <p:cNvGrpSpPr/>
+        <p:nvPr/>
+      </p:nvGrpSpPr>
+      <p:grpSpPr>
+        <a:xfrm>
+          <a:off x="0" y="0"/>
+          <a:ext cx="0" cy="0"/>
+          <a:chOff x="0" y="0"/>
+          <a:chExt cx="0" cy="0"/>
+        </a:xfrm>
+      </p:grpSpPr>
+      <p:sp>
+        <p:nvSpPr>
+          <p:cNvPr id="2" name="Content Placeholder 1"/>
+          <p:cNvSpPr>
+            <a:spLocks noGrp="1"/>
+          </p:cNvSpPr>
+          <p:nvPr>
+            <p:ph idx="1"/>
+          </p:nvPr>
+        </p:nvSpPr>
+        <p:spPr>
+          <a:xfrm>
+            <a:off x="457200" y="1481328"/>
+            <a:ext cx="8229600" cy="4843272"/>
+          </a:xfrm>
+        </p:spPr>
+        <p:txBody>
+          <a:bodyPr>
+            <a:normAutofit/>
+          </a:bodyPr>
+          <a:lstStyle/>
+          <a:p>
+            <a:endParaRPr lang="en-US" i="1" dirty="0" smtClean="0"/>
+          </a:p>
+          <a:p>
+            <a:pPr marL="393192" lvl="1" indent="0">
+              <a:buNone/>
+            </a:pPr>
+            <a:endParaRPr lang="en-US" i="1" dirty="0"/>
+          </a:p>
+          <a:p>
+            <a:pPr marL="393192" lvl="1" indent="0">
+              <a:buNone/>
+            </a:pPr>
+            <a:endParaRPr lang="en-US" i="1" dirty="0" smtClean="0"/>
+          </a:p>
+        </p:txBody>
+      </p:sp>
+      <p:sp>
+        <p:nvSpPr>
+          <p:cNvPr id="3" name="Title 2"/>
+          <p:cNvSpPr>
+            <a:spLocks noGrp="1"/>
+          </p:cNvSpPr>
+          <p:nvPr>
+            <p:ph type="title"/>
+          </p:nvPr>
+        </p:nvSpPr>
+        <p:spPr/>
+        <p:txBody>
+          <a:bodyPr/>
+          <a:lstStyle/>
+          <a:p>
+            <a:r>
+              <a:rPr lang="en-US" dirty="0" smtClean="0"/>
+              <a:t>Results</a:t>
+            </a:r>
+            <a:endParaRPr lang="en-US" dirty="0"/>
+          </a:p>
+        </p:txBody>
+      </p:sp>
+      <p:pic>
+        <p:nvPicPr>
+          <p:cNvPr id="4" name="I_am_sitting_clean.wav">
+            <a:hlinkClick r:id="" action="ppaction://media"/>
+          </p:cNvPr>
+          <p:cNvPicPr>
+            <a:picLocks noChangeAspect="1"/>
+          </p:cNvPicPr>
+          <p:nvPr>
+            <a:audioFile r:link="rId2"/>
+            <p:extLst>
+              <p:ext uri="{DAA4B4D4-6D71-4841-9C94-3DE7FCFB9230}">
+                <p14:media xmlns:p14="http://schemas.microsoft.com/office/powerpoint/2010/main" r:embed="rId1"/>
+              </p:ext>
+            </p:extLst>
+          </p:nvPr>
+        </p:nvPicPr>
+        <p:blipFill>
+          <a:blip r:embed="rId9"/>
+          <a:stretch>
+            <a:fillRect/>
+          </a:stretch>
+        </p:blipFill>
+        <p:spPr>
+          <a:xfrm>
+            <a:off x="2572806" y="1524000"/>
+            <a:ext cx="609600" cy="609600"/>
+          </a:xfrm>
+          <a:prstGeom prst="rect">
+            <a:avLst/>
+          </a:prstGeom>
+        </p:spPr>
+      </p:pic>
+      <p:sp>
+        <p:nvSpPr>
+          <p:cNvPr id="5" name="TextBox 4"/>
+          <p:cNvSpPr txBox="1"/>
+          <p:nvPr/>
+        </p:nvSpPr>
+        <p:spPr>
+          <a:xfrm rot="10800000" flipH="1" flipV="1">
+            <a:off x="533400" y="1644134"/>
+            <a:ext cx="1796469" cy="369332"/>
+          </a:xfrm>
+          <a:prstGeom prst="rect">
+            <a:avLst/>
+          </a:prstGeom>
+          <a:noFill/>
+        </p:spPr>
+        <p:txBody>
+          <a:bodyPr wrap="square" rtlCol="0">
+            <a:spAutoFit/>
+          </a:bodyPr>
+          <a:lstStyle/>
+          <a:p>
+            <a:pPr algn="ctr"/>
+            <a:r>
+              <a:rPr lang="en-US" dirty="0" smtClean="0"/>
+              <a:t>Clean File</a:t>
+            </a:r>
+            <a:endParaRPr lang="en-US" dirty="0"/>
+          </a:p>
+        </p:txBody>
+      </p:sp>
+      <p:pic>
+        <p:nvPicPr>
+          <p:cNvPr id="6" name="I_am_sitting_dirty.wav">
+            <a:hlinkClick r:id="" action="ppaction://media"/>
+          </p:cNvPr>
+          <p:cNvPicPr>
+            <a:picLocks noChangeAspect="1"/>
+          </p:cNvPicPr>
+          <p:nvPr>
+            <a:audioFile r:link="rId4"/>
+            <p:extLst>
+              <p:ext uri="{DAA4B4D4-6D71-4841-9C94-3DE7FCFB9230}">
+                <p14:media xmlns:p14="http://schemas.microsoft.com/office/powerpoint/2010/main" r:embed="rId3"/>
+              </p:ext>
+            </p:extLst>
+          </p:nvPr>
+        </p:nvPicPr>
+        <p:blipFill>
+          <a:blip r:embed="rId10"/>
+          <a:stretch>
+            <a:fillRect/>
+          </a:stretch>
+        </p:blipFill>
+        <p:spPr>
+          <a:xfrm>
+            <a:off x="2572806" y="2743200"/>
+            <a:ext cx="609600" cy="609600"/>
+          </a:xfrm>
+          <a:prstGeom prst="rect">
+            <a:avLst/>
+          </a:prstGeom>
+        </p:spPr>
+      </p:pic>
+      <p:sp>
+        <p:nvSpPr>
+          <p:cNvPr id="7" name="TextBox 6"/>
+          <p:cNvSpPr txBox="1"/>
+          <p:nvPr/>
+        </p:nvSpPr>
+        <p:spPr>
+          <a:xfrm rot="10800000" flipH="1" flipV="1">
+            <a:off x="533399" y="2907267"/>
+            <a:ext cx="1796469" cy="369332"/>
+          </a:xfrm>
+          <a:prstGeom prst="rect">
+            <a:avLst/>
+          </a:prstGeom>
+          <a:noFill/>
+        </p:spPr>
+        <p:txBody>
+          <a:bodyPr wrap="square" rtlCol="0">
+            <a:spAutoFit/>
+          </a:bodyPr>
+          <a:lstStyle/>
+          <a:p>
+            <a:pPr algn="ctr"/>
+            <a:r>
+              <a:rPr lang="en-US" dirty="0" smtClean="0"/>
+              <a:t>Dirty File</a:t>
+            </a:r>
+            <a:endParaRPr lang="en-US" dirty="0"/>
+          </a:p>
+        </p:txBody>
+      </p:sp>
+      <p:pic>
+        <p:nvPicPr>
+          <p:cNvPr id="8" name="I_am_sitting_processed2.wav">
+            <a:hlinkClick r:id="" action="ppaction://media"/>
+          </p:cNvPr>
+          <p:cNvPicPr>
+            <a:picLocks noChangeAspect="1"/>
+          </p:cNvPicPr>
+          <p:nvPr>
+            <a:audioFile r:link="rId6"/>
+            <p:extLst>
+              <p:ext uri="{DAA4B4D4-6D71-4841-9C94-3DE7FCFB9230}">
+                <p14:media xmlns:p14="http://schemas.microsoft.com/office/powerpoint/2010/main" r:embed="rId5"/>
+              </p:ext>
+            </p:extLst>
+          </p:nvPr>
+        </p:nvPicPr>
+        <p:blipFill>
+          <a:blip r:embed="rId10"/>
+          <a:stretch>
+            <a:fillRect/>
+          </a:stretch>
+        </p:blipFill>
+        <p:spPr>
+          <a:xfrm>
+            <a:off x="2572806" y="3962400"/>
+            <a:ext cx="609600" cy="609600"/>
+          </a:xfrm>
+          <a:prstGeom prst="rect">
+            <a:avLst/>
+          </a:prstGeom>
+        </p:spPr>
+      </p:pic>
+      <p:sp>
+        <p:nvSpPr>
+          <p:cNvPr id="9" name="TextBox 8"/>
+          <p:cNvSpPr txBox="1"/>
+          <p:nvPr/>
+        </p:nvSpPr>
+        <p:spPr>
+          <a:xfrm rot="10800000" flipH="1" flipV="1">
+            <a:off x="533400" y="4126468"/>
+            <a:ext cx="1796469" cy="369332"/>
+          </a:xfrm>
+          <a:prstGeom prst="rect">
+            <a:avLst/>
+          </a:prstGeom>
+          <a:noFill/>
+        </p:spPr>
+        <p:txBody>
+          <a:bodyPr wrap="square" rtlCol="0">
+            <a:spAutoFit/>
+          </a:bodyPr>
+          <a:lstStyle/>
+          <a:p>
+            <a:pPr algn="ctr"/>
+            <a:r>
+              <a:rPr lang="en-US" dirty="0" smtClean="0"/>
+              <a:t>Processed File</a:t>
+            </a:r>
+            <a:endParaRPr lang="en-US" dirty="0"/>
+          </a:p>
+        </p:txBody>
+      </p:sp>
+    </p:spTree>
+    <p:extLst>
+      <p:ext uri="{BB962C8B-B14F-4D97-AF65-F5344CB8AC3E}">
+        <p14:creationId xmlns:p14="http://schemas.microsoft.com/office/powerpoint/2010/main" val="1917841540"/>
+      </p:ext>
+    </p:extLst>
+  </p:cSld>
+  <p:clrMapOvr>
+    <a:masterClrMapping/>
+  </p:clrMapOvr>
+  <p:timing>
+    <p:tnLst>
+      <p:par>
+        <p:cTn id="1" dur="indefinite" restart="never" nodeType="tmRoot">
+          <p:childTnLst>
+            <p:seq concurrent="1" nextAc="seek">
+              <p:cTn id="2" restart="whenNotActive" fill="hold" evtFilter="cancelBubble" nodeType="interactiveSeq">
+                <p:stCondLst>
+                  <p:cond evt="onClick" delay="0">
+                    <p:tgtEl>
+                      <p:spTgt spid="4"/>
+                    </p:tgtEl>
+                  </p:cond>
+                </p:stCondLst>
+                <p:endSync evt="end" delay="0">
+                  <p:rtn val="all"/>
+                </p:endSync>
+                <p:childTnLst>
+                  <p:par>
+                    <p:cTn id="3" fill="hold">
+                      <p:stCondLst>
+                        <p:cond delay="0"/>
+                      </p:stCondLst>
+                      <p:childTnLst>
+                        <p:par>
+                          <p:cTn id="4" fill="hold">
+                            <p:stCondLst>
+                              <p:cond delay="0"/>
+                            </p:stCondLst>
+                            <p:childTnLst>
+                              <p:par>
+                                <p:cTn id="5" presetID="1" presetClass="mediacall" presetSubtype="0" fill="hold" nodeType="clickEffect">
+                                  <p:stCondLst>
+                                    <p:cond delay="0"/>
+                                  </p:stCondLst>
+                                  <p:childTnLst>
+                                    <p:cmd type="call" cmd="playFrom(0.0)">
+                                      <p:cBhvr>
+                                        <p:cTn id="6" dur="12925" fill="hold"/>
+                                        <p:tgtEl>
+                                          <p:spTgt spid="4"/>
+                                        </p:tgtEl>
+                                      </p:cBhvr>
+                                    </p:cmd>
+                                  </p:childTnLst>
+                                </p:cTn>
+                              </p:par>
+                            </p:childTnLst>
+                          </p:cTn>
+                        </p:par>
+                      </p:childTnLst>
+                    </p:cTn>
+                  </p:par>
+                </p:childTnLst>
+              </p:cTn>
+              <p:nextCondLst>
+                <p:cond evt="onClick" delay="0">
+                  <p:tgtEl>
+                    <p:spTgt spid="4"/>
+                  </p:tgtEl>
+                </p:cond>
+              </p:nextCondLst>
+            </p:seq>
+            <p:audio>
+              <p:cMediaNode vol="80000">
+                <p:cTn id="7" fill="hold" display="0">
+                  <p:stCondLst>
+                    <p:cond delay="indefinite"/>
+                  </p:stCondLst>
+                  <p:endCondLst>
+                    <p:cond evt="onStopAudio" delay="0">
+                      <p:tgtEl>
+                        <p:sldTgt/>
+                      </p:tgtEl>
+                    </p:cond>
+                  </p:endCondLst>
+                </p:cTn>
+                <p:tgtEl>
+                  <p:spTgt spid="4"/>
+                </p:tgtEl>
+              </p:cMediaNode>
+            </p:audio>
+            <p:seq concurrent="1" nextAc="seek">
+              <p:cTn id="8" restart="whenNotActive" fill="hold" evtFilter="cancelBubble" nodeType="interactiveSeq">
+                <p:stCondLst>
+                  <p:cond evt="onClick" delay="0">
+                    <p:tgtEl>
+                      <p:spTgt spid="6"/>
+                    </p:tgtEl>
+                  </p:cond>
+                </p:stCondLst>
+                <p:endSync evt="end" delay="0">
+                  <p:rtn val="all"/>
+                </p:endSync>
+                <p:childTnLst>
+                  <p:par>
+                    <p:cTn id="9" fill="hold">
+                      <p:stCondLst>
+                        <p:cond delay="0"/>
+                      </p:stCondLst>
+                      <p:childTnLst>
+                        <p:par>
+                          <p:cTn id="10" fill="hold">
+                            <p:stCondLst>
+                              <p:cond delay="0"/>
+                            </p:stCondLst>
+                            <p:childTnLst>
+                              <p:par>
+                                <p:cTn id="11" presetID="1" presetClass="mediacall" presetSubtype="0" fill="hold" nodeType="clickEffect">
+                                  <p:stCondLst>
+                                    <p:cond delay="0"/>
+                                  </p:stCondLst>
+                                  <p:childTnLst>
+                                    <p:cmd type="call" cmd="playFrom(0.0)">
+                                      <p:cBhvr>
+                                        <p:cTn id="12" dur="12925" fill="hold"/>
+                                        <p:tgtEl>
+                                          <p:spTgt spid="6"/>
+                                        </p:tgtEl>
+                                      </p:cBhvr>
+                                    </p:cmd>
+                                  </p:childTnLst>
+                                </p:cTn>
+                              </p:par>
+                            </p:childTnLst>
+                          </p:cTn>
+                        </p:par>
+                      </p:childTnLst>
+                    </p:cTn>
+                  </p:par>
+                </p:childTnLst>
+              </p:cTn>
+              <p:nextCondLst>
+                <p:cond evt="onClick" delay="0">
+                  <p:tgtEl>
+                    <p:spTgt spid="6"/>
+                  </p:tgtEl>
+                </p:cond>
+              </p:nextCondLst>
+            </p:seq>
+            <p:audio>
+              <p:cMediaNode vol="80000">
+                <p:cTn id="13" fill="hold" display="0">
+                  <p:stCondLst>
+                    <p:cond delay="indefinite"/>
+                  </p:stCondLst>
+                  <p:endCondLst>
+                    <p:cond evt="onStopAudio" delay="0">
+                      <p:tgtEl>
+                        <p:sldTgt/>
+                      </p:tgtEl>
+                    </p:cond>
+                  </p:endCondLst>
+                </p:cTn>
+                <p:tgtEl>
+                  <p:spTgt spid="6"/>
+                </p:tgtEl>
+              </p:cMediaNode>
+            </p:audio>
+            <p:seq concurrent="1" nextAc="seek">
+              <p:cTn id="14" restart="whenNotActive" fill="hold" evtFilter="cancelBubble" nodeType="interactiveSeq">
+                <p:stCondLst>
+                  <p:cond evt="onClick" delay="0">
+                    <p:tgtEl>
+                      <p:spTgt spid="8"/>
+                    </p:tgtEl>
+                  </p:cond>
+                </p:stCondLst>
+                <p:endSync evt="end" delay="0">
+                  <p:rtn val="all"/>
+                </p:endSync>
+                <p:childTnLst>
+                  <p:par>
+                    <p:cTn id="15" fill="hold">
+                      <p:stCondLst>
+                        <p:cond delay="0"/>
+                      </p:stCondLst>
+                      <p:childTnLst>
+                        <p:par>
+                          <p:cTn id="16" fill="hold">
+                            <p:stCondLst>
+                              <p:cond delay="0"/>
+                            </p:stCondLst>
+                            <p:childTnLst>
+                              <p:par>
+                                <p:cTn id="17" presetID="1" presetClass="mediacall" presetSubtype="0" fill="hold" nodeType="clickEffect">
+                                  <p:stCondLst>
+                                    <p:cond delay="0"/>
+                                  </p:stCondLst>
+                                  <p:childTnLst>
+                                    <p:cmd type="call" cmd="playFrom(0.0)">
+                                      <p:cBhvr>
+                                        <p:cTn id="18" dur="25850" fill="hold"/>
+                                        <p:tgtEl>
+                                          <p:spTgt spid="8"/>
+                                        </p:tgtEl>
+                                      </p:cBhvr>
+                                    </p:cmd>
+                                  </p:childTnLst>
+                                </p:cTn>
+                              </p:par>
+                            </p:childTnLst>
+                          </p:cTn>
+                        </p:par>
+                      </p:childTnLst>
+                    </p:cTn>
+                  </p:par>
+                </p:childTnLst>
+              </p:cTn>
+              <p:nextCondLst>
+                <p:cond evt="onClick" delay="0">
+                  <p:tgtEl>
+                    <p:spTgt spid="8"/>
+                  </p:tgtEl>
+                </p:cond>
+              </p:nextCondLst>
+            </p:seq>
+            <p:audio>
+              <p:cMediaNode vol="80000">
+                <p:cTn id="19" fill="hold" display="0">
+                  <p:stCondLst>
+                    <p:cond delay="indefinite"/>
+                  </p:stCondLst>
+                  <p:endCondLst>
+                    <p:cond evt="onStopAudio" delay="0">
+                      <p:tgtEl>
+                        <p:sldTgt/>
+                      </p:tgtEl>
+                    </p:cond>
+                  </p:endCondLst>
+                </p:cTn>
+                <p:tgtEl>
+                  <p:spTgt spid="8"/>
+                </p:tgtEl>
+              </p:cMediaNode>
+            </p:audio>
+          </p:childTnLst>
+        </p:cTn>
+      </p:par>
+    </p:tnLst>
+  </p:timing>
+</p:sld>
+</file>
+
+<file path=ppt/slides/slide16.xml><?xml version="1.0" encoding="utf-8"?>
+<p:sld xmlns:a="http://schemas.openxmlformats.org/drawingml/2006/main" xmlns:r="http://schemas.openxmlformats.org/officeDocument/2006/relationships" xmlns:p="http://schemas.openxmlformats.org/presentationml/2006/main">
+  <p:cSld>
+    <p:spTree>
+      <p:nvGrpSpPr>
+        <p:cNvPr id="1" name=""/>
+        <p:cNvGrpSpPr/>
+        <p:nvPr/>
+      </p:nvGrpSpPr>
+      <p:grpSpPr>
+        <a:xfrm>
+          <a:off x="0" y="0"/>
+          <a:ext cx="0" cy="0"/>
+          <a:chOff x="0" y="0"/>
+          <a:chExt cx="0" cy="0"/>
+        </a:xfrm>
+      </p:grpSpPr>
+      <p:sp>
+        <p:nvSpPr>
+          <p:cNvPr id="2" name="Content Placeholder 1"/>
+          <p:cNvSpPr>
+            <a:spLocks noGrp="1"/>
+          </p:cNvSpPr>
+          <p:nvPr>
+            <p:ph idx="1"/>
+          </p:nvPr>
+        </p:nvSpPr>
+        <p:spPr/>
+        <p:txBody>
+          <a:bodyPr/>
+          <a:lstStyle/>
+          <a:p>
+            <a:r>
+              <a:rPr lang="en-US" dirty="0" smtClean="0"/>
+              <a:t>We are able to improve upon the expert results with the use of Evolutionary Computation.</a:t>
+            </a:r>
+          </a:p>
+          <a:p>
+            <a:r>
+              <a:rPr lang="en-US" dirty="0" smtClean="0"/>
+              <a:t>The larger the population the faster the best solution is found.</a:t>
+            </a:r>
+          </a:p>
+          <a:p>
+            <a:r>
+              <a:rPr lang="en-US" dirty="0" smtClean="0"/>
+              <a:t>As the number of generations increases the population becomes less diverse.</a:t>
+            </a:r>
+          </a:p>
+          <a:p>
+            <a:endParaRPr lang="en-US" dirty="0"/>
+          </a:p>
+        </p:txBody>
+      </p:sp>
+      <p:sp>
+        <p:nvSpPr>
+          <p:cNvPr id="3" name="Title 2"/>
+          <p:cNvSpPr>
+            <a:spLocks noGrp="1"/>
+          </p:cNvSpPr>
+          <p:nvPr>
+            <p:ph type="title"/>
+          </p:nvPr>
+        </p:nvSpPr>
+        <p:spPr/>
+        <p:txBody>
+          <a:bodyPr/>
+          <a:lstStyle/>
+          <a:p>
+            <a:r>
+              <a:rPr lang="en-US" dirty="0" smtClean="0"/>
+              <a:t>Conclusions</a:t>
+            </a:r>
+            <a:endParaRPr lang="en-US" dirty="0"/>
+          </a:p>
+        </p:txBody>
+      </p:sp>
+    </p:spTree>
+    <p:extLst>
+      <p:ext uri="{BB962C8B-B14F-4D97-AF65-F5344CB8AC3E}">
+        <p14:creationId xmlns:p14="http://schemas.microsoft.com/office/powerpoint/2010/main" val="3357416307"/>
+      </p:ext>
+    </p:extLst>
+  </p:cSld>
+  <p:clrMapOvr>
+    <a:masterClrMapping/>
+  </p:clrMapOvr>
+</p:sld>
+</file>
+
+<file path=ppt/slides/slide17.xml><?xml version="1.0" encoding="utf-8"?>
+<p:sld xmlns:a="http://schemas.openxmlformats.org/drawingml/2006/main" xmlns:r="http://schemas.openxmlformats.org/officeDocument/2006/relationships" xmlns:p="http://schemas.openxmlformats.org/presentationml/2006/main">
+  <p:cSld>
+    <p:spTree>
+      <p:nvGrpSpPr>
+        <p:cNvPr id="1" name=""/>
+        <p:cNvGrpSpPr/>
+        <p:nvPr/>
+      </p:nvGrpSpPr>
+      <p:grpSpPr>
+        <a:xfrm>
+          <a:off x="0" y="0"/>
+          <a:ext cx="0" cy="0"/>
+          <a:chOff x="0" y="0"/>
+          <a:chExt cx="0" cy="0"/>
+        </a:xfrm>
+      </p:grpSpPr>
+      <p:pic>
+        <p:nvPicPr>
+          <p:cNvPr id="2" name="Picture 1" descr="C:\Users\NGGZ7MT\AppData\Local\Microsoft\Windows\Temporary Internet Files\Content.IE5\N691L41P\MP900398831[1].jpg"/>
+          <p:cNvPicPr>
+            <a:picLocks noChangeAspect="1" noChangeArrowheads="1"/>
+          </p:cNvPicPr>
+          <p:nvPr/>
+        </p:nvPicPr>
+        <p:blipFill>
+          <a:blip r:embed="rId2">
+            <a:extLst>
+              <a:ext uri="{28A0092B-C50C-407E-A947-70E740481C1C}">
+                <a14:useLocalDpi xmlns:a14="http://schemas.microsoft.com/office/drawing/2010/main" val="0"/>
+              </a:ext>
+            </a:extLst>
+          </a:blip>
+          <a:srcRect/>
+          <a:stretch>
+            <a:fillRect/>
+          </a:stretch>
+        </p:blipFill>
+        <p:spPr bwMode="auto">
+          <a:xfrm>
+            <a:off x="762000" y="533400"/>
+            <a:ext cx="8259020" cy="5562600"/>
+          </a:xfrm>
+          <a:prstGeom prst="rect">
+            <a:avLst/>
+          </a:prstGeom>
+          <a:noFill/>
+          <a:effectLst>
+            <a:softEdge rad="228600"/>
+          </a:effectLst>
+          <a:extLst>
+            <a:ext uri="{909E8E84-426E-40DD-AFC4-6F175D3DCCD1}">
+              <a14:hiddenFill xmlns:a14="http://schemas.microsoft.com/office/drawing/2010/main">
+                <a:solidFill>
+                  <a:srgbClr val="FFFFFF"/>
+                </a:solidFill>
+              </a14:hiddenFill>
+            </a:ext>
+          </a:extLst>
+        </p:spPr>
+      </p:pic>
+      <p:sp>
+        <p:nvSpPr>
+          <p:cNvPr id="3" name="Title 3"/>
+          <p:cNvSpPr txBox="1">
+            <a:spLocks/>
+          </p:cNvSpPr>
+          <p:nvPr/>
+        </p:nvSpPr>
+        <p:spPr>
+          <a:xfrm>
+            <a:off x="609600" y="1295400"/>
+            <a:ext cx="7772400" cy="1143000"/>
+          </a:xfrm>
+          <a:prstGeom prst="rect">
+            <a:avLst/>
+          </a:prstGeom>
+        </p:spPr>
+        <p:txBody>
+          <a:bodyPr/>
+          <a:lstStyle>
+            <a:lvl1pPr algn="l" rtl="0" eaLnBrk="1" latinLnBrk="0" hangingPunct="1">
+              <a:spcBef>
+                <a:spcPct val="0"/>
+              </a:spcBef>
+              <a:buNone/>
+              <a:defRPr kumimoji="0" sz="4100" b="1" kern="1200">
+                <a:solidFill>
+                  <a:schemeClr val="tx2"/>
+                </a:solidFill>
+                <a:effectLst>
+                  <a:outerShdw blurRad="31750" dist="25400" dir="5400000" algn="tl" rotWithShape="0">
+                    <a:srgbClr val="000000">
+                      <a:alpha val="25000"/>
+                    </a:srgbClr>
+                  </a:outerShdw>
+                </a:effectLst>
+                <a:latin typeface="+mj-lt"/>
+                <a:ea typeface="+mj-ea"/>
+                <a:cs typeface="+mj-cs"/>
+              </a:defRPr>
+            </a:lvl1pPr>
+            <a:extLst/>
+          </a:lstStyle>
+          <a:p>
+            <a:pPr algn="ctr"/>
+            <a:r>
+              <a:rPr lang="en-US" dirty="0" smtClean="0"/>
+              <a:t>Questions?</a:t>
+            </a:r>
+            <a:endParaRPr lang="en-US" dirty="0"/>
+          </a:p>
+        </p:txBody>
+      </p:sp>
+    </p:spTree>
+    <p:extLst>
+      <p:ext uri="{BB962C8B-B14F-4D97-AF65-F5344CB8AC3E}">
+        <p14:creationId xmlns:p14="http://schemas.microsoft.com/office/powerpoint/2010/main" val="379304904"/>
+      </p:ext>
+    </p:extLst>
+  </p:cSld>
+  <p:clrMapOvr>
+    <a:masterClrMapping/>
+  </p:clrMapOvr>
+  <p:timing>
+    <p:tnLst>
+      <p:par>
+        <p:cTn id="1" dur="indefinite" restart="never" nodeType="tmRoot"/>
+      </p:par>
+    </p:tnLst>
+  </p:timing>
 </p:sld>
 </file>
 
@@ -7837,15 +15751,7 @@
             </a:r>
             <a:r>
               <a:rPr lang="en-US" dirty="0" smtClean="0"/>
-              <a:t> = </a:t>
-            </a:r>
-            <a:r>
-              <a:rPr lang="en-US" dirty="0" smtClean="0"/>
-              <a:t>6,12,24  </a:t>
-            </a:r>
-            <a:r>
-              <a:rPr lang="en-US" dirty="0" smtClean="0"/>
-              <a:t>parents, </a:t>
+              <a:t> = 6,12,24  parents, </a:t>
             </a:r>
             <a:r>
               <a:rPr lang="el-GR" dirty="0" smtClean="0"/>
@@ -7853,15 +15759,7 @@
             </a:r>
             <a:r>
               <a:rPr lang="en-US" dirty="0" smtClean="0"/>
-              <a:t> = </a:t>
-            </a:r>
-            <a:r>
-              <a:rPr lang="en-US" dirty="0" smtClean="0"/>
-              <a:t>12,24,48 </a:t>
-            </a:r>
-            <a:r>
-              <a:rPr lang="en-US" dirty="0" smtClean="0"/>
-              <a:t>offspring</a:t>
+              <a:t> = 12,24,48 offspring</a:t>
             </a:r>
           </a:p>
           <a:p>
@@ -8730,7 +16628,63 @@
           </a:bodyPr>
           <a:lstStyle/>
           <a:p>
-            <a:endParaRPr lang="en-US" i="1" dirty="0" smtClean="0"/>
+            <a:r>
+              <a:rPr lang="en-US" dirty="0" smtClean="0"/>
+              <a:t>Three different run configurations</a:t>
+            </a:r>
+          </a:p>
+          <a:p>
+            <a:pPr lvl="1"/>
+            <a:r>
+              <a:rPr lang="en-US" dirty="0" smtClean="0"/>
+              <a:t>1</a:t>
+            </a:r>
+            <a:r>
+              <a:rPr lang="en-US" dirty="0"/>
+              <a:t>: Population of 12</a:t>
+            </a:r>
+          </a:p>
+          <a:p>
+            <a:pPr lvl="1"/>
+            <a:r>
+              <a:rPr lang="en-US" dirty="0" smtClean="0"/>
+              <a:t>2</a:t>
+            </a:r>
+            <a:r>
+              <a:rPr lang="en-US" dirty="0"/>
+              <a:t>: Population of 24</a:t>
+            </a:r>
+          </a:p>
+          <a:p>
+            <a:pPr lvl="1"/>
+            <a:r>
+              <a:rPr lang="en-US" dirty="0" smtClean="0"/>
+              <a:t>3</a:t>
+            </a:r>
+            <a:r>
+              <a:rPr lang="en-US" dirty="0"/>
+              <a:t>: Population of </a:t>
+            </a:r>
+            <a:r>
+              <a:rPr lang="en-US" dirty="0" smtClean="0"/>
+              <a:t>48</a:t>
+            </a:r>
+          </a:p>
+          <a:p>
+            <a:r>
+              <a:rPr lang="en-US" dirty="0" smtClean="0"/>
+              <a:t>300 Generations per run</a:t>
+            </a:r>
+          </a:p>
+          <a:p>
+            <a:r>
+              <a:rPr lang="en-US" dirty="0" smtClean="0"/>
+              <a:t>50 runs per configuration</a:t>
+            </a:r>
+          </a:p>
+          <a:p>
+            <a:pPr lvl="1"/>
+            <a:endParaRPr lang="en-US" dirty="0" smtClean="0"/>
           </a:p>
           <a:p>
             <a:pPr marL="393192" lvl="1" indent="0">
@@ -8772,7 +16726,7 @@
     </p:spTree>
     <p:extLst>
       <p:ext uri="{BB962C8B-B14F-4D97-AF65-F5344CB8AC3E}">
-        <p14:creationId xmlns:p14="http://schemas.microsoft.com/office/powerpoint/2010/main" val="2077121703"/>
+        <p14:creationId xmlns:p14="http://schemas.microsoft.com/office/powerpoint/2010/main" val="61056779"/>
       </p:ext>
     </p:extLst>
   </p:cSld>

--- a/project/848_Project_Presentation_Fasburg_Thomas.pptx
+++ b/project/848_Project_Presentation_Fasburg_Thomas.pptx
@@ -5,7 +5,7 @@
     <p:sldMasterId id="2147483761" r:id="rId1"/>
   </p:sldMasterIdLst>
   <p:notesMasterIdLst>
-    <p:notesMasterId r:id="rId19"/>
+    <p:notesMasterId r:id="rId20"/>
   </p:notesMasterIdLst>
   <p:sldIdLst>
     <p:sldId id="256" r:id="rId2"/>
@@ -24,7 +24,8 @@
     <p:sldId id="302" r:id="rId15"/>
     <p:sldId id="303" r:id="rId16"/>
     <p:sldId id="304" r:id="rId17"/>
-    <p:sldId id="305" r:id="rId18"/>
+    <p:sldId id="306" r:id="rId18"/>
+    <p:sldId id="305" r:id="rId19"/>
   </p:sldIdLst>
   <p:sldSz cx="9144000" cy="6858000" type="screen4x3"/>
   <p:notesSz cx="6858000" cy="9144000"/>
@@ -125,7 +126,7 @@
   </p:defaultTextStyle>
   <p:extLst>
     <p:ext uri="{EFAFB233-063F-42B5-8137-9DF3F51BA10A}">
-      <p15:sldGuideLst xmlns:p15="http://schemas.microsoft.com/office/powerpoint/2012/main" xmlns="">
+      <p15:sldGuideLst xmlns="" xmlns:p15="http://schemas.microsoft.com/office/powerpoint/2012/main">
         <p15:guide id="1" orient="horz" pos="2160">
           <p15:clr>
             <a:srgbClr val="A4A3A4"/>
@@ -224,7 +225,7 @@
           <a:p>
             <a:fld id="{A63B8CFC-D614-4432-A7DB-A65856E85B43}" type="datetimeFigureOut">
               <a:rPr lang="en-US" smtClean="0"/>
-              <a:t>11/30/2015</a:t>
+              <a:t>12/1/2015</a:t>
             </a:fld>
             <a:endParaRPr lang="en-US" dirty="0"/>
           </a:p>
@@ -870,6 +871,23 @@
           <a:bodyPr/>
           <a:lstStyle/>
           <a:p>
+            <a:r>
+              <a:rPr lang="en-US" dirty="0" smtClean="0"/>
+              <a:t>Expert only used one or the other at a time,</a:t>
+            </a:r>
+            <a:r>
+              <a:rPr lang="en-US" baseline="0" dirty="0" smtClean="0"/>
+              <a:t> because this is realistic scenario, plus the scale would be difficult to get exactly right, thus the fitness would be worse (since it is a raw subtraction)</a:t>
+            </a:r>
+          </a:p>
+          <a:p>
+            <a:endParaRPr lang="en-US" baseline="0" dirty="0" smtClean="0"/>
+          </a:p>
+          <a:p>
+            <a:r>
+              <a:rPr lang="en-US" baseline="0" dirty="0" smtClean="0"/>
+              <a:t>Wiener might be better</a:t>
+            </a:r>
             <a:endParaRPr lang="en-US" dirty="0"/>
           </a:p>
         </p:txBody>
@@ -1206,6 +1224,46 @@
           <a:bodyPr/>
           <a:lstStyle/>
           <a:p>
+            <a:r>
+              <a:rPr lang="en-US" dirty="0" smtClean="0"/>
+              <a:t>Weiner</a:t>
+            </a:r>
+            <a:r>
+              <a:rPr lang="en-US" baseline="0" dirty="0" smtClean="0"/>
+              <a:t> is better</a:t>
+            </a:r>
+          </a:p>
+          <a:p>
+            <a:r>
+              <a:rPr lang="en-US" baseline="0" dirty="0" smtClean="0"/>
+              <a:t>Difficult to compare to expert results, not usually done this way</a:t>
+            </a:r>
+          </a:p>
+          <a:p>
+            <a:r>
+              <a:rPr lang="en-US" dirty="0" smtClean="0"/>
+              <a:t>We</a:t>
+            </a:r>
+            <a:r>
+              <a:rPr lang="en-US" baseline="0" dirty="0" smtClean="0"/>
+              <a:t> can improve, but with the </a:t>
+            </a:r>
+            <a:r>
+              <a:rPr lang="en-US" baseline="0" dirty="0" err="1" smtClean="0"/>
+              <a:t>comutation</a:t>
+            </a:r>
+            <a:r>
+              <a:rPr lang="en-US" baseline="0" dirty="0" smtClean="0"/>
+              <a:t> time the gain </a:t>
+            </a:r>
+            <a:r>
+              <a:rPr lang="en-US" baseline="0" dirty="0" err="1" smtClean="0"/>
+              <a:t>isnt</a:t>
+            </a:r>
+            <a:r>
+              <a:rPr lang="en-US" baseline="0" dirty="0" smtClean="0"/>
+              <a:t> that great</a:t>
+            </a:r>
             <a:endParaRPr lang="en-US" dirty="0"/>
           </a:p>
         </p:txBody>
@@ -1228,6 +1286,90 @@
             <a:fld id="{B8B3BC3C-0900-4ACD-9030-5BE6C2442A68}" type="slidenum">
               <a:rPr lang="en-US" smtClean="0"/>
               <a:t>16</a:t>
+            </a:fld>
+            <a:endParaRPr lang="en-US" dirty="0"/>
+          </a:p>
+        </p:txBody>
+      </p:sp>
+    </p:spTree>
+    <p:extLst>
+      <p:ext uri="{BB962C8B-B14F-4D97-AF65-F5344CB8AC3E}">
+        <p14:creationId xmlns:p14="http://schemas.microsoft.com/office/powerpoint/2010/main" val="2329806253"/>
+      </p:ext>
+    </p:extLst>
+  </p:cSld>
+  <p:clrMapOvr>
+    <a:masterClrMapping/>
+  </p:clrMapOvr>
+</p:notes>
+</file>
+
+<file path=ppt/notesSlides/notesSlide17.xml><?xml version="1.0" encoding="utf-8"?>
+<p:notes xmlns:a="http://schemas.openxmlformats.org/drawingml/2006/main" xmlns:r="http://schemas.openxmlformats.org/officeDocument/2006/relationships" xmlns:p="http://schemas.openxmlformats.org/presentationml/2006/main">
+  <p:cSld>
+    <p:spTree>
+      <p:nvGrpSpPr>
+        <p:cNvPr id="1" name=""/>
+        <p:cNvGrpSpPr/>
+        <p:nvPr/>
+      </p:nvGrpSpPr>
+      <p:grpSpPr>
+        <a:xfrm>
+          <a:off x="0" y="0"/>
+          <a:ext cx="0" cy="0"/>
+          <a:chOff x="0" y="0"/>
+          <a:chExt cx="0" cy="0"/>
+        </a:xfrm>
+      </p:grpSpPr>
+      <p:sp>
+        <p:nvSpPr>
+          <p:cNvPr id="2" name="Slide Image Placeholder 1"/>
+          <p:cNvSpPr>
+            <a:spLocks noGrp="1" noRot="1" noChangeAspect="1"/>
+          </p:cNvSpPr>
+          <p:nvPr>
+            <p:ph type="sldImg"/>
+          </p:nvPr>
+        </p:nvSpPr>
+        <p:spPr/>
+      </p:sp>
+      <p:sp>
+        <p:nvSpPr>
+          <p:cNvPr id="3" name="Notes Placeholder 2"/>
+          <p:cNvSpPr>
+            <a:spLocks noGrp="1"/>
+          </p:cNvSpPr>
+          <p:nvPr>
+            <p:ph type="body" idx="1"/>
+          </p:nvPr>
+        </p:nvSpPr>
+        <p:spPr/>
+        <p:txBody>
+          <a:bodyPr/>
+          <a:lstStyle/>
+          <a:p>
+            <a:endParaRPr lang="en-US" dirty="0"/>
+          </a:p>
+        </p:txBody>
+      </p:sp>
+      <p:sp>
+        <p:nvSpPr>
+          <p:cNvPr id="4" name="Slide Number Placeholder 3"/>
+          <p:cNvSpPr>
+            <a:spLocks noGrp="1"/>
+          </p:cNvSpPr>
+          <p:nvPr>
+            <p:ph type="sldNum" sz="quarter" idx="10"/>
+          </p:nvPr>
+        </p:nvSpPr>
+        <p:spPr/>
+        <p:txBody>
+          <a:bodyPr/>
+          <a:lstStyle/>
+          <a:p>
+            <a:fld id="{B8B3BC3C-0900-4ACD-9030-5BE6C2442A68}" type="slidenum">
+              <a:rPr lang="en-US" smtClean="0"/>
+              <a:t>17</a:t>
             </a:fld>
             <a:endParaRPr lang="en-US" dirty="0"/>
           </a:p>
@@ -1822,12 +1964,28 @@
             </a:r>
           </a:p>
           <a:p>
+            <a:r>
+              <a:rPr lang="en-US" baseline="0" dirty="0" smtClean="0"/>
+              <a:t>S instead of Y?</a:t>
+            </a:r>
+          </a:p>
+          <a:p>
+            <a:r>
+              <a:rPr lang="en-US" baseline="0" dirty="0" smtClean="0"/>
+              <a:t>Why is S squared but not N</a:t>
+            </a:r>
+          </a:p>
+          <a:p>
             <a:endParaRPr lang="en-US" baseline="0" dirty="0" smtClean="0"/>
           </a:p>
           <a:p>
             <a:r>
               <a:rPr lang="en-US" baseline="0" dirty="0" smtClean="0"/>
-              <a:t>Y is power spectral density of noisy speech</a:t>
+              <a:t>Y and S </a:t>
+            </a:r>
+            <a:r>
+              <a:rPr lang="en-US" baseline="0" dirty="0" smtClean="0"/>
+              <a:t>is power spectral density of noisy speech</a:t>
             </a:r>
           </a:p>
           <a:p>
@@ -2766,7 +2924,7 @@
           <a:p>
             <a:fld id="{ADE5661A-BDAA-4579-B2F5-AA9011776D83}" type="datetimeFigureOut">
               <a:rPr lang="en-US" smtClean="0"/>
-              <a:t>11/30/2015</a:t>
+              <a:t>12/1/2015</a:t>
             </a:fld>
             <a:endParaRPr lang="en-US" dirty="0"/>
           </a:p>
@@ -2964,7 +3122,7 @@
             <a:fld id="{1D8BD707-D9CF-40AE-B4C6-C98DA3205C09}" type="datetimeFigureOut">
               <a:rPr lang="en-US" smtClean="0"/>
               <a:pPr/>
-              <a:t>11/30/2015</a:t>
+              <a:t>12/1/2015</a:t>
             </a:fld>
             <a:endParaRPr lang="en-US" dirty="0"/>
           </a:p>
@@ -3151,7 +3309,7 @@
             <a:fld id="{1D8BD707-D9CF-40AE-B4C6-C98DA3205C09}" type="datetimeFigureOut">
               <a:rPr lang="en-US" smtClean="0"/>
               <a:pPr/>
-              <a:t>11/30/2015</a:t>
+              <a:t>12/1/2015</a:t>
             </a:fld>
             <a:endParaRPr lang="en-US" dirty="0"/>
           </a:p>
@@ -3303,7 +3461,7 @@
             <a:fld id="{1D8BD707-D9CF-40AE-B4C6-C98DA3205C09}" type="datetimeFigureOut">
               <a:rPr lang="en-US" smtClean="0"/>
               <a:pPr/>
-              <a:t>11/30/2015</a:t>
+              <a:t>12/1/2015</a:t>
             </a:fld>
             <a:endParaRPr lang="en-US" dirty="0"/>
           </a:p>
@@ -3559,7 +3717,7 @@
           <a:p>
             <a:fld id="{7D698992-9F5B-4E9D-871D-4517B2EC8643}" type="datetimeFigureOut">
               <a:rPr lang="en-US" smtClean="0"/>
-              <a:t>11/30/2015</a:t>
+              <a:t>12/1/2015</a:t>
             </a:fld>
             <a:endParaRPr lang="en-US" dirty="0"/>
           </a:p>
@@ -3969,7 +4127,7 @@
             <a:fld id="{1D8BD707-D9CF-40AE-B4C6-C98DA3205C09}" type="datetimeFigureOut">
               <a:rPr lang="en-US" smtClean="0"/>
               <a:pPr/>
-              <a:t>11/30/2015</a:t>
+              <a:t>12/1/2015</a:t>
             </a:fld>
             <a:endParaRPr lang="en-US" dirty="0"/>
           </a:p>
@@ -4417,7 +4575,7 @@
             <a:fld id="{1D8BD707-D9CF-40AE-B4C6-C98DA3205C09}" type="datetimeFigureOut">
               <a:rPr lang="en-US" smtClean="0"/>
               <a:pPr/>
-              <a:t>11/30/2015</a:t>
+              <a:t>12/1/2015</a:t>
             </a:fld>
             <a:endParaRPr lang="en-US" dirty="0"/>
           </a:p>
@@ -4520,7 +4678,7 @@
             <a:fld id="{1D8BD707-D9CF-40AE-B4C6-C98DA3205C09}" type="datetimeFigureOut">
               <a:rPr lang="en-US" smtClean="0"/>
               <a:pPr/>
-              <a:t>11/30/2015</a:t>
+              <a:t>12/1/2015</a:t>
             </a:fld>
             <a:endParaRPr lang="en-US" dirty="0"/>
           </a:p>
@@ -4643,7 +4801,7 @@
             <a:fld id="{1D8BD707-D9CF-40AE-B4C6-C98DA3205C09}" type="datetimeFigureOut">
               <a:rPr lang="en-US" smtClean="0"/>
               <a:pPr/>
-              <a:t>11/30/2015</a:t>
+              <a:t>12/1/2015</a:t>
             </a:fld>
             <a:endParaRPr lang="en-US" dirty="0"/>
           </a:p>
@@ -4919,7 +5077,7 @@
             <a:fld id="{1D8BD707-D9CF-40AE-B4C6-C98DA3205C09}" type="datetimeFigureOut">
               <a:rPr lang="en-US" smtClean="0"/>
               <a:pPr/>
-              <a:t>11/30/2015</a:t>
+              <a:t>12/1/2015</a:t>
             </a:fld>
             <a:endParaRPr lang="en-US" dirty="0"/>
           </a:p>
@@ -5126,7 +5284,7 @@
             <a:fld id="{1D8BD707-D9CF-40AE-B4C6-C98DA3205C09}" type="datetimeFigureOut">
               <a:rPr lang="en-US" smtClean="0"/>
               <a:pPr/>
-              <a:t>11/30/2015</a:t>
+              <a:t>12/1/2015</a:t>
             </a:fld>
             <a:endParaRPr lang="en-US" dirty="0"/>
           </a:p>
@@ -6237,7 +6395,7 @@
             <a:fld id="{1D8BD707-D9CF-40AE-B4C6-C98DA3205C09}" type="datetimeFigureOut">
               <a:rPr lang="en-US" smtClean="0"/>
               <a:pPr/>
-              <a:t>11/30/2015</a:t>
+              <a:t>12/1/2015</a:t>
             </a:fld>
             <a:endParaRPr lang="en-US" dirty="0"/>
           </a:p>
@@ -6858,6 +7016,13 @@
   <p:clrMapOvr>
     <a:masterClrMapping/>
   </p:clrMapOvr>
+  <p:timing>
+    <p:tnLst>
+      <p:par>
+        <p:cTn id="1" dur="indefinite" restart="never" nodeType="tmRoot"/>
+      </p:par>
+    </p:tnLst>
+  </p:timing>
 </p:sld>
 </file>
 
@@ -7066,6 +7231,13 @@
   <p:clrMapOvr>
     <a:masterClrMapping/>
   </p:clrMapOvr>
+  <p:timing>
+    <p:tnLst>
+      <p:par>
+        <p:cTn id="1" dur="indefinite" restart="never" nodeType="tmRoot"/>
+      </p:par>
+    </p:tnLst>
+  </p:timing>
 </p:sld>
 </file>
 
@@ -10903,6 +11075,13 @@
   <p:clrMapOvr>
     <a:masterClrMapping/>
   </p:clrMapOvr>
+  <p:timing>
+    <p:tnLst>
+      <p:par>
+        <p:cTn id="1" dur="indefinite" restart="never" nodeType="tmRoot"/>
+      </p:par>
+    </p:tnLst>
+  </p:timing>
 </p:sld>
 </file>
 
@@ -11975,6 +12154,13 @@
   <p:clrMapOvr>
     <a:masterClrMapping/>
   </p:clrMapOvr>
+  <p:timing>
+    <p:tnLst>
+      <p:par>
+        <p:cTn id="1" dur="indefinite" restart="never" nodeType="tmRoot"/>
+      </p:par>
+    </p:tnLst>
+  </p:timing>
 </p:sld>
 </file>
 
@@ -13433,6 +13619,13 @@
   <p:clrMapOvr>
     <a:masterClrMapping/>
   </p:clrMapOvr>
+  <p:timing>
+    <p:tnLst>
+      <p:par>
+        <p:cTn id="1" dur="indefinite" restart="never" nodeType="tmRoot"/>
+      </p:par>
+    </p:tnLst>
+  </p:timing>
 </p:sld>
 </file>
 
@@ -14067,6 +14260,131 @@
           <a:chExt cx="0" cy="0"/>
         </a:xfrm>
       </p:grpSpPr>
+      <p:sp>
+        <p:nvSpPr>
+          <p:cNvPr id="2" name="Content Placeholder 1"/>
+          <p:cNvSpPr>
+            <a:spLocks noGrp="1"/>
+          </p:cNvSpPr>
+          <p:nvPr>
+            <p:ph idx="1"/>
+          </p:nvPr>
+        </p:nvSpPr>
+        <p:spPr/>
+        <p:txBody>
+          <a:bodyPr/>
+          <a:lstStyle/>
+          <a:p>
+            <a:r>
+              <a:rPr lang="en-US" dirty="0" smtClean="0"/>
+              <a:t>New fitness function </a:t>
+            </a:r>
+          </a:p>
+          <a:p>
+            <a:pPr lvl="1"/>
+            <a:r>
+              <a:rPr lang="en-US" dirty="0" smtClean="0"/>
+              <a:t>tuned to human hearing</a:t>
+            </a:r>
+          </a:p>
+          <a:p>
+            <a:pPr lvl="1"/>
+            <a:r>
+              <a:rPr lang="en-US" dirty="0" smtClean="0"/>
+              <a:t>for computer interpretation</a:t>
+            </a:r>
+            <a:endParaRPr lang="en-US" dirty="0" smtClean="0"/>
+          </a:p>
+          <a:p>
+            <a:r>
+              <a:rPr lang="en-US" dirty="0" smtClean="0"/>
+              <a:t>Evolve different combinations of de-noising algorithms alongside parameters</a:t>
+            </a:r>
+          </a:p>
+          <a:p>
+            <a:pPr lvl="1"/>
+            <a:r>
+              <a:rPr lang="en-US" dirty="0" smtClean="0"/>
+              <a:t>Genetic programming</a:t>
+            </a:r>
+            <a:endParaRPr lang="en-US" dirty="0" smtClean="0"/>
+          </a:p>
+          <a:p>
+            <a:r>
+              <a:rPr lang="en-US" dirty="0" smtClean="0"/>
+              <a:t>Variety of audio samples</a:t>
+            </a:r>
+          </a:p>
+          <a:p>
+            <a:pPr lvl="1"/>
+            <a:r>
+              <a:rPr lang="en-US" dirty="0" smtClean="0"/>
+              <a:t>Different voices</a:t>
+            </a:r>
+          </a:p>
+          <a:p>
+            <a:pPr lvl="1"/>
+            <a:r>
+              <a:rPr lang="en-US" dirty="0" smtClean="0"/>
+              <a:t>Different noise situations</a:t>
+            </a:r>
+            <a:endParaRPr lang="en-US" dirty="0"/>
+          </a:p>
+        </p:txBody>
+      </p:sp>
+      <p:sp>
+        <p:nvSpPr>
+          <p:cNvPr id="3" name="Title 2"/>
+          <p:cNvSpPr>
+            <a:spLocks noGrp="1"/>
+          </p:cNvSpPr>
+          <p:nvPr>
+            <p:ph type="title"/>
+          </p:nvPr>
+        </p:nvSpPr>
+        <p:spPr/>
+        <p:txBody>
+          <a:bodyPr/>
+          <a:lstStyle/>
+          <a:p>
+            <a:r>
+              <a:rPr lang="en-US" dirty="0" smtClean="0"/>
+              <a:t>Future Work</a:t>
+            </a:r>
+            <a:endParaRPr lang="en-US" dirty="0"/>
+          </a:p>
+        </p:txBody>
+      </p:sp>
+    </p:spTree>
+    <p:extLst>
+      <p:ext uri="{BB962C8B-B14F-4D97-AF65-F5344CB8AC3E}">
+        <p14:creationId xmlns:p14="http://schemas.microsoft.com/office/powerpoint/2010/main" val="4055918415"/>
+      </p:ext>
+    </p:extLst>
+  </p:cSld>
+  <p:clrMapOvr>
+    <a:masterClrMapping/>
+  </p:clrMapOvr>
+</p:sld>
+</file>
+
+<file path=ppt/slides/slide18.xml><?xml version="1.0" encoding="utf-8"?>
+<p:sld xmlns:a="http://schemas.openxmlformats.org/drawingml/2006/main" xmlns:r="http://schemas.openxmlformats.org/officeDocument/2006/relationships" xmlns:p="http://schemas.openxmlformats.org/presentationml/2006/main">
+  <p:cSld>
+    <p:spTree>
+      <p:nvGrpSpPr>
+        <p:cNvPr id="1" name=""/>
+        <p:cNvGrpSpPr/>
+        <p:nvPr/>
+      </p:nvGrpSpPr>
+      <p:grpSpPr>
+        <a:xfrm>
+          <a:off x="0" y="0"/>
+          <a:ext cx="0" cy="0"/>
+          <a:chOff x="0" y="0"/>
+          <a:chExt cx="0" cy="0"/>
+        </a:xfrm>
+      </p:grpSpPr>
       <p:pic>
         <p:nvPicPr>
           <p:cNvPr id="2" name="Picture 1" descr="C:\Users\NGGZ7MT\AppData\Local\Microsoft\Windows\Temporary Internet Files\Content.IE5\N691L41P\MP900398831[1].jpg"/>
@@ -14306,6 +14624,13 @@
   <p:clrMapOvr>
     <a:masterClrMapping/>
   </p:clrMapOvr>
+  <p:timing>
+    <p:tnLst>
+      <p:par>
+        <p:cTn id="1" dur="indefinite" restart="never" nodeType="tmRoot"/>
+      </p:par>
+    </p:tnLst>
+  </p:timing>
 </p:sld>
 </file>
 
@@ -14425,6 +14750,13 @@
   <p:clrMapOvr>
     <a:masterClrMapping/>
   </p:clrMapOvr>
+  <p:timing>
+    <p:tnLst>
+      <p:par>
+        <p:cTn id="1" dur="indefinite" restart="never" nodeType="tmRoot"/>
+      </p:par>
+    </p:tnLst>
+  </p:timing>
 </p:sld>
 </file>
 
@@ -15018,8 +15350,8 @@
           </p:sp>
         </mc:Fallback>
       </mc:AlternateContent>
-      <mc:AlternateContent xmlns:mc="http://schemas.openxmlformats.org/markup-compatibility/2006" xmlns:a14="http://schemas.microsoft.com/office/drawing/2010/main">
-        <mc:Choice Requires="a14">
+      <mc:AlternateContent xmlns:mc="http://schemas.openxmlformats.org/markup-compatibility/2006">
+        <mc:Choice xmlns:a14="http://schemas.microsoft.com/office/drawing/2010/main" Requires="a14">
           <p:sp>
             <p:nvSpPr>
               <p:cNvPr id="8" name="TextBox 7"/>
@@ -15092,7 +15424,7 @@
                             <a:rPr lang="en-US" sz="2800" b="0" i="1" smtClean="0">
                               <a:latin typeface="Cambria Math"/>
                             </a:rPr>
-                            <m:t>𝐻</m:t>
+                            <m:t>𝐺</m:t>
                           </m:r>
                           <m:r>
                             <a:rPr lang="en-US" sz="2800" b="0" i="1" smtClean="0">
@@ -15146,7 +15478,7 @@
             </p:txBody>
           </p:sp>
         </mc:Choice>
-        <mc:Fallback xmlns="">
+        <mc:Fallback>
           <p:sp>
             <p:nvSpPr>
               <p:cNvPr id="8" name="TextBox 7"/>
@@ -16586,6 +16918,13 @@
   <p:clrMapOvr>
     <a:masterClrMapping/>
   </p:clrMapOvr>
+  <p:timing>
+    <p:tnLst>
+      <p:par>
+        <p:cTn id="1" dur="indefinite" restart="never" nodeType="tmRoot"/>
+      </p:par>
+    </p:tnLst>
+  </p:timing>
 </p:sld>
 </file>
 
@@ -16733,6 +17072,13 @@
   <p:clrMapOvr>
     <a:masterClrMapping/>
   </p:clrMapOvr>
+  <p:timing>
+    <p:tnLst>
+      <p:par>
+        <p:cTn id="1" dur="indefinite" restart="never" nodeType="tmRoot"/>
+      </p:par>
+    </p:tnLst>
+  </p:timing>
 </p:sld>
 </file>
 

--- a/project/848_Project_Presentation_Fasburg_Thomas.pptx
+++ b/project/848_Project_Presentation_Fasburg_Thomas.pptx
@@ -5,7 +5,7 @@
     <p:sldMasterId id="2147483761" r:id="rId1"/>
   </p:sldMasterIdLst>
   <p:notesMasterIdLst>
-    <p:notesMasterId r:id="rId20"/>
+    <p:notesMasterId r:id="rId21"/>
   </p:notesMasterIdLst>
   <p:sldIdLst>
     <p:sldId id="256" r:id="rId2"/>
@@ -16,16 +16,17 @@
     <p:sldId id="292" r:id="rId7"/>
     <p:sldId id="294" r:id="rId8"/>
     <p:sldId id="296" r:id="rId9"/>
-    <p:sldId id="297" r:id="rId10"/>
-    <p:sldId id="298" r:id="rId11"/>
-    <p:sldId id="299" r:id="rId12"/>
-    <p:sldId id="300" r:id="rId13"/>
-    <p:sldId id="301" r:id="rId14"/>
-    <p:sldId id="302" r:id="rId15"/>
-    <p:sldId id="303" r:id="rId16"/>
-    <p:sldId id="304" r:id="rId17"/>
-    <p:sldId id="306" r:id="rId18"/>
-    <p:sldId id="305" r:id="rId19"/>
+    <p:sldId id="307" r:id="rId10"/>
+    <p:sldId id="297" r:id="rId11"/>
+    <p:sldId id="298" r:id="rId12"/>
+    <p:sldId id="299" r:id="rId13"/>
+    <p:sldId id="300" r:id="rId14"/>
+    <p:sldId id="301" r:id="rId15"/>
+    <p:sldId id="302" r:id="rId16"/>
+    <p:sldId id="303" r:id="rId17"/>
+    <p:sldId id="304" r:id="rId18"/>
+    <p:sldId id="306" r:id="rId19"/>
+    <p:sldId id="305" r:id="rId20"/>
   </p:sldIdLst>
   <p:sldSz cx="9144000" cy="6858000" type="screen4x3"/>
   <p:notesSz cx="6858000" cy="9144000"/>
@@ -126,7 +127,7 @@
   </p:defaultTextStyle>
   <p:extLst>
     <p:ext uri="{EFAFB233-063F-42B5-8137-9DF3F51BA10A}">
-      <p15:sldGuideLst xmlns="" xmlns:p15="http://schemas.microsoft.com/office/powerpoint/2012/main">
+      <p15:sldGuideLst xmlns:p15="http://schemas.microsoft.com/office/powerpoint/2012/main" xmlns="">
         <p15:guide id="1" orient="horz" pos="2160">
           <p15:clr>
             <a:srgbClr val="A4A3A4"/>
@@ -621,47 +622,6 @@
           <a:bodyPr/>
           <a:lstStyle/>
           <a:p>
-            <a:r>
-              <a:rPr lang="en-US" dirty="0" smtClean="0"/>
-              <a:t>Shows</a:t>
-            </a:r>
-            <a:r>
-              <a:rPr lang="en-US" baseline="0" dirty="0" smtClean="0"/>
-              <a:t> average fitness at each generation number for each configuration type.</a:t>
-            </a:r>
-          </a:p>
-          <a:p>
-            <a:endParaRPr lang="en-US" baseline="0" dirty="0" smtClean="0"/>
-          </a:p>
-          <a:p>
-            <a:pPr marL="171450" indent="-171450">
-              <a:buFontTx/>
-              <a:buChar char="-"/>
-            </a:pPr>
-            <a:r>
-              <a:rPr lang="en-US" baseline="0" dirty="0" smtClean="0"/>
-              <a:t>Only first 100 generations are shown since lines become steady after and to decrease clutter in graph</a:t>
-            </a:r>
-          </a:p>
-          <a:p>
-            <a:pPr marL="171450" indent="-171450">
-              <a:buFontTx/>
-              <a:buChar char="-"/>
-            </a:pPr>
-            <a:r>
-              <a:rPr lang="en-US" baseline="0" dirty="0" smtClean="0"/>
-              <a:t>Population of 48 gets to better fitness a little faster</a:t>
-            </a:r>
-          </a:p>
-          <a:p>
-            <a:pPr marL="171450" indent="-171450">
-              <a:buFontTx/>
-              <a:buChar char="-"/>
-            </a:pPr>
-            <a:r>
-              <a:rPr lang="en-US" baseline="0" dirty="0" smtClean="0"/>
-              <a:t>Population of 48 also arrives at a better overall fitness</a:t>
-            </a:r>
             <a:endParaRPr lang="en-US" dirty="0"/>
           </a:p>
         </p:txBody>
@@ -748,11 +708,11 @@
           <a:p>
             <a:r>
               <a:rPr lang="en-US" dirty="0" smtClean="0"/>
-              <a:t>Shows same average as previous slide, but with error bars showing</a:t>
+              <a:t>Shows</a:t>
             </a:r>
             <a:r>
               <a:rPr lang="en-US" baseline="0" dirty="0" smtClean="0"/>
-              <a:t> the 95% confidence interval.</a:t>
+              <a:t> average fitness at each generation number for each configuration type.</a:t>
             </a:r>
           </a:p>
           <a:p>
@@ -765,7 +725,7 @@
             </a:pPr>
             <a:r>
               <a:rPr lang="en-US" baseline="0" dirty="0" smtClean="0"/>
-              <a:t>Overall error bars are pretty small</a:t>
+              <a:t>Only first 100 generations are shown since lines become steady after and to decrease clutter in graph</a:t>
             </a:r>
           </a:p>
           <a:p>
@@ -775,17 +735,17 @@
             </a:pPr>
             <a:r>
               <a:rPr lang="en-US" baseline="0" dirty="0" smtClean="0"/>
-              <a:t>In all three cases, error bars get smaller as the number of generations increases.</a:t>
-            </a:r>
-          </a:p>
-          <a:p>
-            <a:pPr marL="628650" lvl="1" indent="-171450">
+              <a:t>Population of 48 gets to better fitness a little faster</a:t>
+            </a:r>
+          </a:p>
+          <a:p>
+            <a:pPr marL="171450" indent="-171450">
               <a:buFontTx/>
               <a:buChar char="-"/>
             </a:pPr>
             <a:r>
               <a:rPr lang="en-US" baseline="0" dirty="0" smtClean="0"/>
-              <a:t>This is because the population is becoming less diverse.</a:t>
+              <a:t>Population of 48 also arrives at a better overall fitness</a:t>
             </a:r>
             <a:endParaRPr lang="en-US" dirty="0"/>
           </a:p>
@@ -873,20 +833,44 @@
           <a:p>
             <a:r>
               <a:rPr lang="en-US" dirty="0" smtClean="0"/>
-              <a:t>Expert only used one or the other at a time,</a:t>
+              <a:t>Shows same average as previous slide, but with error bars showing</a:t>
             </a:r>
             <a:r>
               <a:rPr lang="en-US" baseline="0" dirty="0" smtClean="0"/>
-              <a:t> because this is realistic scenario, plus the scale would be difficult to get exactly right, thus the fitness would be worse (since it is a raw subtraction)</a:t>
+              <a:t> the 95% confidence interval.</a:t>
             </a:r>
           </a:p>
           <a:p>
             <a:endParaRPr lang="en-US" baseline="0" dirty="0" smtClean="0"/>
           </a:p>
           <a:p>
+            <a:pPr marL="171450" indent="-171450">
+              <a:buFontTx/>
+              <a:buChar char="-"/>
+            </a:pPr>
             <a:r>
               <a:rPr lang="en-US" baseline="0" dirty="0" smtClean="0"/>
-              <a:t>Wiener might be better</a:t>
+              <a:t>Overall error bars are pretty small</a:t>
+            </a:r>
+          </a:p>
+          <a:p>
+            <a:pPr marL="171450" indent="-171450">
+              <a:buFontTx/>
+              <a:buChar char="-"/>
+            </a:pPr>
+            <a:r>
+              <a:rPr lang="en-US" baseline="0" dirty="0" smtClean="0"/>
+              <a:t>In all three cases, error bars get smaller as the number of generations increases.</a:t>
+            </a:r>
+          </a:p>
+          <a:p>
+            <a:pPr marL="628650" lvl="1" indent="-171450">
+              <a:buFontTx/>
+              <a:buChar char="-"/>
+            </a:pPr>
+            <a:r>
+              <a:rPr lang="en-US" baseline="0" dirty="0" smtClean="0"/>
+              <a:t>This is because the population is becoming less diverse.</a:t>
             </a:r>
             <a:endParaRPr lang="en-US" dirty="0"/>
           </a:p>
@@ -972,6 +956,23 @@
           <a:bodyPr/>
           <a:lstStyle/>
           <a:p>
+            <a:r>
+              <a:rPr lang="en-US" dirty="0" smtClean="0"/>
+              <a:t>Expert only used one or the other at a time,</a:t>
+            </a:r>
+            <a:r>
+              <a:rPr lang="en-US" baseline="0" dirty="0" smtClean="0"/>
+              <a:t> because this is realistic scenario, plus the scale would be difficult to get exactly right, thus the fitness would be worse (since it is a raw subtraction)</a:t>
+            </a:r>
+          </a:p>
+          <a:p>
+            <a:endParaRPr lang="en-US" baseline="0" dirty="0" smtClean="0"/>
+          </a:p>
+          <a:p>
+            <a:r>
+              <a:rPr lang="en-US" baseline="0" dirty="0" smtClean="0"/>
+              <a:t>Wiener might be better</a:t>
+            </a:r>
             <a:endParaRPr lang="en-US" dirty="0"/>
           </a:p>
         </p:txBody>
@@ -1224,46 +1225,6 @@
           <a:bodyPr/>
           <a:lstStyle/>
           <a:p>
-            <a:r>
-              <a:rPr lang="en-US" dirty="0" smtClean="0"/>
-              <a:t>Weiner</a:t>
-            </a:r>
-            <a:r>
-              <a:rPr lang="en-US" baseline="0" dirty="0" smtClean="0"/>
-              <a:t> is better</a:t>
-            </a:r>
-          </a:p>
-          <a:p>
-            <a:r>
-              <a:rPr lang="en-US" baseline="0" dirty="0" smtClean="0"/>
-              <a:t>Difficult to compare to expert results, not usually done this way</a:t>
-            </a:r>
-          </a:p>
-          <a:p>
-            <a:r>
-              <a:rPr lang="en-US" dirty="0" smtClean="0"/>
-              <a:t>We</a:t>
-            </a:r>
-            <a:r>
-              <a:rPr lang="en-US" baseline="0" dirty="0" smtClean="0"/>
-              <a:t> can improve, but with the </a:t>
-            </a:r>
-            <a:r>
-              <a:rPr lang="en-US" baseline="0" dirty="0" err="1" smtClean="0"/>
-              <a:t>comutation</a:t>
-            </a:r>
-            <a:r>
-              <a:rPr lang="en-US" baseline="0" dirty="0" smtClean="0"/>
-              <a:t> time the gain </a:t>
-            </a:r>
-            <a:r>
-              <a:rPr lang="en-US" baseline="0" dirty="0" err="1" smtClean="0"/>
-              <a:t>isnt</a:t>
-            </a:r>
-            <a:r>
-              <a:rPr lang="en-US" baseline="0" dirty="0" smtClean="0"/>
-              <a:t> that great</a:t>
-            </a:r>
             <a:endParaRPr lang="en-US" dirty="0"/>
           </a:p>
         </p:txBody>
@@ -1294,7 +1255,7 @@
     </p:spTree>
     <p:extLst>
       <p:ext uri="{BB962C8B-B14F-4D97-AF65-F5344CB8AC3E}">
-        <p14:creationId xmlns:p14="http://schemas.microsoft.com/office/powerpoint/2010/main" val="2329806253"/>
+        <p14:creationId xmlns:p14="http://schemas.microsoft.com/office/powerpoint/2010/main" val="1971904817"/>
       </p:ext>
     </p:extLst>
   </p:cSld>
@@ -1348,6 +1309,46 @@
           <a:bodyPr/>
           <a:lstStyle/>
           <a:p>
+            <a:r>
+              <a:rPr lang="en-US" dirty="0" smtClean="0"/>
+              <a:t>Weiner</a:t>
+            </a:r>
+            <a:r>
+              <a:rPr lang="en-US" baseline="0" dirty="0" smtClean="0"/>
+              <a:t> is better</a:t>
+            </a:r>
+          </a:p>
+          <a:p>
+            <a:r>
+              <a:rPr lang="en-US" baseline="0" dirty="0" smtClean="0"/>
+              <a:t>Difficult to compare to expert results, not usually done this way</a:t>
+            </a:r>
+          </a:p>
+          <a:p>
+            <a:r>
+              <a:rPr lang="en-US" dirty="0" smtClean="0"/>
+              <a:t>We</a:t>
+            </a:r>
+            <a:r>
+              <a:rPr lang="en-US" baseline="0" dirty="0" smtClean="0"/>
+              <a:t> can improve, but with the </a:t>
+            </a:r>
+            <a:r>
+              <a:rPr lang="en-US" baseline="0" dirty="0" err="1" smtClean="0"/>
+              <a:t>comutation</a:t>
+            </a:r>
+            <a:r>
+              <a:rPr lang="en-US" baseline="0" dirty="0" smtClean="0"/>
+              <a:t> time the gain </a:t>
+            </a:r>
+            <a:r>
+              <a:rPr lang="en-US" baseline="0" dirty="0" err="1" smtClean="0"/>
+              <a:t>isnt</a:t>
+            </a:r>
+            <a:r>
+              <a:rPr lang="en-US" baseline="0" dirty="0" smtClean="0"/>
+              <a:t> that great</a:t>
+            </a:r>
             <a:endParaRPr lang="en-US" dirty="0"/>
           </a:p>
         </p:txBody>
@@ -1370,6 +1371,90 @@
             <a:fld id="{B8B3BC3C-0900-4ACD-9030-5BE6C2442A68}" type="slidenum">
               <a:rPr lang="en-US" smtClean="0"/>
               <a:t>17</a:t>
+            </a:fld>
+            <a:endParaRPr lang="en-US" dirty="0"/>
+          </a:p>
+        </p:txBody>
+      </p:sp>
+    </p:spTree>
+    <p:extLst>
+      <p:ext uri="{BB962C8B-B14F-4D97-AF65-F5344CB8AC3E}">
+        <p14:creationId xmlns:p14="http://schemas.microsoft.com/office/powerpoint/2010/main" val="2329806253"/>
+      </p:ext>
+    </p:extLst>
+  </p:cSld>
+  <p:clrMapOvr>
+    <a:masterClrMapping/>
+  </p:clrMapOvr>
+</p:notes>
+</file>
+
+<file path=ppt/notesSlides/notesSlide18.xml><?xml version="1.0" encoding="utf-8"?>
+<p:notes xmlns:a="http://schemas.openxmlformats.org/drawingml/2006/main" xmlns:r="http://schemas.openxmlformats.org/officeDocument/2006/relationships" xmlns:p="http://schemas.openxmlformats.org/presentationml/2006/main">
+  <p:cSld>
+    <p:spTree>
+      <p:nvGrpSpPr>
+        <p:cNvPr id="1" name=""/>
+        <p:cNvGrpSpPr/>
+        <p:nvPr/>
+      </p:nvGrpSpPr>
+      <p:grpSpPr>
+        <a:xfrm>
+          <a:off x="0" y="0"/>
+          <a:ext cx="0" cy="0"/>
+          <a:chOff x="0" y="0"/>
+          <a:chExt cx="0" cy="0"/>
+        </a:xfrm>
+      </p:grpSpPr>
+      <p:sp>
+        <p:nvSpPr>
+          <p:cNvPr id="2" name="Slide Image Placeholder 1"/>
+          <p:cNvSpPr>
+            <a:spLocks noGrp="1" noRot="1" noChangeAspect="1"/>
+          </p:cNvSpPr>
+          <p:nvPr>
+            <p:ph type="sldImg"/>
+          </p:nvPr>
+        </p:nvSpPr>
+        <p:spPr/>
+      </p:sp>
+      <p:sp>
+        <p:nvSpPr>
+          <p:cNvPr id="3" name="Notes Placeholder 2"/>
+          <p:cNvSpPr>
+            <a:spLocks noGrp="1"/>
+          </p:cNvSpPr>
+          <p:nvPr>
+            <p:ph type="body" idx="1"/>
+          </p:nvPr>
+        </p:nvSpPr>
+        <p:spPr/>
+        <p:txBody>
+          <a:bodyPr/>
+          <a:lstStyle/>
+          <a:p>
+            <a:endParaRPr lang="en-US" dirty="0"/>
+          </a:p>
+        </p:txBody>
+      </p:sp>
+      <p:sp>
+        <p:nvSpPr>
+          <p:cNvPr id="4" name="Slide Number Placeholder 3"/>
+          <p:cNvSpPr>
+            <a:spLocks noGrp="1"/>
+          </p:cNvSpPr>
+          <p:nvPr>
+            <p:ph type="sldNum" sz="quarter" idx="10"/>
+          </p:nvPr>
+        </p:nvSpPr>
+        <p:spPr/>
+        <p:txBody>
+          <a:bodyPr/>
+          <a:lstStyle/>
+          <a:p>
+            <a:fld id="{B8B3BC3C-0900-4ACD-9030-5BE6C2442A68}" type="slidenum">
+              <a:rPr lang="en-US" smtClean="0"/>
+              <a:t>18</a:t>
             </a:fld>
             <a:endParaRPr lang="en-US" dirty="0"/>
           </a:p>
@@ -1516,6 +1601,26 @@
           <a:bodyPr/>
           <a:lstStyle/>
           <a:p>
+            <a:r>
+              <a:rPr lang="en-US" dirty="0" smtClean="0"/>
+              <a:t>Lots</a:t>
+            </a:r>
+            <a:r>
+              <a:rPr lang="en-US" baseline="0" dirty="0" smtClean="0"/>
+              <a:t> of applications for cars</a:t>
+            </a:r>
+          </a:p>
+          <a:p>
+            <a:r>
+              <a:rPr lang="en-US" baseline="0" dirty="0" smtClean="0"/>
+              <a:t>Cell phone calls</a:t>
+            </a:r>
+          </a:p>
+          <a:p>
+            <a:r>
+              <a:rPr lang="en-US" baseline="0" dirty="0" smtClean="0"/>
+              <a:t>Voice recognition</a:t>
+            </a:r>
             <a:endParaRPr lang="en-US" dirty="0"/>
           </a:p>
         </p:txBody>
@@ -1602,7 +1707,22 @@
           <a:p>
             <a:r>
               <a:rPr lang="en-US" dirty="0" smtClean="0"/>
-              <a:t>Covariance matrix “learns” relationships</a:t>
+              <a:t>Covariance Matrix Adaptation</a:t>
+            </a:r>
+            <a:r>
+              <a:rPr lang="en-US" baseline="0" dirty="0" smtClean="0"/>
+              <a:t> – Evolutionary strategies</a:t>
+            </a:r>
+            <a:endParaRPr lang="en-US" dirty="0" smtClean="0"/>
+          </a:p>
+          <a:p>
+            <a:r>
+              <a:rPr lang="en-US" dirty="0" smtClean="0"/>
+              <a:t>Covariance </a:t>
+            </a:r>
+            <a:r>
+              <a:rPr lang="en-US" dirty="0" smtClean="0"/>
+              <a:t>matrix “learns” relationships</a:t>
             </a:r>
             <a:r>
               <a:rPr lang="en-US" baseline="0" dirty="0" smtClean="0"/>
@@ -1699,7 +1819,25 @@
           <a:p>
             <a:r>
               <a:rPr lang="en-US" dirty="0" smtClean="0"/>
-              <a:t>Version we’re using: </a:t>
+              <a:t>Fourier domain</a:t>
+            </a:r>
+            <a:r>
+              <a:rPr lang="en-US" baseline="0" dirty="0" smtClean="0"/>
+              <a:t> – results in energy values for different frequency bins</a:t>
+            </a:r>
+            <a:endParaRPr lang="en-US" dirty="0" smtClean="0"/>
+          </a:p>
+          <a:p>
+            <a:endParaRPr lang="en-US" dirty="0" smtClean="0"/>
+          </a:p>
+          <a:p>
+            <a:r>
+              <a:rPr lang="en-US" dirty="0" smtClean="0"/>
+              <a:t>Version </a:t>
+            </a:r>
+            <a:r>
+              <a:rPr lang="en-US" dirty="0" smtClean="0"/>
+              <a:t>we’re using: </a:t>
             </a:r>
           </a:p>
           <a:p>
@@ -1964,15 +2102,38 @@
             </a:r>
           </a:p>
           <a:p>
+            <a:endParaRPr lang="en-US" baseline="0" dirty="0" smtClean="0"/>
+          </a:p>
+          <a:p>
             <a:r>
               <a:rPr lang="en-US" baseline="0" dirty="0" smtClean="0"/>
-              <a:t>S instead of Y?</a:t>
-            </a:r>
-          </a:p>
-          <a:p>
+              <a:t>y(t) is what we can hear (</a:t>
+            </a:r>
+            <a:r>
+              <a:rPr lang="en-US" baseline="0" dirty="0" err="1" smtClean="0"/>
+              <a:t>nosiy</a:t>
+            </a:r>
             <a:r>
               <a:rPr lang="en-US" baseline="0" dirty="0" smtClean="0"/>
-              <a:t>Why is S squared but not N</a:t>
+              <a:t> speech)</a:t>
+            </a:r>
+          </a:p>
+          <a:p>
+            <a:r>
+              <a:rPr lang="en-US" baseline="0" dirty="0" smtClean="0"/>
+              <a:t>x(t) is the unknown clean speech that</a:t>
+            </a:r>
+          </a:p>
+          <a:p>
+            <a:r>
+              <a:rPr lang="en-US" baseline="0" dirty="0" smtClean="0"/>
+              <a:t>n(t) is additive noise</a:t>
+            </a:r>
+          </a:p>
+          <a:p>
+            <a:r>
+              <a:rPr lang="en-US" baseline="0" dirty="0" smtClean="0"/>
+              <a:t>h(t) is the Linear Time Invariant system applied to x (in this case, the car)</a:t>
             </a:r>
           </a:p>
           <a:p>
@@ -1981,7 +2142,7 @@
           <a:p>
             <a:r>
               <a:rPr lang="en-US" baseline="0" dirty="0" smtClean="0"/>
-              <a:t>Y and S </a:t>
+              <a:t>Y </a:t>
             </a:r>
             <a:r>
               <a:rPr lang="en-US" baseline="0" dirty="0" smtClean="0"/>
@@ -2083,6 +2244,29 @@
           <a:bodyPr/>
           <a:lstStyle/>
           <a:p>
+            <a:r>
+              <a:rPr lang="en-US" dirty="0" smtClean="0"/>
+              <a:t>When</a:t>
+            </a:r>
+            <a:r>
+              <a:rPr lang="en-US" baseline="0" dirty="0" smtClean="0"/>
+              <a:t> above threshold, does nothing</a:t>
+            </a:r>
+          </a:p>
+          <a:p>
+            <a:r>
+              <a:rPr lang="en-US" baseline="0" dirty="0" smtClean="0"/>
+              <a:t>When below threshold, attenuates</a:t>
+            </a:r>
+          </a:p>
+          <a:p>
+            <a:endParaRPr lang="en-US" baseline="0" dirty="0" smtClean="0"/>
+          </a:p>
+          <a:p>
+            <a:r>
+              <a:rPr lang="en-US" baseline="0" dirty="0" smtClean="0"/>
+              <a:t>We made hold = 0 and attack = release to simplify</a:t>
+            </a:r>
             <a:endParaRPr lang="en-US" dirty="0"/>
           </a:p>
         </p:txBody>
@@ -2259,6 +2443,43 @@
           <a:bodyPr/>
           <a:lstStyle/>
           <a:p>
+            <a:r>
+              <a:rPr lang="en-US" dirty="0" smtClean="0"/>
+              <a:t>Not</a:t>
+            </a:r>
+            <a:r>
+              <a:rPr lang="en-US" baseline="0" dirty="0" smtClean="0"/>
+              <a:t> a black box problem</a:t>
+            </a:r>
+          </a:p>
+          <a:p>
+            <a:r>
+              <a:rPr lang="en-US" baseline="0" dirty="0" smtClean="0"/>
+              <a:t>ES saw parameters cut off at 0 and 1</a:t>
+            </a:r>
+          </a:p>
+          <a:p>
+            <a:r>
+              <a:rPr lang="en-US" baseline="0" dirty="0" smtClean="0"/>
+              <a:t>Scales were applied during fitness function</a:t>
+            </a:r>
+          </a:p>
+          <a:p>
+            <a:endParaRPr lang="en-US" baseline="0" dirty="0" smtClean="0"/>
+          </a:p>
+          <a:p>
+            <a:r>
+              <a:rPr lang="en-US" baseline="0" dirty="0" smtClean="0"/>
+              <a:t>Note </a:t>
+            </a:r>
+            <a:r>
+              <a:rPr lang="en-US" baseline="0" dirty="0" err="1" smtClean="0"/>
+              <a:t>params</a:t>
+            </a:r>
+            <a:r>
+              <a:rPr lang="en-US" baseline="0" dirty="0" smtClean="0"/>
+              <a:t> are given wider than usual space as to not make too many assumptions</a:t>
+            </a:r>
             <a:endParaRPr lang="en-US" dirty="0"/>
           </a:p>
         </p:txBody>
@@ -2289,7 +2510,7 @@
     </p:spTree>
     <p:extLst>
       <p:ext uri="{BB962C8B-B14F-4D97-AF65-F5344CB8AC3E}">
-        <p14:creationId xmlns:p14="http://schemas.microsoft.com/office/powerpoint/2010/main" val="1971904817"/>
+        <p14:creationId xmlns:p14="http://schemas.microsoft.com/office/powerpoint/2010/main" val="704678554"/>
       </p:ext>
     </p:extLst>
   </p:cSld>
@@ -6928,6 +7149,160 @@
           </a:bodyPr>
           <a:lstStyle/>
           <a:p>
+            <a:r>
+              <a:rPr lang="en-US" dirty="0" smtClean="0"/>
+              <a:t>Three different run configurations</a:t>
+            </a:r>
+          </a:p>
+          <a:p>
+            <a:pPr lvl="1"/>
+            <a:r>
+              <a:rPr lang="en-US" dirty="0" smtClean="0"/>
+              <a:t>1</a:t>
+            </a:r>
+            <a:r>
+              <a:rPr lang="en-US" dirty="0"/>
+              <a:t>: Population of 12</a:t>
+            </a:r>
+          </a:p>
+          <a:p>
+            <a:pPr lvl="1"/>
+            <a:r>
+              <a:rPr lang="en-US" dirty="0" smtClean="0"/>
+              <a:t>2</a:t>
+            </a:r>
+            <a:r>
+              <a:rPr lang="en-US" dirty="0"/>
+              <a:t>: Population of 24</a:t>
+            </a:r>
+          </a:p>
+          <a:p>
+            <a:pPr lvl="1"/>
+            <a:r>
+              <a:rPr lang="en-US" dirty="0" smtClean="0"/>
+              <a:t>3</a:t>
+            </a:r>
+            <a:r>
+              <a:rPr lang="en-US" dirty="0"/>
+              <a:t>: Population of </a:t>
+            </a:r>
+            <a:r>
+              <a:rPr lang="en-US" dirty="0" smtClean="0"/>
+              <a:t>48</a:t>
+            </a:r>
+          </a:p>
+          <a:p>
+            <a:r>
+              <a:rPr lang="en-US" dirty="0" smtClean="0"/>
+              <a:t>300 Generations per run</a:t>
+            </a:r>
+          </a:p>
+          <a:p>
+            <a:r>
+              <a:rPr lang="en-US" dirty="0" smtClean="0"/>
+              <a:t>50 runs per configuration</a:t>
+            </a:r>
+          </a:p>
+          <a:p>
+            <a:pPr lvl="1"/>
+            <a:endParaRPr lang="en-US" dirty="0" smtClean="0"/>
+          </a:p>
+          <a:p>
+            <a:pPr marL="393192" lvl="1" indent="0">
+              <a:buNone/>
+            </a:pPr>
+            <a:endParaRPr lang="en-US" i="1" dirty="0"/>
+          </a:p>
+          <a:p>
+            <a:pPr marL="393192" lvl="1" indent="0">
+              <a:buNone/>
+            </a:pPr>
+            <a:endParaRPr lang="en-US" i="1" dirty="0" smtClean="0"/>
+          </a:p>
+        </p:txBody>
+      </p:sp>
+      <p:sp>
+        <p:nvSpPr>
+          <p:cNvPr id="3" name="Title 2"/>
+          <p:cNvSpPr>
+            <a:spLocks noGrp="1"/>
+          </p:cNvSpPr>
+          <p:nvPr>
+            <p:ph type="title"/>
+          </p:nvPr>
+        </p:nvSpPr>
+        <p:spPr/>
+        <p:txBody>
+          <a:bodyPr/>
+          <a:lstStyle/>
+          <a:p>
+            <a:r>
+              <a:rPr lang="en-US" dirty="0" smtClean="0"/>
+              <a:t>Results</a:t>
+            </a:r>
+            <a:endParaRPr lang="en-US" dirty="0"/>
+          </a:p>
+        </p:txBody>
+      </p:sp>
+    </p:spTree>
+    <p:extLst>
+      <p:ext uri="{BB962C8B-B14F-4D97-AF65-F5344CB8AC3E}">
+        <p14:creationId xmlns:p14="http://schemas.microsoft.com/office/powerpoint/2010/main" val="61056779"/>
+      </p:ext>
+    </p:extLst>
+  </p:cSld>
+  <p:clrMapOvr>
+    <a:masterClrMapping/>
+  </p:clrMapOvr>
+  <p:timing>
+    <p:tnLst>
+      <p:par>
+        <p:cTn id="1" dur="indefinite" restart="never" nodeType="tmRoot"/>
+      </p:par>
+    </p:tnLst>
+  </p:timing>
+</p:sld>
+</file>
+
+<file path=ppt/slides/slide11.xml><?xml version="1.0" encoding="utf-8"?>
+<p:sld xmlns:a="http://schemas.openxmlformats.org/drawingml/2006/main" xmlns:r="http://schemas.openxmlformats.org/officeDocument/2006/relationships" xmlns:p="http://schemas.openxmlformats.org/presentationml/2006/main">
+  <p:cSld>
+    <p:spTree>
+      <p:nvGrpSpPr>
+        <p:cNvPr id="1" name=""/>
+        <p:cNvGrpSpPr/>
+        <p:nvPr/>
+      </p:nvGrpSpPr>
+      <p:grpSpPr>
+        <a:xfrm>
+          <a:off x="0" y="0"/>
+          <a:ext cx="0" cy="0"/>
+          <a:chOff x="0" y="0"/>
+          <a:chExt cx="0" cy="0"/>
+        </a:xfrm>
+      </p:grpSpPr>
+      <p:sp>
+        <p:nvSpPr>
+          <p:cNvPr id="2" name="Content Placeholder 1"/>
+          <p:cNvSpPr>
+            <a:spLocks noGrp="1"/>
+          </p:cNvSpPr>
+          <p:nvPr>
+            <p:ph idx="1"/>
+          </p:nvPr>
+        </p:nvSpPr>
+        <p:spPr>
+          <a:xfrm>
+            <a:off x="457200" y="1481328"/>
+            <a:ext cx="8229600" cy="4843272"/>
+          </a:xfrm>
+        </p:spPr>
+        <p:txBody>
+          <a:bodyPr>
+            <a:normAutofit/>
+          </a:bodyPr>
+          <a:lstStyle/>
+          <a:p>
             <a:endParaRPr lang="en-US" i="1" dirty="0" smtClean="0"/>
           </a:p>
           <a:p>
@@ -7026,7 +7401,7 @@
 </p:sld>
 </file>
 
-<file path=ppt/slides/slide11.xml><?xml version="1.0" encoding="utf-8"?>
+<file path=ppt/slides/slide12.xml><?xml version="1.0" encoding="utf-8"?>
 <p:sld xmlns:a="http://schemas.openxmlformats.org/drawingml/2006/main" xmlns:r="http://schemas.openxmlformats.org/officeDocument/2006/relationships" xmlns:p="http://schemas.openxmlformats.org/presentationml/2006/main">
   <p:cSld>
     <p:spTree>
@@ -7241,7 +7616,7 @@
 </p:sld>
 </file>
 
-<file path=ppt/slides/slide12.xml><?xml version="1.0" encoding="utf-8"?>
+<file path=ppt/slides/slide13.xml><?xml version="1.0" encoding="utf-8"?>
 <p:sld xmlns:a="http://schemas.openxmlformats.org/drawingml/2006/main" xmlns:r="http://schemas.openxmlformats.org/officeDocument/2006/relationships" xmlns:p="http://schemas.openxmlformats.org/presentationml/2006/main">
   <p:cSld>
     <p:spTree>
@@ -11069,1085 +11444,6 @@
     <p:extLst>
       <p:ext uri="{BB962C8B-B14F-4D97-AF65-F5344CB8AC3E}">
         <p14:creationId xmlns:p14="http://schemas.microsoft.com/office/powerpoint/2010/main" val="2036914928"/>
-      </p:ext>
-    </p:extLst>
-  </p:cSld>
-  <p:clrMapOvr>
-    <a:masterClrMapping/>
-  </p:clrMapOvr>
-  <p:timing>
-    <p:tnLst>
-      <p:par>
-        <p:cTn id="1" dur="indefinite" restart="never" nodeType="tmRoot"/>
-      </p:par>
-    </p:tnLst>
-  </p:timing>
-</p:sld>
-</file>
-
-<file path=ppt/slides/slide13.xml><?xml version="1.0" encoding="utf-8"?>
-<p:sld xmlns:a="http://schemas.openxmlformats.org/drawingml/2006/main" xmlns:r="http://schemas.openxmlformats.org/officeDocument/2006/relationships" xmlns:p="http://schemas.openxmlformats.org/presentationml/2006/main">
-  <p:cSld>
-    <p:spTree>
-      <p:nvGrpSpPr>
-        <p:cNvPr id="1" name=""/>
-        <p:cNvGrpSpPr/>
-        <p:nvPr/>
-      </p:nvGrpSpPr>
-      <p:grpSpPr>
-        <a:xfrm>
-          <a:off x="0" y="0"/>
-          <a:ext cx="0" cy="0"/>
-          <a:chOff x="0" y="0"/>
-          <a:chExt cx="0" cy="0"/>
-        </a:xfrm>
-      </p:grpSpPr>
-      <p:sp>
-        <p:nvSpPr>
-          <p:cNvPr id="2" name="Content Placeholder 1"/>
-          <p:cNvSpPr>
-            <a:spLocks noGrp="1"/>
-          </p:cNvSpPr>
-          <p:nvPr>
-            <p:ph idx="1"/>
-          </p:nvPr>
-        </p:nvSpPr>
-        <p:spPr>
-          <a:xfrm>
-            <a:off x="457200" y="1481328"/>
-            <a:ext cx="8229600" cy="4843272"/>
-          </a:xfrm>
-        </p:spPr>
-        <p:txBody>
-          <a:bodyPr>
-            <a:normAutofit/>
-          </a:bodyPr>
-          <a:lstStyle/>
-          <a:p>
-            <a:pPr marL="109728" indent="0" algn="ctr">
-              <a:buNone/>
-            </a:pPr>
-            <a:r>
-              <a:rPr lang="en-US" dirty="0" smtClean="0"/>
-              <a:t>Running the best results with only</a:t>
-            </a:r>
-          </a:p>
-          <a:p>
-            <a:pPr marL="109728" indent="0" algn="ctr">
-              <a:buNone/>
-            </a:pPr>
-            <a:r>
-              <a:rPr lang="en-US" dirty="0" smtClean="0"/>
-              <a:t>the Wiener Filter</a:t>
-            </a:r>
-          </a:p>
-          <a:p>
-            <a:pPr marL="393192" lvl="1" indent="0">
-              <a:buNone/>
-            </a:pPr>
-            <a:endParaRPr lang="en-US" i="1" dirty="0"/>
-          </a:p>
-          <a:p>
-            <a:pPr marL="393192" lvl="1" indent="0">
-              <a:buNone/>
-            </a:pPr>
-            <a:endParaRPr lang="en-US" i="1" dirty="0" smtClean="0"/>
-          </a:p>
-        </p:txBody>
-      </p:sp>
-      <p:sp>
-        <p:nvSpPr>
-          <p:cNvPr id="3" name="Title 2"/>
-          <p:cNvSpPr>
-            <a:spLocks noGrp="1"/>
-          </p:cNvSpPr>
-          <p:nvPr>
-            <p:ph type="title"/>
-          </p:nvPr>
-        </p:nvSpPr>
-        <p:spPr/>
-        <p:txBody>
-          <a:bodyPr/>
-          <a:lstStyle/>
-          <a:p>
-            <a:r>
-              <a:rPr lang="en-US" dirty="0" smtClean="0"/>
-              <a:t>Results</a:t>
-            </a:r>
-            <a:endParaRPr lang="en-US" dirty="0"/>
-          </a:p>
-        </p:txBody>
-      </p:sp>
-      <p:graphicFrame>
-        <p:nvGraphicFramePr>
-          <p:cNvPr id="6" name="Table 5"/>
-          <p:cNvGraphicFramePr>
-            <a:graphicFrameLocks noGrp="1"/>
-          </p:cNvGraphicFramePr>
-          <p:nvPr>
-            <p:extLst>
-              <p:ext uri="{D42A27DB-BD31-4B8C-83A1-F6EECF244321}">
-                <p14:modId xmlns:p14="http://schemas.microsoft.com/office/powerpoint/2010/main" val="2060831513"/>
-              </p:ext>
-            </p:extLst>
-          </p:nvPr>
-        </p:nvGraphicFramePr>
-        <p:xfrm>
-          <a:off x="2514600" y="2910840"/>
-          <a:ext cx="4343400" cy="2118360"/>
-        </p:xfrm>
-        <a:graphic>
-          <a:graphicData uri="http://schemas.openxmlformats.org/drawingml/2006/table">
-            <a:tbl>
-              <a:tblPr firstRow="1" bandRow="1">
-                <a:tableStyleId>{5C22544A-7EE6-4342-B048-85BDC9FD1C3A}</a:tableStyleId>
-              </a:tblPr>
-              <a:tblGrid>
-                <a:gridCol w="2209800"/>
-                <a:gridCol w="1066800"/>
-                <a:gridCol w="1066800"/>
-              </a:tblGrid>
-              <a:tr h="370840">
-                <a:tc>
-                  <a:txBody>
-                    <a:bodyPr/>
-                    <a:lstStyle/>
-                    <a:p>
-                      <a:pPr algn="r"/>
-                      <a:endParaRPr lang="en-US" dirty="0">
-                        <a:solidFill>
-                          <a:sysClr val="windowText" lastClr="000000"/>
-                        </a:solidFill>
-                      </a:endParaRPr>
-                    </a:p>
-                  </a:txBody>
-                  <a:tcPr>
-                    <a:lnL w="12700" cap="flat" cmpd="sng" algn="ctr">
-                      <a:solidFill>
-                        <a:schemeClr val="tx1"/>
-                      </a:solidFill>
-                      <a:prstDash val="solid"/>
-                      <a:round/>
-                      <a:headEnd type="none" w="med" len="med"/>
-                      <a:tailEnd type="none" w="med" len="med"/>
-                    </a:lnL>
-                    <a:lnR w="12700" cap="flat" cmpd="sng" algn="ctr">
-                      <a:solidFill>
-                        <a:schemeClr val="tx1"/>
-                      </a:solidFill>
-                      <a:prstDash val="solid"/>
-                      <a:round/>
-                      <a:headEnd type="none" w="med" len="med"/>
-                      <a:tailEnd type="none" w="med" len="med"/>
-                    </a:lnR>
-                    <a:lnT w="12700" cap="flat" cmpd="sng" algn="ctr">
-                      <a:solidFill>
-                        <a:schemeClr val="tx1"/>
-                      </a:solidFill>
-                      <a:prstDash val="solid"/>
-                      <a:round/>
-                      <a:headEnd type="none" w="med" len="med"/>
-                      <a:tailEnd type="none" w="med" len="med"/>
-                    </a:lnT>
-                    <a:lnB w="12700" cap="flat" cmpd="sng" algn="ctr">
-                      <a:solidFill>
-                        <a:schemeClr val="tx1"/>
-                      </a:solidFill>
-                      <a:prstDash val="solid"/>
-                      <a:round/>
-                      <a:headEnd type="none" w="med" len="med"/>
-                      <a:tailEnd type="none" w="med" len="med"/>
-                    </a:lnB>
-                    <a:noFill/>
-                  </a:tcPr>
-                </a:tc>
-                <a:tc>
-                  <a:txBody>
-                    <a:bodyPr/>
-                    <a:lstStyle/>
-                    <a:p>
-                      <a:pPr algn="ctr"/>
-                      <a:r>
-                        <a:rPr lang="en-US" dirty="0" smtClean="0">
-                          <a:solidFill>
-                            <a:sysClr val="windowText" lastClr="000000"/>
-                          </a:solidFill>
-                        </a:rPr>
-                        <a:t>Expert Results</a:t>
-                      </a:r>
-                      <a:endParaRPr lang="en-US" dirty="0">
-                        <a:solidFill>
-                          <a:sysClr val="windowText" lastClr="000000"/>
-                        </a:solidFill>
-                      </a:endParaRPr>
-                    </a:p>
-                  </a:txBody>
-                  <a:tcPr>
-                    <a:lnL w="12700" cap="flat" cmpd="sng" algn="ctr">
-                      <a:solidFill>
-                        <a:schemeClr val="tx1"/>
-                      </a:solidFill>
-                      <a:prstDash val="solid"/>
-                      <a:round/>
-                      <a:headEnd type="none" w="med" len="med"/>
-                      <a:tailEnd type="none" w="med" len="med"/>
-                    </a:lnL>
-                    <a:lnR w="12700" cap="flat" cmpd="sng" algn="ctr">
-                      <a:solidFill>
-                        <a:schemeClr val="tx1"/>
-                      </a:solidFill>
-                      <a:prstDash val="solid"/>
-                      <a:round/>
-                      <a:headEnd type="none" w="med" len="med"/>
-                      <a:tailEnd type="none" w="med" len="med"/>
-                    </a:lnR>
-                    <a:lnT w="12700" cap="flat" cmpd="sng" algn="ctr">
-                      <a:solidFill>
-                        <a:schemeClr val="tx1"/>
-                      </a:solidFill>
-                      <a:prstDash val="solid"/>
-                      <a:round/>
-                      <a:headEnd type="none" w="med" len="med"/>
-                      <a:tailEnd type="none" w="med" len="med"/>
-                    </a:lnT>
-                    <a:lnB w="12700" cap="flat" cmpd="sng" algn="ctr">
-                      <a:solidFill>
-                        <a:schemeClr val="tx1"/>
-                      </a:solidFill>
-                      <a:prstDash val="solid"/>
-                      <a:round/>
-                      <a:headEnd type="none" w="med" len="med"/>
-                      <a:tailEnd type="none" w="med" len="med"/>
-                    </a:lnB>
-                    <a:noFill/>
-                  </a:tcPr>
-                </a:tc>
-                <a:tc>
-                  <a:txBody>
-                    <a:bodyPr/>
-                    <a:lstStyle/>
-                    <a:p>
-                      <a:pPr algn="ctr"/>
-                      <a:r>
-                        <a:rPr lang="en-US" dirty="0" smtClean="0">
-                          <a:solidFill>
-                            <a:sysClr val="windowText" lastClr="000000"/>
-                          </a:solidFill>
-                        </a:rPr>
-                        <a:t>Best</a:t>
-                      </a:r>
-                      <a:r>
-                        <a:rPr lang="en-US" baseline="0" dirty="0" smtClean="0">
-                          <a:solidFill>
-                            <a:sysClr val="windowText" lastClr="000000"/>
-                          </a:solidFill>
-                        </a:rPr>
-                        <a:t> Results</a:t>
-                      </a:r>
-                      <a:endParaRPr lang="en-US" dirty="0">
-                        <a:solidFill>
-                          <a:sysClr val="windowText" lastClr="000000"/>
-                        </a:solidFill>
-                      </a:endParaRPr>
-                    </a:p>
-                  </a:txBody>
-                  <a:tcPr>
-                    <a:lnL w="12700" cap="flat" cmpd="sng" algn="ctr">
-                      <a:solidFill>
-                        <a:schemeClr val="tx1"/>
-                      </a:solidFill>
-                      <a:prstDash val="solid"/>
-                      <a:round/>
-                      <a:headEnd type="none" w="med" len="med"/>
-                      <a:tailEnd type="none" w="med" len="med"/>
-                    </a:lnL>
-                    <a:lnR w="12700" cap="flat" cmpd="sng" algn="ctr">
-                      <a:solidFill>
-                        <a:schemeClr val="tx1"/>
-                      </a:solidFill>
-                      <a:prstDash val="solid"/>
-                      <a:round/>
-                      <a:headEnd type="none" w="med" len="med"/>
-                      <a:tailEnd type="none" w="med" len="med"/>
-                    </a:lnR>
-                    <a:lnT w="12700" cap="flat" cmpd="sng" algn="ctr">
-                      <a:solidFill>
-                        <a:schemeClr val="tx1"/>
-                      </a:solidFill>
-                      <a:prstDash val="solid"/>
-                      <a:round/>
-                      <a:headEnd type="none" w="med" len="med"/>
-                      <a:tailEnd type="none" w="med" len="med"/>
-                    </a:lnT>
-                    <a:lnB w="12700" cap="flat" cmpd="sng" algn="ctr">
-                      <a:solidFill>
-                        <a:schemeClr val="tx1"/>
-                      </a:solidFill>
-                      <a:prstDash val="solid"/>
-                      <a:round/>
-                      <a:headEnd type="none" w="med" len="med"/>
-                      <a:tailEnd type="none" w="med" len="med"/>
-                    </a:lnB>
-                    <a:noFill/>
-                  </a:tcPr>
-                </a:tc>
-              </a:tr>
-              <a:tr h="370840">
-                <a:tc>
-                  <a:txBody>
-                    <a:bodyPr/>
-                    <a:lstStyle/>
-                    <a:p>
-                      <a:pPr algn="r"/>
-                      <a:r>
-                        <a:rPr lang="en-US" dirty="0" smtClean="0">
-                          <a:solidFill>
-                            <a:sysClr val="windowText" lastClr="000000"/>
-                          </a:solidFill>
-                        </a:rPr>
-                        <a:t>%</a:t>
-                      </a:r>
-                      <a:r>
-                        <a:rPr lang="en-US" baseline="0" dirty="0" smtClean="0">
-                          <a:solidFill>
-                            <a:sysClr val="windowText" lastClr="000000"/>
-                          </a:solidFill>
-                        </a:rPr>
-                        <a:t> Wiener</a:t>
-                      </a:r>
-                      <a:endParaRPr lang="en-US" dirty="0">
-                        <a:solidFill>
-                          <a:sysClr val="windowText" lastClr="000000"/>
-                        </a:solidFill>
-                      </a:endParaRPr>
-                    </a:p>
-                  </a:txBody>
-                  <a:tcPr>
-                    <a:lnL w="12700" cap="flat" cmpd="sng" algn="ctr">
-                      <a:solidFill>
-                        <a:schemeClr val="tx1"/>
-                      </a:solidFill>
-                      <a:prstDash val="solid"/>
-                      <a:round/>
-                      <a:headEnd type="none" w="med" len="med"/>
-                      <a:tailEnd type="none" w="med" len="med"/>
-                    </a:lnL>
-                    <a:lnR w="12700" cap="flat" cmpd="sng" algn="ctr">
-                      <a:solidFill>
-                        <a:schemeClr val="tx1"/>
-                      </a:solidFill>
-                      <a:prstDash val="solid"/>
-                      <a:round/>
-                      <a:headEnd type="none" w="med" len="med"/>
-                      <a:tailEnd type="none" w="med" len="med"/>
-                    </a:lnR>
-                    <a:lnT w="12700" cap="flat" cmpd="sng" algn="ctr">
-                      <a:solidFill>
-                        <a:schemeClr val="tx1"/>
-                      </a:solidFill>
-                      <a:prstDash val="solid"/>
-                      <a:round/>
-                      <a:headEnd type="none" w="med" len="med"/>
-                      <a:tailEnd type="none" w="med" len="med"/>
-                    </a:lnT>
-                    <a:lnB w="12700" cap="flat" cmpd="sng" algn="ctr">
-                      <a:solidFill>
-                        <a:schemeClr val="tx1"/>
-                      </a:solidFill>
-                      <a:prstDash val="solid"/>
-                      <a:round/>
-                      <a:headEnd type="none" w="med" len="med"/>
-                      <a:tailEnd type="none" w="med" len="med"/>
-                    </a:lnB>
-                    <a:noFill/>
-                  </a:tcPr>
-                </a:tc>
-                <a:tc>
-                  <a:txBody>
-                    <a:bodyPr/>
-                    <a:lstStyle/>
-                    <a:p>
-                      <a:pPr algn="ctr"/>
-                      <a:r>
-                        <a:rPr lang="en-US" dirty="0" smtClean="0">
-                          <a:solidFill>
-                            <a:sysClr val="windowText" lastClr="000000"/>
-                          </a:solidFill>
-                        </a:rPr>
-                        <a:t>1</a:t>
-                      </a:r>
-                      <a:endParaRPr lang="en-US" dirty="0">
-                        <a:solidFill>
-                          <a:sysClr val="windowText" lastClr="000000"/>
-                        </a:solidFill>
-                      </a:endParaRPr>
-                    </a:p>
-                  </a:txBody>
-                  <a:tcPr>
-                    <a:lnL w="12700" cap="flat" cmpd="sng" algn="ctr">
-                      <a:solidFill>
-                        <a:schemeClr val="tx1"/>
-                      </a:solidFill>
-                      <a:prstDash val="solid"/>
-                      <a:round/>
-                      <a:headEnd type="none" w="med" len="med"/>
-                      <a:tailEnd type="none" w="med" len="med"/>
-                    </a:lnL>
-                    <a:lnR w="12700" cap="flat" cmpd="sng" algn="ctr">
-                      <a:solidFill>
-                        <a:schemeClr val="tx1"/>
-                      </a:solidFill>
-                      <a:prstDash val="solid"/>
-                      <a:round/>
-                      <a:headEnd type="none" w="med" len="med"/>
-                      <a:tailEnd type="none" w="med" len="med"/>
-                    </a:lnR>
-                    <a:lnT w="12700" cap="flat" cmpd="sng" algn="ctr">
-                      <a:solidFill>
-                        <a:schemeClr val="tx1"/>
-                      </a:solidFill>
-                      <a:prstDash val="solid"/>
-                      <a:round/>
-                      <a:headEnd type="none" w="med" len="med"/>
-                      <a:tailEnd type="none" w="med" len="med"/>
-                    </a:lnT>
-                    <a:lnB w="12700" cap="flat" cmpd="sng" algn="ctr">
-                      <a:solidFill>
-                        <a:schemeClr val="tx1"/>
-                      </a:solidFill>
-                      <a:prstDash val="solid"/>
-                      <a:round/>
-                      <a:headEnd type="none" w="med" len="med"/>
-                      <a:tailEnd type="none" w="med" len="med"/>
-                    </a:lnB>
-                    <a:noFill/>
-                  </a:tcPr>
-                </a:tc>
-                <a:tc>
-                  <a:txBody>
-                    <a:bodyPr/>
-                    <a:lstStyle/>
-                    <a:p>
-                      <a:pPr algn="ctr"/>
-                      <a:r>
-                        <a:rPr lang="en-US" dirty="0" smtClean="0">
-                          <a:solidFill>
-                            <a:sysClr val="windowText" lastClr="000000"/>
-                          </a:solidFill>
-                        </a:rPr>
-                        <a:t>1</a:t>
-                      </a:r>
-                      <a:endParaRPr lang="en-US" dirty="0">
-                        <a:solidFill>
-                          <a:sysClr val="windowText" lastClr="000000"/>
-                        </a:solidFill>
-                      </a:endParaRPr>
-                    </a:p>
-                  </a:txBody>
-                  <a:tcPr>
-                    <a:lnL w="12700" cap="flat" cmpd="sng" algn="ctr">
-                      <a:solidFill>
-                        <a:schemeClr val="tx1"/>
-                      </a:solidFill>
-                      <a:prstDash val="solid"/>
-                      <a:round/>
-                      <a:headEnd type="none" w="med" len="med"/>
-                      <a:tailEnd type="none" w="med" len="med"/>
-                    </a:lnL>
-                    <a:lnR w="12700" cap="flat" cmpd="sng" algn="ctr">
-                      <a:solidFill>
-                        <a:schemeClr val="tx1"/>
-                      </a:solidFill>
-                      <a:prstDash val="solid"/>
-                      <a:round/>
-                      <a:headEnd type="none" w="med" len="med"/>
-                      <a:tailEnd type="none" w="med" len="med"/>
-                    </a:lnR>
-                    <a:lnT w="12700" cap="flat" cmpd="sng" algn="ctr">
-                      <a:solidFill>
-                        <a:schemeClr val="tx1"/>
-                      </a:solidFill>
-                      <a:prstDash val="solid"/>
-                      <a:round/>
-                      <a:headEnd type="none" w="med" len="med"/>
-                      <a:tailEnd type="none" w="med" len="med"/>
-                    </a:lnT>
-                    <a:lnB w="12700" cap="flat" cmpd="sng" algn="ctr">
-                      <a:solidFill>
-                        <a:schemeClr val="tx1"/>
-                      </a:solidFill>
-                      <a:prstDash val="solid"/>
-                      <a:round/>
-                      <a:headEnd type="none" w="med" len="med"/>
-                      <a:tailEnd type="none" w="med" len="med"/>
-                    </a:lnB>
-                    <a:noFill/>
-                  </a:tcPr>
-                </a:tc>
-              </a:tr>
-              <a:tr h="345440">
-                <a:tc>
-                  <a:txBody>
-                    <a:bodyPr/>
-                    <a:lstStyle/>
-                    <a:p>
-                      <a:pPr algn="r"/>
-                      <a:r>
-                        <a:rPr lang="en-US" dirty="0" smtClean="0">
-                          <a:solidFill>
-                            <a:sysClr val="windowText" lastClr="000000"/>
-                          </a:solidFill>
-                        </a:rPr>
-                        <a:t>Alpha</a:t>
-                      </a:r>
-                      <a:endParaRPr lang="en-US" dirty="0">
-                        <a:solidFill>
-                          <a:sysClr val="windowText" lastClr="000000"/>
-                        </a:solidFill>
-                      </a:endParaRPr>
-                    </a:p>
-                  </a:txBody>
-                  <a:tcPr>
-                    <a:lnL w="12700" cap="flat" cmpd="sng" algn="ctr">
-                      <a:solidFill>
-                        <a:schemeClr val="tx1"/>
-                      </a:solidFill>
-                      <a:prstDash val="solid"/>
-                      <a:round/>
-                      <a:headEnd type="none" w="med" len="med"/>
-                      <a:tailEnd type="none" w="med" len="med"/>
-                    </a:lnL>
-                    <a:lnR w="12700" cap="flat" cmpd="sng" algn="ctr">
-                      <a:solidFill>
-                        <a:schemeClr val="tx1"/>
-                      </a:solidFill>
-                      <a:prstDash val="solid"/>
-                      <a:round/>
-                      <a:headEnd type="none" w="med" len="med"/>
-                      <a:tailEnd type="none" w="med" len="med"/>
-                    </a:lnR>
-                    <a:lnT w="12700" cap="flat" cmpd="sng" algn="ctr">
-                      <a:solidFill>
-                        <a:schemeClr val="tx1"/>
-                      </a:solidFill>
-                      <a:prstDash val="solid"/>
-                      <a:round/>
-                      <a:headEnd type="none" w="med" len="med"/>
-                      <a:tailEnd type="none" w="med" len="med"/>
-                    </a:lnT>
-                    <a:lnB w="12700" cap="flat" cmpd="sng" algn="ctr">
-                      <a:solidFill>
-                        <a:schemeClr val="tx1"/>
-                      </a:solidFill>
-                      <a:prstDash val="solid"/>
-                      <a:round/>
-                      <a:headEnd type="none" w="med" len="med"/>
-                      <a:tailEnd type="none" w="med" len="med"/>
-                    </a:lnB>
-                    <a:noFill/>
-                  </a:tcPr>
-                </a:tc>
-                <a:tc>
-                  <a:txBody>
-                    <a:bodyPr/>
-                    <a:lstStyle/>
-                    <a:p>
-                      <a:pPr algn="ctr"/>
-                      <a:r>
-                        <a:rPr lang="en-US" dirty="0" smtClean="0">
-                          <a:solidFill>
-                            <a:sysClr val="windowText" lastClr="000000"/>
-                          </a:solidFill>
-                        </a:rPr>
-                        <a:t>0.98</a:t>
-                      </a:r>
-                      <a:endParaRPr lang="en-US" dirty="0">
-                        <a:solidFill>
-                          <a:sysClr val="windowText" lastClr="000000"/>
-                        </a:solidFill>
-                      </a:endParaRPr>
-                    </a:p>
-                  </a:txBody>
-                  <a:tcPr>
-                    <a:lnL w="12700" cap="flat" cmpd="sng" algn="ctr">
-                      <a:solidFill>
-                        <a:schemeClr val="tx1"/>
-                      </a:solidFill>
-                      <a:prstDash val="solid"/>
-                      <a:round/>
-                      <a:headEnd type="none" w="med" len="med"/>
-                      <a:tailEnd type="none" w="med" len="med"/>
-                    </a:lnL>
-                    <a:lnR w="12700" cap="flat" cmpd="sng" algn="ctr">
-                      <a:solidFill>
-                        <a:schemeClr val="tx1"/>
-                      </a:solidFill>
-                      <a:prstDash val="solid"/>
-                      <a:round/>
-                      <a:headEnd type="none" w="med" len="med"/>
-                      <a:tailEnd type="none" w="med" len="med"/>
-                    </a:lnR>
-                    <a:lnT w="12700" cap="flat" cmpd="sng" algn="ctr">
-                      <a:solidFill>
-                        <a:schemeClr val="tx1"/>
-                      </a:solidFill>
-                      <a:prstDash val="solid"/>
-                      <a:round/>
-                      <a:headEnd type="none" w="med" len="med"/>
-                      <a:tailEnd type="none" w="med" len="med"/>
-                    </a:lnT>
-                    <a:lnB w="12700" cap="flat" cmpd="sng" algn="ctr">
-                      <a:solidFill>
-                        <a:schemeClr val="tx1"/>
-                      </a:solidFill>
-                      <a:prstDash val="solid"/>
-                      <a:round/>
-                      <a:headEnd type="none" w="med" len="med"/>
-                      <a:tailEnd type="none" w="med" len="med"/>
-                    </a:lnB>
-                    <a:noFill/>
-                  </a:tcPr>
-                </a:tc>
-                <a:tc>
-                  <a:txBody>
-                    <a:bodyPr/>
-                    <a:lstStyle/>
-                    <a:p>
-                      <a:pPr algn="ctr"/>
-                      <a:r>
-                        <a:rPr lang="en-US" dirty="0" smtClean="0">
-                          <a:solidFill>
-                            <a:sysClr val="windowText" lastClr="000000"/>
-                          </a:solidFill>
-                        </a:rPr>
-                        <a:t>0.96</a:t>
-                      </a:r>
-                      <a:endParaRPr lang="en-US" dirty="0">
-                        <a:solidFill>
-                          <a:sysClr val="windowText" lastClr="000000"/>
-                        </a:solidFill>
-                      </a:endParaRPr>
-                    </a:p>
-                  </a:txBody>
-                  <a:tcPr>
-                    <a:lnL w="12700" cap="flat" cmpd="sng" algn="ctr">
-                      <a:solidFill>
-                        <a:schemeClr val="tx1"/>
-                      </a:solidFill>
-                      <a:prstDash val="solid"/>
-                      <a:round/>
-                      <a:headEnd type="none" w="med" len="med"/>
-                      <a:tailEnd type="none" w="med" len="med"/>
-                    </a:lnL>
-                    <a:lnR w="12700" cap="flat" cmpd="sng" algn="ctr">
-                      <a:solidFill>
-                        <a:schemeClr val="tx1"/>
-                      </a:solidFill>
-                      <a:prstDash val="solid"/>
-                      <a:round/>
-                      <a:headEnd type="none" w="med" len="med"/>
-                      <a:tailEnd type="none" w="med" len="med"/>
-                    </a:lnR>
-                    <a:lnT w="12700" cap="flat" cmpd="sng" algn="ctr">
-                      <a:solidFill>
-                        <a:schemeClr val="tx1"/>
-                      </a:solidFill>
-                      <a:prstDash val="solid"/>
-                      <a:round/>
-                      <a:headEnd type="none" w="med" len="med"/>
-                      <a:tailEnd type="none" w="med" len="med"/>
-                    </a:lnT>
-                    <a:lnB w="12700" cap="flat" cmpd="sng" algn="ctr">
-                      <a:solidFill>
-                        <a:schemeClr val="tx1"/>
-                      </a:solidFill>
-                      <a:prstDash val="solid"/>
-                      <a:round/>
-                      <a:headEnd type="none" w="med" len="med"/>
-                      <a:tailEnd type="none" w="med" len="med"/>
-                    </a:lnB>
-                    <a:noFill/>
-                  </a:tcPr>
-                </a:tc>
-              </a:tr>
-              <a:tr h="370840">
-                <a:tc>
-                  <a:txBody>
-                    <a:bodyPr/>
-                    <a:lstStyle/>
-                    <a:p>
-                      <a:pPr algn="r"/>
-                      <a:r>
-                        <a:rPr lang="en-US" b="0" dirty="0" smtClean="0">
-                          <a:solidFill>
-                            <a:sysClr val="windowText" lastClr="000000"/>
-                          </a:solidFill>
-                        </a:rPr>
-                        <a:t>% Spectral</a:t>
-                      </a:r>
-                      <a:endParaRPr lang="en-US" b="0" dirty="0">
-                        <a:solidFill>
-                          <a:sysClr val="windowText" lastClr="000000"/>
-                        </a:solidFill>
-                      </a:endParaRPr>
-                    </a:p>
-                  </a:txBody>
-                  <a:tcPr>
-                    <a:lnL w="12700" cap="flat" cmpd="sng" algn="ctr">
-                      <a:solidFill>
-                        <a:schemeClr val="tx1"/>
-                      </a:solidFill>
-                      <a:prstDash val="solid"/>
-                      <a:round/>
-                      <a:headEnd type="none" w="med" len="med"/>
-                      <a:tailEnd type="none" w="med" len="med"/>
-                    </a:lnL>
-                    <a:lnR w="12700" cap="flat" cmpd="sng" algn="ctr">
-                      <a:solidFill>
-                        <a:schemeClr val="tx1"/>
-                      </a:solidFill>
-                      <a:prstDash val="solid"/>
-                      <a:round/>
-                      <a:headEnd type="none" w="med" len="med"/>
-                      <a:tailEnd type="none" w="med" len="med"/>
-                    </a:lnR>
-                    <a:lnT w="12700" cap="flat" cmpd="sng" algn="ctr">
-                      <a:solidFill>
-                        <a:schemeClr val="tx1"/>
-                      </a:solidFill>
-                      <a:prstDash val="solid"/>
-                      <a:round/>
-                      <a:headEnd type="none" w="med" len="med"/>
-                      <a:tailEnd type="none" w="med" len="med"/>
-                    </a:lnT>
-                    <a:lnB w="12700" cap="flat" cmpd="sng" algn="ctr">
-                      <a:solidFill>
-                        <a:schemeClr val="tx1"/>
-                      </a:solidFill>
-                      <a:prstDash val="solid"/>
-                      <a:round/>
-                      <a:headEnd type="none" w="med" len="med"/>
-                      <a:tailEnd type="none" w="med" len="med"/>
-                    </a:lnB>
-                    <a:noFill/>
-                  </a:tcPr>
-                </a:tc>
-                <a:tc>
-                  <a:txBody>
-                    <a:bodyPr/>
-                    <a:lstStyle/>
-                    <a:p>
-                      <a:pPr algn="ctr"/>
-                      <a:r>
-                        <a:rPr lang="en-US" dirty="0" smtClean="0">
-                          <a:solidFill>
-                            <a:sysClr val="windowText" lastClr="000000"/>
-                          </a:solidFill>
-                        </a:rPr>
-                        <a:t>0</a:t>
-                      </a:r>
-                      <a:endParaRPr lang="en-US" dirty="0">
-                        <a:solidFill>
-                          <a:sysClr val="windowText" lastClr="000000"/>
-                        </a:solidFill>
-                      </a:endParaRPr>
-                    </a:p>
-                  </a:txBody>
-                  <a:tcPr>
-                    <a:lnL w="12700" cap="flat" cmpd="sng" algn="ctr">
-                      <a:solidFill>
-                        <a:schemeClr val="tx1"/>
-                      </a:solidFill>
-                      <a:prstDash val="solid"/>
-                      <a:round/>
-                      <a:headEnd type="none" w="med" len="med"/>
-                      <a:tailEnd type="none" w="med" len="med"/>
-                    </a:lnL>
-                    <a:lnR w="12700" cap="flat" cmpd="sng" algn="ctr">
-                      <a:solidFill>
-                        <a:schemeClr val="tx1"/>
-                      </a:solidFill>
-                      <a:prstDash val="solid"/>
-                      <a:round/>
-                      <a:headEnd type="none" w="med" len="med"/>
-                      <a:tailEnd type="none" w="med" len="med"/>
-                    </a:lnR>
-                    <a:lnT w="12700" cap="flat" cmpd="sng" algn="ctr">
-                      <a:solidFill>
-                        <a:schemeClr val="tx1"/>
-                      </a:solidFill>
-                      <a:prstDash val="solid"/>
-                      <a:round/>
-                      <a:headEnd type="none" w="med" len="med"/>
-                      <a:tailEnd type="none" w="med" len="med"/>
-                    </a:lnT>
-                    <a:lnB w="12700" cap="flat" cmpd="sng" algn="ctr">
-                      <a:solidFill>
-                        <a:schemeClr val="tx1"/>
-                      </a:solidFill>
-                      <a:prstDash val="solid"/>
-                      <a:round/>
-                      <a:headEnd type="none" w="med" len="med"/>
-                      <a:tailEnd type="none" w="med" len="med"/>
-                    </a:lnB>
-                    <a:noFill/>
-                  </a:tcPr>
-                </a:tc>
-                <a:tc>
-                  <a:txBody>
-                    <a:bodyPr/>
-                    <a:lstStyle/>
-                    <a:p>
-                      <a:pPr algn="ctr"/>
-                      <a:r>
-                        <a:rPr lang="en-US" dirty="0" smtClean="0">
-                          <a:solidFill>
-                            <a:sysClr val="windowText" lastClr="000000"/>
-                          </a:solidFill>
-                        </a:rPr>
-                        <a:t>0</a:t>
-                      </a:r>
-                      <a:endParaRPr lang="en-US" dirty="0">
-                        <a:solidFill>
-                          <a:sysClr val="windowText" lastClr="000000"/>
-                        </a:solidFill>
-                      </a:endParaRPr>
-                    </a:p>
-                  </a:txBody>
-                  <a:tcPr>
-                    <a:lnL w="12700" cap="flat" cmpd="sng" algn="ctr">
-                      <a:solidFill>
-                        <a:schemeClr val="tx1"/>
-                      </a:solidFill>
-                      <a:prstDash val="solid"/>
-                      <a:round/>
-                      <a:headEnd type="none" w="med" len="med"/>
-                      <a:tailEnd type="none" w="med" len="med"/>
-                    </a:lnL>
-                    <a:lnR w="12700" cap="flat" cmpd="sng" algn="ctr">
-                      <a:solidFill>
-                        <a:schemeClr val="tx1"/>
-                      </a:solidFill>
-                      <a:prstDash val="solid"/>
-                      <a:round/>
-                      <a:headEnd type="none" w="med" len="med"/>
-                      <a:tailEnd type="none" w="med" len="med"/>
-                    </a:lnR>
-                    <a:lnT w="12700" cap="flat" cmpd="sng" algn="ctr">
-                      <a:solidFill>
-                        <a:schemeClr val="tx1"/>
-                      </a:solidFill>
-                      <a:prstDash val="solid"/>
-                      <a:round/>
-                      <a:headEnd type="none" w="med" len="med"/>
-                      <a:tailEnd type="none" w="med" len="med"/>
-                    </a:lnT>
-                    <a:lnB w="12700" cap="flat" cmpd="sng" algn="ctr">
-                      <a:solidFill>
-                        <a:schemeClr val="tx1"/>
-                      </a:solidFill>
-                      <a:prstDash val="solid"/>
-                      <a:round/>
-                      <a:headEnd type="none" w="med" len="med"/>
-                      <a:tailEnd type="none" w="med" len="med"/>
-                    </a:lnB>
-                    <a:noFill/>
-                  </a:tcPr>
-                </a:tc>
-              </a:tr>
-              <a:tr h="370840">
-                <a:tc>
-                  <a:txBody>
-                    <a:bodyPr/>
-                    <a:lstStyle/>
-                    <a:p>
-                      <a:pPr algn="r"/>
-                      <a:r>
-                        <a:rPr lang="en-US" b="1" dirty="0" smtClean="0">
-                          <a:solidFill>
-                            <a:sysClr val="windowText" lastClr="000000"/>
-                          </a:solidFill>
-                        </a:rPr>
-                        <a:t>Fitness</a:t>
-                      </a:r>
-                      <a:endParaRPr lang="en-US" b="1" dirty="0">
-                        <a:solidFill>
-                          <a:sysClr val="windowText" lastClr="000000"/>
-                        </a:solidFill>
-                      </a:endParaRPr>
-                    </a:p>
-                  </a:txBody>
-                  <a:tcPr>
-                    <a:lnL w="12700" cap="flat" cmpd="sng" algn="ctr">
-                      <a:solidFill>
-                        <a:schemeClr val="tx1"/>
-                      </a:solidFill>
-                      <a:prstDash val="solid"/>
-                      <a:round/>
-                      <a:headEnd type="none" w="med" len="med"/>
-                      <a:tailEnd type="none" w="med" len="med"/>
-                    </a:lnL>
-                    <a:lnR w="12700" cap="flat" cmpd="sng" algn="ctr">
-                      <a:solidFill>
-                        <a:schemeClr val="tx1"/>
-                      </a:solidFill>
-                      <a:prstDash val="solid"/>
-                      <a:round/>
-                      <a:headEnd type="none" w="med" len="med"/>
-                      <a:tailEnd type="none" w="med" len="med"/>
-                    </a:lnR>
-                    <a:lnT w="12700" cap="flat" cmpd="sng" algn="ctr">
-                      <a:solidFill>
-                        <a:schemeClr val="tx1"/>
-                      </a:solidFill>
-                      <a:prstDash val="solid"/>
-                      <a:round/>
-                      <a:headEnd type="none" w="med" len="med"/>
-                      <a:tailEnd type="none" w="med" len="med"/>
-                    </a:lnT>
-                    <a:lnB w="12700" cap="flat" cmpd="sng" algn="ctr">
-                      <a:solidFill>
-                        <a:schemeClr val="tx1"/>
-                      </a:solidFill>
-                      <a:prstDash val="solid"/>
-                      <a:round/>
-                      <a:headEnd type="none" w="med" len="med"/>
-                      <a:tailEnd type="none" w="med" len="med"/>
-                    </a:lnB>
-                    <a:noFill/>
-                  </a:tcPr>
-                </a:tc>
-                <a:tc>
-                  <a:txBody>
-                    <a:bodyPr/>
-                    <a:lstStyle/>
-                    <a:p>
-                      <a:pPr algn="ctr"/>
-                      <a:r>
-                        <a:rPr lang="en-US" b="1" dirty="0" smtClean="0">
-                          <a:solidFill>
-                            <a:sysClr val="windowText" lastClr="000000"/>
-                          </a:solidFill>
-                        </a:rPr>
-                        <a:t>0.0301</a:t>
-                      </a:r>
-                      <a:endParaRPr lang="en-US" b="1" dirty="0">
-                        <a:solidFill>
-                          <a:sysClr val="windowText" lastClr="000000"/>
-                        </a:solidFill>
-                      </a:endParaRPr>
-                    </a:p>
-                  </a:txBody>
-                  <a:tcPr>
-                    <a:lnL w="12700" cap="flat" cmpd="sng" algn="ctr">
-                      <a:solidFill>
-                        <a:schemeClr val="tx1"/>
-                      </a:solidFill>
-                      <a:prstDash val="solid"/>
-                      <a:round/>
-                      <a:headEnd type="none" w="med" len="med"/>
-                      <a:tailEnd type="none" w="med" len="med"/>
-                    </a:lnL>
-                    <a:lnR w="12700" cap="flat" cmpd="sng" algn="ctr">
-                      <a:solidFill>
-                        <a:schemeClr val="tx1"/>
-                      </a:solidFill>
-                      <a:prstDash val="solid"/>
-                      <a:round/>
-                      <a:headEnd type="none" w="med" len="med"/>
-                      <a:tailEnd type="none" w="med" len="med"/>
-                    </a:lnR>
-                    <a:lnT w="12700" cap="flat" cmpd="sng" algn="ctr">
-                      <a:solidFill>
-                        <a:schemeClr val="tx1"/>
-                      </a:solidFill>
-                      <a:prstDash val="solid"/>
-                      <a:round/>
-                      <a:headEnd type="none" w="med" len="med"/>
-                      <a:tailEnd type="none" w="med" len="med"/>
-                    </a:lnT>
-                    <a:lnB w="12700" cap="flat" cmpd="sng" algn="ctr">
-                      <a:solidFill>
-                        <a:schemeClr val="tx1"/>
-                      </a:solidFill>
-                      <a:prstDash val="solid"/>
-                      <a:round/>
-                      <a:headEnd type="none" w="med" len="med"/>
-                      <a:tailEnd type="none" w="med" len="med"/>
-                    </a:lnB>
-                    <a:noFill/>
-                  </a:tcPr>
-                </a:tc>
-                <a:tc>
-                  <a:txBody>
-                    <a:bodyPr/>
-                    <a:lstStyle/>
-                    <a:p>
-                      <a:pPr algn="ctr"/>
-                      <a:r>
-                        <a:rPr lang="en-US" b="1" dirty="0" smtClean="0">
-                          <a:solidFill>
-                            <a:sysClr val="windowText" lastClr="000000"/>
-                          </a:solidFill>
-                        </a:rPr>
-                        <a:t>0.0240</a:t>
-                      </a:r>
-                      <a:endParaRPr lang="en-US" b="1" dirty="0">
-                        <a:solidFill>
-                          <a:sysClr val="windowText" lastClr="000000"/>
-                        </a:solidFill>
-                      </a:endParaRPr>
-                    </a:p>
-                  </a:txBody>
-                  <a:tcPr>
-                    <a:lnL w="12700" cap="flat" cmpd="sng" algn="ctr">
-                      <a:solidFill>
-                        <a:schemeClr val="tx1"/>
-                      </a:solidFill>
-                      <a:prstDash val="solid"/>
-                      <a:round/>
-                      <a:headEnd type="none" w="med" len="med"/>
-                      <a:tailEnd type="none" w="med" len="med"/>
-                    </a:lnL>
-                    <a:lnR w="12700" cap="flat" cmpd="sng" algn="ctr">
-                      <a:solidFill>
-                        <a:schemeClr val="tx1"/>
-                      </a:solidFill>
-                      <a:prstDash val="solid"/>
-                      <a:round/>
-                      <a:headEnd type="none" w="med" len="med"/>
-                      <a:tailEnd type="none" w="med" len="med"/>
-                    </a:lnR>
-                    <a:lnT w="12700" cap="flat" cmpd="sng" algn="ctr">
-                      <a:solidFill>
-                        <a:schemeClr val="tx1"/>
-                      </a:solidFill>
-                      <a:prstDash val="solid"/>
-                      <a:round/>
-                      <a:headEnd type="none" w="med" len="med"/>
-                      <a:tailEnd type="none" w="med" len="med"/>
-                    </a:lnT>
-                    <a:lnB w="12700" cap="flat" cmpd="sng" algn="ctr">
-                      <a:solidFill>
-                        <a:schemeClr val="tx1"/>
-                      </a:solidFill>
-                      <a:prstDash val="solid"/>
-                      <a:round/>
-                      <a:headEnd type="none" w="med" len="med"/>
-                      <a:tailEnd type="none" w="med" len="med"/>
-                    </a:lnB>
-                    <a:noFill/>
-                  </a:tcPr>
-                </a:tc>
-              </a:tr>
-            </a:tbl>
-          </a:graphicData>
-        </a:graphic>
-      </p:graphicFrame>
-    </p:spTree>
-    <p:extLst>
-      <p:ext uri="{BB962C8B-B14F-4D97-AF65-F5344CB8AC3E}">
-        <p14:creationId xmlns:p14="http://schemas.microsoft.com/office/powerpoint/2010/main" val="3618975649"/>
       </p:ext>
     </p:extLst>
   </p:cSld>
@@ -12217,6 +11513,1085 @@
             </a:pPr>
             <a:r>
               <a:rPr lang="en-US" dirty="0" smtClean="0"/>
+              <a:t>the Wiener Filter</a:t>
+            </a:r>
+          </a:p>
+          <a:p>
+            <a:pPr marL="393192" lvl="1" indent="0">
+              <a:buNone/>
+            </a:pPr>
+            <a:endParaRPr lang="en-US" i="1" dirty="0"/>
+          </a:p>
+          <a:p>
+            <a:pPr marL="393192" lvl="1" indent="0">
+              <a:buNone/>
+            </a:pPr>
+            <a:endParaRPr lang="en-US" i="1" dirty="0" smtClean="0"/>
+          </a:p>
+        </p:txBody>
+      </p:sp>
+      <p:sp>
+        <p:nvSpPr>
+          <p:cNvPr id="3" name="Title 2"/>
+          <p:cNvSpPr>
+            <a:spLocks noGrp="1"/>
+          </p:cNvSpPr>
+          <p:nvPr>
+            <p:ph type="title"/>
+          </p:nvPr>
+        </p:nvSpPr>
+        <p:spPr/>
+        <p:txBody>
+          <a:bodyPr/>
+          <a:lstStyle/>
+          <a:p>
+            <a:r>
+              <a:rPr lang="en-US" dirty="0" smtClean="0"/>
+              <a:t>Results</a:t>
+            </a:r>
+            <a:endParaRPr lang="en-US" dirty="0"/>
+          </a:p>
+        </p:txBody>
+      </p:sp>
+      <p:graphicFrame>
+        <p:nvGraphicFramePr>
+          <p:cNvPr id="6" name="Table 5"/>
+          <p:cNvGraphicFramePr>
+            <a:graphicFrameLocks noGrp="1"/>
+          </p:cNvGraphicFramePr>
+          <p:nvPr>
+            <p:extLst>
+              <p:ext uri="{D42A27DB-BD31-4B8C-83A1-F6EECF244321}">
+                <p14:modId xmlns:p14="http://schemas.microsoft.com/office/powerpoint/2010/main" val="2060831513"/>
+              </p:ext>
+            </p:extLst>
+          </p:nvPr>
+        </p:nvGraphicFramePr>
+        <p:xfrm>
+          <a:off x="2514600" y="2910840"/>
+          <a:ext cx="4343400" cy="2118360"/>
+        </p:xfrm>
+        <a:graphic>
+          <a:graphicData uri="http://schemas.openxmlformats.org/drawingml/2006/table">
+            <a:tbl>
+              <a:tblPr firstRow="1" bandRow="1">
+                <a:tableStyleId>{5C22544A-7EE6-4342-B048-85BDC9FD1C3A}</a:tableStyleId>
+              </a:tblPr>
+              <a:tblGrid>
+                <a:gridCol w="2209800"/>
+                <a:gridCol w="1066800"/>
+                <a:gridCol w="1066800"/>
+              </a:tblGrid>
+              <a:tr h="370840">
+                <a:tc>
+                  <a:txBody>
+                    <a:bodyPr/>
+                    <a:lstStyle/>
+                    <a:p>
+                      <a:pPr algn="r"/>
+                      <a:endParaRPr lang="en-US" dirty="0">
+                        <a:solidFill>
+                          <a:sysClr val="windowText" lastClr="000000"/>
+                        </a:solidFill>
+                      </a:endParaRPr>
+                    </a:p>
+                  </a:txBody>
+                  <a:tcPr>
+                    <a:lnL w="12700" cap="flat" cmpd="sng" algn="ctr">
+                      <a:solidFill>
+                        <a:schemeClr val="tx1"/>
+                      </a:solidFill>
+                      <a:prstDash val="solid"/>
+                      <a:round/>
+                      <a:headEnd type="none" w="med" len="med"/>
+                      <a:tailEnd type="none" w="med" len="med"/>
+                    </a:lnL>
+                    <a:lnR w="12700" cap="flat" cmpd="sng" algn="ctr">
+                      <a:solidFill>
+                        <a:schemeClr val="tx1"/>
+                      </a:solidFill>
+                      <a:prstDash val="solid"/>
+                      <a:round/>
+                      <a:headEnd type="none" w="med" len="med"/>
+                      <a:tailEnd type="none" w="med" len="med"/>
+                    </a:lnR>
+                    <a:lnT w="12700" cap="flat" cmpd="sng" algn="ctr">
+                      <a:solidFill>
+                        <a:schemeClr val="tx1"/>
+                      </a:solidFill>
+                      <a:prstDash val="solid"/>
+                      <a:round/>
+                      <a:headEnd type="none" w="med" len="med"/>
+                      <a:tailEnd type="none" w="med" len="med"/>
+                    </a:lnT>
+                    <a:lnB w="12700" cap="flat" cmpd="sng" algn="ctr">
+                      <a:solidFill>
+                        <a:schemeClr val="tx1"/>
+                      </a:solidFill>
+                      <a:prstDash val="solid"/>
+                      <a:round/>
+                      <a:headEnd type="none" w="med" len="med"/>
+                      <a:tailEnd type="none" w="med" len="med"/>
+                    </a:lnB>
+                    <a:noFill/>
+                  </a:tcPr>
+                </a:tc>
+                <a:tc>
+                  <a:txBody>
+                    <a:bodyPr/>
+                    <a:lstStyle/>
+                    <a:p>
+                      <a:pPr algn="ctr"/>
+                      <a:r>
+                        <a:rPr lang="en-US" dirty="0" smtClean="0">
+                          <a:solidFill>
+                            <a:sysClr val="windowText" lastClr="000000"/>
+                          </a:solidFill>
+                        </a:rPr>
+                        <a:t>Expert Results</a:t>
+                      </a:r>
+                      <a:endParaRPr lang="en-US" dirty="0">
+                        <a:solidFill>
+                          <a:sysClr val="windowText" lastClr="000000"/>
+                        </a:solidFill>
+                      </a:endParaRPr>
+                    </a:p>
+                  </a:txBody>
+                  <a:tcPr>
+                    <a:lnL w="12700" cap="flat" cmpd="sng" algn="ctr">
+                      <a:solidFill>
+                        <a:schemeClr val="tx1"/>
+                      </a:solidFill>
+                      <a:prstDash val="solid"/>
+                      <a:round/>
+                      <a:headEnd type="none" w="med" len="med"/>
+                      <a:tailEnd type="none" w="med" len="med"/>
+                    </a:lnL>
+                    <a:lnR w="12700" cap="flat" cmpd="sng" algn="ctr">
+                      <a:solidFill>
+                        <a:schemeClr val="tx1"/>
+                      </a:solidFill>
+                      <a:prstDash val="solid"/>
+                      <a:round/>
+                      <a:headEnd type="none" w="med" len="med"/>
+                      <a:tailEnd type="none" w="med" len="med"/>
+                    </a:lnR>
+                    <a:lnT w="12700" cap="flat" cmpd="sng" algn="ctr">
+                      <a:solidFill>
+                        <a:schemeClr val="tx1"/>
+                      </a:solidFill>
+                      <a:prstDash val="solid"/>
+                      <a:round/>
+                      <a:headEnd type="none" w="med" len="med"/>
+                      <a:tailEnd type="none" w="med" len="med"/>
+                    </a:lnT>
+                    <a:lnB w="12700" cap="flat" cmpd="sng" algn="ctr">
+                      <a:solidFill>
+                        <a:schemeClr val="tx1"/>
+                      </a:solidFill>
+                      <a:prstDash val="solid"/>
+                      <a:round/>
+                      <a:headEnd type="none" w="med" len="med"/>
+                      <a:tailEnd type="none" w="med" len="med"/>
+                    </a:lnB>
+                    <a:noFill/>
+                  </a:tcPr>
+                </a:tc>
+                <a:tc>
+                  <a:txBody>
+                    <a:bodyPr/>
+                    <a:lstStyle/>
+                    <a:p>
+                      <a:pPr algn="ctr"/>
+                      <a:r>
+                        <a:rPr lang="en-US" dirty="0" smtClean="0">
+                          <a:solidFill>
+                            <a:sysClr val="windowText" lastClr="000000"/>
+                          </a:solidFill>
+                        </a:rPr>
+                        <a:t>Best</a:t>
+                      </a:r>
+                      <a:r>
+                        <a:rPr lang="en-US" baseline="0" dirty="0" smtClean="0">
+                          <a:solidFill>
+                            <a:sysClr val="windowText" lastClr="000000"/>
+                          </a:solidFill>
+                        </a:rPr>
+                        <a:t> Results</a:t>
+                      </a:r>
+                      <a:endParaRPr lang="en-US" dirty="0">
+                        <a:solidFill>
+                          <a:sysClr val="windowText" lastClr="000000"/>
+                        </a:solidFill>
+                      </a:endParaRPr>
+                    </a:p>
+                  </a:txBody>
+                  <a:tcPr>
+                    <a:lnL w="12700" cap="flat" cmpd="sng" algn="ctr">
+                      <a:solidFill>
+                        <a:schemeClr val="tx1"/>
+                      </a:solidFill>
+                      <a:prstDash val="solid"/>
+                      <a:round/>
+                      <a:headEnd type="none" w="med" len="med"/>
+                      <a:tailEnd type="none" w="med" len="med"/>
+                    </a:lnL>
+                    <a:lnR w="12700" cap="flat" cmpd="sng" algn="ctr">
+                      <a:solidFill>
+                        <a:schemeClr val="tx1"/>
+                      </a:solidFill>
+                      <a:prstDash val="solid"/>
+                      <a:round/>
+                      <a:headEnd type="none" w="med" len="med"/>
+                      <a:tailEnd type="none" w="med" len="med"/>
+                    </a:lnR>
+                    <a:lnT w="12700" cap="flat" cmpd="sng" algn="ctr">
+                      <a:solidFill>
+                        <a:schemeClr val="tx1"/>
+                      </a:solidFill>
+                      <a:prstDash val="solid"/>
+                      <a:round/>
+                      <a:headEnd type="none" w="med" len="med"/>
+                      <a:tailEnd type="none" w="med" len="med"/>
+                    </a:lnT>
+                    <a:lnB w="12700" cap="flat" cmpd="sng" algn="ctr">
+                      <a:solidFill>
+                        <a:schemeClr val="tx1"/>
+                      </a:solidFill>
+                      <a:prstDash val="solid"/>
+                      <a:round/>
+                      <a:headEnd type="none" w="med" len="med"/>
+                      <a:tailEnd type="none" w="med" len="med"/>
+                    </a:lnB>
+                    <a:noFill/>
+                  </a:tcPr>
+                </a:tc>
+              </a:tr>
+              <a:tr h="370840">
+                <a:tc>
+                  <a:txBody>
+                    <a:bodyPr/>
+                    <a:lstStyle/>
+                    <a:p>
+                      <a:pPr algn="r"/>
+                      <a:r>
+                        <a:rPr lang="en-US" dirty="0" smtClean="0">
+                          <a:solidFill>
+                            <a:sysClr val="windowText" lastClr="000000"/>
+                          </a:solidFill>
+                        </a:rPr>
+                        <a:t>%</a:t>
+                      </a:r>
+                      <a:r>
+                        <a:rPr lang="en-US" baseline="0" dirty="0" smtClean="0">
+                          <a:solidFill>
+                            <a:sysClr val="windowText" lastClr="000000"/>
+                          </a:solidFill>
+                        </a:rPr>
+                        <a:t> Wiener</a:t>
+                      </a:r>
+                      <a:endParaRPr lang="en-US" dirty="0">
+                        <a:solidFill>
+                          <a:sysClr val="windowText" lastClr="000000"/>
+                        </a:solidFill>
+                      </a:endParaRPr>
+                    </a:p>
+                  </a:txBody>
+                  <a:tcPr>
+                    <a:lnL w="12700" cap="flat" cmpd="sng" algn="ctr">
+                      <a:solidFill>
+                        <a:schemeClr val="tx1"/>
+                      </a:solidFill>
+                      <a:prstDash val="solid"/>
+                      <a:round/>
+                      <a:headEnd type="none" w="med" len="med"/>
+                      <a:tailEnd type="none" w="med" len="med"/>
+                    </a:lnL>
+                    <a:lnR w="12700" cap="flat" cmpd="sng" algn="ctr">
+                      <a:solidFill>
+                        <a:schemeClr val="tx1"/>
+                      </a:solidFill>
+                      <a:prstDash val="solid"/>
+                      <a:round/>
+                      <a:headEnd type="none" w="med" len="med"/>
+                      <a:tailEnd type="none" w="med" len="med"/>
+                    </a:lnR>
+                    <a:lnT w="12700" cap="flat" cmpd="sng" algn="ctr">
+                      <a:solidFill>
+                        <a:schemeClr val="tx1"/>
+                      </a:solidFill>
+                      <a:prstDash val="solid"/>
+                      <a:round/>
+                      <a:headEnd type="none" w="med" len="med"/>
+                      <a:tailEnd type="none" w="med" len="med"/>
+                    </a:lnT>
+                    <a:lnB w="12700" cap="flat" cmpd="sng" algn="ctr">
+                      <a:solidFill>
+                        <a:schemeClr val="tx1"/>
+                      </a:solidFill>
+                      <a:prstDash val="solid"/>
+                      <a:round/>
+                      <a:headEnd type="none" w="med" len="med"/>
+                      <a:tailEnd type="none" w="med" len="med"/>
+                    </a:lnB>
+                    <a:noFill/>
+                  </a:tcPr>
+                </a:tc>
+                <a:tc>
+                  <a:txBody>
+                    <a:bodyPr/>
+                    <a:lstStyle/>
+                    <a:p>
+                      <a:pPr algn="ctr"/>
+                      <a:r>
+                        <a:rPr lang="en-US" dirty="0" smtClean="0">
+                          <a:solidFill>
+                            <a:sysClr val="windowText" lastClr="000000"/>
+                          </a:solidFill>
+                        </a:rPr>
+                        <a:t>1</a:t>
+                      </a:r>
+                      <a:endParaRPr lang="en-US" dirty="0">
+                        <a:solidFill>
+                          <a:sysClr val="windowText" lastClr="000000"/>
+                        </a:solidFill>
+                      </a:endParaRPr>
+                    </a:p>
+                  </a:txBody>
+                  <a:tcPr>
+                    <a:lnL w="12700" cap="flat" cmpd="sng" algn="ctr">
+                      <a:solidFill>
+                        <a:schemeClr val="tx1"/>
+                      </a:solidFill>
+                      <a:prstDash val="solid"/>
+                      <a:round/>
+                      <a:headEnd type="none" w="med" len="med"/>
+                      <a:tailEnd type="none" w="med" len="med"/>
+                    </a:lnL>
+                    <a:lnR w="12700" cap="flat" cmpd="sng" algn="ctr">
+                      <a:solidFill>
+                        <a:schemeClr val="tx1"/>
+                      </a:solidFill>
+                      <a:prstDash val="solid"/>
+                      <a:round/>
+                      <a:headEnd type="none" w="med" len="med"/>
+                      <a:tailEnd type="none" w="med" len="med"/>
+                    </a:lnR>
+                    <a:lnT w="12700" cap="flat" cmpd="sng" algn="ctr">
+                      <a:solidFill>
+                        <a:schemeClr val="tx1"/>
+                      </a:solidFill>
+                      <a:prstDash val="solid"/>
+                      <a:round/>
+                      <a:headEnd type="none" w="med" len="med"/>
+                      <a:tailEnd type="none" w="med" len="med"/>
+                    </a:lnT>
+                    <a:lnB w="12700" cap="flat" cmpd="sng" algn="ctr">
+                      <a:solidFill>
+                        <a:schemeClr val="tx1"/>
+                      </a:solidFill>
+                      <a:prstDash val="solid"/>
+                      <a:round/>
+                      <a:headEnd type="none" w="med" len="med"/>
+                      <a:tailEnd type="none" w="med" len="med"/>
+                    </a:lnB>
+                    <a:noFill/>
+                  </a:tcPr>
+                </a:tc>
+                <a:tc>
+                  <a:txBody>
+                    <a:bodyPr/>
+                    <a:lstStyle/>
+                    <a:p>
+                      <a:pPr algn="ctr"/>
+                      <a:r>
+                        <a:rPr lang="en-US" dirty="0" smtClean="0">
+                          <a:solidFill>
+                            <a:sysClr val="windowText" lastClr="000000"/>
+                          </a:solidFill>
+                        </a:rPr>
+                        <a:t>1</a:t>
+                      </a:r>
+                      <a:endParaRPr lang="en-US" dirty="0">
+                        <a:solidFill>
+                          <a:sysClr val="windowText" lastClr="000000"/>
+                        </a:solidFill>
+                      </a:endParaRPr>
+                    </a:p>
+                  </a:txBody>
+                  <a:tcPr>
+                    <a:lnL w="12700" cap="flat" cmpd="sng" algn="ctr">
+                      <a:solidFill>
+                        <a:schemeClr val="tx1"/>
+                      </a:solidFill>
+                      <a:prstDash val="solid"/>
+                      <a:round/>
+                      <a:headEnd type="none" w="med" len="med"/>
+                      <a:tailEnd type="none" w="med" len="med"/>
+                    </a:lnL>
+                    <a:lnR w="12700" cap="flat" cmpd="sng" algn="ctr">
+                      <a:solidFill>
+                        <a:schemeClr val="tx1"/>
+                      </a:solidFill>
+                      <a:prstDash val="solid"/>
+                      <a:round/>
+                      <a:headEnd type="none" w="med" len="med"/>
+                      <a:tailEnd type="none" w="med" len="med"/>
+                    </a:lnR>
+                    <a:lnT w="12700" cap="flat" cmpd="sng" algn="ctr">
+                      <a:solidFill>
+                        <a:schemeClr val="tx1"/>
+                      </a:solidFill>
+                      <a:prstDash val="solid"/>
+                      <a:round/>
+                      <a:headEnd type="none" w="med" len="med"/>
+                      <a:tailEnd type="none" w="med" len="med"/>
+                    </a:lnT>
+                    <a:lnB w="12700" cap="flat" cmpd="sng" algn="ctr">
+                      <a:solidFill>
+                        <a:schemeClr val="tx1"/>
+                      </a:solidFill>
+                      <a:prstDash val="solid"/>
+                      <a:round/>
+                      <a:headEnd type="none" w="med" len="med"/>
+                      <a:tailEnd type="none" w="med" len="med"/>
+                    </a:lnB>
+                    <a:noFill/>
+                  </a:tcPr>
+                </a:tc>
+              </a:tr>
+              <a:tr h="345440">
+                <a:tc>
+                  <a:txBody>
+                    <a:bodyPr/>
+                    <a:lstStyle/>
+                    <a:p>
+                      <a:pPr algn="r"/>
+                      <a:r>
+                        <a:rPr lang="en-US" dirty="0" smtClean="0">
+                          <a:solidFill>
+                            <a:sysClr val="windowText" lastClr="000000"/>
+                          </a:solidFill>
+                        </a:rPr>
+                        <a:t>Alpha</a:t>
+                      </a:r>
+                      <a:endParaRPr lang="en-US" dirty="0">
+                        <a:solidFill>
+                          <a:sysClr val="windowText" lastClr="000000"/>
+                        </a:solidFill>
+                      </a:endParaRPr>
+                    </a:p>
+                  </a:txBody>
+                  <a:tcPr>
+                    <a:lnL w="12700" cap="flat" cmpd="sng" algn="ctr">
+                      <a:solidFill>
+                        <a:schemeClr val="tx1"/>
+                      </a:solidFill>
+                      <a:prstDash val="solid"/>
+                      <a:round/>
+                      <a:headEnd type="none" w="med" len="med"/>
+                      <a:tailEnd type="none" w="med" len="med"/>
+                    </a:lnL>
+                    <a:lnR w="12700" cap="flat" cmpd="sng" algn="ctr">
+                      <a:solidFill>
+                        <a:schemeClr val="tx1"/>
+                      </a:solidFill>
+                      <a:prstDash val="solid"/>
+                      <a:round/>
+                      <a:headEnd type="none" w="med" len="med"/>
+                      <a:tailEnd type="none" w="med" len="med"/>
+                    </a:lnR>
+                    <a:lnT w="12700" cap="flat" cmpd="sng" algn="ctr">
+                      <a:solidFill>
+                        <a:schemeClr val="tx1"/>
+                      </a:solidFill>
+                      <a:prstDash val="solid"/>
+                      <a:round/>
+                      <a:headEnd type="none" w="med" len="med"/>
+                      <a:tailEnd type="none" w="med" len="med"/>
+                    </a:lnT>
+                    <a:lnB w="12700" cap="flat" cmpd="sng" algn="ctr">
+                      <a:solidFill>
+                        <a:schemeClr val="tx1"/>
+                      </a:solidFill>
+                      <a:prstDash val="solid"/>
+                      <a:round/>
+                      <a:headEnd type="none" w="med" len="med"/>
+                      <a:tailEnd type="none" w="med" len="med"/>
+                    </a:lnB>
+                    <a:noFill/>
+                  </a:tcPr>
+                </a:tc>
+                <a:tc>
+                  <a:txBody>
+                    <a:bodyPr/>
+                    <a:lstStyle/>
+                    <a:p>
+                      <a:pPr algn="ctr"/>
+                      <a:r>
+                        <a:rPr lang="en-US" dirty="0" smtClean="0">
+                          <a:solidFill>
+                            <a:sysClr val="windowText" lastClr="000000"/>
+                          </a:solidFill>
+                        </a:rPr>
+                        <a:t>0.98</a:t>
+                      </a:r>
+                      <a:endParaRPr lang="en-US" dirty="0">
+                        <a:solidFill>
+                          <a:sysClr val="windowText" lastClr="000000"/>
+                        </a:solidFill>
+                      </a:endParaRPr>
+                    </a:p>
+                  </a:txBody>
+                  <a:tcPr>
+                    <a:lnL w="12700" cap="flat" cmpd="sng" algn="ctr">
+                      <a:solidFill>
+                        <a:schemeClr val="tx1"/>
+                      </a:solidFill>
+                      <a:prstDash val="solid"/>
+                      <a:round/>
+                      <a:headEnd type="none" w="med" len="med"/>
+                      <a:tailEnd type="none" w="med" len="med"/>
+                    </a:lnL>
+                    <a:lnR w="12700" cap="flat" cmpd="sng" algn="ctr">
+                      <a:solidFill>
+                        <a:schemeClr val="tx1"/>
+                      </a:solidFill>
+                      <a:prstDash val="solid"/>
+                      <a:round/>
+                      <a:headEnd type="none" w="med" len="med"/>
+                      <a:tailEnd type="none" w="med" len="med"/>
+                    </a:lnR>
+                    <a:lnT w="12700" cap="flat" cmpd="sng" algn="ctr">
+                      <a:solidFill>
+                        <a:schemeClr val="tx1"/>
+                      </a:solidFill>
+                      <a:prstDash val="solid"/>
+                      <a:round/>
+                      <a:headEnd type="none" w="med" len="med"/>
+                      <a:tailEnd type="none" w="med" len="med"/>
+                    </a:lnT>
+                    <a:lnB w="12700" cap="flat" cmpd="sng" algn="ctr">
+                      <a:solidFill>
+                        <a:schemeClr val="tx1"/>
+                      </a:solidFill>
+                      <a:prstDash val="solid"/>
+                      <a:round/>
+                      <a:headEnd type="none" w="med" len="med"/>
+                      <a:tailEnd type="none" w="med" len="med"/>
+                    </a:lnB>
+                    <a:noFill/>
+                  </a:tcPr>
+                </a:tc>
+                <a:tc>
+                  <a:txBody>
+                    <a:bodyPr/>
+                    <a:lstStyle/>
+                    <a:p>
+                      <a:pPr algn="ctr"/>
+                      <a:r>
+                        <a:rPr lang="en-US" dirty="0" smtClean="0">
+                          <a:solidFill>
+                            <a:sysClr val="windowText" lastClr="000000"/>
+                          </a:solidFill>
+                        </a:rPr>
+                        <a:t>0.96</a:t>
+                      </a:r>
+                      <a:endParaRPr lang="en-US" dirty="0">
+                        <a:solidFill>
+                          <a:sysClr val="windowText" lastClr="000000"/>
+                        </a:solidFill>
+                      </a:endParaRPr>
+                    </a:p>
+                  </a:txBody>
+                  <a:tcPr>
+                    <a:lnL w="12700" cap="flat" cmpd="sng" algn="ctr">
+                      <a:solidFill>
+                        <a:schemeClr val="tx1"/>
+                      </a:solidFill>
+                      <a:prstDash val="solid"/>
+                      <a:round/>
+                      <a:headEnd type="none" w="med" len="med"/>
+                      <a:tailEnd type="none" w="med" len="med"/>
+                    </a:lnL>
+                    <a:lnR w="12700" cap="flat" cmpd="sng" algn="ctr">
+                      <a:solidFill>
+                        <a:schemeClr val="tx1"/>
+                      </a:solidFill>
+                      <a:prstDash val="solid"/>
+                      <a:round/>
+                      <a:headEnd type="none" w="med" len="med"/>
+                      <a:tailEnd type="none" w="med" len="med"/>
+                    </a:lnR>
+                    <a:lnT w="12700" cap="flat" cmpd="sng" algn="ctr">
+                      <a:solidFill>
+                        <a:schemeClr val="tx1"/>
+                      </a:solidFill>
+                      <a:prstDash val="solid"/>
+                      <a:round/>
+                      <a:headEnd type="none" w="med" len="med"/>
+                      <a:tailEnd type="none" w="med" len="med"/>
+                    </a:lnT>
+                    <a:lnB w="12700" cap="flat" cmpd="sng" algn="ctr">
+                      <a:solidFill>
+                        <a:schemeClr val="tx1"/>
+                      </a:solidFill>
+                      <a:prstDash val="solid"/>
+                      <a:round/>
+                      <a:headEnd type="none" w="med" len="med"/>
+                      <a:tailEnd type="none" w="med" len="med"/>
+                    </a:lnB>
+                    <a:noFill/>
+                  </a:tcPr>
+                </a:tc>
+              </a:tr>
+              <a:tr h="370840">
+                <a:tc>
+                  <a:txBody>
+                    <a:bodyPr/>
+                    <a:lstStyle/>
+                    <a:p>
+                      <a:pPr algn="r"/>
+                      <a:r>
+                        <a:rPr lang="en-US" b="0" dirty="0" smtClean="0">
+                          <a:solidFill>
+                            <a:sysClr val="windowText" lastClr="000000"/>
+                          </a:solidFill>
+                        </a:rPr>
+                        <a:t>% Spectral</a:t>
+                      </a:r>
+                      <a:endParaRPr lang="en-US" b="0" dirty="0">
+                        <a:solidFill>
+                          <a:sysClr val="windowText" lastClr="000000"/>
+                        </a:solidFill>
+                      </a:endParaRPr>
+                    </a:p>
+                  </a:txBody>
+                  <a:tcPr>
+                    <a:lnL w="12700" cap="flat" cmpd="sng" algn="ctr">
+                      <a:solidFill>
+                        <a:schemeClr val="tx1"/>
+                      </a:solidFill>
+                      <a:prstDash val="solid"/>
+                      <a:round/>
+                      <a:headEnd type="none" w="med" len="med"/>
+                      <a:tailEnd type="none" w="med" len="med"/>
+                    </a:lnL>
+                    <a:lnR w="12700" cap="flat" cmpd="sng" algn="ctr">
+                      <a:solidFill>
+                        <a:schemeClr val="tx1"/>
+                      </a:solidFill>
+                      <a:prstDash val="solid"/>
+                      <a:round/>
+                      <a:headEnd type="none" w="med" len="med"/>
+                      <a:tailEnd type="none" w="med" len="med"/>
+                    </a:lnR>
+                    <a:lnT w="12700" cap="flat" cmpd="sng" algn="ctr">
+                      <a:solidFill>
+                        <a:schemeClr val="tx1"/>
+                      </a:solidFill>
+                      <a:prstDash val="solid"/>
+                      <a:round/>
+                      <a:headEnd type="none" w="med" len="med"/>
+                      <a:tailEnd type="none" w="med" len="med"/>
+                    </a:lnT>
+                    <a:lnB w="12700" cap="flat" cmpd="sng" algn="ctr">
+                      <a:solidFill>
+                        <a:schemeClr val="tx1"/>
+                      </a:solidFill>
+                      <a:prstDash val="solid"/>
+                      <a:round/>
+                      <a:headEnd type="none" w="med" len="med"/>
+                      <a:tailEnd type="none" w="med" len="med"/>
+                    </a:lnB>
+                    <a:noFill/>
+                  </a:tcPr>
+                </a:tc>
+                <a:tc>
+                  <a:txBody>
+                    <a:bodyPr/>
+                    <a:lstStyle/>
+                    <a:p>
+                      <a:pPr algn="ctr"/>
+                      <a:r>
+                        <a:rPr lang="en-US" dirty="0" smtClean="0">
+                          <a:solidFill>
+                            <a:sysClr val="windowText" lastClr="000000"/>
+                          </a:solidFill>
+                        </a:rPr>
+                        <a:t>0</a:t>
+                      </a:r>
+                      <a:endParaRPr lang="en-US" dirty="0">
+                        <a:solidFill>
+                          <a:sysClr val="windowText" lastClr="000000"/>
+                        </a:solidFill>
+                      </a:endParaRPr>
+                    </a:p>
+                  </a:txBody>
+                  <a:tcPr>
+                    <a:lnL w="12700" cap="flat" cmpd="sng" algn="ctr">
+                      <a:solidFill>
+                        <a:schemeClr val="tx1"/>
+                      </a:solidFill>
+                      <a:prstDash val="solid"/>
+                      <a:round/>
+                      <a:headEnd type="none" w="med" len="med"/>
+                      <a:tailEnd type="none" w="med" len="med"/>
+                    </a:lnL>
+                    <a:lnR w="12700" cap="flat" cmpd="sng" algn="ctr">
+                      <a:solidFill>
+                        <a:schemeClr val="tx1"/>
+                      </a:solidFill>
+                      <a:prstDash val="solid"/>
+                      <a:round/>
+                      <a:headEnd type="none" w="med" len="med"/>
+                      <a:tailEnd type="none" w="med" len="med"/>
+                    </a:lnR>
+                    <a:lnT w="12700" cap="flat" cmpd="sng" algn="ctr">
+                      <a:solidFill>
+                        <a:schemeClr val="tx1"/>
+                      </a:solidFill>
+                      <a:prstDash val="solid"/>
+                      <a:round/>
+                      <a:headEnd type="none" w="med" len="med"/>
+                      <a:tailEnd type="none" w="med" len="med"/>
+                    </a:lnT>
+                    <a:lnB w="12700" cap="flat" cmpd="sng" algn="ctr">
+                      <a:solidFill>
+                        <a:schemeClr val="tx1"/>
+                      </a:solidFill>
+                      <a:prstDash val="solid"/>
+                      <a:round/>
+                      <a:headEnd type="none" w="med" len="med"/>
+                      <a:tailEnd type="none" w="med" len="med"/>
+                    </a:lnB>
+                    <a:noFill/>
+                  </a:tcPr>
+                </a:tc>
+                <a:tc>
+                  <a:txBody>
+                    <a:bodyPr/>
+                    <a:lstStyle/>
+                    <a:p>
+                      <a:pPr algn="ctr"/>
+                      <a:r>
+                        <a:rPr lang="en-US" dirty="0" smtClean="0">
+                          <a:solidFill>
+                            <a:sysClr val="windowText" lastClr="000000"/>
+                          </a:solidFill>
+                        </a:rPr>
+                        <a:t>0</a:t>
+                      </a:r>
+                      <a:endParaRPr lang="en-US" dirty="0">
+                        <a:solidFill>
+                          <a:sysClr val="windowText" lastClr="000000"/>
+                        </a:solidFill>
+                      </a:endParaRPr>
+                    </a:p>
+                  </a:txBody>
+                  <a:tcPr>
+                    <a:lnL w="12700" cap="flat" cmpd="sng" algn="ctr">
+                      <a:solidFill>
+                        <a:schemeClr val="tx1"/>
+                      </a:solidFill>
+                      <a:prstDash val="solid"/>
+                      <a:round/>
+                      <a:headEnd type="none" w="med" len="med"/>
+                      <a:tailEnd type="none" w="med" len="med"/>
+                    </a:lnL>
+                    <a:lnR w="12700" cap="flat" cmpd="sng" algn="ctr">
+                      <a:solidFill>
+                        <a:schemeClr val="tx1"/>
+                      </a:solidFill>
+                      <a:prstDash val="solid"/>
+                      <a:round/>
+                      <a:headEnd type="none" w="med" len="med"/>
+                      <a:tailEnd type="none" w="med" len="med"/>
+                    </a:lnR>
+                    <a:lnT w="12700" cap="flat" cmpd="sng" algn="ctr">
+                      <a:solidFill>
+                        <a:schemeClr val="tx1"/>
+                      </a:solidFill>
+                      <a:prstDash val="solid"/>
+                      <a:round/>
+                      <a:headEnd type="none" w="med" len="med"/>
+                      <a:tailEnd type="none" w="med" len="med"/>
+                    </a:lnT>
+                    <a:lnB w="12700" cap="flat" cmpd="sng" algn="ctr">
+                      <a:solidFill>
+                        <a:schemeClr val="tx1"/>
+                      </a:solidFill>
+                      <a:prstDash val="solid"/>
+                      <a:round/>
+                      <a:headEnd type="none" w="med" len="med"/>
+                      <a:tailEnd type="none" w="med" len="med"/>
+                    </a:lnB>
+                    <a:noFill/>
+                  </a:tcPr>
+                </a:tc>
+              </a:tr>
+              <a:tr h="370840">
+                <a:tc>
+                  <a:txBody>
+                    <a:bodyPr/>
+                    <a:lstStyle/>
+                    <a:p>
+                      <a:pPr algn="r"/>
+                      <a:r>
+                        <a:rPr lang="en-US" b="1" dirty="0" smtClean="0">
+                          <a:solidFill>
+                            <a:sysClr val="windowText" lastClr="000000"/>
+                          </a:solidFill>
+                        </a:rPr>
+                        <a:t>Fitness</a:t>
+                      </a:r>
+                      <a:endParaRPr lang="en-US" b="1" dirty="0">
+                        <a:solidFill>
+                          <a:sysClr val="windowText" lastClr="000000"/>
+                        </a:solidFill>
+                      </a:endParaRPr>
+                    </a:p>
+                  </a:txBody>
+                  <a:tcPr>
+                    <a:lnL w="12700" cap="flat" cmpd="sng" algn="ctr">
+                      <a:solidFill>
+                        <a:schemeClr val="tx1"/>
+                      </a:solidFill>
+                      <a:prstDash val="solid"/>
+                      <a:round/>
+                      <a:headEnd type="none" w="med" len="med"/>
+                      <a:tailEnd type="none" w="med" len="med"/>
+                    </a:lnL>
+                    <a:lnR w="12700" cap="flat" cmpd="sng" algn="ctr">
+                      <a:solidFill>
+                        <a:schemeClr val="tx1"/>
+                      </a:solidFill>
+                      <a:prstDash val="solid"/>
+                      <a:round/>
+                      <a:headEnd type="none" w="med" len="med"/>
+                      <a:tailEnd type="none" w="med" len="med"/>
+                    </a:lnR>
+                    <a:lnT w="12700" cap="flat" cmpd="sng" algn="ctr">
+                      <a:solidFill>
+                        <a:schemeClr val="tx1"/>
+                      </a:solidFill>
+                      <a:prstDash val="solid"/>
+                      <a:round/>
+                      <a:headEnd type="none" w="med" len="med"/>
+                      <a:tailEnd type="none" w="med" len="med"/>
+                    </a:lnT>
+                    <a:lnB w="12700" cap="flat" cmpd="sng" algn="ctr">
+                      <a:solidFill>
+                        <a:schemeClr val="tx1"/>
+                      </a:solidFill>
+                      <a:prstDash val="solid"/>
+                      <a:round/>
+                      <a:headEnd type="none" w="med" len="med"/>
+                      <a:tailEnd type="none" w="med" len="med"/>
+                    </a:lnB>
+                    <a:noFill/>
+                  </a:tcPr>
+                </a:tc>
+                <a:tc>
+                  <a:txBody>
+                    <a:bodyPr/>
+                    <a:lstStyle/>
+                    <a:p>
+                      <a:pPr algn="ctr"/>
+                      <a:r>
+                        <a:rPr lang="en-US" b="1" dirty="0" smtClean="0">
+                          <a:solidFill>
+                            <a:sysClr val="windowText" lastClr="000000"/>
+                          </a:solidFill>
+                        </a:rPr>
+                        <a:t>0.0301</a:t>
+                      </a:r>
+                      <a:endParaRPr lang="en-US" b="1" dirty="0">
+                        <a:solidFill>
+                          <a:sysClr val="windowText" lastClr="000000"/>
+                        </a:solidFill>
+                      </a:endParaRPr>
+                    </a:p>
+                  </a:txBody>
+                  <a:tcPr>
+                    <a:lnL w="12700" cap="flat" cmpd="sng" algn="ctr">
+                      <a:solidFill>
+                        <a:schemeClr val="tx1"/>
+                      </a:solidFill>
+                      <a:prstDash val="solid"/>
+                      <a:round/>
+                      <a:headEnd type="none" w="med" len="med"/>
+                      <a:tailEnd type="none" w="med" len="med"/>
+                    </a:lnL>
+                    <a:lnR w="12700" cap="flat" cmpd="sng" algn="ctr">
+                      <a:solidFill>
+                        <a:schemeClr val="tx1"/>
+                      </a:solidFill>
+                      <a:prstDash val="solid"/>
+                      <a:round/>
+                      <a:headEnd type="none" w="med" len="med"/>
+                      <a:tailEnd type="none" w="med" len="med"/>
+                    </a:lnR>
+                    <a:lnT w="12700" cap="flat" cmpd="sng" algn="ctr">
+                      <a:solidFill>
+                        <a:schemeClr val="tx1"/>
+                      </a:solidFill>
+                      <a:prstDash val="solid"/>
+                      <a:round/>
+                      <a:headEnd type="none" w="med" len="med"/>
+                      <a:tailEnd type="none" w="med" len="med"/>
+                    </a:lnT>
+                    <a:lnB w="12700" cap="flat" cmpd="sng" algn="ctr">
+                      <a:solidFill>
+                        <a:schemeClr val="tx1"/>
+                      </a:solidFill>
+                      <a:prstDash val="solid"/>
+                      <a:round/>
+                      <a:headEnd type="none" w="med" len="med"/>
+                      <a:tailEnd type="none" w="med" len="med"/>
+                    </a:lnB>
+                    <a:noFill/>
+                  </a:tcPr>
+                </a:tc>
+                <a:tc>
+                  <a:txBody>
+                    <a:bodyPr/>
+                    <a:lstStyle/>
+                    <a:p>
+                      <a:pPr algn="ctr"/>
+                      <a:r>
+                        <a:rPr lang="en-US" b="1" dirty="0" smtClean="0">
+                          <a:solidFill>
+                            <a:sysClr val="windowText" lastClr="000000"/>
+                          </a:solidFill>
+                        </a:rPr>
+                        <a:t>0.0240</a:t>
+                      </a:r>
+                      <a:endParaRPr lang="en-US" b="1" dirty="0">
+                        <a:solidFill>
+                          <a:sysClr val="windowText" lastClr="000000"/>
+                        </a:solidFill>
+                      </a:endParaRPr>
+                    </a:p>
+                  </a:txBody>
+                  <a:tcPr>
+                    <a:lnL w="12700" cap="flat" cmpd="sng" algn="ctr">
+                      <a:solidFill>
+                        <a:schemeClr val="tx1"/>
+                      </a:solidFill>
+                      <a:prstDash val="solid"/>
+                      <a:round/>
+                      <a:headEnd type="none" w="med" len="med"/>
+                      <a:tailEnd type="none" w="med" len="med"/>
+                    </a:lnL>
+                    <a:lnR w="12700" cap="flat" cmpd="sng" algn="ctr">
+                      <a:solidFill>
+                        <a:schemeClr val="tx1"/>
+                      </a:solidFill>
+                      <a:prstDash val="solid"/>
+                      <a:round/>
+                      <a:headEnd type="none" w="med" len="med"/>
+                      <a:tailEnd type="none" w="med" len="med"/>
+                    </a:lnR>
+                    <a:lnT w="12700" cap="flat" cmpd="sng" algn="ctr">
+                      <a:solidFill>
+                        <a:schemeClr val="tx1"/>
+                      </a:solidFill>
+                      <a:prstDash val="solid"/>
+                      <a:round/>
+                      <a:headEnd type="none" w="med" len="med"/>
+                      <a:tailEnd type="none" w="med" len="med"/>
+                    </a:lnT>
+                    <a:lnB w="12700" cap="flat" cmpd="sng" algn="ctr">
+                      <a:solidFill>
+                        <a:schemeClr val="tx1"/>
+                      </a:solidFill>
+                      <a:prstDash val="solid"/>
+                      <a:round/>
+                      <a:headEnd type="none" w="med" len="med"/>
+                      <a:tailEnd type="none" w="med" len="med"/>
+                    </a:lnB>
+                    <a:noFill/>
+                  </a:tcPr>
+                </a:tc>
+              </a:tr>
+            </a:tbl>
+          </a:graphicData>
+        </a:graphic>
+      </p:graphicFrame>
+    </p:spTree>
+    <p:extLst>
+      <p:ext uri="{BB962C8B-B14F-4D97-AF65-F5344CB8AC3E}">
+        <p14:creationId xmlns:p14="http://schemas.microsoft.com/office/powerpoint/2010/main" val="3618975649"/>
+      </p:ext>
+    </p:extLst>
+  </p:cSld>
+  <p:clrMapOvr>
+    <a:masterClrMapping/>
+  </p:clrMapOvr>
+  <p:timing>
+    <p:tnLst>
+      <p:par>
+        <p:cTn id="1" dur="indefinite" restart="never" nodeType="tmRoot"/>
+      </p:par>
+    </p:tnLst>
+  </p:timing>
+</p:sld>
+</file>
+
+<file path=ppt/slides/slide15.xml><?xml version="1.0" encoding="utf-8"?>
+<p:sld xmlns:a="http://schemas.openxmlformats.org/drawingml/2006/main" xmlns:r="http://schemas.openxmlformats.org/officeDocument/2006/relationships" xmlns:p="http://schemas.openxmlformats.org/presentationml/2006/main">
+  <p:cSld>
+    <p:spTree>
+      <p:nvGrpSpPr>
+        <p:cNvPr id="1" name=""/>
+        <p:cNvGrpSpPr/>
+        <p:nvPr/>
+      </p:nvGrpSpPr>
+      <p:grpSpPr>
+        <a:xfrm>
+          <a:off x="0" y="0"/>
+          <a:ext cx="0" cy="0"/>
+          <a:chOff x="0" y="0"/>
+          <a:chExt cx="0" cy="0"/>
+        </a:xfrm>
+      </p:grpSpPr>
+      <p:sp>
+        <p:nvSpPr>
+          <p:cNvPr id="2" name="Content Placeholder 1"/>
+          <p:cNvSpPr>
+            <a:spLocks noGrp="1"/>
+          </p:cNvSpPr>
+          <p:nvPr>
+            <p:ph idx="1"/>
+          </p:nvPr>
+        </p:nvSpPr>
+        <p:spPr>
+          <a:xfrm>
+            <a:off x="457200" y="1481328"/>
+            <a:ext cx="8229600" cy="4843272"/>
+          </a:xfrm>
+        </p:spPr>
+        <p:txBody>
+          <a:bodyPr>
+            <a:normAutofit/>
+          </a:bodyPr>
+          <a:lstStyle/>
+          <a:p>
+            <a:pPr marL="109728" indent="0" algn="ctr">
+              <a:buNone/>
+            </a:pPr>
+            <a:r>
+              <a:rPr lang="en-US" dirty="0" smtClean="0"/>
+              <a:t>Running the best results with only</a:t>
+            </a:r>
+          </a:p>
+          <a:p>
+            <a:pPr marL="109728" indent="0" algn="ctr">
+              <a:buNone/>
+            </a:pPr>
+            <a:r>
+              <a:rPr lang="en-US" dirty="0" smtClean="0"/>
               <a:t>Spectral Subtraction</a:t>
             </a:r>
           </a:p>
@@ -13629,7 +14004,7 @@
 </p:sld>
 </file>
 
-<file path=ppt/slides/slide15.xml><?xml version="1.0" encoding="utf-8"?>
+<file path=ppt/slides/slide16.xml><?xml version="1.0" encoding="utf-8"?>
 <p:sld xmlns:a="http://schemas.openxmlformats.org/drawingml/2006/main" xmlns:r="http://schemas.openxmlformats.org/officeDocument/2006/relationships" xmlns:p="http://schemas.openxmlformats.org/presentationml/2006/main">
   <p:cSld>
     <p:spTree>
@@ -14153,96 +14528,6 @@
 </p:sld>
 </file>
 
-<file path=ppt/slides/slide16.xml><?xml version="1.0" encoding="utf-8"?>
-<p:sld xmlns:a="http://schemas.openxmlformats.org/drawingml/2006/main" xmlns:r="http://schemas.openxmlformats.org/officeDocument/2006/relationships" xmlns:p="http://schemas.openxmlformats.org/presentationml/2006/main">
-  <p:cSld>
-    <p:spTree>
-      <p:nvGrpSpPr>
-        <p:cNvPr id="1" name=""/>
-        <p:cNvGrpSpPr/>
-        <p:nvPr/>
-      </p:nvGrpSpPr>
-      <p:grpSpPr>
-        <a:xfrm>
-          <a:off x="0" y="0"/>
-          <a:ext cx="0" cy="0"/>
-          <a:chOff x="0" y="0"/>
-          <a:chExt cx="0" cy="0"/>
-        </a:xfrm>
-      </p:grpSpPr>
-      <p:sp>
-        <p:nvSpPr>
-          <p:cNvPr id="2" name="Content Placeholder 1"/>
-          <p:cNvSpPr>
-            <a:spLocks noGrp="1"/>
-          </p:cNvSpPr>
-          <p:nvPr>
-            <p:ph idx="1"/>
-          </p:nvPr>
-        </p:nvSpPr>
-        <p:spPr/>
-        <p:txBody>
-          <a:bodyPr/>
-          <a:lstStyle/>
-          <a:p>
-            <a:r>
-              <a:rPr lang="en-US" dirty="0" smtClean="0"/>
-              <a:t>We are able to improve upon the expert results with the use of Evolutionary Computation.</a:t>
-            </a:r>
-          </a:p>
-          <a:p>
-            <a:r>
-              <a:rPr lang="en-US" dirty="0" smtClean="0"/>
-              <a:t>The larger the population the faster the best solution is found.</a:t>
-            </a:r>
-          </a:p>
-          <a:p>
-            <a:r>
-              <a:rPr lang="en-US" dirty="0" smtClean="0"/>
-              <a:t>As the number of generations increases the population becomes less diverse.</a:t>
-            </a:r>
-          </a:p>
-          <a:p>
-            <a:endParaRPr lang="en-US" dirty="0"/>
-          </a:p>
-        </p:txBody>
-      </p:sp>
-      <p:sp>
-        <p:nvSpPr>
-          <p:cNvPr id="3" name="Title 2"/>
-          <p:cNvSpPr>
-            <a:spLocks noGrp="1"/>
-          </p:cNvSpPr>
-          <p:nvPr>
-            <p:ph type="title"/>
-          </p:nvPr>
-        </p:nvSpPr>
-        <p:spPr/>
-        <p:txBody>
-          <a:bodyPr/>
-          <a:lstStyle/>
-          <a:p>
-            <a:r>
-              <a:rPr lang="en-US" dirty="0" smtClean="0"/>
-              <a:t>Conclusions</a:t>
-            </a:r>
-            <a:endParaRPr lang="en-US" dirty="0"/>
-          </a:p>
-        </p:txBody>
-      </p:sp>
-    </p:spTree>
-    <p:extLst>
-      <p:ext uri="{BB962C8B-B14F-4D97-AF65-F5344CB8AC3E}">
-        <p14:creationId xmlns:p14="http://schemas.microsoft.com/office/powerpoint/2010/main" val="3357416307"/>
-      </p:ext>
-    </p:extLst>
-  </p:cSld>
-  <p:clrMapOvr>
-    <a:masterClrMapping/>
-  </p:clrMapOvr>
-</p:sld>
-</file>
-
 <file path=ppt/slides/slide17.xml><?xml version="1.0" encoding="utf-8"?>
 <p:sld xmlns:a="http://schemas.openxmlformats.org/drawingml/2006/main" xmlns:r="http://schemas.openxmlformats.org/officeDocument/2006/relationships" xmlns:p="http://schemas.openxmlformats.org/presentationml/2006/main">
   <p:cSld>
@@ -14277,57 +14562,22 @@
           <a:p>
             <a:r>
               <a:rPr lang="en-US" dirty="0" smtClean="0"/>
-              <a:t>New fitness function </a:t>
-            </a:r>
-          </a:p>
-          <a:p>
-            <a:pPr lvl="1"/>
+              <a:t>We are able to improve upon the expert results with the use of Evolutionary Computation.</a:t>
+            </a:r>
+          </a:p>
+          <a:p>
             <a:r>
               <a:rPr lang="en-US" dirty="0" smtClean="0"/>
-              <a:t>tuned to human hearing</a:t>
-            </a:r>
-          </a:p>
-          <a:p>
-            <a:pPr lvl="1"/>
+              <a:t>The larger the population the faster the best solution is found.</a:t>
+            </a:r>
+          </a:p>
+          <a:p>
             <a:r>
               <a:rPr lang="en-US" dirty="0" smtClean="0"/>
-              <a:t>for computer interpretation</a:t>
-            </a:r>
-            <a:endParaRPr lang="en-US" dirty="0" smtClean="0"/>
-          </a:p>
-          <a:p>
-            <a:r>
-              <a:rPr lang="en-US" dirty="0" smtClean="0"/>
-              <a:t>Evolve different combinations of de-noising algorithms alongside parameters</a:t>
-            </a:r>
-          </a:p>
-          <a:p>
-            <a:pPr lvl="1"/>
-            <a:r>
-              <a:rPr lang="en-US" dirty="0" smtClean="0"/>
-              <a:t>Genetic programming</a:t>
-            </a:r>
-            <a:endParaRPr lang="en-US" dirty="0" smtClean="0"/>
-          </a:p>
-          <a:p>
-            <a:r>
-              <a:rPr lang="en-US" dirty="0" smtClean="0"/>
-              <a:t>Variety of audio samples</a:t>
-            </a:r>
-          </a:p>
-          <a:p>
-            <a:pPr lvl="1"/>
-            <a:r>
-              <a:rPr lang="en-US" dirty="0" smtClean="0"/>
-              <a:t>Different voices</a:t>
-            </a:r>
-          </a:p>
-          <a:p>
-            <a:pPr lvl="1"/>
-            <a:r>
-              <a:rPr lang="en-US" dirty="0" smtClean="0"/>
-              <a:t>Different noise situations</a:t>
-            </a:r>
+              <a:t>As the number of generations increases the population becomes less diverse.</a:t>
+            </a:r>
+          </a:p>
+          <a:p>
             <a:endParaRPr lang="en-US" dirty="0"/>
           </a:p>
         </p:txBody>
@@ -14349,6 +14599,129 @@
           <a:p>
             <a:r>
               <a:rPr lang="en-US" dirty="0" smtClean="0"/>
+              <a:t>Conclusions</a:t>
+            </a:r>
+            <a:endParaRPr lang="en-US" dirty="0"/>
+          </a:p>
+        </p:txBody>
+      </p:sp>
+    </p:spTree>
+    <p:extLst>
+      <p:ext uri="{BB962C8B-B14F-4D97-AF65-F5344CB8AC3E}">
+        <p14:creationId xmlns:p14="http://schemas.microsoft.com/office/powerpoint/2010/main" val="3357416307"/>
+      </p:ext>
+    </p:extLst>
+  </p:cSld>
+  <p:clrMapOvr>
+    <a:masterClrMapping/>
+  </p:clrMapOvr>
+</p:sld>
+</file>
+
+<file path=ppt/slides/slide18.xml><?xml version="1.0" encoding="utf-8"?>
+<p:sld xmlns:a="http://schemas.openxmlformats.org/drawingml/2006/main" xmlns:r="http://schemas.openxmlformats.org/officeDocument/2006/relationships" xmlns:p="http://schemas.openxmlformats.org/presentationml/2006/main">
+  <p:cSld>
+    <p:spTree>
+      <p:nvGrpSpPr>
+        <p:cNvPr id="1" name=""/>
+        <p:cNvGrpSpPr/>
+        <p:nvPr/>
+      </p:nvGrpSpPr>
+      <p:grpSpPr>
+        <a:xfrm>
+          <a:off x="0" y="0"/>
+          <a:ext cx="0" cy="0"/>
+          <a:chOff x="0" y="0"/>
+          <a:chExt cx="0" cy="0"/>
+        </a:xfrm>
+      </p:grpSpPr>
+      <p:sp>
+        <p:nvSpPr>
+          <p:cNvPr id="2" name="Content Placeholder 1"/>
+          <p:cNvSpPr>
+            <a:spLocks noGrp="1"/>
+          </p:cNvSpPr>
+          <p:nvPr>
+            <p:ph idx="1"/>
+          </p:nvPr>
+        </p:nvSpPr>
+        <p:spPr/>
+        <p:txBody>
+          <a:bodyPr/>
+          <a:lstStyle/>
+          <a:p>
+            <a:r>
+              <a:rPr lang="en-US" dirty="0" smtClean="0"/>
+              <a:t>New fitness function </a:t>
+            </a:r>
+          </a:p>
+          <a:p>
+            <a:pPr lvl="1"/>
+            <a:r>
+              <a:rPr lang="en-US" dirty="0" smtClean="0"/>
+              <a:t>tuned to human hearing</a:t>
+            </a:r>
+          </a:p>
+          <a:p>
+            <a:pPr lvl="1"/>
+            <a:r>
+              <a:rPr lang="en-US" dirty="0" smtClean="0"/>
+              <a:t>for computer interpretation</a:t>
+            </a:r>
+          </a:p>
+          <a:p>
+            <a:r>
+              <a:rPr lang="en-US" dirty="0" smtClean="0"/>
+              <a:t>Evolve different combinations of de-noising algorithms alongside parameters</a:t>
+            </a:r>
+          </a:p>
+          <a:p>
+            <a:pPr lvl="1"/>
+            <a:r>
+              <a:rPr lang="en-US" dirty="0" smtClean="0"/>
+              <a:t>Genetic programming</a:t>
+            </a:r>
+          </a:p>
+          <a:p>
+            <a:r>
+              <a:rPr lang="en-US" dirty="0" smtClean="0"/>
+              <a:t>Variety of audio samples</a:t>
+            </a:r>
+          </a:p>
+          <a:p>
+            <a:pPr lvl="1"/>
+            <a:r>
+              <a:rPr lang="en-US" dirty="0" smtClean="0"/>
+              <a:t>Different voices</a:t>
+            </a:r>
+          </a:p>
+          <a:p>
+            <a:pPr lvl="1"/>
+            <a:r>
+              <a:rPr lang="en-US" dirty="0" smtClean="0"/>
+              <a:t>Different noise situations</a:t>
+            </a:r>
+            <a:endParaRPr lang="en-US" dirty="0"/>
+          </a:p>
+        </p:txBody>
+      </p:sp>
+      <p:sp>
+        <p:nvSpPr>
+          <p:cNvPr id="3" name="Title 2"/>
+          <p:cNvSpPr>
+            <a:spLocks noGrp="1"/>
+          </p:cNvSpPr>
+          <p:nvPr>
+            <p:ph type="title"/>
+          </p:nvPr>
+        </p:nvSpPr>
+        <p:spPr/>
+        <p:txBody>
+          <a:bodyPr/>
+          <a:lstStyle/>
+          <a:p>
+            <a:r>
+              <a:rPr lang="en-US" dirty="0" smtClean="0"/>
               <a:t>Future Work</a:t>
             </a:r>
             <a:endParaRPr lang="en-US" dirty="0"/>
@@ -14368,7 +14741,7 @@
 </p:sld>
 </file>
 
-<file path=ppt/slides/slide18.xml><?xml version="1.0" encoding="utf-8"?>
+<file path=ppt/slides/slide19.xml><?xml version="1.0" encoding="utf-8"?>
 <p:sld xmlns:a="http://schemas.openxmlformats.org/drawingml/2006/main" xmlns:r="http://schemas.openxmlformats.org/officeDocument/2006/relationships" xmlns:p="http://schemas.openxmlformats.org/presentationml/2006/main">
   <p:cSld>
     <p:spTree>
@@ -14551,6 +14924,14 @@
             <a:pPr lvl="1"/>
             <a:r>
               <a:rPr lang="en-US" dirty="0" smtClean="0"/>
+              <a:t>CMA-ES</a:t>
+            </a:r>
+            <a:endParaRPr lang="en-US" dirty="0" smtClean="0"/>
+          </a:p>
+          <a:p>
+            <a:pPr lvl="1"/>
+            <a:r>
+              <a:rPr lang="en-US" dirty="0" smtClean="0"/>
               <a:t>Weiner Filter</a:t>
             </a:r>
           </a:p>
@@ -14585,6 +14966,13 @@
               <a:rPr lang="en-US" dirty="0" smtClean="0"/>
               <a:t>Conclusions</a:t>
             </a:r>
+          </a:p>
+          <a:p>
+            <a:r>
+              <a:rPr lang="en-US" dirty="0" smtClean="0"/>
+              <a:t>Future Work</a:t>
+            </a:r>
+            <a:endParaRPr lang="en-US" dirty="0" smtClean="0"/>
           </a:p>
           <a:p>
             <a:endParaRPr lang="en-US" dirty="0"/>
@@ -14947,7 +15335,15 @@
           <a:p>
             <a:r>
               <a:rPr lang="en-US" dirty="0" smtClean="0"/>
-              <a:t>Subtract power spectrum of noise only from that of noisy signal                                    			X</a:t>
+              <a:t>Subtract power spectrum of noise only from that of noisy signal                                    			</a:t>
+            </a:r>
+            <a:r>
+              <a:rPr lang="en-US" dirty="0" smtClean="0"/>
+              <a:t>X </a:t>
+            </a:r>
+            <a:r>
+              <a:rPr lang="en-US" dirty="0" smtClean="0"/>
+              <a:t>= (Y</a:t>
             </a:r>
             <a:r>
               <a:rPr lang="en-US" baseline="30000" dirty="0" smtClean="0"/>
@@ -14955,7 +15351,7 @@
             </a:r>
             <a:r>
               <a:rPr lang="en-US" dirty="0" smtClean="0"/>
-              <a:t> = (Y</a:t>
+              <a:t> – N</a:t>
             </a:r>
             <a:r>
               <a:rPr lang="en-US" baseline="30000" dirty="0" smtClean="0"/>
@@ -14963,14 +15359,6 @@
             </a:r>
             <a:r>
               <a:rPr lang="en-US" dirty="0" smtClean="0"/>
-              <a:t> – N</a:t>
-            </a:r>
-            <a:r>
-              <a:rPr lang="en-US" baseline="30000" dirty="0" smtClean="0"/>
-              <a:t>2</a:t>
-            </a:r>
-            <a:r>
-              <a:rPr lang="en-US" dirty="0" smtClean="0"/>
               <a:t>)</a:t>
             </a:r>
             <a:r>
@@ -15003,7 +15391,15 @@
           <a:p>
             <a:r>
               <a:rPr lang="en-US" dirty="0" smtClean="0"/>
-              <a:t>Parameters: Noise Margin, Hang Over, Noise Smoothing Factor</a:t>
+              <a:t>Parameters: Noise Margin, Hang Over, </a:t>
+            </a:r>
+            <a:r>
+              <a:rPr lang="en-US" dirty="0" smtClean="0"/>
+              <a:t>Smoothing </a:t>
+            </a:r>
+            <a:r>
+              <a:rPr lang="en-US" dirty="0" smtClean="0"/>
+              <a:t>Factor</a:t>
             </a:r>
           </a:p>
           <a:p>
@@ -15100,29 +15496,21 @@
             </a:r>
             <a:r>
               <a:rPr lang="en-US" dirty="0" smtClean="0"/>
-              <a:t>S</a:t>
-            </a:r>
-            <a:r>
-              <a:rPr lang="en-US" baseline="30000" dirty="0" smtClean="0"/>
-              <a:t>2</a:t>
+              <a:t>Y</a:t>
             </a:r>
             <a:r>
               <a:rPr lang="en-US" dirty="0" smtClean="0"/>
               <a:t>/N</a:t>
             </a:r>
-            <a:r>
-              <a:rPr lang="en-US" dirty="0"/>
-              <a:t>, similarly to Spectral </a:t>
-            </a:r>
+          </a:p>
+          <a:p>
             <a:r>
               <a:rPr lang="en-US" dirty="0" smtClean="0"/>
-              <a:t>Sub</a:t>
-            </a:r>
-          </a:p>
-          <a:p>
+              <a:t>Use </a:t>
+            </a:r>
             <a:r>
               <a:rPr lang="en-US" dirty="0" smtClean="0"/>
-              <a:t>Use SNR to find best gains for FIR filter</a:t>
+              <a:t>SNR to find best gains for FIR filter</a:t>
             </a:r>
           </a:p>
           <a:p>
@@ -15162,8 +15550,8 @@
           </a:p>
         </p:txBody>
       </p:sp>
-      <mc:AlternateContent xmlns:mc="http://schemas.openxmlformats.org/markup-compatibility/2006" xmlns:a14="http://schemas.microsoft.com/office/drawing/2010/main">
-        <mc:Choice Requires="a14">
+      <mc:AlternateContent xmlns:mc="http://schemas.openxmlformats.org/markup-compatibility/2006">
+        <mc:Choice xmlns:a14="http://schemas.microsoft.com/office/drawing/2010/main" Requires="a14">
           <p:sp>
             <p:nvSpPr>
               <p:cNvPr id="4" name="TextBox 3"/>
@@ -15196,10 +15584,10 @@
                       <m:rPr>
                         <m:sty m:val="p"/>
                       </m:rPr>
-                      <a:rPr lang="en-US" sz="2800" b="0" i="0" smtClean="0">
+                      <a:rPr lang="en-US" sz="2800">
                         <a:latin typeface="Cambria Math"/>
                       </a:rPr>
-                      <m:t>s</m:t>
+                      <m:t>y</m:t>
                     </m:r>
                     <m:r>
                       <a:rPr lang="en-US" sz="2800" b="0" i="0" smtClean="0">
@@ -15311,7 +15699,7 @@
             </p:txBody>
           </p:sp>
         </mc:Choice>
-        <mc:Fallback xmlns="">
+        <mc:Fallback>
           <p:sp>
             <p:nvSpPr>
               <p:cNvPr id="4" name="TextBox 3"/>
@@ -15426,29 +15814,28 @@
                             </a:rPr>
                             <m:t>𝐺</m:t>
                           </m:r>
+                          <m:d>
+                            <m:dPr>
+                              <m:ctrlPr>
+                                <a:rPr lang="en-US" sz="2800" b="0" i="1" smtClean="0">
+                                  <a:latin typeface="Cambria Math"/>
+                                </a:rPr>
+                              </m:ctrlPr>
+                            </m:dPr>
+                            <m:e>
+                              <m:r>
+                                <a:rPr lang="en-US" sz="2800" b="0" i="1" smtClean="0">
+                                  <a:latin typeface="Cambria Math"/>
+                                </a:rPr>
+                                <m:t>𝑓</m:t>
+                              </m:r>
+                            </m:e>
+                          </m:d>
                           <m:r>
                             <a:rPr lang="en-US" sz="2800" b="0" i="1" smtClean="0">
                               <a:latin typeface="Cambria Math"/>
                             </a:rPr>
-                            <m:t>(</m:t>
-                          </m:r>
-                          <m:r>
-                            <a:rPr lang="en-US" sz="2800" b="0" i="1" smtClean="0">
-                              <a:latin typeface="Cambria Math"/>
-                            </a:rPr>
-                            <m:t>𝑓</m:t>
-                          </m:r>
-                          <m:r>
-                            <a:rPr lang="en-US" sz="2800" b="0" i="1" smtClean="0">
-                              <a:latin typeface="Cambria Math"/>
-                            </a:rPr>
-                            <m:t>)</m:t>
-                          </m:r>
-                          <m:r>
-                            <a:rPr lang="en-US" sz="2800" b="0" i="1" smtClean="0">
-                              <a:latin typeface="Cambria Math"/>
-                            </a:rPr>
-                            <m:t>𝑆</m:t>
+                            <m:t>𝑌</m:t>
                           </m:r>
                           <m:r>
                             <a:rPr lang="en-US" sz="2800" b="0" i="1" smtClean="0">
@@ -15517,8 +15904,8 @@
           </p:sp>
         </mc:Fallback>
       </mc:AlternateContent>
-      <mc:AlternateContent xmlns:mc="http://schemas.openxmlformats.org/markup-compatibility/2006" xmlns:a14="http://schemas.microsoft.com/office/drawing/2010/main">
-        <mc:Choice Requires="a14">
+      <mc:AlternateContent xmlns:mc="http://schemas.openxmlformats.org/markup-compatibility/2006">
+        <mc:Choice xmlns:a14="http://schemas.microsoft.com/office/drawing/2010/main" Requires="a14">
           <p:sp>
             <p:nvSpPr>
               <p:cNvPr id="5" name="TextBox 4"/>
@@ -15799,7 +16186,7 @@
                                     <a:rPr lang="en-US" sz="2400" b="0" i="1" smtClean="0">
                                       <a:latin typeface="Cambria Math"/>
                                     </a:rPr>
-                                    <m:t>𝑆</m:t>
+                                    <m:t>𝑌</m:t>
                                   </m:r>
                                   <m:r>
                                     <a:rPr lang="en-US" sz="2400" b="0" i="1" smtClean="0">
@@ -15833,7 +16220,7 @@
             </p:txBody>
           </p:sp>
         </mc:Choice>
-        <mc:Fallback xmlns="">
+        <mc:Fallback>
           <p:sp>
             <p:nvSpPr>
               <p:cNvPr id="5" name="TextBox 4"/>
@@ -16955,87 +17342,23 @@
             <p:ph idx="1"/>
           </p:nvPr>
         </p:nvSpPr>
-        <p:spPr>
-          <a:xfrm>
-            <a:off x="457200" y="1481328"/>
-            <a:ext cx="8229600" cy="4843272"/>
-          </a:xfrm>
-        </p:spPr>
+        <p:spPr/>
         <p:txBody>
-          <a:bodyPr>
-            <a:normAutofit/>
-          </a:bodyPr>
+          <a:bodyPr/>
           <a:lstStyle/>
           <a:p>
             <a:r>
               <a:rPr lang="en-US" dirty="0" smtClean="0"/>
-              <a:t>Three different run configurations</a:t>
-            </a:r>
-          </a:p>
-          <a:p>
-            <a:pPr lvl="1"/>
+              <a:t>Each parameter scaled differently</a:t>
+            </a:r>
+            <a:r>
+              <a:rPr lang="en-US" dirty="0"/>
+              <a:t> </a:t>
+            </a:r>
             <a:r>
               <a:rPr lang="en-US" dirty="0" smtClean="0"/>
-              <a:t>1</a:t>
-            </a:r>
-            <a:r>
-              <a:rPr lang="en-US" dirty="0"/>
-              <a:t>: Population of 12</a:t>
-            </a:r>
-          </a:p>
-          <a:p>
-            <a:pPr lvl="1"/>
-            <a:r>
-              <a:rPr lang="en-US" dirty="0" smtClean="0"/>
-              <a:t>2</a:t>
-            </a:r>
-            <a:r>
-              <a:rPr lang="en-US" dirty="0"/>
-              <a:t>: Population of 24</a:t>
-            </a:r>
-          </a:p>
-          <a:p>
-            <a:pPr lvl="1"/>
-            <a:r>
-              <a:rPr lang="en-US" dirty="0" smtClean="0"/>
-              <a:t>3</a:t>
-            </a:r>
-            <a:r>
-              <a:rPr lang="en-US" dirty="0"/>
-              <a:t>: Population of </a:t>
-            </a:r>
-            <a:r>
-              <a:rPr lang="en-US" dirty="0" smtClean="0"/>
-              <a:t>48</a:t>
-            </a:r>
-          </a:p>
-          <a:p>
-            <a:r>
-              <a:rPr lang="en-US" dirty="0" smtClean="0"/>
-              <a:t>300 Generations per run</a:t>
-            </a:r>
-          </a:p>
-          <a:p>
-            <a:r>
-              <a:rPr lang="en-US" dirty="0" smtClean="0"/>
-              <a:t>50 runs per configuration</a:t>
-            </a:r>
-          </a:p>
-          <a:p>
-            <a:pPr lvl="1"/>
-            <a:endParaRPr lang="en-US" dirty="0" smtClean="0"/>
-          </a:p>
-          <a:p>
-            <a:pPr marL="393192" lvl="1" indent="0">
-              <a:buNone/>
-            </a:pPr>
-            <a:endParaRPr lang="en-US" i="1" dirty="0"/>
-          </a:p>
-          <a:p>
-            <a:pPr marL="393192" lvl="1" indent="0">
-              <a:buNone/>
-            </a:pPr>
-            <a:endParaRPr lang="en-US" i="1" dirty="0" smtClean="0"/>
+              <a:t>from [0,1]</a:t>
+            </a:r>
           </a:p>
         </p:txBody>
       </p:sp>
@@ -17055,17 +17378,584 @@
           <a:lstStyle/>
           <a:p>
             <a:r>
-              <a:rPr lang="en-US" dirty="0" smtClean="0"/>
-              <a:t>Results</a:t>
-            </a:r>
-            <a:endParaRPr lang="en-US" dirty="0"/>
+              <a:rPr lang="en-US" dirty="0"/>
+              <a:t>Evolutionary Strategy</a:t>
+            </a:r>
           </a:p>
         </p:txBody>
       </p:sp>
+      <p:graphicFrame>
+        <p:nvGraphicFramePr>
+          <p:cNvPr id="30" name="Content Placeholder 3"/>
+          <p:cNvGraphicFramePr>
+            <a:graphicFrameLocks/>
+          </p:cNvGraphicFramePr>
+          <p:nvPr>
+            <p:extLst>
+              <p:ext uri="{D42A27DB-BD31-4B8C-83A1-F6EECF244321}">
+                <p14:modId xmlns:p14="http://schemas.microsoft.com/office/powerpoint/2010/main" val="1190967663"/>
+              </p:ext>
+            </p:extLst>
+          </p:nvPr>
+        </p:nvGraphicFramePr>
+        <p:xfrm>
+          <a:off x="457200" y="2362200"/>
+          <a:ext cx="8229600" cy="3337560"/>
+        </p:xfrm>
+        <a:graphic>
+          <a:graphicData uri="http://schemas.openxmlformats.org/drawingml/2006/table">
+            <a:tbl>
+              <a:tblPr firstRow="1" bandRow="1">
+                <a:tableStyleId>{5C22544A-7EE6-4342-B048-85BDC9FD1C3A}</a:tableStyleId>
+              </a:tblPr>
+              <a:tblGrid>
+                <a:gridCol w="2819400"/>
+                <a:gridCol w="1752600"/>
+                <a:gridCol w="1600200"/>
+                <a:gridCol w="2057400"/>
+              </a:tblGrid>
+              <a:tr h="370840">
+                <a:tc>
+                  <a:txBody>
+                    <a:bodyPr/>
+                    <a:lstStyle/>
+                    <a:p>
+                      <a:r>
+                        <a:rPr lang="en-US" dirty="0" smtClean="0"/>
+                        <a:t>Parameter</a:t>
+                      </a:r>
+                      <a:endParaRPr lang="en-US" dirty="0"/>
+                    </a:p>
+                  </a:txBody>
+                  <a:tcPr/>
+                </a:tc>
+                <a:tc>
+                  <a:txBody>
+                    <a:bodyPr/>
+                    <a:lstStyle/>
+                    <a:p>
+                      <a:r>
+                        <a:rPr lang="en-US" dirty="0" smtClean="0"/>
+                        <a:t>Min</a:t>
+                      </a:r>
+                      <a:endParaRPr lang="en-US" dirty="0"/>
+                    </a:p>
+                  </a:txBody>
+                  <a:tcPr/>
+                </a:tc>
+                <a:tc>
+                  <a:txBody>
+                    <a:bodyPr/>
+                    <a:lstStyle/>
+                    <a:p>
+                      <a:r>
+                        <a:rPr lang="en-US" dirty="0" smtClean="0"/>
+                        <a:t>Max</a:t>
+                      </a:r>
+                      <a:endParaRPr lang="en-US" dirty="0"/>
+                    </a:p>
+                  </a:txBody>
+                  <a:tcPr/>
+                </a:tc>
+                <a:tc>
+                  <a:txBody>
+                    <a:bodyPr/>
+                    <a:lstStyle/>
+                    <a:p>
+                      <a:r>
+                        <a:rPr lang="en-US" dirty="0" smtClean="0"/>
+                        <a:t>“Expert” Value</a:t>
+                      </a:r>
+                      <a:endParaRPr lang="en-US" dirty="0"/>
+                    </a:p>
+                  </a:txBody>
+                  <a:tcPr/>
+                </a:tc>
+              </a:tr>
+              <a:tr h="370840">
+                <a:tc>
+                  <a:txBody>
+                    <a:bodyPr/>
+                    <a:lstStyle/>
+                    <a:p>
+                      <a:r>
+                        <a:rPr lang="en-US" dirty="0" smtClean="0"/>
+                        <a:t>Wiener</a:t>
+                      </a:r>
+                      <a:r>
+                        <a:rPr lang="en-US" baseline="0" dirty="0" smtClean="0"/>
+                        <a:t> Smoothing</a:t>
+                      </a:r>
+                      <a:endParaRPr lang="en-US" dirty="0"/>
+                    </a:p>
+                  </a:txBody>
+                  <a:tcPr/>
+                </a:tc>
+                <a:tc>
+                  <a:txBody>
+                    <a:bodyPr/>
+                    <a:lstStyle/>
+                    <a:p>
+                      <a:r>
+                        <a:rPr lang="en-US" dirty="0" smtClean="0"/>
+                        <a:t>0</a:t>
+                      </a:r>
+                      <a:endParaRPr lang="en-US" dirty="0"/>
+                    </a:p>
+                  </a:txBody>
+                  <a:tcPr/>
+                </a:tc>
+                <a:tc>
+                  <a:txBody>
+                    <a:bodyPr/>
+                    <a:lstStyle/>
+                    <a:p>
+                      <a:r>
+                        <a:rPr lang="en-US" dirty="0" smtClean="0"/>
+                        <a:t>2</a:t>
+                      </a:r>
+                      <a:endParaRPr lang="en-US" dirty="0"/>
+                    </a:p>
+                  </a:txBody>
+                  <a:tcPr/>
+                </a:tc>
+                <a:tc>
+                  <a:txBody>
+                    <a:bodyPr/>
+                    <a:lstStyle/>
+                    <a:p>
+                      <a:r>
+                        <a:rPr lang="en-US" dirty="0" smtClean="0"/>
+                        <a:t>0.98</a:t>
+                      </a:r>
+                      <a:endParaRPr lang="en-US" dirty="0"/>
+                    </a:p>
+                  </a:txBody>
+                  <a:tcPr/>
+                </a:tc>
+              </a:tr>
+              <a:tr h="370840">
+                <a:tc>
+                  <a:txBody>
+                    <a:bodyPr/>
+                    <a:lstStyle/>
+                    <a:p>
+                      <a:r>
+                        <a:rPr lang="en-US" dirty="0" smtClean="0"/>
+                        <a:t>Wiener</a:t>
+                      </a:r>
+                      <a:r>
+                        <a:rPr lang="en-US" baseline="0" dirty="0" smtClean="0"/>
+                        <a:t> Gain</a:t>
+                      </a:r>
+                      <a:endParaRPr lang="en-US" dirty="0"/>
+                    </a:p>
+                  </a:txBody>
+                  <a:tcPr/>
+                </a:tc>
+                <a:tc>
+                  <a:txBody>
+                    <a:bodyPr/>
+                    <a:lstStyle/>
+                    <a:p>
+                      <a:r>
+                        <a:rPr lang="en-US" dirty="0" smtClean="0"/>
+                        <a:t>-2</a:t>
+                      </a:r>
+                      <a:endParaRPr lang="en-US" dirty="0"/>
+                    </a:p>
+                  </a:txBody>
+                  <a:tcPr/>
+                </a:tc>
+                <a:tc>
+                  <a:txBody>
+                    <a:bodyPr/>
+                    <a:lstStyle/>
+                    <a:p>
+                      <a:r>
+                        <a:rPr lang="en-US" dirty="0" smtClean="0"/>
+                        <a:t>2</a:t>
+                      </a:r>
+                      <a:endParaRPr lang="en-US" dirty="0"/>
+                    </a:p>
+                  </a:txBody>
+                  <a:tcPr/>
+                </a:tc>
+                <a:tc>
+                  <a:txBody>
+                    <a:bodyPr/>
+                    <a:lstStyle/>
+                    <a:p>
+                      <a:r>
+                        <a:rPr lang="en-US" dirty="0" smtClean="0"/>
+                        <a:t>1</a:t>
+                      </a:r>
+                      <a:endParaRPr lang="en-US" dirty="0"/>
+                    </a:p>
+                  </a:txBody>
+                  <a:tcPr/>
+                </a:tc>
+              </a:tr>
+              <a:tr h="370840">
+                <a:tc>
+                  <a:txBody>
+                    <a:bodyPr/>
+                    <a:lstStyle/>
+                    <a:p>
+                      <a:r>
+                        <a:rPr lang="en-US" dirty="0" smtClean="0"/>
+                        <a:t>Spec Sub Gain</a:t>
+                      </a:r>
+                      <a:endParaRPr lang="en-US" dirty="0"/>
+                    </a:p>
+                  </a:txBody>
+                  <a:tcPr/>
+                </a:tc>
+                <a:tc>
+                  <a:txBody>
+                    <a:bodyPr/>
+                    <a:lstStyle/>
+                    <a:p>
+                      <a:r>
+                        <a:rPr lang="en-US" dirty="0" smtClean="0"/>
+                        <a:t>-2</a:t>
+                      </a:r>
+                      <a:endParaRPr lang="en-US" dirty="0"/>
+                    </a:p>
+                  </a:txBody>
+                  <a:tcPr/>
+                </a:tc>
+                <a:tc>
+                  <a:txBody>
+                    <a:bodyPr/>
+                    <a:lstStyle/>
+                    <a:p>
+                      <a:r>
+                        <a:rPr lang="en-US" dirty="0" smtClean="0"/>
+                        <a:t>2</a:t>
+                      </a:r>
+                      <a:endParaRPr lang="en-US" dirty="0"/>
+                    </a:p>
+                  </a:txBody>
+                  <a:tcPr/>
+                </a:tc>
+                <a:tc>
+                  <a:txBody>
+                    <a:bodyPr/>
+                    <a:lstStyle/>
+                    <a:p>
+                      <a:r>
+                        <a:rPr lang="en-US" dirty="0" smtClean="0"/>
+                        <a:t>1</a:t>
+                      </a:r>
+                      <a:endParaRPr lang="en-US" dirty="0"/>
+                    </a:p>
+                  </a:txBody>
+                  <a:tcPr/>
+                </a:tc>
+              </a:tr>
+              <a:tr h="370840">
+                <a:tc>
+                  <a:txBody>
+                    <a:bodyPr/>
+                    <a:lstStyle/>
+                    <a:p>
+                      <a:r>
+                        <a:rPr lang="en-US" dirty="0" smtClean="0"/>
+                        <a:t>Noise</a:t>
+                      </a:r>
+                      <a:r>
+                        <a:rPr lang="en-US" baseline="0" dirty="0" smtClean="0"/>
+                        <a:t> Margin</a:t>
+                      </a:r>
+                      <a:endParaRPr lang="en-US" dirty="0"/>
+                    </a:p>
+                  </a:txBody>
+                  <a:tcPr/>
+                </a:tc>
+                <a:tc>
+                  <a:txBody>
+                    <a:bodyPr/>
+                    <a:lstStyle/>
+                    <a:p>
+                      <a:r>
+                        <a:rPr lang="en-US" dirty="0" smtClean="0"/>
+                        <a:t>0</a:t>
+                      </a:r>
+                      <a:endParaRPr lang="en-US" dirty="0"/>
+                    </a:p>
+                  </a:txBody>
+                  <a:tcPr/>
+                </a:tc>
+                <a:tc>
+                  <a:txBody>
+                    <a:bodyPr/>
+                    <a:lstStyle/>
+                    <a:p>
+                      <a:r>
+                        <a:rPr lang="en-US" dirty="0" smtClean="0"/>
+                        <a:t>20</a:t>
+                      </a:r>
+                      <a:endParaRPr lang="en-US" dirty="0"/>
+                    </a:p>
+                  </a:txBody>
+                  <a:tcPr/>
+                </a:tc>
+                <a:tc>
+                  <a:txBody>
+                    <a:bodyPr/>
+                    <a:lstStyle/>
+                    <a:p>
+                      <a:r>
+                        <a:rPr lang="en-US" dirty="0" smtClean="0"/>
+                        <a:t>8</a:t>
+                      </a:r>
+                      <a:endParaRPr lang="en-US" dirty="0"/>
+                    </a:p>
+                  </a:txBody>
+                  <a:tcPr/>
+                </a:tc>
+              </a:tr>
+              <a:tr h="370840">
+                <a:tc>
+                  <a:txBody>
+                    <a:bodyPr/>
+                    <a:lstStyle/>
+                    <a:p>
+                      <a:r>
+                        <a:rPr lang="en-US" dirty="0" smtClean="0"/>
+                        <a:t>Noise Length</a:t>
+                      </a:r>
+                      <a:endParaRPr lang="en-US" dirty="0"/>
+                    </a:p>
+                  </a:txBody>
+                  <a:tcPr/>
+                </a:tc>
+                <a:tc>
+                  <a:txBody>
+                    <a:bodyPr/>
+                    <a:lstStyle/>
+                    <a:p>
+                      <a:r>
+                        <a:rPr lang="en-US" dirty="0" smtClean="0"/>
+                        <a:t>0 </a:t>
+                      </a:r>
+                      <a:endParaRPr lang="en-US" dirty="0"/>
+                    </a:p>
+                  </a:txBody>
+                  <a:tcPr/>
+                </a:tc>
+                <a:tc>
+                  <a:txBody>
+                    <a:bodyPr/>
+                    <a:lstStyle/>
+                    <a:p>
+                      <a:r>
+                        <a:rPr lang="en-US" dirty="0" smtClean="0"/>
+                        <a:t>20</a:t>
+                      </a:r>
+                      <a:endParaRPr lang="en-US" dirty="0"/>
+                    </a:p>
+                  </a:txBody>
+                  <a:tcPr/>
+                </a:tc>
+                <a:tc>
+                  <a:txBody>
+                    <a:bodyPr/>
+                    <a:lstStyle/>
+                    <a:p>
+                      <a:r>
+                        <a:rPr lang="en-US" dirty="0" smtClean="0"/>
+                        <a:t>20</a:t>
+                      </a:r>
+                      <a:endParaRPr lang="en-US" dirty="0"/>
+                    </a:p>
+                  </a:txBody>
+                  <a:tcPr/>
+                </a:tc>
+              </a:tr>
+              <a:tr h="370840">
+                <a:tc>
+                  <a:txBody>
+                    <a:bodyPr/>
+                    <a:lstStyle/>
+                    <a:p>
+                      <a:r>
+                        <a:rPr lang="en-US" dirty="0" smtClean="0"/>
+                        <a:t>Hangover</a:t>
+                      </a:r>
+                      <a:endParaRPr lang="en-US" dirty="0"/>
+                    </a:p>
+                  </a:txBody>
+                  <a:tcPr/>
+                </a:tc>
+                <a:tc>
+                  <a:txBody>
+                    <a:bodyPr/>
+                    <a:lstStyle/>
+                    <a:p>
+                      <a:r>
+                        <a:rPr lang="en-US" dirty="0" smtClean="0"/>
+                        <a:t>0</a:t>
+                      </a:r>
+                      <a:endParaRPr lang="en-US" dirty="0"/>
+                    </a:p>
+                  </a:txBody>
+                  <a:tcPr/>
+                </a:tc>
+                <a:tc>
+                  <a:txBody>
+                    <a:bodyPr/>
+                    <a:lstStyle/>
+                    <a:p>
+                      <a:r>
+                        <a:rPr lang="en-US" dirty="0" smtClean="0"/>
+                        <a:t>20</a:t>
+                      </a:r>
+                      <a:endParaRPr lang="en-US" dirty="0"/>
+                    </a:p>
+                  </a:txBody>
+                  <a:tcPr/>
+                </a:tc>
+                <a:tc>
+                  <a:txBody>
+                    <a:bodyPr/>
+                    <a:lstStyle/>
+                    <a:p>
+                      <a:r>
+                        <a:rPr lang="en-US" dirty="0" smtClean="0"/>
+                        <a:t>3</a:t>
+                      </a:r>
+                      <a:endParaRPr lang="en-US" dirty="0"/>
+                    </a:p>
+                  </a:txBody>
+                  <a:tcPr/>
+                </a:tc>
+              </a:tr>
+              <a:tr h="370840">
+                <a:tc>
+                  <a:txBody>
+                    <a:bodyPr/>
+                    <a:lstStyle/>
+                    <a:p>
+                      <a:r>
+                        <a:rPr lang="en-US" dirty="0" smtClean="0"/>
+                        <a:t>Threshold</a:t>
+                      </a:r>
+                      <a:endParaRPr lang="en-US" dirty="0"/>
+                    </a:p>
+                  </a:txBody>
+                  <a:tcPr/>
+                </a:tc>
+                <a:tc>
+                  <a:txBody>
+                    <a:bodyPr/>
+                    <a:lstStyle/>
+                    <a:p>
+                      <a:r>
+                        <a:rPr lang="en-US" dirty="0" smtClean="0"/>
+                        <a:t>0</a:t>
+                      </a:r>
+                      <a:endParaRPr lang="en-US" dirty="0"/>
+                    </a:p>
+                  </a:txBody>
+                  <a:tcPr/>
+                </a:tc>
+                <a:tc>
+                  <a:txBody>
+                    <a:bodyPr/>
+                    <a:lstStyle/>
+                    <a:p>
+                      <a:r>
+                        <a:rPr lang="en-US" dirty="0" smtClean="0"/>
+                        <a:t>0.25</a:t>
+                      </a:r>
+                      <a:endParaRPr lang="en-US" dirty="0"/>
+                    </a:p>
+                  </a:txBody>
+                  <a:tcPr/>
+                </a:tc>
+                <a:tc>
+                  <a:txBody>
+                    <a:bodyPr/>
+                    <a:lstStyle/>
+                    <a:p>
+                      <a:r>
+                        <a:rPr lang="en-US" dirty="0" smtClean="0"/>
+                        <a:t>N/A</a:t>
+                      </a:r>
+                      <a:endParaRPr lang="en-US" dirty="0"/>
+                    </a:p>
+                  </a:txBody>
+                  <a:tcPr/>
+                </a:tc>
+              </a:tr>
+              <a:tr h="370840">
+                <a:tc>
+                  <a:txBody>
+                    <a:bodyPr/>
+                    <a:lstStyle/>
+                    <a:p>
+                      <a:r>
+                        <a:rPr lang="en-US" dirty="0" smtClean="0"/>
+                        <a:t>Attack/Release</a:t>
+                      </a:r>
+                      <a:endParaRPr lang="en-US" dirty="0"/>
+                    </a:p>
+                  </a:txBody>
+                  <a:tcPr/>
+                </a:tc>
+                <a:tc>
+                  <a:txBody>
+                    <a:bodyPr/>
+                    <a:lstStyle/>
+                    <a:p>
+                      <a:r>
+                        <a:rPr lang="en-US" dirty="0" smtClean="0"/>
+                        <a:t>0</a:t>
+                      </a:r>
+                      <a:endParaRPr lang="en-US" dirty="0"/>
+                    </a:p>
+                  </a:txBody>
+                  <a:tcPr/>
+                </a:tc>
+                <a:tc>
+                  <a:txBody>
+                    <a:bodyPr/>
+                    <a:lstStyle/>
+                    <a:p>
+                      <a:r>
+                        <a:rPr lang="en-US" dirty="0" smtClean="0"/>
+                        <a:t>10</a:t>
+                      </a:r>
+                      <a:endParaRPr lang="en-US" dirty="0"/>
+                    </a:p>
+                  </a:txBody>
+                  <a:tcPr/>
+                </a:tc>
+                <a:tc>
+                  <a:txBody>
+                    <a:bodyPr/>
+                    <a:lstStyle/>
+                    <a:p>
+                      <a:r>
+                        <a:rPr lang="en-US" dirty="0" smtClean="0"/>
+                        <a:t>N/A</a:t>
+                      </a:r>
+                      <a:endParaRPr lang="en-US" dirty="0"/>
+                    </a:p>
+                  </a:txBody>
+                  <a:tcPr/>
+                </a:tc>
+              </a:tr>
+            </a:tbl>
+          </a:graphicData>
+        </a:graphic>
+      </p:graphicFrame>
     </p:spTree>
     <p:extLst>
       <p:ext uri="{BB962C8B-B14F-4D97-AF65-F5344CB8AC3E}">
-        <p14:creationId xmlns:p14="http://schemas.microsoft.com/office/powerpoint/2010/main" val="61056779"/>
+        <p14:creationId xmlns:p14="http://schemas.microsoft.com/office/powerpoint/2010/main" val="3266787107"/>
       </p:ext>
     </p:extLst>
   </p:cSld>

--- a/project/848_Project_Presentation_Fasburg_Thomas.pptx
+++ b/project/848_Project_Presentation_Fasburg_Thomas.pptx
@@ -8320,7 +8320,7 @@
           <p:nvPr>
             <p:extLst>
               <p:ext uri="{D42A27DB-BD31-4B8C-83A1-F6EECF244321}">
-                <p14:modId xmlns:p14="http://schemas.microsoft.com/office/powerpoint/2010/main" val="3588639818"/>
+                <p14:modId xmlns:p14="http://schemas.microsoft.com/office/powerpoint/2010/main" val="3027804970"/>
               </p:ext>
             </p:extLst>
           </p:nvPr>
@@ -9991,12 +9991,12 @@
                     <a:p>
                       <a:pPr algn="ctr"/>
                       <a:r>
-                        <a:rPr lang="en-US" dirty="0" smtClean="0">
+                        <a:rPr lang="en-US" smtClean="0">
                           <a:solidFill>
                             <a:sysClr val="windowText" lastClr="000000"/>
                           </a:solidFill>
                         </a:rPr>
-                        <a:t>18</a:t>
+                        <a:t>20</a:t>
                       </a:r>
                       <a:endParaRPr lang="en-US" dirty="0">
                         <a:solidFill>
@@ -11039,7 +11039,7 @@
                             <a:sysClr val="windowText" lastClr="000000"/>
                           </a:solidFill>
                         </a:rPr>
-                        <a:t>0.03</a:t>
+                        <a:t>-</a:t>
                       </a:r>
                       <a:endParaRPr lang="en-US" dirty="0">
                         <a:solidFill>
@@ -11100,7 +11100,7 @@
                             <a:sysClr val="windowText" lastClr="000000"/>
                           </a:solidFill>
                         </a:rPr>
-                        <a:t>0.03</a:t>
+                        <a:t>-</a:t>
                       </a:r>
                       <a:endParaRPr lang="en-US" dirty="0">
                         <a:solidFill>
@@ -11407,7 +11407,7 @@
                             <a:sysClr val="windowText" lastClr="000000"/>
                           </a:solidFill>
                         </a:rPr>
-                        <a:t>1.5</a:t>
+                        <a:t>-</a:t>
                       </a:r>
                       <a:endParaRPr lang="en-US" dirty="0">
                         <a:solidFill>
@@ -11468,7 +11468,7 @@
                             <a:sysClr val="windowText" lastClr="000000"/>
                           </a:solidFill>
                         </a:rPr>
-                        <a:t>1.5</a:t>
+                        <a:t>-</a:t>
                       </a:r>
                       <a:endParaRPr lang="en-US" dirty="0">
                         <a:solidFill>

--- a/project/848_Project_Presentation_Fasburg_Thomas.pptx
+++ b/project/848_Project_Presentation_Fasburg_Thomas.pptx
@@ -1174,10 +1174,7 @@
               <a:tabLst/>
               <a:defRPr/>
             </a:pPr>
-            <a:r>
-              <a:rPr lang="en-US" baseline="0" dirty="0" smtClean="0"/>
-              <a:t>Difficult to compare to expert results, not usually done this way</a:t>
-            </a:r>
+            <a:endParaRPr lang="en-US" baseline="0" dirty="0" smtClean="0"/>
           </a:p>
         </p:txBody>
       </p:sp>
@@ -9991,7 +9988,7 @@
                     <a:p>
                       <a:pPr algn="ctr"/>
                       <a:r>
-                        <a:rPr lang="en-US" smtClean="0">
+                        <a:rPr lang="en-US" dirty="0" smtClean="0">
                           <a:solidFill>
                             <a:sysClr val="windowText" lastClr="000000"/>
                           </a:solidFill>
@@ -13293,7 +13290,7 @@
           <p:nvPr>
             <p:extLst>
               <p:ext uri="{D42A27DB-BD31-4B8C-83A1-F6EECF244321}">
-                <p14:modId xmlns:p14="http://schemas.microsoft.com/office/powerpoint/2010/main" val="3691686099"/>
+                <p14:modId xmlns:p14="http://schemas.microsoft.com/office/powerpoint/2010/main" val="1573407427"/>
               </p:ext>
             </p:extLst>
           </p:nvPr>
@@ -13937,12 +13934,12 @@
                     <a:p>
                       <a:pPr algn="ctr"/>
                       <a:r>
-                        <a:rPr lang="en-US" dirty="0" smtClean="0">
+                        <a:rPr lang="en-US" smtClean="0">
                           <a:solidFill>
                             <a:sysClr val="windowText" lastClr="000000"/>
                           </a:solidFill>
                         </a:rPr>
-                        <a:t>18</a:t>
+                        <a:t>20</a:t>
                       </a:r>
                       <a:endParaRPr lang="en-US" dirty="0">
                         <a:solidFill>
@@ -14894,7 +14891,7 @@
         </p:blipFill>
         <p:spPr>
           <a:xfrm>
-            <a:off x="2590800" y="3962400"/>
+            <a:off x="2590800" y="4038600"/>
             <a:ext cx="609600" cy="609600"/>
           </a:xfrm>
           <a:prstGeom prst="rect">
@@ -15209,7 +15206,21 @@
           <a:p>
             <a:r>
               <a:rPr lang="en-US" dirty="0"/>
-              <a:t>Fitness is improved from expert </a:t>
+              <a:t>Difficult to compare to expert </a:t>
+            </a:r>
+            <a:r>
+              <a:rPr lang="en-US" dirty="0" smtClean="0"/>
+              <a:t>results</a:t>
+            </a:r>
+          </a:p>
+          <a:p>
+            <a:r>
+              <a:rPr lang="en-US" dirty="0" smtClean="0"/>
+              <a:t>Fitness </a:t>
+            </a:r>
+            <a:r>
+              <a:rPr lang="en-US" dirty="0"/>
+              <a:t>is improved from expert </a:t>
             </a:r>
             <a:r>
               <a:rPr lang="en-US" dirty="0" smtClean="0"/>
@@ -15270,6 +15281,13 @@
   <p:clrMapOvr>
     <a:masterClrMapping/>
   </p:clrMapOvr>
+  <p:timing>
+    <p:tnLst>
+      <p:par>
+        <p:cTn id="1" dur="indefinite" restart="never" nodeType="tmRoot"/>
+      </p:par>
+    </p:tnLst>
+  </p:timing>
 </p:sld>
 </file>
 
@@ -15314,14 +15332,26 @@
             <a:pPr lvl="1"/>
             <a:r>
               <a:rPr lang="en-US" dirty="0" smtClean="0"/>
-              <a:t>tuned to human hearing</a:t>
+              <a:t>Tuned </a:t>
+            </a:r>
+            <a:r>
+              <a:rPr lang="en-US" dirty="0" smtClean="0"/>
+              <a:t>to human hearing</a:t>
             </a:r>
           </a:p>
           <a:p>
             <a:pPr lvl="1"/>
             <a:r>
+              <a:rPr lang="en-US" dirty="0"/>
+              <a:t>F</a:t>
+            </a:r>
+            <a:r>
               <a:rPr lang="en-US" dirty="0" smtClean="0"/>
-              <a:t>for computer interpretation</a:t>
+              <a:t>or </a:t>
+            </a:r>
+            <a:r>
+              <a:rPr lang="en-US" dirty="0" smtClean="0"/>
+              <a:t>computer interpretation</a:t>
             </a:r>
           </a:p>
           <a:p>
@@ -15393,6 +15423,13 @@
   <p:clrMapOvr>
     <a:masterClrMapping/>
   </p:clrMapOvr>
+  <p:timing>
+    <p:tnLst>
+      <p:par>
+        <p:cTn id="1" dur="indefinite" restart="never" nodeType="tmRoot"/>
+      </p:par>
+    </p:tnLst>
+  </p:timing>
 </p:sld>
 </file>
 

--- a/project/848_Project_Presentation_Fasburg_Thomas.pptx
+++ b/project/848_Project_Presentation_Fasburg_Thomas.pptx
@@ -16,8 +16,8 @@
     <p:sldId id="292" r:id="rId7"/>
     <p:sldId id="294" r:id="rId8"/>
     <p:sldId id="296" r:id="rId9"/>
-    <p:sldId id="307" r:id="rId10"/>
-    <p:sldId id="308" r:id="rId11"/>
+    <p:sldId id="318" r:id="rId10"/>
+    <p:sldId id="307" r:id="rId11"/>
     <p:sldId id="309" r:id="rId12"/>
     <p:sldId id="310" r:id="rId13"/>
     <p:sldId id="311" r:id="rId14"/>
@@ -128,7 +128,7 @@
   </p:defaultTextStyle>
   <p:extLst>
     <p:ext uri="{EFAFB233-063F-42B5-8137-9DF3F51BA10A}">
-      <p15:sldGuideLst xmlns="" xmlns:p15="http://schemas.microsoft.com/office/powerpoint/2012/main">
+      <p15:sldGuideLst xmlns:p15="http://schemas.microsoft.com/office/powerpoint/2012/main" xmlns="">
         <p15:guide id="1" orient="horz" pos="2160">
           <p15:clr>
             <a:srgbClr val="A4A3A4"/>
@@ -227,7 +227,7 @@
           <a:p>
             <a:fld id="{A63B8CFC-D614-4432-A7DB-A65856E85B43}" type="datetimeFigureOut">
               <a:rPr lang="en-US" smtClean="0"/>
-              <a:t>12/1/2015</a:t>
+              <a:t>12/2/2015</a:t>
             </a:fld>
             <a:endParaRPr lang="en-US" dirty="0"/>
           </a:p>
@@ -623,6 +623,43 @@
           <a:bodyPr/>
           <a:lstStyle/>
           <a:p>
+            <a:r>
+              <a:rPr lang="en-US" dirty="0" smtClean="0"/>
+              <a:t>Not</a:t>
+            </a:r>
+            <a:r>
+              <a:rPr lang="en-US" baseline="0" dirty="0" smtClean="0"/>
+              <a:t> a black box problem</a:t>
+            </a:r>
+          </a:p>
+          <a:p>
+            <a:r>
+              <a:rPr lang="en-US" baseline="0" dirty="0" smtClean="0"/>
+              <a:t>ES saw parameters cut off at 0 and 1</a:t>
+            </a:r>
+          </a:p>
+          <a:p>
+            <a:r>
+              <a:rPr lang="en-US" baseline="0" dirty="0" smtClean="0"/>
+              <a:t>Scales were applied during fitness function</a:t>
+            </a:r>
+          </a:p>
+          <a:p>
+            <a:endParaRPr lang="en-US" baseline="0" dirty="0" smtClean="0"/>
+          </a:p>
+          <a:p>
+            <a:r>
+              <a:rPr lang="en-US" baseline="0" dirty="0" smtClean="0"/>
+              <a:t>Note </a:t>
+            </a:r>
+            <a:r>
+              <a:rPr lang="en-US" baseline="0" dirty="0" err="1" smtClean="0"/>
+              <a:t>params</a:t>
+            </a:r>
+            <a:r>
+              <a:rPr lang="en-US" baseline="0" dirty="0" smtClean="0"/>
+              <a:t> are given wider than usual space as to not make too many assumptions</a:t>
+            </a:r>
             <a:endParaRPr lang="en-US" dirty="0"/>
           </a:p>
         </p:txBody>
@@ -653,7 +690,7 @@
     </p:spTree>
     <p:extLst>
       <p:ext uri="{BB962C8B-B14F-4D97-AF65-F5344CB8AC3E}">
-        <p14:creationId xmlns:p14="http://schemas.microsoft.com/office/powerpoint/2010/main" val="1971904817"/>
+        <p14:creationId xmlns:p14="http://schemas.microsoft.com/office/powerpoint/2010/main" val="704678554"/>
       </p:ext>
     </p:extLst>
   </p:cSld>
@@ -797,15 +834,7 @@
             </a:r>
             <a:r>
               <a:rPr lang="en-US" baseline="0" dirty="0" smtClean="0"/>
-              <a:t> average fitness at each </a:t>
-            </a:r>
-            <a:r>
-              <a:rPr lang="en-US" baseline="0" dirty="0" smtClean="0"/>
-              <a:t>generation </a:t>
-            </a:r>
-            <a:r>
-              <a:rPr lang="en-US" baseline="0" dirty="0" smtClean="0"/>
-              <a:t>for each configuration type.</a:t>
+              <a:t> average fitness at each generation for each configuration type.</a:t>
             </a:r>
           </a:p>
           <a:p>
@@ -818,13 +847,8 @@
             </a:pPr>
             <a:r>
               <a:rPr lang="en-US" baseline="0" dirty="0" smtClean="0"/>
-              <a:t>Only first 100 generations are shown since lines become steady after </a:t>
-            </a:r>
-            <a:r>
-              <a:rPr lang="en-US" baseline="0" dirty="0" smtClean="0"/>
-              <a:t>100</a:t>
-            </a:r>
-            <a:endParaRPr lang="en-US" baseline="0" dirty="0" smtClean="0"/>
+              <a:t>Only first 100 generations are shown since lines become steady after 100</a:t>
+            </a:r>
           </a:p>
           <a:p>
             <a:pPr marL="171450" indent="-171450">
@@ -833,11 +857,7 @@
             </a:pPr>
             <a:r>
               <a:rPr lang="en-US" baseline="0" dirty="0" smtClean="0"/>
-              <a:t>Offspring </a:t>
-            </a:r>
-            <a:r>
-              <a:rPr lang="en-US" baseline="0" dirty="0" smtClean="0"/>
-              <a:t>of 48 also arrives at a better overall fitness</a:t>
+              <a:t>Offspring of 48 also arrives at a better overall fitness</a:t>
             </a:r>
             <a:endParaRPr lang="en-US" dirty="0"/>
           </a:p>
@@ -1063,15 +1083,7 @@
           <a:p>
             <a:r>
               <a:rPr lang="en-US" baseline="0" dirty="0" smtClean="0"/>
-              <a:t>Wiener </a:t>
-            </a:r>
-            <a:r>
-              <a:rPr lang="en-US" baseline="0" dirty="0" smtClean="0"/>
-              <a:t>is </a:t>
-            </a:r>
-            <a:r>
-              <a:rPr lang="en-US" baseline="0" dirty="0" smtClean="0"/>
-              <a:t>better</a:t>
+              <a:t>Wiener is better</a:t>
             </a:r>
             <a:endParaRPr lang="en-US" dirty="0"/>
           </a:p>
@@ -1442,27 +1454,7 @@
             </a:r>
             <a:r>
               <a:rPr lang="en-US" baseline="0" dirty="0" smtClean="0"/>
-              <a:t> </a:t>
-            </a:r>
-            <a:r>
-              <a:rPr lang="en-US" baseline="0" dirty="0" smtClean="0"/>
-              <a:t>can improve, but with the </a:t>
-            </a:r>
-            <a:r>
-              <a:rPr lang="en-US" baseline="0" dirty="0" smtClean="0"/>
-              <a:t>computation </a:t>
-            </a:r>
-            <a:r>
-              <a:rPr lang="en-US" baseline="0" dirty="0" smtClean="0"/>
-              <a:t>time the gain </a:t>
-            </a:r>
-            <a:r>
-              <a:rPr lang="en-US" baseline="0" dirty="0" smtClean="0"/>
-              <a:t>isn't </a:t>
-            </a:r>
-            <a:r>
-              <a:rPr lang="en-US" baseline="0" dirty="0" smtClean="0"/>
-              <a:t>that great</a:t>
+              <a:t> can improve, but with the computation time the gain isn't that great</a:t>
             </a:r>
             <a:endParaRPr lang="en-US" dirty="0"/>
           </a:p>
@@ -2546,43 +2538,6 @@
           <a:bodyPr/>
           <a:lstStyle/>
           <a:p>
-            <a:r>
-              <a:rPr lang="en-US" dirty="0" smtClean="0"/>
-              <a:t>Not</a:t>
-            </a:r>
-            <a:r>
-              <a:rPr lang="en-US" baseline="0" dirty="0" smtClean="0"/>
-              <a:t> a black box problem</a:t>
-            </a:r>
-          </a:p>
-          <a:p>
-            <a:r>
-              <a:rPr lang="en-US" baseline="0" dirty="0" smtClean="0"/>
-              <a:t>ES saw parameters cut off at 0 and 1</a:t>
-            </a:r>
-          </a:p>
-          <a:p>
-            <a:r>
-              <a:rPr lang="en-US" baseline="0" dirty="0" smtClean="0"/>
-              <a:t>Scales were applied during fitness function</a:t>
-            </a:r>
-          </a:p>
-          <a:p>
-            <a:endParaRPr lang="en-US" baseline="0" dirty="0" smtClean="0"/>
-          </a:p>
-          <a:p>
-            <a:r>
-              <a:rPr lang="en-US" baseline="0" dirty="0" smtClean="0"/>
-              <a:t>Note </a:t>
-            </a:r>
-            <a:r>
-              <a:rPr lang="en-US" baseline="0" dirty="0" err="1" smtClean="0"/>
-              <a:t>params</a:t>
-            </a:r>
-            <a:r>
-              <a:rPr lang="en-US" baseline="0" dirty="0" smtClean="0"/>
-              <a:t> are given wider than usual space as to not make too many assumptions</a:t>
-            </a:r>
             <a:endParaRPr lang="en-US" dirty="0"/>
           </a:p>
         </p:txBody>
@@ -2613,7 +2568,7 @@
     </p:spTree>
     <p:extLst>
       <p:ext uri="{BB962C8B-B14F-4D97-AF65-F5344CB8AC3E}">
-        <p14:creationId xmlns:p14="http://schemas.microsoft.com/office/powerpoint/2010/main" val="704678554"/>
+        <p14:creationId xmlns:p14="http://schemas.microsoft.com/office/powerpoint/2010/main" val="1971904817"/>
       </p:ext>
     </p:extLst>
   </p:cSld>
@@ -3248,7 +3203,7 @@
           <a:p>
             <a:fld id="{ADE5661A-BDAA-4579-B2F5-AA9011776D83}" type="datetimeFigureOut">
               <a:rPr lang="en-US" smtClean="0"/>
-              <a:t>12/1/2015</a:t>
+              <a:t>12/2/2015</a:t>
             </a:fld>
             <a:endParaRPr lang="en-US" dirty="0"/>
           </a:p>
@@ -3446,7 +3401,7 @@
             <a:fld id="{1D8BD707-D9CF-40AE-B4C6-C98DA3205C09}" type="datetimeFigureOut">
               <a:rPr lang="en-US" smtClean="0"/>
               <a:pPr/>
-              <a:t>12/1/2015</a:t>
+              <a:t>12/2/2015</a:t>
             </a:fld>
             <a:endParaRPr lang="en-US" dirty="0"/>
           </a:p>
@@ -3633,7 +3588,7 @@
             <a:fld id="{1D8BD707-D9CF-40AE-B4C6-C98DA3205C09}" type="datetimeFigureOut">
               <a:rPr lang="en-US" smtClean="0"/>
               <a:pPr/>
-              <a:t>12/1/2015</a:t>
+              <a:t>12/2/2015</a:t>
             </a:fld>
             <a:endParaRPr lang="en-US" dirty="0"/>
           </a:p>
@@ -3785,7 +3740,7 @@
             <a:fld id="{1D8BD707-D9CF-40AE-B4C6-C98DA3205C09}" type="datetimeFigureOut">
               <a:rPr lang="en-US" smtClean="0"/>
               <a:pPr/>
-              <a:t>12/1/2015</a:t>
+              <a:t>12/2/2015</a:t>
             </a:fld>
             <a:endParaRPr lang="en-US" dirty="0"/>
           </a:p>
@@ -4041,7 +3996,7 @@
           <a:p>
             <a:fld id="{7D698992-9F5B-4E9D-871D-4517B2EC8643}" type="datetimeFigureOut">
               <a:rPr lang="en-US" smtClean="0"/>
-              <a:t>12/1/2015</a:t>
+              <a:t>12/2/2015</a:t>
             </a:fld>
             <a:endParaRPr lang="en-US" dirty="0"/>
           </a:p>
@@ -4451,7 +4406,7 @@
             <a:fld id="{1D8BD707-D9CF-40AE-B4C6-C98DA3205C09}" type="datetimeFigureOut">
               <a:rPr lang="en-US" smtClean="0"/>
               <a:pPr/>
-              <a:t>12/1/2015</a:t>
+              <a:t>12/2/2015</a:t>
             </a:fld>
             <a:endParaRPr lang="en-US" dirty="0"/>
           </a:p>
@@ -4899,7 +4854,7 @@
             <a:fld id="{1D8BD707-D9CF-40AE-B4C6-C98DA3205C09}" type="datetimeFigureOut">
               <a:rPr lang="en-US" smtClean="0"/>
               <a:pPr/>
-              <a:t>12/1/2015</a:t>
+              <a:t>12/2/2015</a:t>
             </a:fld>
             <a:endParaRPr lang="en-US" dirty="0"/>
           </a:p>
@@ -5002,7 +4957,7 @@
             <a:fld id="{1D8BD707-D9CF-40AE-B4C6-C98DA3205C09}" type="datetimeFigureOut">
               <a:rPr lang="en-US" smtClean="0"/>
               <a:pPr/>
-              <a:t>12/1/2015</a:t>
+              <a:t>12/2/2015</a:t>
             </a:fld>
             <a:endParaRPr lang="en-US" dirty="0"/>
           </a:p>
@@ -5125,7 +5080,7 @@
             <a:fld id="{1D8BD707-D9CF-40AE-B4C6-C98DA3205C09}" type="datetimeFigureOut">
               <a:rPr lang="en-US" smtClean="0"/>
               <a:pPr/>
-              <a:t>12/1/2015</a:t>
+              <a:t>12/2/2015</a:t>
             </a:fld>
             <a:endParaRPr lang="en-US" dirty="0"/>
           </a:p>
@@ -5401,7 +5356,7 @@
             <a:fld id="{1D8BD707-D9CF-40AE-B4C6-C98DA3205C09}" type="datetimeFigureOut">
               <a:rPr lang="en-US" smtClean="0"/>
               <a:pPr/>
-              <a:t>12/1/2015</a:t>
+              <a:t>12/2/2015</a:t>
             </a:fld>
             <a:endParaRPr lang="en-US" dirty="0"/>
           </a:p>
@@ -5608,7 +5563,7 @@
             <a:fld id="{1D8BD707-D9CF-40AE-B4C6-C98DA3205C09}" type="datetimeFigureOut">
               <a:rPr lang="en-US" smtClean="0"/>
               <a:pPr/>
-              <a:t>12/1/2015</a:t>
+              <a:t>12/2/2015</a:t>
             </a:fld>
             <a:endParaRPr lang="en-US" dirty="0"/>
           </a:p>
@@ -6719,7 +6674,7 @@
             <a:fld id="{1D8BD707-D9CF-40AE-B4C6-C98DA3205C09}" type="datetimeFigureOut">
               <a:rPr lang="en-US" smtClean="0"/>
               <a:pPr/>
-              <a:t>12/1/2015</a:t>
+              <a:t>12/2/2015</a:t>
             </a:fld>
             <a:endParaRPr lang="en-US" dirty="0"/>
           </a:p>
@@ -7230,416 +7185,36 @@
           <a:chExt cx="0" cy="0"/>
         </a:xfrm>
       </p:grpSpPr>
-      <mc:AlternateContent xmlns:mc="http://schemas.openxmlformats.org/markup-compatibility/2006">
-        <mc:Choice xmlns:a14="http://schemas.microsoft.com/office/drawing/2010/main" Requires="a14">
-          <p:sp>
-            <p:nvSpPr>
-              <p:cNvPr id="5" name="Content Placeholder 1"/>
-              <p:cNvSpPr txBox="1">
-                <a:spLocks/>
-              </p:cNvSpPr>
-              <p:nvPr/>
-            </p:nvSpPr>
-            <p:spPr>
-              <a:xfrm>
-                <a:off x="457200" y="1481328"/>
-                <a:ext cx="8229600" cy="4525963"/>
-              </a:xfrm>
-              <a:prstGeom prst="rect">
-                <a:avLst/>
-              </a:prstGeom>
-            </p:spPr>
-            <p:txBody>
-              <a:bodyPr vert="horz">
-                <a:normAutofit/>
-              </a:bodyPr>
-              <a:lstStyle>
-                <a:lvl1pPr marL="365760" indent="-256032" algn="l" rtl="0" eaLnBrk="1" latinLnBrk="0" hangingPunct="1">
-                  <a:spcBef>
-                    <a:spcPts val="400"/>
-                  </a:spcBef>
-                  <a:spcAft>
-                    <a:spcPts val="0"/>
-                  </a:spcAft>
-                  <a:buClr>
-                    <a:schemeClr val="accent1"/>
-                  </a:buClr>
-                  <a:buSzPct val="68000"/>
-                  <a:buFont typeface="Wingdings 3"/>
-                  <a:buChar char=""/>
-                  <a:defRPr kumimoji="0" sz="2700" kern="1200">
-                    <a:solidFill>
-                      <a:schemeClr val="tx1"/>
-                    </a:solidFill>
-                    <a:latin typeface="+mn-lt"/>
-                    <a:ea typeface="+mn-ea"/>
-                    <a:cs typeface="+mn-cs"/>
-                  </a:defRPr>
-                </a:lvl1pPr>
-                <a:lvl2pPr marL="621792" indent="-228600" algn="l" rtl="0" eaLnBrk="1" latinLnBrk="0" hangingPunct="1">
-                  <a:spcBef>
-                    <a:spcPts val="324"/>
-                  </a:spcBef>
-                  <a:buClr>
-                    <a:schemeClr val="accent1"/>
-                  </a:buClr>
-                  <a:buFont typeface="Verdana"/>
-                  <a:buChar char="◦"/>
-                  <a:defRPr kumimoji="0" sz="2300" kern="1200">
-                    <a:solidFill>
-                      <a:schemeClr val="tx1"/>
-                    </a:solidFill>
-                    <a:latin typeface="+mn-lt"/>
-                    <a:ea typeface="+mn-ea"/>
-                    <a:cs typeface="+mn-cs"/>
-                  </a:defRPr>
-                </a:lvl2pPr>
-                <a:lvl3pPr marL="859536" indent="-228600" algn="l" rtl="0" eaLnBrk="1" latinLnBrk="0" hangingPunct="1">
-                  <a:spcBef>
-                    <a:spcPts val="350"/>
-                  </a:spcBef>
-                  <a:buClr>
-                    <a:schemeClr val="accent2"/>
-                  </a:buClr>
-                  <a:buSzPct val="100000"/>
-                  <a:buFont typeface="Wingdings 2"/>
-                  <a:buChar char=""/>
-                  <a:defRPr kumimoji="0" sz="2100" kern="1200">
-                    <a:solidFill>
-                      <a:schemeClr val="tx1"/>
-                    </a:solidFill>
-                    <a:latin typeface="+mn-lt"/>
-                    <a:ea typeface="+mn-ea"/>
-                    <a:cs typeface="+mn-cs"/>
-                  </a:defRPr>
-                </a:lvl3pPr>
-                <a:lvl4pPr marL="1143000" indent="-228600" algn="l" rtl="0" eaLnBrk="1" latinLnBrk="0" hangingPunct="1">
-                  <a:spcBef>
-                    <a:spcPts val="350"/>
-                  </a:spcBef>
-                  <a:buClr>
-                    <a:schemeClr val="accent2"/>
-                  </a:buClr>
-                  <a:buFont typeface="Wingdings 2"/>
-                  <a:buChar char=""/>
-                  <a:defRPr kumimoji="0" sz="1900" kern="1200">
-                    <a:solidFill>
-                      <a:schemeClr val="tx1"/>
-                    </a:solidFill>
-                    <a:latin typeface="+mn-lt"/>
-                    <a:ea typeface="+mn-ea"/>
-                    <a:cs typeface="+mn-cs"/>
-                  </a:defRPr>
-                </a:lvl4pPr>
-                <a:lvl5pPr marL="1371600" indent="-228600" algn="l" rtl="0" eaLnBrk="1" latinLnBrk="0" hangingPunct="1">
-                  <a:spcBef>
-                    <a:spcPts val="350"/>
-                  </a:spcBef>
-                  <a:buClr>
-                    <a:schemeClr val="accent2"/>
-                  </a:buClr>
-                  <a:buFont typeface="Wingdings 2"/>
-                  <a:buChar char=""/>
-                  <a:defRPr kumimoji="0" sz="1800" kern="1200">
-                    <a:solidFill>
-                      <a:schemeClr val="tx1"/>
-                    </a:solidFill>
-                    <a:latin typeface="+mn-lt"/>
-                    <a:ea typeface="+mn-ea"/>
-                    <a:cs typeface="+mn-cs"/>
-                  </a:defRPr>
-                </a:lvl5pPr>
-                <a:lvl6pPr marL="1600200" indent="-228600" algn="l" rtl="0" eaLnBrk="1" latinLnBrk="0" hangingPunct="1">
-                  <a:spcBef>
-                    <a:spcPts val="350"/>
-                  </a:spcBef>
-                  <a:buClr>
-                    <a:schemeClr val="accent3"/>
-                  </a:buClr>
-                  <a:buFont typeface="Wingdings 2"/>
-                  <a:buChar char=""/>
-                  <a:defRPr kumimoji="0" sz="1800" kern="1200">
-                    <a:solidFill>
-                      <a:schemeClr val="tx1"/>
-                    </a:solidFill>
-                    <a:latin typeface="+mn-lt"/>
-                    <a:ea typeface="+mn-ea"/>
-                    <a:cs typeface="+mn-cs"/>
-                  </a:defRPr>
-                </a:lvl6pPr>
-                <a:lvl7pPr marL="1828800" indent="-228600" algn="l" rtl="0" eaLnBrk="1" latinLnBrk="0" hangingPunct="1">
-                  <a:spcBef>
-                    <a:spcPts val="350"/>
-                  </a:spcBef>
-                  <a:buClr>
-                    <a:schemeClr val="accent3"/>
-                  </a:buClr>
-                  <a:buFont typeface="Wingdings 2"/>
-                  <a:buChar char=""/>
-                  <a:defRPr kumimoji="0" sz="1600" kern="1200">
-                    <a:solidFill>
-                      <a:schemeClr val="tx1"/>
-                    </a:solidFill>
-                    <a:latin typeface="+mn-lt"/>
-                    <a:ea typeface="+mn-ea"/>
-                    <a:cs typeface="+mn-cs"/>
-                  </a:defRPr>
-                </a:lvl7pPr>
-                <a:lvl8pPr marL="2057400" indent="-228600" algn="l" rtl="0" eaLnBrk="1" latinLnBrk="0" hangingPunct="1">
-                  <a:spcBef>
-                    <a:spcPts val="350"/>
-                  </a:spcBef>
-                  <a:buClr>
-                    <a:schemeClr val="accent3"/>
-                  </a:buClr>
-                  <a:buFont typeface="Wingdings 2"/>
-                  <a:buChar char=""/>
-                  <a:defRPr kumimoji="0" sz="1600" kern="1200">
-                    <a:solidFill>
-                      <a:schemeClr val="tx1"/>
-                    </a:solidFill>
-                    <a:latin typeface="+mn-lt"/>
-                    <a:ea typeface="+mn-ea"/>
-                    <a:cs typeface="+mn-cs"/>
-                  </a:defRPr>
-                </a:lvl8pPr>
-                <a:lvl9pPr marL="2286000" indent="-228600" algn="l" rtl="0" eaLnBrk="1" latinLnBrk="0" hangingPunct="1">
-                  <a:spcBef>
-                    <a:spcPts val="350"/>
-                  </a:spcBef>
-                  <a:buClr>
-                    <a:schemeClr val="accent3"/>
-                  </a:buClr>
-                  <a:buFont typeface="Wingdings 2"/>
-                  <a:buChar char=""/>
-                  <a:defRPr kumimoji="0" sz="1600" kern="1200" baseline="0">
-                    <a:solidFill>
-                      <a:schemeClr val="tx1"/>
-                    </a:solidFill>
-                    <a:latin typeface="+mn-lt"/>
-                    <a:ea typeface="+mn-ea"/>
-                    <a:cs typeface="+mn-cs"/>
-                  </a:defRPr>
-                </a:lvl9pPr>
-                <a:extLst/>
-              </a:lstStyle>
-              <a:p>
-                <a:pPr marL="365760" lvl="1" indent="-256032">
-                  <a:spcBef>
-                    <a:spcPts val="400"/>
-                  </a:spcBef>
-                  <a:buSzPct val="68000"/>
-                  <a:buFont typeface="Wingdings 3"/>
-                  <a:buChar char=""/>
-                </a:pPr>
-                <a:r>
-                  <a:rPr lang="en-US" sz="2700" dirty="0"/>
-                  <a:t>Average of the differences between the clean audio file and the processed audio file</a:t>
-                </a:r>
-                <a:r>
-                  <a:rPr lang="en-US" sz="2700" dirty="0" smtClean="0"/>
-                  <a:t>.</a:t>
-                </a:r>
-              </a:p>
-              <a:p>
-                <a:pPr marL="365760" lvl="1" indent="-256032">
-                  <a:spcBef>
-                    <a:spcPts val="400"/>
-                  </a:spcBef>
-                  <a:buSzPct val="68000"/>
-                  <a:buFont typeface="Wingdings 3"/>
-                  <a:buChar char=""/>
-                </a:pPr>
-                <a:endParaRPr lang="en-US" dirty="0"/>
-              </a:p>
-              <a:p>
-                <a:pPr marL="393192" lvl="1" indent="0">
-                  <a:buNone/>
-                </a:pPr>
-                <a14:m>
-                  <m:oMathPara xmlns:m="http://schemas.openxmlformats.org/officeDocument/2006/math">
-                    <m:oMathParaPr>
-                      <m:jc m:val="centerGroup"/>
-                    </m:oMathParaPr>
-                    <m:oMath xmlns:m="http://schemas.openxmlformats.org/officeDocument/2006/math">
-                      <m:r>
-                        <a:rPr lang="en-US" i="1">
-                          <a:latin typeface="Cambria Math"/>
-                        </a:rPr>
-                        <m:t>𝐹𝑖𝑡𝑛𝑒𝑠𝑠</m:t>
-                      </m:r>
-                      <m:r>
-                        <a:rPr lang="en-US" i="1">
-                          <a:latin typeface="Cambria Math"/>
-                        </a:rPr>
-                        <m:t>= </m:t>
-                      </m:r>
-                      <m:f>
-                        <m:fPr>
-                          <m:ctrlPr>
-                            <a:rPr lang="en-US" i="1">
-                              <a:latin typeface="Cambria Math"/>
-                            </a:rPr>
-                          </m:ctrlPr>
-                        </m:fPr>
-                        <m:num>
-                          <m:r>
-                            <a:rPr lang="en-US" i="1">
-                              <a:latin typeface="Cambria Math"/>
-                            </a:rPr>
-                            <m:t>1</m:t>
-                          </m:r>
-                        </m:num>
-                        <m:den>
-                          <m:r>
-                            <a:rPr lang="en-US" i="1">
-                              <a:latin typeface="Cambria Math"/>
-                            </a:rPr>
-                            <m:t>𝑛</m:t>
-                          </m:r>
-                        </m:den>
-                      </m:f>
-                      <m:d>
-                        <m:dPr>
-                          <m:ctrlPr>
-                            <a:rPr lang="en-US" i="1">
-                              <a:latin typeface="Cambria Math"/>
-                            </a:rPr>
-                          </m:ctrlPr>
-                        </m:dPr>
-                        <m:e>
-                          <m:nary>
-                            <m:naryPr>
-                              <m:chr m:val="∑"/>
-                              <m:limLoc m:val="subSup"/>
-                              <m:ctrlPr>
-                                <a:rPr lang="en-US" i="1">
-                                  <a:latin typeface="Cambria Math"/>
-                                </a:rPr>
-                              </m:ctrlPr>
-                            </m:naryPr>
-                            <m:sub>
-                              <m:r>
-                                <m:rPr>
-                                  <m:brk m:alnAt="25"/>
-                                </m:rPr>
-                                <a:rPr lang="en-US" i="1">
-                                  <a:latin typeface="Cambria Math"/>
-                                </a:rPr>
-                                <m:t>1</m:t>
-                              </m:r>
-                            </m:sub>
-                            <m:sup>
-                              <m:r>
-                                <a:rPr lang="en-US" i="1">
-                                  <a:latin typeface="Cambria Math"/>
-                                </a:rPr>
-                                <m:t>𝑛</m:t>
-                              </m:r>
-                            </m:sup>
-                            <m:e>
-                              <m:r>
-                                <a:rPr lang="en-US" i="1">
-                                  <a:latin typeface="Cambria Math"/>
-                                </a:rPr>
-                                <m:t>𝐴𝐵𝑆</m:t>
-                              </m:r>
-                              <m:r>
-                                <a:rPr lang="en-US" i="1">
-                                  <a:latin typeface="Cambria Math"/>
-                                </a:rPr>
-                                <m:t>(</m:t>
-                              </m:r>
-                              <m:r>
-                                <a:rPr lang="en-US" i="1">
-                                  <a:latin typeface="Cambria Math"/>
-                                </a:rPr>
-                                <m:t>𝐶𝑙𝑒𝑎𝑛</m:t>
-                              </m:r>
-                              <m:r>
-                                <a:rPr lang="en-US" i="1">
-                                  <a:latin typeface="Cambria Math"/>
-                                </a:rPr>
-                                <m:t> −</m:t>
-                              </m:r>
-                              <m:r>
-                                <a:rPr lang="en-US" i="1">
-                                  <a:latin typeface="Cambria Math"/>
-                                </a:rPr>
-                                <m:t>𝑃𝑟𝑜𝑐𝑒𝑠𝑠𝑒𝑑</m:t>
-                              </m:r>
-                              <m:r>
-                                <a:rPr lang="en-US" i="1">
-                                  <a:latin typeface="Cambria Math"/>
-                                </a:rPr>
-                                <m:t>)</m:t>
-                              </m:r>
-                            </m:e>
-                          </m:nary>
-                        </m:e>
-                      </m:d>
-                    </m:oMath>
-                  </m:oMathPara>
-                </a14:m>
-                <a:endParaRPr lang="en-US" i="1" dirty="0" smtClean="0"/>
-              </a:p>
-              <a:p>
-                <a:pPr marL="393192" lvl="1" indent="0">
-                  <a:buNone/>
-                </a:pPr>
-                <a:endParaRPr lang="en-US" i="1" dirty="0"/>
-              </a:p>
-              <a:p>
-                <a:r>
-                  <a:rPr lang="en-US" dirty="0" smtClean="0"/>
-                  <a:t>Lower fitness is desired since it will have less difference from the clean file.</a:t>
-                </a:r>
-              </a:p>
-              <a:p>
-                <a:endParaRPr lang="en-US" dirty="0" smtClean="0"/>
-              </a:p>
-            </p:txBody>
-          </p:sp>
-        </mc:Choice>
-        <mc:Fallback>
-          <p:sp>
-            <p:nvSpPr>
-              <p:cNvPr id="5" name="Content Placeholder 1"/>
-              <p:cNvSpPr txBox="1">
-                <a:spLocks noRot="1" noChangeAspect="1" noMove="1" noResize="1" noEditPoints="1" noAdjustHandles="1" noChangeArrowheads="1" noChangeShapeType="1" noTextEdit="1"/>
-              </p:cNvSpPr>
-              <p:nvPr/>
-            </p:nvSpPr>
-            <p:spPr>
-              <a:xfrm>
-                <a:off x="457200" y="1481328"/>
-                <a:ext cx="8229600" cy="4525963"/>
-              </a:xfrm>
-              <a:prstGeom prst="rect">
-                <a:avLst/>
-              </a:prstGeom>
-              <a:blipFill rotWithShape="1">
-                <a:blip r:embed="rId3"/>
-                <a:stretch>
-                  <a:fillRect t="-1213" r="-519"/>
-                </a:stretch>
-              </a:blipFill>
-            </p:spPr>
-            <p:txBody>
-              <a:bodyPr/>
-              <a:lstStyle/>
-              <a:p>
-                <a:r>
-                  <a:rPr lang="en-US">
-                    <a:noFill/>
-                  </a:rPr>
-                  <a:t> </a:t>
-                </a:r>
-              </a:p>
-            </p:txBody>
-          </p:sp>
-        </mc:Fallback>
-      </mc:AlternateContent>
+      <p:sp>
+        <p:nvSpPr>
+          <p:cNvPr id="2" name="Content Placeholder 1"/>
+          <p:cNvSpPr>
+            <a:spLocks noGrp="1"/>
+          </p:cNvSpPr>
+          <p:nvPr>
+            <p:ph idx="1"/>
+          </p:nvPr>
+        </p:nvSpPr>
+        <p:spPr/>
+        <p:txBody>
+          <a:bodyPr/>
+          <a:lstStyle/>
+          <a:p>
+            <a:r>
+              <a:rPr lang="en-US" dirty="0" smtClean="0"/>
+              <a:t>Each parameter scaled differently</a:t>
+            </a:r>
+            <a:r>
+              <a:rPr lang="en-US" dirty="0"/>
+              <a:t> </a:t>
+            </a:r>
+            <a:r>
+              <a:rPr lang="en-US" dirty="0" smtClean="0"/>
+              <a:t>from [0,1]</a:t>
+            </a:r>
+          </a:p>
+        </p:txBody>
+      </p:sp>
       <p:sp>
         <p:nvSpPr>
           <p:cNvPr id="3" name="Title 2"/>
@@ -7656,17 +7231,584 @@
           <a:lstStyle/>
           <a:p>
             <a:r>
-              <a:rPr lang="en-US" dirty="0" smtClean="0"/>
-              <a:t>Fitness Function</a:t>
-            </a:r>
-            <a:endParaRPr lang="en-US" dirty="0"/>
+              <a:rPr lang="en-US" dirty="0"/>
+              <a:t>Evolutionary Strategy</a:t>
+            </a:r>
           </a:p>
         </p:txBody>
       </p:sp>
+      <p:graphicFrame>
+        <p:nvGraphicFramePr>
+          <p:cNvPr id="30" name="Content Placeholder 3"/>
+          <p:cNvGraphicFramePr>
+            <a:graphicFrameLocks/>
+          </p:cNvGraphicFramePr>
+          <p:nvPr>
+            <p:extLst>
+              <p:ext uri="{D42A27DB-BD31-4B8C-83A1-F6EECF244321}">
+                <p14:modId xmlns:p14="http://schemas.microsoft.com/office/powerpoint/2010/main" val="2573334984"/>
+              </p:ext>
+            </p:extLst>
+          </p:nvPr>
+        </p:nvGraphicFramePr>
+        <p:xfrm>
+          <a:off x="457200" y="2362200"/>
+          <a:ext cx="8229600" cy="3337560"/>
+        </p:xfrm>
+        <a:graphic>
+          <a:graphicData uri="http://schemas.openxmlformats.org/drawingml/2006/table">
+            <a:tbl>
+              <a:tblPr firstRow="1" bandRow="1">
+                <a:tableStyleId>{5C22544A-7EE6-4342-B048-85BDC9FD1C3A}</a:tableStyleId>
+              </a:tblPr>
+              <a:tblGrid>
+                <a:gridCol w="2819400"/>
+                <a:gridCol w="1752600"/>
+                <a:gridCol w="1600200"/>
+                <a:gridCol w="2057400"/>
+              </a:tblGrid>
+              <a:tr h="370840">
+                <a:tc>
+                  <a:txBody>
+                    <a:bodyPr/>
+                    <a:lstStyle/>
+                    <a:p>
+                      <a:r>
+                        <a:rPr lang="en-US" dirty="0" smtClean="0"/>
+                        <a:t>Parameter</a:t>
+                      </a:r>
+                      <a:endParaRPr lang="en-US" dirty="0"/>
+                    </a:p>
+                  </a:txBody>
+                  <a:tcPr/>
+                </a:tc>
+                <a:tc>
+                  <a:txBody>
+                    <a:bodyPr/>
+                    <a:lstStyle/>
+                    <a:p>
+                      <a:r>
+                        <a:rPr lang="en-US" dirty="0" smtClean="0"/>
+                        <a:t>Min</a:t>
+                      </a:r>
+                      <a:endParaRPr lang="en-US" dirty="0"/>
+                    </a:p>
+                  </a:txBody>
+                  <a:tcPr/>
+                </a:tc>
+                <a:tc>
+                  <a:txBody>
+                    <a:bodyPr/>
+                    <a:lstStyle/>
+                    <a:p>
+                      <a:r>
+                        <a:rPr lang="en-US" dirty="0" smtClean="0"/>
+                        <a:t>Max</a:t>
+                      </a:r>
+                      <a:endParaRPr lang="en-US" dirty="0"/>
+                    </a:p>
+                  </a:txBody>
+                  <a:tcPr/>
+                </a:tc>
+                <a:tc>
+                  <a:txBody>
+                    <a:bodyPr/>
+                    <a:lstStyle/>
+                    <a:p>
+                      <a:r>
+                        <a:rPr lang="en-US" dirty="0" smtClean="0"/>
+                        <a:t>“Expert” Value</a:t>
+                      </a:r>
+                      <a:endParaRPr lang="en-US" dirty="0"/>
+                    </a:p>
+                  </a:txBody>
+                  <a:tcPr/>
+                </a:tc>
+              </a:tr>
+              <a:tr h="370840">
+                <a:tc>
+                  <a:txBody>
+                    <a:bodyPr/>
+                    <a:lstStyle/>
+                    <a:p>
+                      <a:r>
+                        <a:rPr lang="en-US" dirty="0" smtClean="0"/>
+                        <a:t>Wiener</a:t>
+                      </a:r>
+                      <a:r>
+                        <a:rPr lang="en-US" baseline="0" dirty="0" smtClean="0"/>
+                        <a:t> Smoothing</a:t>
+                      </a:r>
+                      <a:endParaRPr lang="en-US" dirty="0"/>
+                    </a:p>
+                  </a:txBody>
+                  <a:tcPr/>
+                </a:tc>
+                <a:tc>
+                  <a:txBody>
+                    <a:bodyPr/>
+                    <a:lstStyle/>
+                    <a:p>
+                      <a:r>
+                        <a:rPr lang="en-US" dirty="0" smtClean="0"/>
+                        <a:t>0</a:t>
+                      </a:r>
+                      <a:endParaRPr lang="en-US" dirty="0"/>
+                    </a:p>
+                  </a:txBody>
+                  <a:tcPr/>
+                </a:tc>
+                <a:tc>
+                  <a:txBody>
+                    <a:bodyPr/>
+                    <a:lstStyle/>
+                    <a:p>
+                      <a:r>
+                        <a:rPr lang="en-US" dirty="0" smtClean="0"/>
+                        <a:t>2</a:t>
+                      </a:r>
+                      <a:endParaRPr lang="en-US" dirty="0"/>
+                    </a:p>
+                  </a:txBody>
+                  <a:tcPr/>
+                </a:tc>
+                <a:tc>
+                  <a:txBody>
+                    <a:bodyPr/>
+                    <a:lstStyle/>
+                    <a:p>
+                      <a:r>
+                        <a:rPr lang="en-US" dirty="0" smtClean="0"/>
+                        <a:t>0.98</a:t>
+                      </a:r>
+                      <a:endParaRPr lang="en-US" dirty="0"/>
+                    </a:p>
+                  </a:txBody>
+                  <a:tcPr/>
+                </a:tc>
+              </a:tr>
+              <a:tr h="370840">
+                <a:tc>
+                  <a:txBody>
+                    <a:bodyPr/>
+                    <a:lstStyle/>
+                    <a:p>
+                      <a:r>
+                        <a:rPr lang="en-US" dirty="0" smtClean="0"/>
+                        <a:t>Wiener</a:t>
+                      </a:r>
+                      <a:r>
+                        <a:rPr lang="en-US" baseline="0" dirty="0" smtClean="0"/>
+                        <a:t> Gain</a:t>
+                      </a:r>
+                      <a:endParaRPr lang="en-US" dirty="0"/>
+                    </a:p>
+                  </a:txBody>
+                  <a:tcPr/>
+                </a:tc>
+                <a:tc>
+                  <a:txBody>
+                    <a:bodyPr/>
+                    <a:lstStyle/>
+                    <a:p>
+                      <a:r>
+                        <a:rPr lang="en-US" dirty="0" smtClean="0"/>
+                        <a:t>-2</a:t>
+                      </a:r>
+                      <a:endParaRPr lang="en-US" dirty="0"/>
+                    </a:p>
+                  </a:txBody>
+                  <a:tcPr/>
+                </a:tc>
+                <a:tc>
+                  <a:txBody>
+                    <a:bodyPr/>
+                    <a:lstStyle/>
+                    <a:p>
+                      <a:r>
+                        <a:rPr lang="en-US" dirty="0" smtClean="0"/>
+                        <a:t>2</a:t>
+                      </a:r>
+                      <a:endParaRPr lang="en-US" dirty="0"/>
+                    </a:p>
+                  </a:txBody>
+                  <a:tcPr/>
+                </a:tc>
+                <a:tc>
+                  <a:txBody>
+                    <a:bodyPr/>
+                    <a:lstStyle/>
+                    <a:p>
+                      <a:r>
+                        <a:rPr lang="en-US" dirty="0" smtClean="0"/>
+                        <a:t>N/A</a:t>
+                      </a:r>
+                      <a:endParaRPr lang="en-US" dirty="0"/>
+                    </a:p>
+                  </a:txBody>
+                  <a:tcPr/>
+                </a:tc>
+              </a:tr>
+              <a:tr h="370840">
+                <a:tc>
+                  <a:txBody>
+                    <a:bodyPr/>
+                    <a:lstStyle/>
+                    <a:p>
+                      <a:r>
+                        <a:rPr lang="en-US" dirty="0" smtClean="0"/>
+                        <a:t>Spec Sub Gain</a:t>
+                      </a:r>
+                      <a:endParaRPr lang="en-US" dirty="0"/>
+                    </a:p>
+                  </a:txBody>
+                  <a:tcPr/>
+                </a:tc>
+                <a:tc>
+                  <a:txBody>
+                    <a:bodyPr/>
+                    <a:lstStyle/>
+                    <a:p>
+                      <a:r>
+                        <a:rPr lang="en-US" dirty="0" smtClean="0"/>
+                        <a:t>-2</a:t>
+                      </a:r>
+                      <a:endParaRPr lang="en-US" dirty="0"/>
+                    </a:p>
+                  </a:txBody>
+                  <a:tcPr/>
+                </a:tc>
+                <a:tc>
+                  <a:txBody>
+                    <a:bodyPr/>
+                    <a:lstStyle/>
+                    <a:p>
+                      <a:r>
+                        <a:rPr lang="en-US" dirty="0" smtClean="0"/>
+                        <a:t>2</a:t>
+                      </a:r>
+                      <a:endParaRPr lang="en-US" dirty="0"/>
+                    </a:p>
+                  </a:txBody>
+                  <a:tcPr/>
+                </a:tc>
+                <a:tc>
+                  <a:txBody>
+                    <a:bodyPr/>
+                    <a:lstStyle/>
+                    <a:p>
+                      <a:r>
+                        <a:rPr lang="en-US" smtClean="0"/>
+                        <a:t>N/A</a:t>
+                      </a:r>
+                      <a:endParaRPr lang="en-US" dirty="0"/>
+                    </a:p>
+                  </a:txBody>
+                  <a:tcPr/>
+                </a:tc>
+              </a:tr>
+              <a:tr h="370840">
+                <a:tc>
+                  <a:txBody>
+                    <a:bodyPr/>
+                    <a:lstStyle/>
+                    <a:p>
+                      <a:r>
+                        <a:rPr lang="en-US" dirty="0" smtClean="0"/>
+                        <a:t>Noise</a:t>
+                      </a:r>
+                      <a:r>
+                        <a:rPr lang="en-US" baseline="0" dirty="0" smtClean="0"/>
+                        <a:t> Margin</a:t>
+                      </a:r>
+                      <a:endParaRPr lang="en-US" dirty="0"/>
+                    </a:p>
+                  </a:txBody>
+                  <a:tcPr/>
+                </a:tc>
+                <a:tc>
+                  <a:txBody>
+                    <a:bodyPr/>
+                    <a:lstStyle/>
+                    <a:p>
+                      <a:r>
+                        <a:rPr lang="en-US" dirty="0" smtClean="0"/>
+                        <a:t>0</a:t>
+                      </a:r>
+                      <a:endParaRPr lang="en-US" dirty="0"/>
+                    </a:p>
+                  </a:txBody>
+                  <a:tcPr/>
+                </a:tc>
+                <a:tc>
+                  <a:txBody>
+                    <a:bodyPr/>
+                    <a:lstStyle/>
+                    <a:p>
+                      <a:r>
+                        <a:rPr lang="en-US" dirty="0" smtClean="0"/>
+                        <a:t>20</a:t>
+                      </a:r>
+                      <a:endParaRPr lang="en-US" dirty="0"/>
+                    </a:p>
+                  </a:txBody>
+                  <a:tcPr/>
+                </a:tc>
+                <a:tc>
+                  <a:txBody>
+                    <a:bodyPr/>
+                    <a:lstStyle/>
+                    <a:p>
+                      <a:r>
+                        <a:rPr lang="en-US" dirty="0" smtClean="0"/>
+                        <a:t>8</a:t>
+                      </a:r>
+                      <a:endParaRPr lang="en-US" dirty="0"/>
+                    </a:p>
+                  </a:txBody>
+                  <a:tcPr/>
+                </a:tc>
+              </a:tr>
+              <a:tr h="370840">
+                <a:tc>
+                  <a:txBody>
+                    <a:bodyPr/>
+                    <a:lstStyle/>
+                    <a:p>
+                      <a:r>
+                        <a:rPr lang="en-US" dirty="0" smtClean="0"/>
+                        <a:t>Noise Length</a:t>
+                      </a:r>
+                      <a:endParaRPr lang="en-US" dirty="0"/>
+                    </a:p>
+                  </a:txBody>
+                  <a:tcPr/>
+                </a:tc>
+                <a:tc>
+                  <a:txBody>
+                    <a:bodyPr/>
+                    <a:lstStyle/>
+                    <a:p>
+                      <a:r>
+                        <a:rPr lang="en-US" dirty="0" smtClean="0"/>
+                        <a:t>0 </a:t>
+                      </a:r>
+                      <a:endParaRPr lang="en-US" dirty="0"/>
+                    </a:p>
+                  </a:txBody>
+                  <a:tcPr/>
+                </a:tc>
+                <a:tc>
+                  <a:txBody>
+                    <a:bodyPr/>
+                    <a:lstStyle/>
+                    <a:p>
+                      <a:r>
+                        <a:rPr lang="en-US" dirty="0" smtClean="0"/>
+                        <a:t>20</a:t>
+                      </a:r>
+                      <a:endParaRPr lang="en-US" dirty="0"/>
+                    </a:p>
+                  </a:txBody>
+                  <a:tcPr/>
+                </a:tc>
+                <a:tc>
+                  <a:txBody>
+                    <a:bodyPr/>
+                    <a:lstStyle/>
+                    <a:p>
+                      <a:r>
+                        <a:rPr lang="en-US" dirty="0" smtClean="0"/>
+                        <a:t>18</a:t>
+                      </a:r>
+                      <a:endParaRPr lang="en-US" dirty="0"/>
+                    </a:p>
+                  </a:txBody>
+                  <a:tcPr/>
+                </a:tc>
+              </a:tr>
+              <a:tr h="370840">
+                <a:tc>
+                  <a:txBody>
+                    <a:bodyPr/>
+                    <a:lstStyle/>
+                    <a:p>
+                      <a:r>
+                        <a:rPr lang="en-US" dirty="0" smtClean="0"/>
+                        <a:t>Hangover</a:t>
+                      </a:r>
+                      <a:endParaRPr lang="en-US" dirty="0"/>
+                    </a:p>
+                  </a:txBody>
+                  <a:tcPr/>
+                </a:tc>
+                <a:tc>
+                  <a:txBody>
+                    <a:bodyPr/>
+                    <a:lstStyle/>
+                    <a:p>
+                      <a:r>
+                        <a:rPr lang="en-US" dirty="0" smtClean="0"/>
+                        <a:t>0</a:t>
+                      </a:r>
+                      <a:endParaRPr lang="en-US" dirty="0"/>
+                    </a:p>
+                  </a:txBody>
+                  <a:tcPr/>
+                </a:tc>
+                <a:tc>
+                  <a:txBody>
+                    <a:bodyPr/>
+                    <a:lstStyle/>
+                    <a:p>
+                      <a:r>
+                        <a:rPr lang="en-US" dirty="0" smtClean="0"/>
+                        <a:t>20</a:t>
+                      </a:r>
+                      <a:endParaRPr lang="en-US" dirty="0"/>
+                    </a:p>
+                  </a:txBody>
+                  <a:tcPr/>
+                </a:tc>
+                <a:tc>
+                  <a:txBody>
+                    <a:bodyPr/>
+                    <a:lstStyle/>
+                    <a:p>
+                      <a:r>
+                        <a:rPr lang="en-US" dirty="0" smtClean="0"/>
+                        <a:t>3</a:t>
+                      </a:r>
+                      <a:endParaRPr lang="en-US" dirty="0"/>
+                    </a:p>
+                  </a:txBody>
+                  <a:tcPr/>
+                </a:tc>
+              </a:tr>
+              <a:tr h="370840">
+                <a:tc>
+                  <a:txBody>
+                    <a:bodyPr/>
+                    <a:lstStyle/>
+                    <a:p>
+                      <a:r>
+                        <a:rPr lang="en-US" dirty="0" smtClean="0"/>
+                        <a:t>Threshold</a:t>
+                      </a:r>
+                      <a:endParaRPr lang="en-US" dirty="0"/>
+                    </a:p>
+                  </a:txBody>
+                  <a:tcPr/>
+                </a:tc>
+                <a:tc>
+                  <a:txBody>
+                    <a:bodyPr/>
+                    <a:lstStyle/>
+                    <a:p>
+                      <a:r>
+                        <a:rPr lang="en-US" dirty="0" smtClean="0"/>
+                        <a:t>0</a:t>
+                      </a:r>
+                      <a:endParaRPr lang="en-US" dirty="0"/>
+                    </a:p>
+                  </a:txBody>
+                  <a:tcPr/>
+                </a:tc>
+                <a:tc>
+                  <a:txBody>
+                    <a:bodyPr/>
+                    <a:lstStyle/>
+                    <a:p>
+                      <a:r>
+                        <a:rPr lang="en-US" dirty="0" smtClean="0"/>
+                        <a:t>0.25</a:t>
+                      </a:r>
+                      <a:endParaRPr lang="en-US" dirty="0"/>
+                    </a:p>
+                  </a:txBody>
+                  <a:tcPr/>
+                </a:tc>
+                <a:tc>
+                  <a:txBody>
+                    <a:bodyPr/>
+                    <a:lstStyle/>
+                    <a:p>
+                      <a:r>
+                        <a:rPr lang="en-US" dirty="0" smtClean="0"/>
+                        <a:t>N/A</a:t>
+                      </a:r>
+                      <a:endParaRPr lang="en-US" dirty="0"/>
+                    </a:p>
+                  </a:txBody>
+                  <a:tcPr/>
+                </a:tc>
+              </a:tr>
+              <a:tr h="370840">
+                <a:tc>
+                  <a:txBody>
+                    <a:bodyPr/>
+                    <a:lstStyle/>
+                    <a:p>
+                      <a:r>
+                        <a:rPr lang="en-US" dirty="0" smtClean="0"/>
+                        <a:t>Attack/Release</a:t>
+                      </a:r>
+                      <a:endParaRPr lang="en-US" dirty="0"/>
+                    </a:p>
+                  </a:txBody>
+                  <a:tcPr/>
+                </a:tc>
+                <a:tc>
+                  <a:txBody>
+                    <a:bodyPr/>
+                    <a:lstStyle/>
+                    <a:p>
+                      <a:r>
+                        <a:rPr lang="en-US" dirty="0" smtClean="0"/>
+                        <a:t>0</a:t>
+                      </a:r>
+                      <a:endParaRPr lang="en-US" dirty="0"/>
+                    </a:p>
+                  </a:txBody>
+                  <a:tcPr/>
+                </a:tc>
+                <a:tc>
+                  <a:txBody>
+                    <a:bodyPr/>
+                    <a:lstStyle/>
+                    <a:p>
+                      <a:r>
+                        <a:rPr lang="en-US" dirty="0" smtClean="0"/>
+                        <a:t>10</a:t>
+                      </a:r>
+                      <a:endParaRPr lang="en-US" dirty="0"/>
+                    </a:p>
+                  </a:txBody>
+                  <a:tcPr/>
+                </a:tc>
+                <a:tc>
+                  <a:txBody>
+                    <a:bodyPr/>
+                    <a:lstStyle/>
+                    <a:p>
+                      <a:r>
+                        <a:rPr lang="en-US" dirty="0" smtClean="0"/>
+                        <a:t>N/A</a:t>
+                      </a:r>
+                      <a:endParaRPr lang="en-US" dirty="0"/>
+                    </a:p>
+                  </a:txBody>
+                  <a:tcPr/>
+                </a:tc>
+              </a:tr>
+            </a:tbl>
+          </a:graphicData>
+        </a:graphic>
+      </p:graphicFrame>
     </p:spTree>
     <p:extLst>
       <p:ext uri="{BB962C8B-B14F-4D97-AF65-F5344CB8AC3E}">
-        <p14:creationId xmlns:p14="http://schemas.microsoft.com/office/powerpoint/2010/main" val="3961582741"/>
+        <p14:creationId xmlns:p14="http://schemas.microsoft.com/office/powerpoint/2010/main" val="3266787107"/>
       </p:ext>
     </p:extLst>
   </p:cSld>
@@ -7758,11 +7900,7 @@
             </a:r>
             <a:r>
               <a:rPr lang="en-US" dirty="0" smtClean="0"/>
-              <a:t>Offspring</a:t>
-            </a:r>
-            <a:r>
-              <a:rPr lang="en-US" dirty="0" smtClean="0"/>
-              <a:t> </a:t>
+              <a:t>Offspring </a:t>
             </a:r>
             <a:r>
               <a:rPr lang="en-US" dirty="0"/>
@@ -7781,11 +7919,7 @@
             </a:r>
             <a:r>
               <a:rPr lang="en-US" dirty="0" smtClean="0"/>
-              <a:t>Offspring</a:t>
-            </a:r>
-            <a:r>
-              <a:rPr lang="en-US" dirty="0" smtClean="0"/>
-              <a:t> </a:t>
+              <a:t>Offspring </a:t>
             </a:r>
             <a:r>
               <a:rPr lang="en-US" dirty="0"/>
@@ -7805,16 +7939,11 @@
               <a:rPr lang="en-US" dirty="0" smtClean="0"/>
               <a:t>configuration</a:t>
             </a:r>
-            <a:endParaRPr lang="en-US" dirty="0" smtClean="0"/>
           </a:p>
           <a:p>
             <a:r>
               <a:rPr lang="en-US" dirty="0" smtClean="0"/>
-              <a:t>300 </a:t>
-            </a:r>
-            <a:r>
-              <a:rPr lang="en-US" dirty="0" smtClean="0"/>
-              <a:t>Generations per run</a:t>
+              <a:t>300 Generations per run</a:t>
             </a:r>
           </a:p>
           <a:p>
@@ -9863,15 +9992,7 @@
                             <a:sysClr val="windowText" lastClr="000000"/>
                           </a:solidFill>
                         </a:rPr>
-                        <a:t>Noise </a:t>
-                      </a:r>
-                      <a:r>
-                        <a:rPr lang="en-US" dirty="0" smtClean="0">
-                          <a:solidFill>
-                            <a:sysClr val="windowText" lastClr="000000"/>
-                          </a:solidFill>
-                        </a:rPr>
-                        <a:t>Length</a:t>
+                        <a:t>Noise Length</a:t>
                       </a:r>
                       <a:endParaRPr lang="en-US" dirty="0">
                         <a:solidFill>
@@ -15187,21 +15308,8 @@
           <a:p>
             <a:r>
               <a:rPr lang="en-US" dirty="0" smtClean="0"/>
-              <a:t>I</a:t>
-            </a:r>
-            <a:r>
-              <a:rPr lang="en-US" dirty="0" smtClean="0"/>
-              <a:t>mprove </a:t>
-            </a:r>
-            <a:r>
-              <a:rPr lang="en-US" dirty="0" smtClean="0"/>
-              <a:t>upon the expert results with </a:t>
-            </a:r>
-            <a:r>
-              <a:rPr lang="en-US" dirty="0" smtClean="0"/>
-              <a:t>ES</a:t>
-            </a:r>
-            <a:endParaRPr lang="en-US" dirty="0" smtClean="0"/>
+              <a:t>Improve upon the expert results with ES</a:t>
+            </a:r>
           </a:p>
           <a:p>
             <a:r>
@@ -15238,7 +15346,6 @@
               <a:rPr lang="en-US" dirty="0" smtClean="0"/>
               <a:t>it </a:t>
             </a:r>
-            <a:endParaRPr lang="en-US" dirty="0" smtClean="0"/>
           </a:p>
           <a:p>
             <a:r>
@@ -15332,11 +15439,7 @@
             <a:pPr lvl="1"/>
             <a:r>
               <a:rPr lang="en-US" dirty="0" smtClean="0"/>
-              <a:t>Tuned </a:t>
-            </a:r>
-            <a:r>
-              <a:rPr lang="en-US" dirty="0" smtClean="0"/>
-              <a:t>to human hearing</a:t>
+              <a:t>Tuned to human hearing</a:t>
             </a:r>
           </a:p>
           <a:p>
@@ -15347,11 +15450,7 @@
             </a:r>
             <a:r>
               <a:rPr lang="en-US" dirty="0" smtClean="0"/>
-              <a:t>or </a:t>
-            </a:r>
-            <a:r>
-              <a:rPr lang="en-US" dirty="0" smtClean="0"/>
-              <a:t>computer interpretation</a:t>
+              <a:t>or computer interpretation</a:t>
             </a:r>
           </a:p>
           <a:p>
@@ -17998,36 +18097,416 @@
           <a:chExt cx="0" cy="0"/>
         </a:xfrm>
       </p:grpSpPr>
-      <p:sp>
-        <p:nvSpPr>
-          <p:cNvPr id="2" name="Content Placeholder 1"/>
-          <p:cNvSpPr>
-            <a:spLocks noGrp="1"/>
-          </p:cNvSpPr>
-          <p:nvPr>
-            <p:ph idx="1"/>
-          </p:nvPr>
-        </p:nvSpPr>
-        <p:spPr/>
-        <p:txBody>
-          <a:bodyPr/>
-          <a:lstStyle/>
-          <a:p>
-            <a:r>
-              <a:rPr lang="en-US" dirty="0" smtClean="0"/>
-              <a:t>Each parameter scaled differently</a:t>
-            </a:r>
-            <a:r>
-              <a:rPr lang="en-US" dirty="0"/>
-              <a:t> </a:t>
-            </a:r>
-            <a:r>
-              <a:rPr lang="en-US" dirty="0" smtClean="0"/>
-              <a:t>from [0,1]</a:t>
-            </a:r>
-          </a:p>
-        </p:txBody>
-      </p:sp>
+      <mc:AlternateContent xmlns:mc="http://schemas.openxmlformats.org/markup-compatibility/2006" xmlns:a14="http://schemas.microsoft.com/office/drawing/2010/main">
+        <mc:Choice Requires="a14">
+          <p:sp>
+            <p:nvSpPr>
+              <p:cNvPr id="5" name="Content Placeholder 1"/>
+              <p:cNvSpPr txBox="1">
+                <a:spLocks/>
+              </p:cNvSpPr>
+              <p:nvPr/>
+            </p:nvSpPr>
+            <p:spPr>
+              <a:xfrm>
+                <a:off x="457200" y="1481328"/>
+                <a:ext cx="8229600" cy="4525963"/>
+              </a:xfrm>
+              <a:prstGeom prst="rect">
+                <a:avLst/>
+              </a:prstGeom>
+            </p:spPr>
+            <p:txBody>
+              <a:bodyPr vert="horz">
+                <a:normAutofit/>
+              </a:bodyPr>
+              <a:lstStyle>
+                <a:lvl1pPr marL="365760" indent="-256032" algn="l" rtl="0" eaLnBrk="1" latinLnBrk="0" hangingPunct="1">
+                  <a:spcBef>
+                    <a:spcPts val="400"/>
+                  </a:spcBef>
+                  <a:spcAft>
+                    <a:spcPts val="0"/>
+                  </a:spcAft>
+                  <a:buClr>
+                    <a:schemeClr val="accent1"/>
+                  </a:buClr>
+                  <a:buSzPct val="68000"/>
+                  <a:buFont typeface="Wingdings 3"/>
+                  <a:buChar char=""/>
+                  <a:defRPr kumimoji="0" sz="2700" kern="1200">
+                    <a:solidFill>
+                      <a:schemeClr val="tx1"/>
+                    </a:solidFill>
+                    <a:latin typeface="+mn-lt"/>
+                    <a:ea typeface="+mn-ea"/>
+                    <a:cs typeface="+mn-cs"/>
+                  </a:defRPr>
+                </a:lvl1pPr>
+                <a:lvl2pPr marL="621792" indent="-228600" algn="l" rtl="0" eaLnBrk="1" latinLnBrk="0" hangingPunct="1">
+                  <a:spcBef>
+                    <a:spcPts val="324"/>
+                  </a:spcBef>
+                  <a:buClr>
+                    <a:schemeClr val="accent1"/>
+                  </a:buClr>
+                  <a:buFont typeface="Verdana"/>
+                  <a:buChar char="◦"/>
+                  <a:defRPr kumimoji="0" sz="2300" kern="1200">
+                    <a:solidFill>
+                      <a:schemeClr val="tx1"/>
+                    </a:solidFill>
+                    <a:latin typeface="+mn-lt"/>
+                    <a:ea typeface="+mn-ea"/>
+                    <a:cs typeface="+mn-cs"/>
+                  </a:defRPr>
+                </a:lvl2pPr>
+                <a:lvl3pPr marL="859536" indent="-228600" algn="l" rtl="0" eaLnBrk="1" latinLnBrk="0" hangingPunct="1">
+                  <a:spcBef>
+                    <a:spcPts val="350"/>
+                  </a:spcBef>
+                  <a:buClr>
+                    <a:schemeClr val="accent2"/>
+                  </a:buClr>
+                  <a:buSzPct val="100000"/>
+                  <a:buFont typeface="Wingdings 2"/>
+                  <a:buChar char=""/>
+                  <a:defRPr kumimoji="0" sz="2100" kern="1200">
+                    <a:solidFill>
+                      <a:schemeClr val="tx1"/>
+                    </a:solidFill>
+                    <a:latin typeface="+mn-lt"/>
+                    <a:ea typeface="+mn-ea"/>
+                    <a:cs typeface="+mn-cs"/>
+                  </a:defRPr>
+                </a:lvl3pPr>
+                <a:lvl4pPr marL="1143000" indent="-228600" algn="l" rtl="0" eaLnBrk="1" latinLnBrk="0" hangingPunct="1">
+                  <a:spcBef>
+                    <a:spcPts val="350"/>
+                  </a:spcBef>
+                  <a:buClr>
+                    <a:schemeClr val="accent2"/>
+                  </a:buClr>
+                  <a:buFont typeface="Wingdings 2"/>
+                  <a:buChar char=""/>
+                  <a:defRPr kumimoji="0" sz="1900" kern="1200">
+                    <a:solidFill>
+                      <a:schemeClr val="tx1"/>
+                    </a:solidFill>
+                    <a:latin typeface="+mn-lt"/>
+                    <a:ea typeface="+mn-ea"/>
+                    <a:cs typeface="+mn-cs"/>
+                  </a:defRPr>
+                </a:lvl4pPr>
+                <a:lvl5pPr marL="1371600" indent="-228600" algn="l" rtl="0" eaLnBrk="1" latinLnBrk="0" hangingPunct="1">
+                  <a:spcBef>
+                    <a:spcPts val="350"/>
+                  </a:spcBef>
+                  <a:buClr>
+                    <a:schemeClr val="accent2"/>
+                  </a:buClr>
+                  <a:buFont typeface="Wingdings 2"/>
+                  <a:buChar char=""/>
+                  <a:defRPr kumimoji="0" sz="1800" kern="1200">
+                    <a:solidFill>
+                      <a:schemeClr val="tx1"/>
+                    </a:solidFill>
+                    <a:latin typeface="+mn-lt"/>
+                    <a:ea typeface="+mn-ea"/>
+                    <a:cs typeface="+mn-cs"/>
+                  </a:defRPr>
+                </a:lvl5pPr>
+                <a:lvl6pPr marL="1600200" indent="-228600" algn="l" rtl="0" eaLnBrk="1" latinLnBrk="0" hangingPunct="1">
+                  <a:spcBef>
+                    <a:spcPts val="350"/>
+                  </a:spcBef>
+                  <a:buClr>
+                    <a:schemeClr val="accent3"/>
+                  </a:buClr>
+                  <a:buFont typeface="Wingdings 2"/>
+                  <a:buChar char=""/>
+                  <a:defRPr kumimoji="0" sz="1800" kern="1200">
+                    <a:solidFill>
+                      <a:schemeClr val="tx1"/>
+                    </a:solidFill>
+                    <a:latin typeface="+mn-lt"/>
+                    <a:ea typeface="+mn-ea"/>
+                    <a:cs typeface="+mn-cs"/>
+                  </a:defRPr>
+                </a:lvl6pPr>
+                <a:lvl7pPr marL="1828800" indent="-228600" algn="l" rtl="0" eaLnBrk="1" latinLnBrk="0" hangingPunct="1">
+                  <a:spcBef>
+                    <a:spcPts val="350"/>
+                  </a:spcBef>
+                  <a:buClr>
+                    <a:schemeClr val="accent3"/>
+                  </a:buClr>
+                  <a:buFont typeface="Wingdings 2"/>
+                  <a:buChar char=""/>
+                  <a:defRPr kumimoji="0" sz="1600" kern="1200">
+                    <a:solidFill>
+                      <a:schemeClr val="tx1"/>
+                    </a:solidFill>
+                    <a:latin typeface="+mn-lt"/>
+                    <a:ea typeface="+mn-ea"/>
+                    <a:cs typeface="+mn-cs"/>
+                  </a:defRPr>
+                </a:lvl7pPr>
+                <a:lvl8pPr marL="2057400" indent="-228600" algn="l" rtl="0" eaLnBrk="1" latinLnBrk="0" hangingPunct="1">
+                  <a:spcBef>
+                    <a:spcPts val="350"/>
+                  </a:spcBef>
+                  <a:buClr>
+                    <a:schemeClr val="accent3"/>
+                  </a:buClr>
+                  <a:buFont typeface="Wingdings 2"/>
+                  <a:buChar char=""/>
+                  <a:defRPr kumimoji="0" sz="1600" kern="1200">
+                    <a:solidFill>
+                      <a:schemeClr val="tx1"/>
+                    </a:solidFill>
+                    <a:latin typeface="+mn-lt"/>
+                    <a:ea typeface="+mn-ea"/>
+                    <a:cs typeface="+mn-cs"/>
+                  </a:defRPr>
+                </a:lvl8pPr>
+                <a:lvl9pPr marL="2286000" indent="-228600" algn="l" rtl="0" eaLnBrk="1" latinLnBrk="0" hangingPunct="1">
+                  <a:spcBef>
+                    <a:spcPts val="350"/>
+                  </a:spcBef>
+                  <a:buClr>
+                    <a:schemeClr val="accent3"/>
+                  </a:buClr>
+                  <a:buFont typeface="Wingdings 2"/>
+                  <a:buChar char=""/>
+                  <a:defRPr kumimoji="0" sz="1600" kern="1200" baseline="0">
+                    <a:solidFill>
+                      <a:schemeClr val="tx1"/>
+                    </a:solidFill>
+                    <a:latin typeface="+mn-lt"/>
+                    <a:ea typeface="+mn-ea"/>
+                    <a:cs typeface="+mn-cs"/>
+                  </a:defRPr>
+                </a:lvl9pPr>
+                <a:extLst/>
+              </a:lstStyle>
+              <a:p>
+                <a:pPr marL="365760" lvl="1" indent="-256032">
+                  <a:spcBef>
+                    <a:spcPts val="400"/>
+                  </a:spcBef>
+                  <a:buSzPct val="68000"/>
+                  <a:buFont typeface="Wingdings 3"/>
+                  <a:buChar char=""/>
+                </a:pPr>
+                <a:r>
+                  <a:rPr lang="en-US" sz="2700" dirty="0"/>
+                  <a:t>Average of the differences between the clean audio file and the processed audio file</a:t>
+                </a:r>
+                <a:r>
+                  <a:rPr lang="en-US" sz="2700" dirty="0" smtClean="0"/>
+                  <a:t>.</a:t>
+                </a:r>
+              </a:p>
+              <a:p>
+                <a:pPr marL="365760" lvl="1" indent="-256032">
+                  <a:spcBef>
+                    <a:spcPts val="400"/>
+                  </a:spcBef>
+                  <a:buSzPct val="68000"/>
+                  <a:buFont typeface="Wingdings 3"/>
+                  <a:buChar char=""/>
+                </a:pPr>
+                <a:endParaRPr lang="en-US" dirty="0"/>
+              </a:p>
+              <a:p>
+                <a:pPr marL="393192" lvl="1" indent="0">
+                  <a:buNone/>
+                </a:pPr>
+                <a14:m>
+                  <m:oMathPara xmlns:m="http://schemas.openxmlformats.org/officeDocument/2006/math">
+                    <m:oMathParaPr>
+                      <m:jc m:val="centerGroup"/>
+                    </m:oMathParaPr>
+                    <m:oMath xmlns:m="http://schemas.openxmlformats.org/officeDocument/2006/math">
+                      <m:r>
+                        <a:rPr lang="en-US" i="1">
+                          <a:latin typeface="Cambria Math"/>
+                        </a:rPr>
+                        <m:t>𝐹𝑖𝑡𝑛𝑒𝑠𝑠</m:t>
+                      </m:r>
+                      <m:r>
+                        <a:rPr lang="en-US" i="1">
+                          <a:latin typeface="Cambria Math"/>
+                        </a:rPr>
+                        <m:t>= </m:t>
+                      </m:r>
+                      <m:f>
+                        <m:fPr>
+                          <m:ctrlPr>
+                            <a:rPr lang="en-US" i="1">
+                              <a:latin typeface="Cambria Math"/>
+                            </a:rPr>
+                          </m:ctrlPr>
+                        </m:fPr>
+                        <m:num>
+                          <m:r>
+                            <a:rPr lang="en-US" i="1">
+                              <a:latin typeface="Cambria Math"/>
+                            </a:rPr>
+                            <m:t>1</m:t>
+                          </m:r>
+                        </m:num>
+                        <m:den>
+                          <m:r>
+                            <a:rPr lang="en-US" i="1">
+                              <a:latin typeface="Cambria Math"/>
+                            </a:rPr>
+                            <m:t>𝑛</m:t>
+                          </m:r>
+                        </m:den>
+                      </m:f>
+                      <m:d>
+                        <m:dPr>
+                          <m:ctrlPr>
+                            <a:rPr lang="en-US" i="1">
+                              <a:latin typeface="Cambria Math"/>
+                            </a:rPr>
+                          </m:ctrlPr>
+                        </m:dPr>
+                        <m:e>
+                          <m:nary>
+                            <m:naryPr>
+                              <m:chr m:val="∑"/>
+                              <m:limLoc m:val="subSup"/>
+                              <m:ctrlPr>
+                                <a:rPr lang="en-US" i="1">
+                                  <a:latin typeface="Cambria Math"/>
+                                </a:rPr>
+                              </m:ctrlPr>
+                            </m:naryPr>
+                            <m:sub>
+                              <m:r>
+                                <m:rPr>
+                                  <m:brk m:alnAt="25"/>
+                                </m:rPr>
+                                <a:rPr lang="en-US" i="1">
+                                  <a:latin typeface="Cambria Math"/>
+                                </a:rPr>
+                                <m:t>1</m:t>
+                              </m:r>
+                            </m:sub>
+                            <m:sup>
+                              <m:r>
+                                <a:rPr lang="en-US" i="1">
+                                  <a:latin typeface="Cambria Math"/>
+                                </a:rPr>
+                                <m:t>𝑛</m:t>
+                              </m:r>
+                            </m:sup>
+                            <m:e>
+                              <m:r>
+                                <a:rPr lang="en-US" i="1">
+                                  <a:latin typeface="Cambria Math"/>
+                                </a:rPr>
+                                <m:t>𝐴𝐵𝑆</m:t>
+                              </m:r>
+                              <m:r>
+                                <a:rPr lang="en-US" i="1">
+                                  <a:latin typeface="Cambria Math"/>
+                                </a:rPr>
+                                <m:t>(</m:t>
+                              </m:r>
+                              <m:r>
+                                <a:rPr lang="en-US" i="1">
+                                  <a:latin typeface="Cambria Math"/>
+                                </a:rPr>
+                                <m:t>𝐶𝑙𝑒𝑎𝑛</m:t>
+                              </m:r>
+                              <m:r>
+                                <a:rPr lang="en-US" i="1">
+                                  <a:latin typeface="Cambria Math"/>
+                                </a:rPr>
+                                <m:t> −</m:t>
+                              </m:r>
+                              <m:r>
+                                <a:rPr lang="en-US" i="1">
+                                  <a:latin typeface="Cambria Math"/>
+                                </a:rPr>
+                                <m:t>𝑃𝑟𝑜𝑐𝑒𝑠𝑠𝑒𝑑</m:t>
+                              </m:r>
+                              <m:r>
+                                <a:rPr lang="en-US" i="1">
+                                  <a:latin typeface="Cambria Math"/>
+                                </a:rPr>
+                                <m:t>)</m:t>
+                              </m:r>
+                            </m:e>
+                          </m:nary>
+                        </m:e>
+                      </m:d>
+                    </m:oMath>
+                  </m:oMathPara>
+                </a14:m>
+                <a:endParaRPr lang="en-US" i="1" dirty="0" smtClean="0"/>
+              </a:p>
+              <a:p>
+                <a:pPr marL="393192" lvl="1" indent="0">
+                  <a:buNone/>
+                </a:pPr>
+                <a:endParaRPr lang="en-US" i="1" dirty="0"/>
+              </a:p>
+              <a:p>
+                <a:r>
+                  <a:rPr lang="en-US" dirty="0" smtClean="0"/>
+                  <a:t>Lower fitness is desired since it will have less difference from the clean file.</a:t>
+                </a:r>
+              </a:p>
+              <a:p>
+                <a:endParaRPr lang="en-US" dirty="0" smtClean="0"/>
+              </a:p>
+            </p:txBody>
+          </p:sp>
+        </mc:Choice>
+        <mc:Fallback xmlns="">
+          <p:sp>
+            <p:nvSpPr>
+              <p:cNvPr id="5" name="Content Placeholder 1"/>
+              <p:cNvSpPr txBox="1">
+                <a:spLocks noRot="1" noChangeAspect="1" noMove="1" noResize="1" noEditPoints="1" noAdjustHandles="1" noChangeArrowheads="1" noChangeShapeType="1" noTextEdit="1"/>
+              </p:cNvSpPr>
+              <p:nvPr/>
+            </p:nvSpPr>
+            <p:spPr>
+              <a:xfrm>
+                <a:off x="457200" y="1481328"/>
+                <a:ext cx="8229600" cy="4525963"/>
+              </a:xfrm>
+              <a:prstGeom prst="rect">
+                <a:avLst/>
+              </a:prstGeom>
+              <a:blipFill rotWithShape="1">
+                <a:blip r:embed="rId3"/>
+                <a:stretch>
+                  <a:fillRect t="-1213" r="-519"/>
+                </a:stretch>
+              </a:blipFill>
+            </p:spPr>
+            <p:txBody>
+              <a:bodyPr/>
+              <a:lstStyle/>
+              <a:p>
+                <a:r>
+                  <a:rPr lang="en-US">
+                    <a:noFill/>
+                  </a:rPr>
+                  <a:t> </a:t>
+                </a:r>
+              </a:p>
+            </p:txBody>
+          </p:sp>
+        </mc:Fallback>
+      </mc:AlternateContent>
       <p:sp>
         <p:nvSpPr>
           <p:cNvPr id="3" name="Title 2"/>
@@ -18044,584 +18523,17 @@
           <a:lstStyle/>
           <a:p>
             <a:r>
-              <a:rPr lang="en-US" dirty="0"/>
-              <a:t>Evolutionary Strategy</a:t>
-            </a:r>
+              <a:rPr lang="en-US" dirty="0" smtClean="0"/>
+              <a:t>Fitness Function</a:t>
+            </a:r>
+            <a:endParaRPr lang="en-US" dirty="0"/>
           </a:p>
         </p:txBody>
       </p:sp>
-      <p:graphicFrame>
-        <p:nvGraphicFramePr>
-          <p:cNvPr id="30" name="Content Placeholder 3"/>
-          <p:cNvGraphicFramePr>
-            <a:graphicFrameLocks/>
-          </p:cNvGraphicFramePr>
-          <p:nvPr>
-            <p:extLst>
-              <p:ext uri="{D42A27DB-BD31-4B8C-83A1-F6EECF244321}">
-                <p14:modId xmlns:p14="http://schemas.microsoft.com/office/powerpoint/2010/main" val="1190967663"/>
-              </p:ext>
-            </p:extLst>
-          </p:nvPr>
-        </p:nvGraphicFramePr>
-        <p:xfrm>
-          <a:off x="457200" y="2362200"/>
-          <a:ext cx="8229600" cy="3337560"/>
-        </p:xfrm>
-        <a:graphic>
-          <a:graphicData uri="http://schemas.openxmlformats.org/drawingml/2006/table">
-            <a:tbl>
-              <a:tblPr firstRow="1" bandRow="1">
-                <a:tableStyleId>{5C22544A-7EE6-4342-B048-85BDC9FD1C3A}</a:tableStyleId>
-              </a:tblPr>
-              <a:tblGrid>
-                <a:gridCol w="2819400"/>
-                <a:gridCol w="1752600"/>
-                <a:gridCol w="1600200"/>
-                <a:gridCol w="2057400"/>
-              </a:tblGrid>
-              <a:tr h="370840">
-                <a:tc>
-                  <a:txBody>
-                    <a:bodyPr/>
-                    <a:lstStyle/>
-                    <a:p>
-                      <a:r>
-                        <a:rPr lang="en-US" dirty="0" smtClean="0"/>
-                        <a:t>Parameter</a:t>
-                      </a:r>
-                      <a:endParaRPr lang="en-US" dirty="0"/>
-                    </a:p>
-                  </a:txBody>
-                  <a:tcPr/>
-                </a:tc>
-                <a:tc>
-                  <a:txBody>
-                    <a:bodyPr/>
-                    <a:lstStyle/>
-                    <a:p>
-                      <a:r>
-                        <a:rPr lang="en-US" dirty="0" smtClean="0"/>
-                        <a:t>Min</a:t>
-                      </a:r>
-                      <a:endParaRPr lang="en-US" dirty="0"/>
-                    </a:p>
-                  </a:txBody>
-                  <a:tcPr/>
-                </a:tc>
-                <a:tc>
-                  <a:txBody>
-                    <a:bodyPr/>
-                    <a:lstStyle/>
-                    <a:p>
-                      <a:r>
-                        <a:rPr lang="en-US" dirty="0" smtClean="0"/>
-                        <a:t>Max</a:t>
-                      </a:r>
-                      <a:endParaRPr lang="en-US" dirty="0"/>
-                    </a:p>
-                  </a:txBody>
-                  <a:tcPr/>
-                </a:tc>
-                <a:tc>
-                  <a:txBody>
-                    <a:bodyPr/>
-                    <a:lstStyle/>
-                    <a:p>
-                      <a:r>
-                        <a:rPr lang="en-US" dirty="0" smtClean="0"/>
-                        <a:t>“Expert” Value</a:t>
-                      </a:r>
-                      <a:endParaRPr lang="en-US" dirty="0"/>
-                    </a:p>
-                  </a:txBody>
-                  <a:tcPr/>
-                </a:tc>
-              </a:tr>
-              <a:tr h="370840">
-                <a:tc>
-                  <a:txBody>
-                    <a:bodyPr/>
-                    <a:lstStyle/>
-                    <a:p>
-                      <a:r>
-                        <a:rPr lang="en-US" dirty="0" smtClean="0"/>
-                        <a:t>Wiener</a:t>
-                      </a:r>
-                      <a:r>
-                        <a:rPr lang="en-US" baseline="0" dirty="0" smtClean="0"/>
-                        <a:t> Smoothing</a:t>
-                      </a:r>
-                      <a:endParaRPr lang="en-US" dirty="0"/>
-                    </a:p>
-                  </a:txBody>
-                  <a:tcPr/>
-                </a:tc>
-                <a:tc>
-                  <a:txBody>
-                    <a:bodyPr/>
-                    <a:lstStyle/>
-                    <a:p>
-                      <a:r>
-                        <a:rPr lang="en-US" dirty="0" smtClean="0"/>
-                        <a:t>0</a:t>
-                      </a:r>
-                      <a:endParaRPr lang="en-US" dirty="0"/>
-                    </a:p>
-                  </a:txBody>
-                  <a:tcPr/>
-                </a:tc>
-                <a:tc>
-                  <a:txBody>
-                    <a:bodyPr/>
-                    <a:lstStyle/>
-                    <a:p>
-                      <a:r>
-                        <a:rPr lang="en-US" dirty="0" smtClean="0"/>
-                        <a:t>2</a:t>
-                      </a:r>
-                      <a:endParaRPr lang="en-US" dirty="0"/>
-                    </a:p>
-                  </a:txBody>
-                  <a:tcPr/>
-                </a:tc>
-                <a:tc>
-                  <a:txBody>
-                    <a:bodyPr/>
-                    <a:lstStyle/>
-                    <a:p>
-                      <a:r>
-                        <a:rPr lang="en-US" dirty="0" smtClean="0"/>
-                        <a:t>0.98</a:t>
-                      </a:r>
-                      <a:endParaRPr lang="en-US" dirty="0"/>
-                    </a:p>
-                  </a:txBody>
-                  <a:tcPr/>
-                </a:tc>
-              </a:tr>
-              <a:tr h="370840">
-                <a:tc>
-                  <a:txBody>
-                    <a:bodyPr/>
-                    <a:lstStyle/>
-                    <a:p>
-                      <a:r>
-                        <a:rPr lang="en-US" dirty="0" smtClean="0"/>
-                        <a:t>Wiener</a:t>
-                      </a:r>
-                      <a:r>
-                        <a:rPr lang="en-US" baseline="0" dirty="0" smtClean="0"/>
-                        <a:t> Gain</a:t>
-                      </a:r>
-                      <a:endParaRPr lang="en-US" dirty="0"/>
-                    </a:p>
-                  </a:txBody>
-                  <a:tcPr/>
-                </a:tc>
-                <a:tc>
-                  <a:txBody>
-                    <a:bodyPr/>
-                    <a:lstStyle/>
-                    <a:p>
-                      <a:r>
-                        <a:rPr lang="en-US" dirty="0" smtClean="0"/>
-                        <a:t>-2</a:t>
-                      </a:r>
-                      <a:endParaRPr lang="en-US" dirty="0"/>
-                    </a:p>
-                  </a:txBody>
-                  <a:tcPr/>
-                </a:tc>
-                <a:tc>
-                  <a:txBody>
-                    <a:bodyPr/>
-                    <a:lstStyle/>
-                    <a:p>
-                      <a:r>
-                        <a:rPr lang="en-US" dirty="0" smtClean="0"/>
-                        <a:t>2</a:t>
-                      </a:r>
-                      <a:endParaRPr lang="en-US" dirty="0"/>
-                    </a:p>
-                  </a:txBody>
-                  <a:tcPr/>
-                </a:tc>
-                <a:tc>
-                  <a:txBody>
-                    <a:bodyPr/>
-                    <a:lstStyle/>
-                    <a:p>
-                      <a:r>
-                        <a:rPr lang="en-US" dirty="0" smtClean="0"/>
-                        <a:t>1</a:t>
-                      </a:r>
-                      <a:endParaRPr lang="en-US" dirty="0"/>
-                    </a:p>
-                  </a:txBody>
-                  <a:tcPr/>
-                </a:tc>
-              </a:tr>
-              <a:tr h="370840">
-                <a:tc>
-                  <a:txBody>
-                    <a:bodyPr/>
-                    <a:lstStyle/>
-                    <a:p>
-                      <a:r>
-                        <a:rPr lang="en-US" dirty="0" smtClean="0"/>
-                        <a:t>Spec Sub Gain</a:t>
-                      </a:r>
-                      <a:endParaRPr lang="en-US" dirty="0"/>
-                    </a:p>
-                  </a:txBody>
-                  <a:tcPr/>
-                </a:tc>
-                <a:tc>
-                  <a:txBody>
-                    <a:bodyPr/>
-                    <a:lstStyle/>
-                    <a:p>
-                      <a:r>
-                        <a:rPr lang="en-US" dirty="0" smtClean="0"/>
-                        <a:t>-2</a:t>
-                      </a:r>
-                      <a:endParaRPr lang="en-US" dirty="0"/>
-                    </a:p>
-                  </a:txBody>
-                  <a:tcPr/>
-                </a:tc>
-                <a:tc>
-                  <a:txBody>
-                    <a:bodyPr/>
-                    <a:lstStyle/>
-                    <a:p>
-                      <a:r>
-                        <a:rPr lang="en-US" dirty="0" smtClean="0"/>
-                        <a:t>2</a:t>
-                      </a:r>
-                      <a:endParaRPr lang="en-US" dirty="0"/>
-                    </a:p>
-                  </a:txBody>
-                  <a:tcPr/>
-                </a:tc>
-                <a:tc>
-                  <a:txBody>
-                    <a:bodyPr/>
-                    <a:lstStyle/>
-                    <a:p>
-                      <a:r>
-                        <a:rPr lang="en-US" dirty="0" smtClean="0"/>
-                        <a:t>1</a:t>
-                      </a:r>
-                      <a:endParaRPr lang="en-US" dirty="0"/>
-                    </a:p>
-                  </a:txBody>
-                  <a:tcPr/>
-                </a:tc>
-              </a:tr>
-              <a:tr h="370840">
-                <a:tc>
-                  <a:txBody>
-                    <a:bodyPr/>
-                    <a:lstStyle/>
-                    <a:p>
-                      <a:r>
-                        <a:rPr lang="en-US" dirty="0" smtClean="0"/>
-                        <a:t>Noise</a:t>
-                      </a:r>
-                      <a:r>
-                        <a:rPr lang="en-US" baseline="0" dirty="0" smtClean="0"/>
-                        <a:t> Margin</a:t>
-                      </a:r>
-                      <a:endParaRPr lang="en-US" dirty="0"/>
-                    </a:p>
-                  </a:txBody>
-                  <a:tcPr/>
-                </a:tc>
-                <a:tc>
-                  <a:txBody>
-                    <a:bodyPr/>
-                    <a:lstStyle/>
-                    <a:p>
-                      <a:r>
-                        <a:rPr lang="en-US" dirty="0" smtClean="0"/>
-                        <a:t>0</a:t>
-                      </a:r>
-                      <a:endParaRPr lang="en-US" dirty="0"/>
-                    </a:p>
-                  </a:txBody>
-                  <a:tcPr/>
-                </a:tc>
-                <a:tc>
-                  <a:txBody>
-                    <a:bodyPr/>
-                    <a:lstStyle/>
-                    <a:p>
-                      <a:r>
-                        <a:rPr lang="en-US" dirty="0" smtClean="0"/>
-                        <a:t>20</a:t>
-                      </a:r>
-                      <a:endParaRPr lang="en-US" dirty="0"/>
-                    </a:p>
-                  </a:txBody>
-                  <a:tcPr/>
-                </a:tc>
-                <a:tc>
-                  <a:txBody>
-                    <a:bodyPr/>
-                    <a:lstStyle/>
-                    <a:p>
-                      <a:r>
-                        <a:rPr lang="en-US" dirty="0" smtClean="0"/>
-                        <a:t>8</a:t>
-                      </a:r>
-                      <a:endParaRPr lang="en-US" dirty="0"/>
-                    </a:p>
-                  </a:txBody>
-                  <a:tcPr/>
-                </a:tc>
-              </a:tr>
-              <a:tr h="370840">
-                <a:tc>
-                  <a:txBody>
-                    <a:bodyPr/>
-                    <a:lstStyle/>
-                    <a:p>
-                      <a:r>
-                        <a:rPr lang="en-US" dirty="0" smtClean="0"/>
-                        <a:t>Noise Length</a:t>
-                      </a:r>
-                      <a:endParaRPr lang="en-US" dirty="0"/>
-                    </a:p>
-                  </a:txBody>
-                  <a:tcPr/>
-                </a:tc>
-                <a:tc>
-                  <a:txBody>
-                    <a:bodyPr/>
-                    <a:lstStyle/>
-                    <a:p>
-                      <a:r>
-                        <a:rPr lang="en-US" dirty="0" smtClean="0"/>
-                        <a:t>0 </a:t>
-                      </a:r>
-                      <a:endParaRPr lang="en-US" dirty="0"/>
-                    </a:p>
-                  </a:txBody>
-                  <a:tcPr/>
-                </a:tc>
-                <a:tc>
-                  <a:txBody>
-                    <a:bodyPr/>
-                    <a:lstStyle/>
-                    <a:p>
-                      <a:r>
-                        <a:rPr lang="en-US" dirty="0" smtClean="0"/>
-                        <a:t>20</a:t>
-                      </a:r>
-                      <a:endParaRPr lang="en-US" dirty="0"/>
-                    </a:p>
-                  </a:txBody>
-                  <a:tcPr/>
-                </a:tc>
-                <a:tc>
-                  <a:txBody>
-                    <a:bodyPr/>
-                    <a:lstStyle/>
-                    <a:p>
-                      <a:r>
-                        <a:rPr lang="en-US" dirty="0" smtClean="0"/>
-                        <a:t>20</a:t>
-                      </a:r>
-                      <a:endParaRPr lang="en-US" dirty="0"/>
-                    </a:p>
-                  </a:txBody>
-                  <a:tcPr/>
-                </a:tc>
-              </a:tr>
-              <a:tr h="370840">
-                <a:tc>
-                  <a:txBody>
-                    <a:bodyPr/>
-                    <a:lstStyle/>
-                    <a:p>
-                      <a:r>
-                        <a:rPr lang="en-US" dirty="0" smtClean="0"/>
-                        <a:t>Hangover</a:t>
-                      </a:r>
-                      <a:endParaRPr lang="en-US" dirty="0"/>
-                    </a:p>
-                  </a:txBody>
-                  <a:tcPr/>
-                </a:tc>
-                <a:tc>
-                  <a:txBody>
-                    <a:bodyPr/>
-                    <a:lstStyle/>
-                    <a:p>
-                      <a:r>
-                        <a:rPr lang="en-US" dirty="0" smtClean="0"/>
-                        <a:t>0</a:t>
-                      </a:r>
-                      <a:endParaRPr lang="en-US" dirty="0"/>
-                    </a:p>
-                  </a:txBody>
-                  <a:tcPr/>
-                </a:tc>
-                <a:tc>
-                  <a:txBody>
-                    <a:bodyPr/>
-                    <a:lstStyle/>
-                    <a:p>
-                      <a:r>
-                        <a:rPr lang="en-US" dirty="0" smtClean="0"/>
-                        <a:t>20</a:t>
-                      </a:r>
-                      <a:endParaRPr lang="en-US" dirty="0"/>
-                    </a:p>
-                  </a:txBody>
-                  <a:tcPr/>
-                </a:tc>
-                <a:tc>
-                  <a:txBody>
-                    <a:bodyPr/>
-                    <a:lstStyle/>
-                    <a:p>
-                      <a:r>
-                        <a:rPr lang="en-US" dirty="0" smtClean="0"/>
-                        <a:t>3</a:t>
-                      </a:r>
-                      <a:endParaRPr lang="en-US" dirty="0"/>
-                    </a:p>
-                  </a:txBody>
-                  <a:tcPr/>
-                </a:tc>
-              </a:tr>
-              <a:tr h="370840">
-                <a:tc>
-                  <a:txBody>
-                    <a:bodyPr/>
-                    <a:lstStyle/>
-                    <a:p>
-                      <a:r>
-                        <a:rPr lang="en-US" dirty="0" smtClean="0"/>
-                        <a:t>Threshold</a:t>
-                      </a:r>
-                      <a:endParaRPr lang="en-US" dirty="0"/>
-                    </a:p>
-                  </a:txBody>
-                  <a:tcPr/>
-                </a:tc>
-                <a:tc>
-                  <a:txBody>
-                    <a:bodyPr/>
-                    <a:lstStyle/>
-                    <a:p>
-                      <a:r>
-                        <a:rPr lang="en-US" dirty="0" smtClean="0"/>
-                        <a:t>0</a:t>
-                      </a:r>
-                      <a:endParaRPr lang="en-US" dirty="0"/>
-                    </a:p>
-                  </a:txBody>
-                  <a:tcPr/>
-                </a:tc>
-                <a:tc>
-                  <a:txBody>
-                    <a:bodyPr/>
-                    <a:lstStyle/>
-                    <a:p>
-                      <a:r>
-                        <a:rPr lang="en-US" dirty="0" smtClean="0"/>
-                        <a:t>0.25</a:t>
-                      </a:r>
-                      <a:endParaRPr lang="en-US" dirty="0"/>
-                    </a:p>
-                  </a:txBody>
-                  <a:tcPr/>
-                </a:tc>
-                <a:tc>
-                  <a:txBody>
-                    <a:bodyPr/>
-                    <a:lstStyle/>
-                    <a:p>
-                      <a:r>
-                        <a:rPr lang="en-US" dirty="0" smtClean="0"/>
-                        <a:t>N/A</a:t>
-                      </a:r>
-                      <a:endParaRPr lang="en-US" dirty="0"/>
-                    </a:p>
-                  </a:txBody>
-                  <a:tcPr/>
-                </a:tc>
-              </a:tr>
-              <a:tr h="370840">
-                <a:tc>
-                  <a:txBody>
-                    <a:bodyPr/>
-                    <a:lstStyle/>
-                    <a:p>
-                      <a:r>
-                        <a:rPr lang="en-US" dirty="0" smtClean="0"/>
-                        <a:t>Attack/Release</a:t>
-                      </a:r>
-                      <a:endParaRPr lang="en-US" dirty="0"/>
-                    </a:p>
-                  </a:txBody>
-                  <a:tcPr/>
-                </a:tc>
-                <a:tc>
-                  <a:txBody>
-                    <a:bodyPr/>
-                    <a:lstStyle/>
-                    <a:p>
-                      <a:r>
-                        <a:rPr lang="en-US" dirty="0" smtClean="0"/>
-                        <a:t>0</a:t>
-                      </a:r>
-                      <a:endParaRPr lang="en-US" dirty="0"/>
-                    </a:p>
-                  </a:txBody>
-                  <a:tcPr/>
-                </a:tc>
-                <a:tc>
-                  <a:txBody>
-                    <a:bodyPr/>
-                    <a:lstStyle/>
-                    <a:p>
-                      <a:r>
-                        <a:rPr lang="en-US" dirty="0" smtClean="0"/>
-                        <a:t>10</a:t>
-                      </a:r>
-                      <a:endParaRPr lang="en-US" dirty="0"/>
-                    </a:p>
-                  </a:txBody>
-                  <a:tcPr/>
-                </a:tc>
-                <a:tc>
-                  <a:txBody>
-                    <a:bodyPr/>
-                    <a:lstStyle/>
-                    <a:p>
-                      <a:r>
-                        <a:rPr lang="en-US" dirty="0" smtClean="0"/>
-                        <a:t>N/A</a:t>
-                      </a:r>
-                      <a:endParaRPr lang="en-US" dirty="0"/>
-                    </a:p>
-                  </a:txBody>
-                  <a:tcPr/>
-                </a:tc>
-              </a:tr>
-            </a:tbl>
-          </a:graphicData>
-        </a:graphic>
-      </p:graphicFrame>
     </p:spTree>
     <p:extLst>
       <p:ext uri="{BB962C8B-B14F-4D97-AF65-F5344CB8AC3E}">
-        <p14:creationId xmlns:p14="http://schemas.microsoft.com/office/powerpoint/2010/main" val="3266787107"/>
+        <p14:creationId xmlns:p14="http://schemas.microsoft.com/office/powerpoint/2010/main" val="1099674851"/>
       </p:ext>
     </p:extLst>
   </p:cSld>

--- a/project/848_Project_Presentation_Fasburg_Thomas.pptx
+++ b/project/848_Project_Presentation_Fasburg_Thomas.pptx
@@ -128,7 +128,7 @@
   </p:defaultTextStyle>
   <p:extLst>
     <p:ext uri="{EFAFB233-063F-42B5-8137-9DF3F51BA10A}">
-      <p15:sldGuideLst xmlns:p15="http://schemas.microsoft.com/office/powerpoint/2012/main" xmlns="">
+      <p15:sldGuideLst xmlns="" xmlns:p15="http://schemas.microsoft.com/office/powerpoint/2012/main">
         <p15:guide id="1" orient="horz" pos="2160">
           <p15:clr>
             <a:srgbClr val="A4A3A4"/>
@@ -1931,6 +1931,14 @@
             <a:endParaRPr lang="en-US" dirty="0" smtClean="0"/>
           </a:p>
           <a:p>
+            <a:r>
+              <a:rPr lang="en-US" dirty="0" smtClean="0"/>
+              <a:t>Noise is</a:t>
+            </a:r>
+            <a:r>
+              <a:rPr lang="en-US" baseline="0" dirty="0" smtClean="0"/>
+              <a:t> random in time domain, but roughly static in frequency domain</a:t>
+            </a:r>
             <a:endParaRPr lang="en-US" dirty="0" smtClean="0"/>
           </a:p>
           <a:p>
@@ -16269,8 +16277,9 @@
             </a:r>
             <a:r>
               <a:rPr lang="en-US" dirty="0" smtClean="0"/>
-              <a:t>Y/N</a:t>
-            </a:r>
+              <a:t>Y(f)/N(f)</a:t>
+            </a:r>
+            <a:endParaRPr lang="en-US" dirty="0" smtClean="0"/>
           </a:p>
           <a:p>
             <a:r>
